--- a/02-Marius/2021.05.28-02-Preso.pptx
+++ b/02-Marius/2021.05.28-02-Preso.pptx
@@ -571,6 +571,393 @@
     </pc:docChg>
   </pc:docChgLst>
   <pc:docChgLst>
+    <pc:chgData name="Marius Hole" userId="640c7f4a-0705-4bef-a18e-190e1e8ea9fa" providerId="ADAL" clId="{334E00DB-73A3-4C66-B5F9-E1F69874C6AB}"/>
+    <pc:docChg chg="undo custSel addSld delSld modSld sldOrd">
+      <pc:chgData name="Marius Hole" userId="640c7f4a-0705-4bef-a18e-190e1e8ea9fa" providerId="ADAL" clId="{334E00DB-73A3-4C66-B5F9-E1F69874C6AB}" dt="2021-01-06T19:22:24.836" v="1149"/>
+      <pc:docMkLst>
+        <pc:docMk/>
+      </pc:docMkLst>
+      <pc:sldChg chg="modSp mod">
+        <pc:chgData name="Marius Hole" userId="640c7f4a-0705-4bef-a18e-190e1e8ea9fa" providerId="ADAL" clId="{334E00DB-73A3-4C66-B5F9-E1F69874C6AB}" dt="2021-01-06T19:22:24.836" v="1149"/>
+        <pc:sldMkLst>
+          <pc:docMk/>
+          <pc:sldMk cId="2929233815" sldId="376"/>
+        </pc:sldMkLst>
+        <pc:spChg chg="mod">
+          <ac:chgData name="Marius Hole" userId="640c7f4a-0705-4bef-a18e-190e1e8ea9fa" providerId="ADAL" clId="{334E00DB-73A3-4C66-B5F9-E1F69874C6AB}" dt="2021-01-06T18:48:47.536" v="211" actId="20577"/>
+          <ac:spMkLst>
+            <pc:docMk/>
+            <pc:sldMk cId="2929233815" sldId="376"/>
+            <ac:spMk id="2" creationId="{E930D958-96C8-44C0-926C-3021A53D08A3}"/>
+          </ac:spMkLst>
+        </pc:spChg>
+        <pc:spChg chg="mod">
+          <ac:chgData name="Marius Hole" userId="640c7f4a-0705-4bef-a18e-190e1e8ea9fa" providerId="ADAL" clId="{334E00DB-73A3-4C66-B5F9-E1F69874C6AB}" dt="2021-01-06T19:22:24.836" v="1149"/>
+          <ac:spMkLst>
+            <pc:docMk/>
+            <pc:sldMk cId="2929233815" sldId="376"/>
+            <ac:spMk id="3" creationId="{BC48574D-236C-40BA-AB9B-2BFEF0FE443B}"/>
+          </ac:spMkLst>
+        </pc:spChg>
+      </pc:sldChg>
+      <pc:sldChg chg="del">
+        <pc:chgData name="Marius Hole" userId="640c7f4a-0705-4bef-a18e-190e1e8ea9fa" providerId="ADAL" clId="{334E00DB-73A3-4C66-B5F9-E1F69874C6AB}" dt="2021-01-06T18:13:30.060" v="0" actId="47"/>
+        <pc:sldMkLst>
+          <pc:docMk/>
+          <pc:sldMk cId="249590354" sldId="377"/>
+        </pc:sldMkLst>
+      </pc:sldChg>
+      <pc:sldChg chg="modSp add mod ord">
+        <pc:chgData name="Marius Hole" userId="640c7f4a-0705-4bef-a18e-190e1e8ea9fa" providerId="ADAL" clId="{334E00DB-73A3-4C66-B5F9-E1F69874C6AB}" dt="2021-01-06T19:22:04.484" v="1142"/>
+        <pc:sldMkLst>
+          <pc:docMk/>
+          <pc:sldMk cId="754110363" sldId="377"/>
+        </pc:sldMkLst>
+        <pc:spChg chg="mod">
+          <ac:chgData name="Marius Hole" userId="640c7f4a-0705-4bef-a18e-190e1e8ea9fa" providerId="ADAL" clId="{334E00DB-73A3-4C66-B5F9-E1F69874C6AB}" dt="2021-01-06T18:50:36.101" v="232"/>
+          <ac:spMkLst>
+            <pc:docMk/>
+            <pc:sldMk cId="754110363" sldId="377"/>
+            <ac:spMk id="2" creationId="{E930D958-96C8-44C0-926C-3021A53D08A3}"/>
+          </ac:spMkLst>
+        </pc:spChg>
+      </pc:sldChg>
+      <pc:sldChg chg="addSp delSp modSp add mod">
+        <pc:chgData name="Marius Hole" userId="640c7f4a-0705-4bef-a18e-190e1e8ea9fa" providerId="ADAL" clId="{334E00DB-73A3-4C66-B5F9-E1F69874C6AB}" dt="2021-01-06T19:00:34.833" v="350" actId="1036"/>
+        <pc:sldMkLst>
+          <pc:docMk/>
+          <pc:sldMk cId="2558665023" sldId="378"/>
+        </pc:sldMkLst>
+        <pc:spChg chg="mod">
+          <ac:chgData name="Marius Hole" userId="640c7f4a-0705-4bef-a18e-190e1e8ea9fa" providerId="ADAL" clId="{334E00DB-73A3-4C66-B5F9-E1F69874C6AB}" dt="2021-01-06T18:48:55.204" v="214" actId="20577"/>
+          <ac:spMkLst>
+            <pc:docMk/>
+            <pc:sldMk cId="2558665023" sldId="378"/>
+            <ac:spMk id="2" creationId="{E930D958-96C8-44C0-926C-3021A53D08A3}"/>
+          </ac:spMkLst>
+        </pc:spChg>
+        <pc:spChg chg="mod">
+          <ac:chgData name="Marius Hole" userId="640c7f4a-0705-4bef-a18e-190e1e8ea9fa" providerId="ADAL" clId="{334E00DB-73A3-4C66-B5F9-E1F69874C6AB}" dt="2021-01-06T18:59:52.352" v="280" actId="20577"/>
+          <ac:spMkLst>
+            <pc:docMk/>
+            <pc:sldMk cId="2558665023" sldId="378"/>
+            <ac:spMk id="3" creationId="{BC48574D-236C-40BA-AB9B-2BFEF0FE443B}"/>
+          </ac:spMkLst>
+        </pc:spChg>
+        <pc:spChg chg="add del mod">
+          <ac:chgData name="Marius Hole" userId="640c7f4a-0705-4bef-a18e-190e1e8ea9fa" providerId="ADAL" clId="{334E00DB-73A3-4C66-B5F9-E1F69874C6AB}" dt="2021-01-06T18:59:31.486" v="269" actId="22"/>
+          <ac:spMkLst>
+            <pc:docMk/>
+            <pc:sldMk cId="2558665023" sldId="378"/>
+            <ac:spMk id="8" creationId="{FF602243-485B-415E-8B47-989ADD856CC2}"/>
+          </ac:spMkLst>
+        </pc:spChg>
+        <pc:picChg chg="add del mod">
+          <ac:chgData name="Marius Hole" userId="640c7f4a-0705-4bef-a18e-190e1e8ea9fa" providerId="ADAL" clId="{334E00DB-73A3-4C66-B5F9-E1F69874C6AB}" dt="2021-01-06T19:00:11.431" v="287" actId="478"/>
+          <ac:picMkLst>
+            <pc:docMk/>
+            <pc:sldMk cId="2558665023" sldId="378"/>
+            <ac:picMk id="6" creationId="{CA302BB0-FECB-4683-8733-EA42B772CFB0}"/>
+          </ac:picMkLst>
+        </pc:picChg>
+        <pc:picChg chg="add mod">
+          <ac:chgData name="Marius Hole" userId="640c7f4a-0705-4bef-a18e-190e1e8ea9fa" providerId="ADAL" clId="{334E00DB-73A3-4C66-B5F9-E1F69874C6AB}" dt="2021-01-06T19:00:34.833" v="350" actId="1036"/>
+          <ac:picMkLst>
+            <pc:docMk/>
+            <pc:sldMk cId="2558665023" sldId="378"/>
+            <ac:picMk id="10" creationId="{A91E30D1-BE5F-4929-99B6-C302280630DD}"/>
+          </ac:picMkLst>
+        </pc:picChg>
+      </pc:sldChg>
+      <pc:sldChg chg="del">
+        <pc:chgData name="Marius Hole" userId="640c7f4a-0705-4bef-a18e-190e1e8ea9fa" providerId="ADAL" clId="{334E00DB-73A3-4C66-B5F9-E1F69874C6AB}" dt="2021-01-06T18:13:30.060" v="0" actId="47"/>
+        <pc:sldMkLst>
+          <pc:docMk/>
+          <pc:sldMk cId="3632717848" sldId="378"/>
+        </pc:sldMkLst>
+      </pc:sldChg>
+      <pc:sldChg chg="del">
+        <pc:chgData name="Marius Hole" userId="640c7f4a-0705-4bef-a18e-190e1e8ea9fa" providerId="ADAL" clId="{334E00DB-73A3-4C66-B5F9-E1F69874C6AB}" dt="2021-01-06T18:13:30.060" v="0" actId="47"/>
+        <pc:sldMkLst>
+          <pc:docMk/>
+          <pc:sldMk cId="543533042" sldId="379"/>
+        </pc:sldMkLst>
+      </pc:sldChg>
+      <pc:sldChg chg="modSp add mod">
+        <pc:chgData name="Marius Hole" userId="640c7f4a-0705-4bef-a18e-190e1e8ea9fa" providerId="ADAL" clId="{334E00DB-73A3-4C66-B5F9-E1F69874C6AB}" dt="2021-01-06T19:06:37.734" v="375" actId="20577"/>
+        <pc:sldMkLst>
+          <pc:docMk/>
+          <pc:sldMk cId="3915907644" sldId="379"/>
+        </pc:sldMkLst>
+        <pc:spChg chg="mod">
+          <ac:chgData name="Marius Hole" userId="640c7f4a-0705-4bef-a18e-190e1e8ea9fa" providerId="ADAL" clId="{334E00DB-73A3-4C66-B5F9-E1F69874C6AB}" dt="2021-01-06T19:04:33.012" v="355" actId="20577"/>
+          <ac:spMkLst>
+            <pc:docMk/>
+            <pc:sldMk cId="3915907644" sldId="379"/>
+            <ac:spMk id="2" creationId="{E930D958-96C8-44C0-926C-3021A53D08A3}"/>
+          </ac:spMkLst>
+        </pc:spChg>
+        <pc:spChg chg="mod">
+          <ac:chgData name="Marius Hole" userId="640c7f4a-0705-4bef-a18e-190e1e8ea9fa" providerId="ADAL" clId="{334E00DB-73A3-4C66-B5F9-E1F69874C6AB}" dt="2021-01-06T19:06:37.734" v="375" actId="20577"/>
+          <ac:spMkLst>
+            <pc:docMk/>
+            <pc:sldMk cId="3915907644" sldId="379"/>
+            <ac:spMk id="3" creationId="{BC48574D-236C-40BA-AB9B-2BFEF0FE443B}"/>
+          </ac:spMkLst>
+        </pc:spChg>
+      </pc:sldChg>
+      <pc:sldChg chg="addSp delSp modSp add mod">
+        <pc:chgData name="Marius Hole" userId="640c7f4a-0705-4bef-a18e-190e1e8ea9fa" providerId="ADAL" clId="{334E00DB-73A3-4C66-B5F9-E1F69874C6AB}" dt="2021-01-06T19:09:10.578" v="446" actId="732"/>
+        <pc:sldMkLst>
+          <pc:docMk/>
+          <pc:sldMk cId="2276069888" sldId="380"/>
+        </pc:sldMkLst>
+        <pc:spChg chg="mod">
+          <ac:chgData name="Marius Hole" userId="640c7f4a-0705-4bef-a18e-190e1e8ea9fa" providerId="ADAL" clId="{334E00DB-73A3-4C66-B5F9-E1F69874C6AB}" dt="2021-01-06T18:49:21.703" v="221"/>
+          <ac:spMkLst>
+            <pc:docMk/>
+            <pc:sldMk cId="2276069888" sldId="380"/>
+            <ac:spMk id="2" creationId="{E930D958-96C8-44C0-926C-3021A53D08A3}"/>
+          </ac:spMkLst>
+        </pc:spChg>
+        <pc:spChg chg="del mod">
+          <ac:chgData name="Marius Hole" userId="640c7f4a-0705-4bef-a18e-190e1e8ea9fa" providerId="ADAL" clId="{334E00DB-73A3-4C66-B5F9-E1F69874C6AB}" dt="2021-01-06T19:08:10.477" v="377" actId="22"/>
+          <ac:spMkLst>
+            <pc:docMk/>
+            <pc:sldMk cId="2276069888" sldId="380"/>
+            <ac:spMk id="3" creationId="{BC48574D-236C-40BA-AB9B-2BFEF0FE443B}"/>
+          </ac:spMkLst>
+        </pc:spChg>
+        <pc:spChg chg="add mod">
+          <ac:chgData name="Marius Hole" userId="640c7f4a-0705-4bef-a18e-190e1e8ea9fa" providerId="ADAL" clId="{334E00DB-73A3-4C66-B5F9-E1F69874C6AB}" dt="2021-01-06T19:08:51.211" v="378" actId="478"/>
+          <ac:spMkLst>
+            <pc:docMk/>
+            <pc:sldMk cId="2276069888" sldId="380"/>
+            <ac:spMk id="8" creationId="{CDFA02B8-7FC7-472D-8813-C40EA113DBDE}"/>
+          </ac:spMkLst>
+        </pc:spChg>
+        <pc:picChg chg="add del mod ord">
+          <ac:chgData name="Marius Hole" userId="640c7f4a-0705-4bef-a18e-190e1e8ea9fa" providerId="ADAL" clId="{334E00DB-73A3-4C66-B5F9-E1F69874C6AB}" dt="2021-01-06T19:08:51.211" v="378" actId="478"/>
+          <ac:picMkLst>
+            <pc:docMk/>
+            <pc:sldMk cId="2276069888" sldId="380"/>
+            <ac:picMk id="6" creationId="{416602B4-B5F3-49E6-A769-CD3E9C5E60DE}"/>
+          </ac:picMkLst>
+        </pc:picChg>
+        <pc:picChg chg="add mod modCrop">
+          <ac:chgData name="Marius Hole" userId="640c7f4a-0705-4bef-a18e-190e1e8ea9fa" providerId="ADAL" clId="{334E00DB-73A3-4C66-B5F9-E1F69874C6AB}" dt="2021-01-06T19:09:10.578" v="446" actId="732"/>
+          <ac:picMkLst>
+            <pc:docMk/>
+            <pc:sldMk cId="2276069888" sldId="380"/>
+            <ac:picMk id="10" creationId="{38A9B8CA-EFDF-44A1-A783-A735843C83A2}"/>
+          </ac:picMkLst>
+        </pc:picChg>
+      </pc:sldChg>
+      <pc:sldChg chg="del">
+        <pc:chgData name="Marius Hole" userId="640c7f4a-0705-4bef-a18e-190e1e8ea9fa" providerId="ADAL" clId="{334E00DB-73A3-4C66-B5F9-E1F69874C6AB}" dt="2021-01-06T18:13:30.060" v="0" actId="47"/>
+        <pc:sldMkLst>
+          <pc:docMk/>
+          <pc:sldMk cId="2812440683" sldId="380"/>
+        </pc:sldMkLst>
+      </pc:sldChg>
+      <pc:sldChg chg="del">
+        <pc:chgData name="Marius Hole" userId="640c7f4a-0705-4bef-a18e-190e1e8ea9fa" providerId="ADAL" clId="{334E00DB-73A3-4C66-B5F9-E1F69874C6AB}" dt="2021-01-06T18:13:30.060" v="0" actId="47"/>
+        <pc:sldMkLst>
+          <pc:docMk/>
+          <pc:sldMk cId="2184951065" sldId="381"/>
+        </pc:sldMkLst>
+      </pc:sldChg>
+      <pc:sldChg chg="modSp add mod">
+        <pc:chgData name="Marius Hole" userId="640c7f4a-0705-4bef-a18e-190e1e8ea9fa" providerId="ADAL" clId="{334E00DB-73A3-4C66-B5F9-E1F69874C6AB}" dt="2021-01-06T19:21:16.533" v="1136" actId="255"/>
+        <pc:sldMkLst>
+          <pc:docMk/>
+          <pc:sldMk cId="3936969087" sldId="381"/>
+        </pc:sldMkLst>
+        <pc:spChg chg="mod">
+          <ac:chgData name="Marius Hole" userId="640c7f4a-0705-4bef-a18e-190e1e8ea9fa" providerId="ADAL" clId="{334E00DB-73A3-4C66-B5F9-E1F69874C6AB}" dt="2021-01-06T18:49:44.268" v="223"/>
+          <ac:spMkLst>
+            <pc:docMk/>
+            <pc:sldMk cId="3936969087" sldId="381"/>
+            <ac:spMk id="2" creationId="{E930D958-96C8-44C0-926C-3021A53D08A3}"/>
+          </ac:spMkLst>
+        </pc:spChg>
+        <pc:spChg chg="mod">
+          <ac:chgData name="Marius Hole" userId="640c7f4a-0705-4bef-a18e-190e1e8ea9fa" providerId="ADAL" clId="{334E00DB-73A3-4C66-B5F9-E1F69874C6AB}" dt="2021-01-06T19:21:16.533" v="1136" actId="255"/>
+          <ac:spMkLst>
+            <pc:docMk/>
+            <pc:sldMk cId="3936969087" sldId="381"/>
+            <ac:spMk id="3" creationId="{BC48574D-236C-40BA-AB9B-2BFEF0FE443B}"/>
+          </ac:spMkLst>
+        </pc:spChg>
+      </pc:sldChg>
+      <pc:sldChg chg="del">
+        <pc:chgData name="Marius Hole" userId="640c7f4a-0705-4bef-a18e-190e1e8ea9fa" providerId="ADAL" clId="{334E00DB-73A3-4C66-B5F9-E1F69874C6AB}" dt="2021-01-06T18:13:30.060" v="0" actId="47"/>
+        <pc:sldMkLst>
+          <pc:docMk/>
+          <pc:sldMk cId="1822421915" sldId="382"/>
+        </pc:sldMkLst>
+      </pc:sldChg>
+      <pc:sldChg chg="addSp modSp add mod">
+        <pc:chgData name="Marius Hole" userId="640c7f4a-0705-4bef-a18e-190e1e8ea9fa" providerId="ADAL" clId="{334E00DB-73A3-4C66-B5F9-E1F69874C6AB}" dt="2021-01-06T19:12:03.869" v="591" actId="22"/>
+        <pc:sldMkLst>
+          <pc:docMk/>
+          <pc:sldMk cId="3962111285" sldId="382"/>
+        </pc:sldMkLst>
+        <pc:spChg chg="mod">
+          <ac:chgData name="Marius Hole" userId="640c7f4a-0705-4bef-a18e-190e1e8ea9fa" providerId="ADAL" clId="{334E00DB-73A3-4C66-B5F9-E1F69874C6AB}" dt="2021-01-06T18:49:56.657" v="225"/>
+          <ac:spMkLst>
+            <pc:docMk/>
+            <pc:sldMk cId="3962111285" sldId="382"/>
+            <ac:spMk id="2" creationId="{E930D958-96C8-44C0-926C-3021A53D08A3}"/>
+          </ac:spMkLst>
+        </pc:spChg>
+        <pc:spChg chg="mod">
+          <ac:chgData name="Marius Hole" userId="640c7f4a-0705-4bef-a18e-190e1e8ea9fa" providerId="ADAL" clId="{334E00DB-73A3-4C66-B5F9-E1F69874C6AB}" dt="2021-01-06T18:54:01.143" v="236" actId="20577"/>
+          <ac:spMkLst>
+            <pc:docMk/>
+            <pc:sldMk cId="3962111285" sldId="382"/>
+            <ac:spMk id="3" creationId="{BC48574D-236C-40BA-AB9B-2BFEF0FE443B}"/>
+          </ac:spMkLst>
+        </pc:spChg>
+        <pc:picChg chg="add">
+          <ac:chgData name="Marius Hole" userId="640c7f4a-0705-4bef-a18e-190e1e8ea9fa" providerId="ADAL" clId="{334E00DB-73A3-4C66-B5F9-E1F69874C6AB}" dt="2021-01-06T19:12:03.869" v="591" actId="22"/>
+          <ac:picMkLst>
+            <pc:docMk/>
+            <pc:sldMk cId="3962111285" sldId="382"/>
+            <ac:picMk id="6" creationId="{D29C994D-05DB-4EF4-BA77-6C4452F92C87}"/>
+          </ac:picMkLst>
+        </pc:picChg>
+      </pc:sldChg>
+      <pc:sldChg chg="del">
+        <pc:chgData name="Marius Hole" userId="640c7f4a-0705-4bef-a18e-190e1e8ea9fa" providerId="ADAL" clId="{334E00DB-73A3-4C66-B5F9-E1F69874C6AB}" dt="2021-01-06T18:13:30.060" v="0" actId="47"/>
+        <pc:sldMkLst>
+          <pc:docMk/>
+          <pc:sldMk cId="2459803469" sldId="383"/>
+        </pc:sldMkLst>
+      </pc:sldChg>
+      <pc:sldChg chg="modSp add mod ord">
+        <pc:chgData name="Marius Hole" userId="640c7f4a-0705-4bef-a18e-190e1e8ea9fa" providerId="ADAL" clId="{334E00DB-73A3-4C66-B5F9-E1F69874C6AB}" dt="2021-01-06T19:21:56.194" v="1138"/>
+        <pc:sldMkLst>
+          <pc:docMk/>
+          <pc:sldMk cId="2497512606" sldId="383"/>
+        </pc:sldMkLst>
+        <pc:spChg chg="mod">
+          <ac:chgData name="Marius Hole" userId="640c7f4a-0705-4bef-a18e-190e1e8ea9fa" providerId="ADAL" clId="{334E00DB-73A3-4C66-B5F9-E1F69874C6AB}" dt="2021-01-06T18:50:06.622" v="227"/>
+          <ac:spMkLst>
+            <pc:docMk/>
+            <pc:sldMk cId="2497512606" sldId="383"/>
+            <ac:spMk id="2" creationId="{E930D958-96C8-44C0-926C-3021A53D08A3}"/>
+          </ac:spMkLst>
+        </pc:spChg>
+        <pc:spChg chg="mod">
+          <ac:chgData name="Marius Hole" userId="640c7f4a-0705-4bef-a18e-190e1e8ea9fa" providerId="ADAL" clId="{334E00DB-73A3-4C66-B5F9-E1F69874C6AB}" dt="2021-01-06T19:14:15.905" v="813" actId="20577"/>
+          <ac:spMkLst>
+            <pc:docMk/>
+            <pc:sldMk cId="2497512606" sldId="383"/>
+            <ac:spMk id="3" creationId="{BC48574D-236C-40BA-AB9B-2BFEF0FE443B}"/>
+          </ac:spMkLst>
+        </pc:spChg>
+      </pc:sldChg>
+      <pc:sldChg chg="del">
+        <pc:chgData name="Marius Hole" userId="640c7f4a-0705-4bef-a18e-190e1e8ea9fa" providerId="ADAL" clId="{334E00DB-73A3-4C66-B5F9-E1F69874C6AB}" dt="2021-01-06T18:13:30.060" v="0" actId="47"/>
+        <pc:sldMkLst>
+          <pc:docMk/>
+          <pc:sldMk cId="577501438" sldId="384"/>
+        </pc:sldMkLst>
+      </pc:sldChg>
+      <pc:sldChg chg="addSp modSp add mod">
+        <pc:chgData name="Marius Hole" userId="640c7f4a-0705-4bef-a18e-190e1e8ea9fa" providerId="ADAL" clId="{334E00DB-73A3-4C66-B5F9-E1F69874C6AB}" dt="2021-01-06T19:16:29.432" v="928" actId="1036"/>
+        <pc:sldMkLst>
+          <pc:docMk/>
+          <pc:sldMk cId="4253442726" sldId="384"/>
+        </pc:sldMkLst>
+        <pc:spChg chg="mod">
+          <ac:chgData name="Marius Hole" userId="640c7f4a-0705-4bef-a18e-190e1e8ea9fa" providerId="ADAL" clId="{334E00DB-73A3-4C66-B5F9-E1F69874C6AB}" dt="2021-01-06T18:50:16.614" v="229"/>
+          <ac:spMkLst>
+            <pc:docMk/>
+            <pc:sldMk cId="4253442726" sldId="384"/>
+            <ac:spMk id="2" creationId="{E930D958-96C8-44C0-926C-3021A53D08A3}"/>
+          </ac:spMkLst>
+        </pc:spChg>
+        <pc:spChg chg="mod">
+          <ac:chgData name="Marius Hole" userId="640c7f4a-0705-4bef-a18e-190e1e8ea9fa" providerId="ADAL" clId="{334E00DB-73A3-4C66-B5F9-E1F69874C6AB}" dt="2021-01-06T19:15:22.974" v="823" actId="20577"/>
+          <ac:spMkLst>
+            <pc:docMk/>
+            <pc:sldMk cId="4253442726" sldId="384"/>
+            <ac:spMk id="3" creationId="{BC48574D-236C-40BA-AB9B-2BFEF0FE443B}"/>
+          </ac:spMkLst>
+        </pc:spChg>
+        <pc:picChg chg="add mod">
+          <ac:chgData name="Marius Hole" userId="640c7f4a-0705-4bef-a18e-190e1e8ea9fa" providerId="ADAL" clId="{334E00DB-73A3-4C66-B5F9-E1F69874C6AB}" dt="2021-01-06T19:16:14.767" v="850" actId="1035"/>
+          <ac:picMkLst>
+            <pc:docMk/>
+            <pc:sldMk cId="4253442726" sldId="384"/>
+            <ac:picMk id="6" creationId="{97938470-CC33-4034-AFF7-598CED5954B4}"/>
+          </ac:picMkLst>
+        </pc:picChg>
+        <pc:picChg chg="add mod">
+          <ac:chgData name="Marius Hole" userId="640c7f4a-0705-4bef-a18e-190e1e8ea9fa" providerId="ADAL" clId="{334E00DB-73A3-4C66-B5F9-E1F69874C6AB}" dt="2021-01-06T19:16:29.432" v="928" actId="1036"/>
+          <ac:picMkLst>
+            <pc:docMk/>
+            <pc:sldMk cId="4253442726" sldId="384"/>
+            <ac:picMk id="8" creationId="{556CA2DD-D489-4DCB-A783-4868B20A54D9}"/>
+          </ac:picMkLst>
+        </pc:picChg>
+      </pc:sldChg>
+      <pc:sldChg chg="modSp add mod">
+        <pc:chgData name="Marius Hole" userId="640c7f4a-0705-4bef-a18e-190e1e8ea9fa" providerId="ADAL" clId="{334E00DB-73A3-4C66-B5F9-E1F69874C6AB}" dt="2021-01-06T19:18:08.752" v="1027" actId="20577"/>
+        <pc:sldMkLst>
+          <pc:docMk/>
+          <pc:sldMk cId="1602860480" sldId="385"/>
+        </pc:sldMkLst>
+        <pc:spChg chg="mod">
+          <ac:chgData name="Marius Hole" userId="640c7f4a-0705-4bef-a18e-190e1e8ea9fa" providerId="ADAL" clId="{334E00DB-73A3-4C66-B5F9-E1F69874C6AB}" dt="2021-01-06T18:50:25.508" v="231"/>
+          <ac:spMkLst>
+            <pc:docMk/>
+            <pc:sldMk cId="1602860480" sldId="385"/>
+            <ac:spMk id="2" creationId="{E930D958-96C8-44C0-926C-3021A53D08A3}"/>
+          </ac:spMkLst>
+        </pc:spChg>
+        <pc:spChg chg="mod">
+          <ac:chgData name="Marius Hole" userId="640c7f4a-0705-4bef-a18e-190e1e8ea9fa" providerId="ADAL" clId="{334E00DB-73A3-4C66-B5F9-E1F69874C6AB}" dt="2021-01-06T19:18:08.752" v="1027" actId="20577"/>
+          <ac:spMkLst>
+            <pc:docMk/>
+            <pc:sldMk cId="1602860480" sldId="385"/>
+            <ac:spMk id="3" creationId="{BC48574D-236C-40BA-AB9B-2BFEF0FE443B}"/>
+          </ac:spMkLst>
+        </pc:spChg>
+      </pc:sldChg>
+      <pc:sldChg chg="del">
+        <pc:chgData name="Marius Hole" userId="640c7f4a-0705-4bef-a18e-190e1e8ea9fa" providerId="ADAL" clId="{334E00DB-73A3-4C66-B5F9-E1F69874C6AB}" dt="2021-01-06T18:13:30.060" v="0" actId="47"/>
+        <pc:sldMkLst>
+          <pc:docMk/>
+          <pc:sldMk cId="2073677069" sldId="385"/>
+        </pc:sldMkLst>
+      </pc:sldChg>
+      <pc:sldChg chg="del">
+        <pc:chgData name="Marius Hole" userId="640c7f4a-0705-4bef-a18e-190e1e8ea9fa" providerId="ADAL" clId="{334E00DB-73A3-4C66-B5F9-E1F69874C6AB}" dt="2021-01-06T18:13:30.060" v="0" actId="47"/>
+        <pc:sldMkLst>
+          <pc:docMk/>
+          <pc:sldMk cId="603924555" sldId="386"/>
+        </pc:sldMkLst>
+      </pc:sldChg>
+      <pc:sldChg chg="del">
+        <pc:chgData name="Marius Hole" userId="640c7f4a-0705-4bef-a18e-190e1e8ea9fa" providerId="ADAL" clId="{334E00DB-73A3-4C66-B5F9-E1F69874C6AB}" dt="2021-01-06T18:13:30.060" v="0" actId="47"/>
+        <pc:sldMkLst>
+          <pc:docMk/>
+          <pc:sldMk cId="3587055991" sldId="387"/>
+        </pc:sldMkLst>
+      </pc:sldChg>
+      <pc:sldChg chg="del">
+        <pc:chgData name="Marius Hole" userId="640c7f4a-0705-4bef-a18e-190e1e8ea9fa" providerId="ADAL" clId="{334E00DB-73A3-4C66-B5F9-E1F69874C6AB}" dt="2021-01-06T18:13:30.060" v="0" actId="47"/>
+        <pc:sldMkLst>
+          <pc:docMk/>
+          <pc:sldMk cId="1563450011" sldId="388"/>
+        </pc:sldMkLst>
+      </pc:sldChg>
+    </pc:docChg>
+  </pc:docChgLst>
+  <pc:docChgLst>
     <pc:chgData name="Marius Hole" userId="640c7f4a-0705-4bef-a18e-190e1e8ea9fa" providerId="ADAL" clId="{03CCA8CE-B5A5-46F6-A122-F34E93E457F2}"/>
     <pc:docChg chg="undo custSel addSld delSld modSld sldOrd">
       <pc:chgData name="Marius Hole" userId="640c7f4a-0705-4bef-a18e-190e1e8ea9fa" providerId="ADAL" clId="{03CCA8CE-B5A5-46F6-A122-F34E93E457F2}" dt="2021-05-19T11:14:14.144" v="18" actId="47"/>
@@ -694,393 +1081,6 @@
         <pc:sldMkLst>
           <pc:docMk/>
           <pc:sldMk cId="2803065246" sldId="409"/>
-        </pc:sldMkLst>
-      </pc:sldChg>
-    </pc:docChg>
-  </pc:docChgLst>
-  <pc:docChgLst>
-    <pc:chgData name="Marius Hole" userId="640c7f4a-0705-4bef-a18e-190e1e8ea9fa" providerId="ADAL" clId="{334E00DB-73A3-4C66-B5F9-E1F69874C6AB}"/>
-    <pc:docChg chg="undo custSel addSld delSld modSld sldOrd">
-      <pc:chgData name="Marius Hole" userId="640c7f4a-0705-4bef-a18e-190e1e8ea9fa" providerId="ADAL" clId="{334E00DB-73A3-4C66-B5F9-E1F69874C6AB}" dt="2021-01-06T19:22:24.836" v="1149"/>
-      <pc:docMkLst>
-        <pc:docMk/>
-      </pc:docMkLst>
-      <pc:sldChg chg="modSp mod">
-        <pc:chgData name="Marius Hole" userId="640c7f4a-0705-4bef-a18e-190e1e8ea9fa" providerId="ADAL" clId="{334E00DB-73A3-4C66-B5F9-E1F69874C6AB}" dt="2021-01-06T19:22:24.836" v="1149"/>
-        <pc:sldMkLst>
-          <pc:docMk/>
-          <pc:sldMk cId="2929233815" sldId="376"/>
-        </pc:sldMkLst>
-        <pc:spChg chg="mod">
-          <ac:chgData name="Marius Hole" userId="640c7f4a-0705-4bef-a18e-190e1e8ea9fa" providerId="ADAL" clId="{334E00DB-73A3-4C66-B5F9-E1F69874C6AB}" dt="2021-01-06T18:48:47.536" v="211" actId="20577"/>
-          <ac:spMkLst>
-            <pc:docMk/>
-            <pc:sldMk cId="2929233815" sldId="376"/>
-            <ac:spMk id="2" creationId="{E930D958-96C8-44C0-926C-3021A53D08A3}"/>
-          </ac:spMkLst>
-        </pc:spChg>
-        <pc:spChg chg="mod">
-          <ac:chgData name="Marius Hole" userId="640c7f4a-0705-4bef-a18e-190e1e8ea9fa" providerId="ADAL" clId="{334E00DB-73A3-4C66-B5F9-E1F69874C6AB}" dt="2021-01-06T19:22:24.836" v="1149"/>
-          <ac:spMkLst>
-            <pc:docMk/>
-            <pc:sldMk cId="2929233815" sldId="376"/>
-            <ac:spMk id="3" creationId="{BC48574D-236C-40BA-AB9B-2BFEF0FE443B}"/>
-          </ac:spMkLst>
-        </pc:spChg>
-      </pc:sldChg>
-      <pc:sldChg chg="del">
-        <pc:chgData name="Marius Hole" userId="640c7f4a-0705-4bef-a18e-190e1e8ea9fa" providerId="ADAL" clId="{334E00DB-73A3-4C66-B5F9-E1F69874C6AB}" dt="2021-01-06T18:13:30.060" v="0" actId="47"/>
-        <pc:sldMkLst>
-          <pc:docMk/>
-          <pc:sldMk cId="249590354" sldId="377"/>
-        </pc:sldMkLst>
-      </pc:sldChg>
-      <pc:sldChg chg="modSp add mod ord">
-        <pc:chgData name="Marius Hole" userId="640c7f4a-0705-4bef-a18e-190e1e8ea9fa" providerId="ADAL" clId="{334E00DB-73A3-4C66-B5F9-E1F69874C6AB}" dt="2021-01-06T19:22:04.484" v="1142"/>
-        <pc:sldMkLst>
-          <pc:docMk/>
-          <pc:sldMk cId="754110363" sldId="377"/>
-        </pc:sldMkLst>
-        <pc:spChg chg="mod">
-          <ac:chgData name="Marius Hole" userId="640c7f4a-0705-4bef-a18e-190e1e8ea9fa" providerId="ADAL" clId="{334E00DB-73A3-4C66-B5F9-E1F69874C6AB}" dt="2021-01-06T18:50:36.101" v="232"/>
-          <ac:spMkLst>
-            <pc:docMk/>
-            <pc:sldMk cId="754110363" sldId="377"/>
-            <ac:spMk id="2" creationId="{E930D958-96C8-44C0-926C-3021A53D08A3}"/>
-          </ac:spMkLst>
-        </pc:spChg>
-      </pc:sldChg>
-      <pc:sldChg chg="addSp delSp modSp add mod">
-        <pc:chgData name="Marius Hole" userId="640c7f4a-0705-4bef-a18e-190e1e8ea9fa" providerId="ADAL" clId="{334E00DB-73A3-4C66-B5F9-E1F69874C6AB}" dt="2021-01-06T19:00:34.833" v="350" actId="1036"/>
-        <pc:sldMkLst>
-          <pc:docMk/>
-          <pc:sldMk cId="2558665023" sldId="378"/>
-        </pc:sldMkLst>
-        <pc:spChg chg="mod">
-          <ac:chgData name="Marius Hole" userId="640c7f4a-0705-4bef-a18e-190e1e8ea9fa" providerId="ADAL" clId="{334E00DB-73A3-4C66-B5F9-E1F69874C6AB}" dt="2021-01-06T18:48:55.204" v="214" actId="20577"/>
-          <ac:spMkLst>
-            <pc:docMk/>
-            <pc:sldMk cId="2558665023" sldId="378"/>
-            <ac:spMk id="2" creationId="{E930D958-96C8-44C0-926C-3021A53D08A3}"/>
-          </ac:spMkLst>
-        </pc:spChg>
-        <pc:spChg chg="mod">
-          <ac:chgData name="Marius Hole" userId="640c7f4a-0705-4bef-a18e-190e1e8ea9fa" providerId="ADAL" clId="{334E00DB-73A3-4C66-B5F9-E1F69874C6AB}" dt="2021-01-06T18:59:52.352" v="280" actId="20577"/>
-          <ac:spMkLst>
-            <pc:docMk/>
-            <pc:sldMk cId="2558665023" sldId="378"/>
-            <ac:spMk id="3" creationId="{BC48574D-236C-40BA-AB9B-2BFEF0FE443B}"/>
-          </ac:spMkLst>
-        </pc:spChg>
-        <pc:spChg chg="add del mod">
-          <ac:chgData name="Marius Hole" userId="640c7f4a-0705-4bef-a18e-190e1e8ea9fa" providerId="ADAL" clId="{334E00DB-73A3-4C66-B5F9-E1F69874C6AB}" dt="2021-01-06T18:59:31.486" v="269" actId="22"/>
-          <ac:spMkLst>
-            <pc:docMk/>
-            <pc:sldMk cId="2558665023" sldId="378"/>
-            <ac:spMk id="8" creationId="{FF602243-485B-415E-8B47-989ADD856CC2}"/>
-          </ac:spMkLst>
-        </pc:spChg>
-        <pc:picChg chg="add del mod">
-          <ac:chgData name="Marius Hole" userId="640c7f4a-0705-4bef-a18e-190e1e8ea9fa" providerId="ADAL" clId="{334E00DB-73A3-4C66-B5F9-E1F69874C6AB}" dt="2021-01-06T19:00:11.431" v="287" actId="478"/>
-          <ac:picMkLst>
-            <pc:docMk/>
-            <pc:sldMk cId="2558665023" sldId="378"/>
-            <ac:picMk id="6" creationId="{CA302BB0-FECB-4683-8733-EA42B772CFB0}"/>
-          </ac:picMkLst>
-        </pc:picChg>
-        <pc:picChg chg="add mod">
-          <ac:chgData name="Marius Hole" userId="640c7f4a-0705-4bef-a18e-190e1e8ea9fa" providerId="ADAL" clId="{334E00DB-73A3-4C66-B5F9-E1F69874C6AB}" dt="2021-01-06T19:00:34.833" v="350" actId="1036"/>
-          <ac:picMkLst>
-            <pc:docMk/>
-            <pc:sldMk cId="2558665023" sldId="378"/>
-            <ac:picMk id="10" creationId="{A91E30D1-BE5F-4929-99B6-C302280630DD}"/>
-          </ac:picMkLst>
-        </pc:picChg>
-      </pc:sldChg>
-      <pc:sldChg chg="del">
-        <pc:chgData name="Marius Hole" userId="640c7f4a-0705-4bef-a18e-190e1e8ea9fa" providerId="ADAL" clId="{334E00DB-73A3-4C66-B5F9-E1F69874C6AB}" dt="2021-01-06T18:13:30.060" v="0" actId="47"/>
-        <pc:sldMkLst>
-          <pc:docMk/>
-          <pc:sldMk cId="3632717848" sldId="378"/>
-        </pc:sldMkLst>
-      </pc:sldChg>
-      <pc:sldChg chg="del">
-        <pc:chgData name="Marius Hole" userId="640c7f4a-0705-4bef-a18e-190e1e8ea9fa" providerId="ADAL" clId="{334E00DB-73A3-4C66-B5F9-E1F69874C6AB}" dt="2021-01-06T18:13:30.060" v="0" actId="47"/>
-        <pc:sldMkLst>
-          <pc:docMk/>
-          <pc:sldMk cId="543533042" sldId="379"/>
-        </pc:sldMkLst>
-      </pc:sldChg>
-      <pc:sldChg chg="modSp add mod">
-        <pc:chgData name="Marius Hole" userId="640c7f4a-0705-4bef-a18e-190e1e8ea9fa" providerId="ADAL" clId="{334E00DB-73A3-4C66-B5F9-E1F69874C6AB}" dt="2021-01-06T19:06:37.734" v="375" actId="20577"/>
-        <pc:sldMkLst>
-          <pc:docMk/>
-          <pc:sldMk cId="3915907644" sldId="379"/>
-        </pc:sldMkLst>
-        <pc:spChg chg="mod">
-          <ac:chgData name="Marius Hole" userId="640c7f4a-0705-4bef-a18e-190e1e8ea9fa" providerId="ADAL" clId="{334E00DB-73A3-4C66-B5F9-E1F69874C6AB}" dt="2021-01-06T19:04:33.012" v="355" actId="20577"/>
-          <ac:spMkLst>
-            <pc:docMk/>
-            <pc:sldMk cId="3915907644" sldId="379"/>
-            <ac:spMk id="2" creationId="{E930D958-96C8-44C0-926C-3021A53D08A3}"/>
-          </ac:spMkLst>
-        </pc:spChg>
-        <pc:spChg chg="mod">
-          <ac:chgData name="Marius Hole" userId="640c7f4a-0705-4bef-a18e-190e1e8ea9fa" providerId="ADAL" clId="{334E00DB-73A3-4C66-B5F9-E1F69874C6AB}" dt="2021-01-06T19:06:37.734" v="375" actId="20577"/>
-          <ac:spMkLst>
-            <pc:docMk/>
-            <pc:sldMk cId="3915907644" sldId="379"/>
-            <ac:spMk id="3" creationId="{BC48574D-236C-40BA-AB9B-2BFEF0FE443B}"/>
-          </ac:spMkLst>
-        </pc:spChg>
-      </pc:sldChg>
-      <pc:sldChg chg="addSp delSp modSp add mod">
-        <pc:chgData name="Marius Hole" userId="640c7f4a-0705-4bef-a18e-190e1e8ea9fa" providerId="ADAL" clId="{334E00DB-73A3-4C66-B5F9-E1F69874C6AB}" dt="2021-01-06T19:09:10.578" v="446" actId="732"/>
-        <pc:sldMkLst>
-          <pc:docMk/>
-          <pc:sldMk cId="2276069888" sldId="380"/>
-        </pc:sldMkLst>
-        <pc:spChg chg="mod">
-          <ac:chgData name="Marius Hole" userId="640c7f4a-0705-4bef-a18e-190e1e8ea9fa" providerId="ADAL" clId="{334E00DB-73A3-4C66-B5F9-E1F69874C6AB}" dt="2021-01-06T18:49:21.703" v="221"/>
-          <ac:spMkLst>
-            <pc:docMk/>
-            <pc:sldMk cId="2276069888" sldId="380"/>
-            <ac:spMk id="2" creationId="{E930D958-96C8-44C0-926C-3021A53D08A3}"/>
-          </ac:spMkLst>
-        </pc:spChg>
-        <pc:spChg chg="del mod">
-          <ac:chgData name="Marius Hole" userId="640c7f4a-0705-4bef-a18e-190e1e8ea9fa" providerId="ADAL" clId="{334E00DB-73A3-4C66-B5F9-E1F69874C6AB}" dt="2021-01-06T19:08:10.477" v="377" actId="22"/>
-          <ac:spMkLst>
-            <pc:docMk/>
-            <pc:sldMk cId="2276069888" sldId="380"/>
-            <ac:spMk id="3" creationId="{BC48574D-236C-40BA-AB9B-2BFEF0FE443B}"/>
-          </ac:spMkLst>
-        </pc:spChg>
-        <pc:spChg chg="add mod">
-          <ac:chgData name="Marius Hole" userId="640c7f4a-0705-4bef-a18e-190e1e8ea9fa" providerId="ADAL" clId="{334E00DB-73A3-4C66-B5F9-E1F69874C6AB}" dt="2021-01-06T19:08:51.211" v="378" actId="478"/>
-          <ac:spMkLst>
-            <pc:docMk/>
-            <pc:sldMk cId="2276069888" sldId="380"/>
-            <ac:spMk id="8" creationId="{CDFA02B8-7FC7-472D-8813-C40EA113DBDE}"/>
-          </ac:spMkLst>
-        </pc:spChg>
-        <pc:picChg chg="add del mod ord">
-          <ac:chgData name="Marius Hole" userId="640c7f4a-0705-4bef-a18e-190e1e8ea9fa" providerId="ADAL" clId="{334E00DB-73A3-4C66-B5F9-E1F69874C6AB}" dt="2021-01-06T19:08:51.211" v="378" actId="478"/>
-          <ac:picMkLst>
-            <pc:docMk/>
-            <pc:sldMk cId="2276069888" sldId="380"/>
-            <ac:picMk id="6" creationId="{416602B4-B5F3-49E6-A769-CD3E9C5E60DE}"/>
-          </ac:picMkLst>
-        </pc:picChg>
-        <pc:picChg chg="add mod modCrop">
-          <ac:chgData name="Marius Hole" userId="640c7f4a-0705-4bef-a18e-190e1e8ea9fa" providerId="ADAL" clId="{334E00DB-73A3-4C66-B5F9-E1F69874C6AB}" dt="2021-01-06T19:09:10.578" v="446" actId="732"/>
-          <ac:picMkLst>
-            <pc:docMk/>
-            <pc:sldMk cId="2276069888" sldId="380"/>
-            <ac:picMk id="10" creationId="{38A9B8CA-EFDF-44A1-A783-A735843C83A2}"/>
-          </ac:picMkLst>
-        </pc:picChg>
-      </pc:sldChg>
-      <pc:sldChg chg="del">
-        <pc:chgData name="Marius Hole" userId="640c7f4a-0705-4bef-a18e-190e1e8ea9fa" providerId="ADAL" clId="{334E00DB-73A3-4C66-B5F9-E1F69874C6AB}" dt="2021-01-06T18:13:30.060" v="0" actId="47"/>
-        <pc:sldMkLst>
-          <pc:docMk/>
-          <pc:sldMk cId="2812440683" sldId="380"/>
-        </pc:sldMkLst>
-      </pc:sldChg>
-      <pc:sldChg chg="del">
-        <pc:chgData name="Marius Hole" userId="640c7f4a-0705-4bef-a18e-190e1e8ea9fa" providerId="ADAL" clId="{334E00DB-73A3-4C66-B5F9-E1F69874C6AB}" dt="2021-01-06T18:13:30.060" v="0" actId="47"/>
-        <pc:sldMkLst>
-          <pc:docMk/>
-          <pc:sldMk cId="2184951065" sldId="381"/>
-        </pc:sldMkLst>
-      </pc:sldChg>
-      <pc:sldChg chg="modSp add mod">
-        <pc:chgData name="Marius Hole" userId="640c7f4a-0705-4bef-a18e-190e1e8ea9fa" providerId="ADAL" clId="{334E00DB-73A3-4C66-B5F9-E1F69874C6AB}" dt="2021-01-06T19:21:16.533" v="1136" actId="255"/>
-        <pc:sldMkLst>
-          <pc:docMk/>
-          <pc:sldMk cId="3936969087" sldId="381"/>
-        </pc:sldMkLst>
-        <pc:spChg chg="mod">
-          <ac:chgData name="Marius Hole" userId="640c7f4a-0705-4bef-a18e-190e1e8ea9fa" providerId="ADAL" clId="{334E00DB-73A3-4C66-B5F9-E1F69874C6AB}" dt="2021-01-06T18:49:44.268" v="223"/>
-          <ac:spMkLst>
-            <pc:docMk/>
-            <pc:sldMk cId="3936969087" sldId="381"/>
-            <ac:spMk id="2" creationId="{E930D958-96C8-44C0-926C-3021A53D08A3}"/>
-          </ac:spMkLst>
-        </pc:spChg>
-        <pc:spChg chg="mod">
-          <ac:chgData name="Marius Hole" userId="640c7f4a-0705-4bef-a18e-190e1e8ea9fa" providerId="ADAL" clId="{334E00DB-73A3-4C66-B5F9-E1F69874C6AB}" dt="2021-01-06T19:21:16.533" v="1136" actId="255"/>
-          <ac:spMkLst>
-            <pc:docMk/>
-            <pc:sldMk cId="3936969087" sldId="381"/>
-            <ac:spMk id="3" creationId="{BC48574D-236C-40BA-AB9B-2BFEF0FE443B}"/>
-          </ac:spMkLst>
-        </pc:spChg>
-      </pc:sldChg>
-      <pc:sldChg chg="del">
-        <pc:chgData name="Marius Hole" userId="640c7f4a-0705-4bef-a18e-190e1e8ea9fa" providerId="ADAL" clId="{334E00DB-73A3-4C66-B5F9-E1F69874C6AB}" dt="2021-01-06T18:13:30.060" v="0" actId="47"/>
-        <pc:sldMkLst>
-          <pc:docMk/>
-          <pc:sldMk cId="1822421915" sldId="382"/>
-        </pc:sldMkLst>
-      </pc:sldChg>
-      <pc:sldChg chg="addSp modSp add mod">
-        <pc:chgData name="Marius Hole" userId="640c7f4a-0705-4bef-a18e-190e1e8ea9fa" providerId="ADAL" clId="{334E00DB-73A3-4C66-B5F9-E1F69874C6AB}" dt="2021-01-06T19:12:03.869" v="591" actId="22"/>
-        <pc:sldMkLst>
-          <pc:docMk/>
-          <pc:sldMk cId="3962111285" sldId="382"/>
-        </pc:sldMkLst>
-        <pc:spChg chg="mod">
-          <ac:chgData name="Marius Hole" userId="640c7f4a-0705-4bef-a18e-190e1e8ea9fa" providerId="ADAL" clId="{334E00DB-73A3-4C66-B5F9-E1F69874C6AB}" dt="2021-01-06T18:49:56.657" v="225"/>
-          <ac:spMkLst>
-            <pc:docMk/>
-            <pc:sldMk cId="3962111285" sldId="382"/>
-            <ac:spMk id="2" creationId="{E930D958-96C8-44C0-926C-3021A53D08A3}"/>
-          </ac:spMkLst>
-        </pc:spChg>
-        <pc:spChg chg="mod">
-          <ac:chgData name="Marius Hole" userId="640c7f4a-0705-4bef-a18e-190e1e8ea9fa" providerId="ADAL" clId="{334E00DB-73A3-4C66-B5F9-E1F69874C6AB}" dt="2021-01-06T18:54:01.143" v="236" actId="20577"/>
-          <ac:spMkLst>
-            <pc:docMk/>
-            <pc:sldMk cId="3962111285" sldId="382"/>
-            <ac:spMk id="3" creationId="{BC48574D-236C-40BA-AB9B-2BFEF0FE443B}"/>
-          </ac:spMkLst>
-        </pc:spChg>
-        <pc:picChg chg="add">
-          <ac:chgData name="Marius Hole" userId="640c7f4a-0705-4bef-a18e-190e1e8ea9fa" providerId="ADAL" clId="{334E00DB-73A3-4C66-B5F9-E1F69874C6AB}" dt="2021-01-06T19:12:03.869" v="591" actId="22"/>
-          <ac:picMkLst>
-            <pc:docMk/>
-            <pc:sldMk cId="3962111285" sldId="382"/>
-            <ac:picMk id="6" creationId="{D29C994D-05DB-4EF4-BA77-6C4452F92C87}"/>
-          </ac:picMkLst>
-        </pc:picChg>
-      </pc:sldChg>
-      <pc:sldChg chg="del">
-        <pc:chgData name="Marius Hole" userId="640c7f4a-0705-4bef-a18e-190e1e8ea9fa" providerId="ADAL" clId="{334E00DB-73A3-4C66-B5F9-E1F69874C6AB}" dt="2021-01-06T18:13:30.060" v="0" actId="47"/>
-        <pc:sldMkLst>
-          <pc:docMk/>
-          <pc:sldMk cId="2459803469" sldId="383"/>
-        </pc:sldMkLst>
-      </pc:sldChg>
-      <pc:sldChg chg="modSp add mod ord">
-        <pc:chgData name="Marius Hole" userId="640c7f4a-0705-4bef-a18e-190e1e8ea9fa" providerId="ADAL" clId="{334E00DB-73A3-4C66-B5F9-E1F69874C6AB}" dt="2021-01-06T19:21:56.194" v="1138"/>
-        <pc:sldMkLst>
-          <pc:docMk/>
-          <pc:sldMk cId="2497512606" sldId="383"/>
-        </pc:sldMkLst>
-        <pc:spChg chg="mod">
-          <ac:chgData name="Marius Hole" userId="640c7f4a-0705-4bef-a18e-190e1e8ea9fa" providerId="ADAL" clId="{334E00DB-73A3-4C66-B5F9-E1F69874C6AB}" dt="2021-01-06T18:50:06.622" v="227"/>
-          <ac:spMkLst>
-            <pc:docMk/>
-            <pc:sldMk cId="2497512606" sldId="383"/>
-            <ac:spMk id="2" creationId="{E930D958-96C8-44C0-926C-3021A53D08A3}"/>
-          </ac:spMkLst>
-        </pc:spChg>
-        <pc:spChg chg="mod">
-          <ac:chgData name="Marius Hole" userId="640c7f4a-0705-4bef-a18e-190e1e8ea9fa" providerId="ADAL" clId="{334E00DB-73A3-4C66-B5F9-E1F69874C6AB}" dt="2021-01-06T19:14:15.905" v="813" actId="20577"/>
-          <ac:spMkLst>
-            <pc:docMk/>
-            <pc:sldMk cId="2497512606" sldId="383"/>
-            <ac:spMk id="3" creationId="{BC48574D-236C-40BA-AB9B-2BFEF0FE443B}"/>
-          </ac:spMkLst>
-        </pc:spChg>
-      </pc:sldChg>
-      <pc:sldChg chg="del">
-        <pc:chgData name="Marius Hole" userId="640c7f4a-0705-4bef-a18e-190e1e8ea9fa" providerId="ADAL" clId="{334E00DB-73A3-4C66-B5F9-E1F69874C6AB}" dt="2021-01-06T18:13:30.060" v="0" actId="47"/>
-        <pc:sldMkLst>
-          <pc:docMk/>
-          <pc:sldMk cId="577501438" sldId="384"/>
-        </pc:sldMkLst>
-      </pc:sldChg>
-      <pc:sldChg chg="addSp modSp add mod">
-        <pc:chgData name="Marius Hole" userId="640c7f4a-0705-4bef-a18e-190e1e8ea9fa" providerId="ADAL" clId="{334E00DB-73A3-4C66-B5F9-E1F69874C6AB}" dt="2021-01-06T19:16:29.432" v="928" actId="1036"/>
-        <pc:sldMkLst>
-          <pc:docMk/>
-          <pc:sldMk cId="4253442726" sldId="384"/>
-        </pc:sldMkLst>
-        <pc:spChg chg="mod">
-          <ac:chgData name="Marius Hole" userId="640c7f4a-0705-4bef-a18e-190e1e8ea9fa" providerId="ADAL" clId="{334E00DB-73A3-4C66-B5F9-E1F69874C6AB}" dt="2021-01-06T18:50:16.614" v="229"/>
-          <ac:spMkLst>
-            <pc:docMk/>
-            <pc:sldMk cId="4253442726" sldId="384"/>
-            <ac:spMk id="2" creationId="{E930D958-96C8-44C0-926C-3021A53D08A3}"/>
-          </ac:spMkLst>
-        </pc:spChg>
-        <pc:spChg chg="mod">
-          <ac:chgData name="Marius Hole" userId="640c7f4a-0705-4bef-a18e-190e1e8ea9fa" providerId="ADAL" clId="{334E00DB-73A3-4C66-B5F9-E1F69874C6AB}" dt="2021-01-06T19:15:22.974" v="823" actId="20577"/>
-          <ac:spMkLst>
-            <pc:docMk/>
-            <pc:sldMk cId="4253442726" sldId="384"/>
-            <ac:spMk id="3" creationId="{BC48574D-236C-40BA-AB9B-2BFEF0FE443B}"/>
-          </ac:spMkLst>
-        </pc:spChg>
-        <pc:picChg chg="add mod">
-          <ac:chgData name="Marius Hole" userId="640c7f4a-0705-4bef-a18e-190e1e8ea9fa" providerId="ADAL" clId="{334E00DB-73A3-4C66-B5F9-E1F69874C6AB}" dt="2021-01-06T19:16:14.767" v="850" actId="1035"/>
-          <ac:picMkLst>
-            <pc:docMk/>
-            <pc:sldMk cId="4253442726" sldId="384"/>
-            <ac:picMk id="6" creationId="{97938470-CC33-4034-AFF7-598CED5954B4}"/>
-          </ac:picMkLst>
-        </pc:picChg>
-        <pc:picChg chg="add mod">
-          <ac:chgData name="Marius Hole" userId="640c7f4a-0705-4bef-a18e-190e1e8ea9fa" providerId="ADAL" clId="{334E00DB-73A3-4C66-B5F9-E1F69874C6AB}" dt="2021-01-06T19:16:29.432" v="928" actId="1036"/>
-          <ac:picMkLst>
-            <pc:docMk/>
-            <pc:sldMk cId="4253442726" sldId="384"/>
-            <ac:picMk id="8" creationId="{556CA2DD-D489-4DCB-A783-4868B20A54D9}"/>
-          </ac:picMkLst>
-        </pc:picChg>
-      </pc:sldChg>
-      <pc:sldChg chg="modSp add mod">
-        <pc:chgData name="Marius Hole" userId="640c7f4a-0705-4bef-a18e-190e1e8ea9fa" providerId="ADAL" clId="{334E00DB-73A3-4C66-B5F9-E1F69874C6AB}" dt="2021-01-06T19:18:08.752" v="1027" actId="20577"/>
-        <pc:sldMkLst>
-          <pc:docMk/>
-          <pc:sldMk cId="1602860480" sldId="385"/>
-        </pc:sldMkLst>
-        <pc:spChg chg="mod">
-          <ac:chgData name="Marius Hole" userId="640c7f4a-0705-4bef-a18e-190e1e8ea9fa" providerId="ADAL" clId="{334E00DB-73A3-4C66-B5F9-E1F69874C6AB}" dt="2021-01-06T18:50:25.508" v="231"/>
-          <ac:spMkLst>
-            <pc:docMk/>
-            <pc:sldMk cId="1602860480" sldId="385"/>
-            <ac:spMk id="2" creationId="{E930D958-96C8-44C0-926C-3021A53D08A3}"/>
-          </ac:spMkLst>
-        </pc:spChg>
-        <pc:spChg chg="mod">
-          <ac:chgData name="Marius Hole" userId="640c7f4a-0705-4bef-a18e-190e1e8ea9fa" providerId="ADAL" clId="{334E00DB-73A3-4C66-B5F9-E1F69874C6AB}" dt="2021-01-06T19:18:08.752" v="1027" actId="20577"/>
-          <ac:spMkLst>
-            <pc:docMk/>
-            <pc:sldMk cId="1602860480" sldId="385"/>
-            <ac:spMk id="3" creationId="{BC48574D-236C-40BA-AB9B-2BFEF0FE443B}"/>
-          </ac:spMkLst>
-        </pc:spChg>
-      </pc:sldChg>
-      <pc:sldChg chg="del">
-        <pc:chgData name="Marius Hole" userId="640c7f4a-0705-4bef-a18e-190e1e8ea9fa" providerId="ADAL" clId="{334E00DB-73A3-4C66-B5F9-E1F69874C6AB}" dt="2021-01-06T18:13:30.060" v="0" actId="47"/>
-        <pc:sldMkLst>
-          <pc:docMk/>
-          <pc:sldMk cId="2073677069" sldId="385"/>
-        </pc:sldMkLst>
-      </pc:sldChg>
-      <pc:sldChg chg="del">
-        <pc:chgData name="Marius Hole" userId="640c7f4a-0705-4bef-a18e-190e1e8ea9fa" providerId="ADAL" clId="{334E00DB-73A3-4C66-B5F9-E1F69874C6AB}" dt="2021-01-06T18:13:30.060" v="0" actId="47"/>
-        <pc:sldMkLst>
-          <pc:docMk/>
-          <pc:sldMk cId="603924555" sldId="386"/>
-        </pc:sldMkLst>
-      </pc:sldChg>
-      <pc:sldChg chg="del">
-        <pc:chgData name="Marius Hole" userId="640c7f4a-0705-4bef-a18e-190e1e8ea9fa" providerId="ADAL" clId="{334E00DB-73A3-4C66-B5F9-E1F69874C6AB}" dt="2021-01-06T18:13:30.060" v="0" actId="47"/>
-        <pc:sldMkLst>
-          <pc:docMk/>
-          <pc:sldMk cId="3587055991" sldId="387"/>
-        </pc:sldMkLst>
-      </pc:sldChg>
-      <pc:sldChg chg="del">
-        <pc:chgData name="Marius Hole" userId="640c7f4a-0705-4bef-a18e-190e1e8ea9fa" providerId="ADAL" clId="{334E00DB-73A3-4C66-B5F9-E1F69874C6AB}" dt="2021-01-06T18:13:30.060" v="0" actId="47"/>
-        <pc:sldMkLst>
-          <pc:docMk/>
-          <pc:sldMk cId="1563450011" sldId="388"/>
         </pc:sldMkLst>
       </pc:sldChg>
     </pc:docChg>
@@ -1783,6 +1783,884 @@
     </pc:docChg>
   </pc:docChgLst>
   <pc:docChgLst>
+    <pc:chgData name="Marius Hole" userId="640c7f4a-0705-4bef-a18e-190e1e8ea9fa" providerId="ADAL" clId="{89112A96-95AA-493A-B5D6-77DD043895AA}"/>
+    <pc:docChg chg="undo custSel addSld delSld modSld sldOrd">
+      <pc:chgData name="Marius Hole" userId="640c7f4a-0705-4bef-a18e-190e1e8ea9fa" providerId="ADAL" clId="{89112A96-95AA-493A-B5D6-77DD043895AA}" dt="2021-01-27T16:11:28.995" v="1037" actId="20577"/>
+      <pc:docMkLst>
+        <pc:docMk/>
+      </pc:docMkLst>
+      <pc:sldChg chg="modSp mod">
+        <pc:chgData name="Marius Hole" userId="640c7f4a-0705-4bef-a18e-190e1e8ea9fa" providerId="ADAL" clId="{89112A96-95AA-493A-B5D6-77DD043895AA}" dt="2021-01-27T16:11:28.995" v="1037" actId="20577"/>
+        <pc:sldMkLst>
+          <pc:docMk/>
+          <pc:sldMk cId="2929233815" sldId="376"/>
+        </pc:sldMkLst>
+        <pc:spChg chg="mod">
+          <ac:chgData name="Marius Hole" userId="640c7f4a-0705-4bef-a18e-190e1e8ea9fa" providerId="ADAL" clId="{89112A96-95AA-493A-B5D6-77DD043895AA}" dt="2021-01-27T16:11:28.995" v="1037" actId="20577"/>
+          <ac:spMkLst>
+            <pc:docMk/>
+            <pc:sldMk cId="2929233815" sldId="376"/>
+            <ac:spMk id="3" creationId="{BC48574D-236C-40BA-AB9B-2BFEF0FE443B}"/>
+          </ac:spMkLst>
+        </pc:spChg>
+      </pc:sldChg>
+      <pc:sldChg chg="addSp delSp modSp mod">
+        <pc:chgData name="Marius Hole" userId="640c7f4a-0705-4bef-a18e-190e1e8ea9fa" providerId="ADAL" clId="{89112A96-95AA-493A-B5D6-77DD043895AA}" dt="2021-01-27T16:11:28.306" v="1036" actId="478"/>
+        <pc:sldMkLst>
+          <pc:docMk/>
+          <pc:sldMk cId="4019874596" sldId="382"/>
+        </pc:sldMkLst>
+        <pc:picChg chg="add del mod">
+          <ac:chgData name="Marius Hole" userId="640c7f4a-0705-4bef-a18e-190e1e8ea9fa" providerId="ADAL" clId="{89112A96-95AA-493A-B5D6-77DD043895AA}" dt="2021-01-27T16:11:27.826" v="1035" actId="22"/>
+          <ac:picMkLst>
+            <pc:docMk/>
+            <pc:sldMk cId="4019874596" sldId="382"/>
+            <ac:picMk id="6" creationId="{808A5A67-33EF-4518-B8F4-D7AA4176EFB9}"/>
+          </ac:picMkLst>
+        </pc:picChg>
+        <pc:picChg chg="add del">
+          <ac:chgData name="Marius Hole" userId="640c7f4a-0705-4bef-a18e-190e1e8ea9fa" providerId="ADAL" clId="{89112A96-95AA-493A-B5D6-77DD043895AA}" dt="2021-01-27T16:11:28.306" v="1036" actId="478"/>
+          <ac:picMkLst>
+            <pc:docMk/>
+            <pc:sldMk cId="4019874596" sldId="382"/>
+            <ac:picMk id="9" creationId="{D4943DBA-0D78-4734-A5A9-DF35CD095718}"/>
+          </ac:picMkLst>
+        </pc:picChg>
+      </pc:sldChg>
+      <pc:sldChg chg="addSp modSp mod modNotesTx">
+        <pc:chgData name="Marius Hole" userId="640c7f4a-0705-4bef-a18e-190e1e8ea9fa" providerId="ADAL" clId="{89112A96-95AA-493A-B5D6-77DD043895AA}" dt="2021-01-26T09:47:53.297" v="650" actId="20577"/>
+        <pc:sldMkLst>
+          <pc:docMk/>
+          <pc:sldMk cId="2366304937" sldId="383"/>
+        </pc:sldMkLst>
+        <pc:spChg chg="mod">
+          <ac:chgData name="Marius Hole" userId="640c7f4a-0705-4bef-a18e-190e1e8ea9fa" providerId="ADAL" clId="{89112A96-95AA-493A-B5D6-77DD043895AA}" dt="2021-01-26T09:21:21.252" v="83" actId="20577"/>
+          <ac:spMkLst>
+            <pc:docMk/>
+            <pc:sldMk cId="2366304937" sldId="383"/>
+            <ac:spMk id="2" creationId="{E930D958-96C8-44C0-926C-3021A53D08A3}"/>
+          </ac:spMkLst>
+        </pc:spChg>
+        <pc:spChg chg="mod">
+          <ac:chgData name="Marius Hole" userId="640c7f4a-0705-4bef-a18e-190e1e8ea9fa" providerId="ADAL" clId="{89112A96-95AA-493A-B5D6-77DD043895AA}" dt="2021-01-26T09:45:59.611" v="617" actId="6549"/>
+          <ac:spMkLst>
+            <pc:docMk/>
+            <pc:sldMk cId="2366304937" sldId="383"/>
+            <ac:spMk id="3" creationId="{BC48574D-236C-40BA-AB9B-2BFEF0FE443B}"/>
+          </ac:spMkLst>
+        </pc:spChg>
+        <pc:picChg chg="add mod">
+          <ac:chgData name="Marius Hole" userId="640c7f4a-0705-4bef-a18e-190e1e8ea9fa" providerId="ADAL" clId="{89112A96-95AA-493A-B5D6-77DD043895AA}" dt="2021-01-26T09:46:53.521" v="629" actId="1035"/>
+          <ac:picMkLst>
+            <pc:docMk/>
+            <pc:sldMk cId="2366304937" sldId="383"/>
+            <ac:picMk id="6" creationId="{FF449D7B-9BBE-4C29-B165-D30A279E0451}"/>
+          </ac:picMkLst>
+        </pc:picChg>
+      </pc:sldChg>
+      <pc:sldChg chg="delSp modSp mod">
+        <pc:chgData name="Marius Hole" userId="640c7f4a-0705-4bef-a18e-190e1e8ea9fa" providerId="ADAL" clId="{89112A96-95AA-493A-B5D6-77DD043895AA}" dt="2021-01-26T09:48:58.601" v="672" actId="20577"/>
+        <pc:sldMkLst>
+          <pc:docMk/>
+          <pc:sldMk cId="1405082422" sldId="384"/>
+        </pc:sldMkLst>
+        <pc:spChg chg="mod">
+          <ac:chgData name="Marius Hole" userId="640c7f4a-0705-4bef-a18e-190e1e8ea9fa" providerId="ADAL" clId="{89112A96-95AA-493A-B5D6-77DD043895AA}" dt="2021-01-26T09:21:34.669" v="87" actId="20577"/>
+          <ac:spMkLst>
+            <pc:docMk/>
+            <pc:sldMk cId="1405082422" sldId="384"/>
+            <ac:spMk id="2" creationId="{E930D958-96C8-44C0-926C-3021A53D08A3}"/>
+          </ac:spMkLst>
+        </pc:spChg>
+        <pc:spChg chg="mod">
+          <ac:chgData name="Marius Hole" userId="640c7f4a-0705-4bef-a18e-190e1e8ea9fa" providerId="ADAL" clId="{89112A96-95AA-493A-B5D6-77DD043895AA}" dt="2021-01-26T09:48:58.601" v="672" actId="20577"/>
+          <ac:spMkLst>
+            <pc:docMk/>
+            <pc:sldMk cId="1405082422" sldId="384"/>
+            <ac:spMk id="3" creationId="{BC48574D-236C-40BA-AB9B-2BFEF0FE443B}"/>
+          </ac:spMkLst>
+        </pc:spChg>
+        <pc:picChg chg="del">
+          <ac:chgData name="Marius Hole" userId="640c7f4a-0705-4bef-a18e-190e1e8ea9fa" providerId="ADAL" clId="{89112A96-95AA-493A-B5D6-77DD043895AA}" dt="2021-01-26T09:48:39.906" v="661" actId="478"/>
+          <ac:picMkLst>
+            <pc:docMk/>
+            <pc:sldMk cId="1405082422" sldId="384"/>
+            <ac:picMk id="6" creationId="{7E5F6AAC-2159-42C6-94E1-2E6A14BB085C}"/>
+          </ac:picMkLst>
+        </pc:picChg>
+      </pc:sldChg>
+      <pc:sldChg chg="addSp modSp mod">
+        <pc:chgData name="Marius Hole" userId="640c7f4a-0705-4bef-a18e-190e1e8ea9fa" providerId="ADAL" clId="{89112A96-95AA-493A-B5D6-77DD043895AA}" dt="2021-01-26T09:53:38.898" v="893" actId="14100"/>
+        <pc:sldMkLst>
+          <pc:docMk/>
+          <pc:sldMk cId="1006631515" sldId="385"/>
+        </pc:sldMkLst>
+        <pc:spChg chg="mod">
+          <ac:chgData name="Marius Hole" userId="640c7f4a-0705-4bef-a18e-190e1e8ea9fa" providerId="ADAL" clId="{89112A96-95AA-493A-B5D6-77DD043895AA}" dt="2021-01-26T09:21:55.605" v="96" actId="20577"/>
+          <ac:spMkLst>
+            <pc:docMk/>
+            <pc:sldMk cId="1006631515" sldId="385"/>
+            <ac:spMk id="2" creationId="{E930D958-96C8-44C0-926C-3021A53D08A3}"/>
+          </ac:spMkLst>
+        </pc:spChg>
+        <pc:spChg chg="mod">
+          <ac:chgData name="Marius Hole" userId="640c7f4a-0705-4bef-a18e-190e1e8ea9fa" providerId="ADAL" clId="{89112A96-95AA-493A-B5D6-77DD043895AA}" dt="2021-01-26T09:53:01.529" v="890" actId="20577"/>
+          <ac:spMkLst>
+            <pc:docMk/>
+            <pc:sldMk cId="1006631515" sldId="385"/>
+            <ac:spMk id="3" creationId="{BC48574D-236C-40BA-AB9B-2BFEF0FE443B}"/>
+          </ac:spMkLst>
+        </pc:spChg>
+        <pc:picChg chg="add mod">
+          <ac:chgData name="Marius Hole" userId="640c7f4a-0705-4bef-a18e-190e1e8ea9fa" providerId="ADAL" clId="{89112A96-95AA-493A-B5D6-77DD043895AA}" dt="2021-01-26T09:53:38.898" v="893" actId="14100"/>
+          <ac:picMkLst>
+            <pc:docMk/>
+            <pc:sldMk cId="1006631515" sldId="385"/>
+            <ac:picMk id="6" creationId="{A98D3ABF-C35D-40F1-BCD4-5FC4EE5698D6}"/>
+          </ac:picMkLst>
+        </pc:picChg>
+      </pc:sldChg>
+      <pc:sldChg chg="addSp delSp modSp mod">
+        <pc:chgData name="Marius Hole" userId="640c7f4a-0705-4bef-a18e-190e1e8ea9fa" providerId="ADAL" clId="{89112A96-95AA-493A-B5D6-77DD043895AA}" dt="2021-01-26T09:57:14.167" v="899" actId="14100"/>
+        <pc:sldMkLst>
+          <pc:docMk/>
+          <pc:sldMk cId="695896064" sldId="386"/>
+        </pc:sldMkLst>
+        <pc:spChg chg="mod">
+          <ac:chgData name="Marius Hole" userId="640c7f4a-0705-4bef-a18e-190e1e8ea9fa" providerId="ADAL" clId="{89112A96-95AA-493A-B5D6-77DD043895AA}" dt="2021-01-26T09:22:45.021" v="132" actId="20577"/>
+          <ac:spMkLst>
+            <pc:docMk/>
+            <pc:sldMk cId="695896064" sldId="386"/>
+            <ac:spMk id="2" creationId="{E930D958-96C8-44C0-926C-3021A53D08A3}"/>
+          </ac:spMkLst>
+        </pc:spChg>
+        <pc:spChg chg="del mod">
+          <ac:chgData name="Marius Hole" userId="640c7f4a-0705-4bef-a18e-190e1e8ea9fa" providerId="ADAL" clId="{89112A96-95AA-493A-B5D6-77DD043895AA}" dt="2021-01-26T09:54:11.990" v="895" actId="22"/>
+          <ac:spMkLst>
+            <pc:docMk/>
+            <pc:sldMk cId="695896064" sldId="386"/>
+            <ac:spMk id="3" creationId="{BC48574D-236C-40BA-AB9B-2BFEF0FE443B}"/>
+          </ac:spMkLst>
+        </pc:spChg>
+        <pc:spChg chg="add mod">
+          <ac:chgData name="Marius Hole" userId="640c7f4a-0705-4bef-a18e-190e1e8ea9fa" providerId="ADAL" clId="{89112A96-95AA-493A-B5D6-77DD043895AA}" dt="2021-01-26T09:57:06.957" v="896" actId="478"/>
+          <ac:spMkLst>
+            <pc:docMk/>
+            <pc:sldMk cId="695896064" sldId="386"/>
+            <ac:spMk id="8" creationId="{0669DB90-7AF9-4BD6-998E-932670AAA0ED}"/>
+          </ac:spMkLst>
+        </pc:spChg>
+        <pc:picChg chg="add del mod ord">
+          <ac:chgData name="Marius Hole" userId="640c7f4a-0705-4bef-a18e-190e1e8ea9fa" providerId="ADAL" clId="{89112A96-95AA-493A-B5D6-77DD043895AA}" dt="2021-01-26T09:57:06.957" v="896" actId="478"/>
+          <ac:picMkLst>
+            <pc:docMk/>
+            <pc:sldMk cId="695896064" sldId="386"/>
+            <ac:picMk id="6" creationId="{6C017535-C0D4-4551-96F0-BA0FA7B64614}"/>
+          </ac:picMkLst>
+        </pc:picChg>
+        <pc:picChg chg="add mod">
+          <ac:chgData name="Marius Hole" userId="640c7f4a-0705-4bef-a18e-190e1e8ea9fa" providerId="ADAL" clId="{89112A96-95AA-493A-B5D6-77DD043895AA}" dt="2021-01-26T09:57:14.167" v="899" actId="14100"/>
+          <ac:picMkLst>
+            <pc:docMk/>
+            <pc:sldMk cId="695896064" sldId="386"/>
+            <ac:picMk id="10" creationId="{977B5084-73C8-4627-988C-24D8C698BE11}"/>
+          </ac:picMkLst>
+        </pc:picChg>
+      </pc:sldChg>
+      <pc:sldChg chg="addSp delSp modSp mod">
+        <pc:chgData name="Marius Hole" userId="640c7f4a-0705-4bef-a18e-190e1e8ea9fa" providerId="ADAL" clId="{89112A96-95AA-493A-B5D6-77DD043895AA}" dt="2021-01-26T10:00:11.456" v="905" actId="22"/>
+        <pc:sldMkLst>
+          <pc:docMk/>
+          <pc:sldMk cId="1176789328" sldId="387"/>
+        </pc:sldMkLst>
+        <pc:spChg chg="mod">
+          <ac:chgData name="Marius Hole" userId="640c7f4a-0705-4bef-a18e-190e1e8ea9fa" providerId="ADAL" clId="{89112A96-95AA-493A-B5D6-77DD043895AA}" dt="2021-01-26T09:24:27.701" v="246" actId="20577"/>
+          <ac:spMkLst>
+            <pc:docMk/>
+            <pc:sldMk cId="1176789328" sldId="387"/>
+            <ac:spMk id="2" creationId="{E930D958-96C8-44C0-926C-3021A53D08A3}"/>
+          </ac:spMkLst>
+        </pc:spChg>
+        <pc:spChg chg="del mod">
+          <ac:chgData name="Marius Hole" userId="640c7f4a-0705-4bef-a18e-190e1e8ea9fa" providerId="ADAL" clId="{89112A96-95AA-493A-B5D6-77DD043895AA}" dt="2021-01-26T10:00:11.456" v="905" actId="22"/>
+          <ac:spMkLst>
+            <pc:docMk/>
+            <pc:sldMk cId="1176789328" sldId="387"/>
+            <ac:spMk id="3" creationId="{BC48574D-236C-40BA-AB9B-2BFEF0FE443B}"/>
+          </ac:spMkLst>
+        </pc:spChg>
+        <pc:picChg chg="add mod ord">
+          <ac:chgData name="Marius Hole" userId="640c7f4a-0705-4bef-a18e-190e1e8ea9fa" providerId="ADAL" clId="{89112A96-95AA-493A-B5D6-77DD043895AA}" dt="2021-01-26T10:00:11.456" v="905" actId="22"/>
+          <ac:picMkLst>
+            <pc:docMk/>
+            <pc:sldMk cId="1176789328" sldId="387"/>
+            <ac:picMk id="6" creationId="{C4FA4A61-F6EC-4689-9F6E-C9F4E48667A3}"/>
+          </ac:picMkLst>
+        </pc:picChg>
+      </pc:sldChg>
+      <pc:sldChg chg="modSp mod">
+        <pc:chgData name="Marius Hole" userId="640c7f4a-0705-4bef-a18e-190e1e8ea9fa" providerId="ADAL" clId="{89112A96-95AA-493A-B5D6-77DD043895AA}" dt="2021-01-26T09:21:42.569" v="88"/>
+        <pc:sldMkLst>
+          <pc:docMk/>
+          <pc:sldMk cId="70511434" sldId="388"/>
+        </pc:sldMkLst>
+        <pc:spChg chg="mod">
+          <ac:chgData name="Marius Hole" userId="640c7f4a-0705-4bef-a18e-190e1e8ea9fa" providerId="ADAL" clId="{89112A96-95AA-493A-B5D6-77DD043895AA}" dt="2021-01-26T09:21:42.569" v="88"/>
+          <ac:spMkLst>
+            <pc:docMk/>
+            <pc:sldMk cId="70511434" sldId="388"/>
+            <ac:spMk id="2" creationId="{E930D958-96C8-44C0-926C-3021A53D08A3}"/>
+          </ac:spMkLst>
+        </pc:spChg>
+      </pc:sldChg>
+      <pc:sldChg chg="modSp mod ord">
+        <pc:chgData name="Marius Hole" userId="640c7f4a-0705-4bef-a18e-190e1e8ea9fa" providerId="ADAL" clId="{89112A96-95AA-493A-B5D6-77DD043895AA}" dt="2021-01-26T09:19:50.524" v="5" actId="20577"/>
+        <pc:sldMkLst>
+          <pc:docMk/>
+          <pc:sldMk cId="3900842098" sldId="389"/>
+        </pc:sldMkLst>
+        <pc:spChg chg="mod">
+          <ac:chgData name="Marius Hole" userId="640c7f4a-0705-4bef-a18e-190e1e8ea9fa" providerId="ADAL" clId="{89112A96-95AA-493A-B5D6-77DD043895AA}" dt="2021-01-26T09:19:50.524" v="5" actId="20577"/>
+          <ac:spMkLst>
+            <pc:docMk/>
+            <pc:sldMk cId="3900842098" sldId="389"/>
+            <ac:spMk id="2" creationId="{E930D958-96C8-44C0-926C-3021A53D08A3}"/>
+          </ac:spMkLst>
+        </pc:spChg>
+      </pc:sldChg>
+      <pc:sldChg chg="modSp mod">
+        <pc:chgData name="Marius Hole" userId="640c7f4a-0705-4bef-a18e-190e1e8ea9fa" providerId="ADAL" clId="{89112A96-95AA-493A-B5D6-77DD043895AA}" dt="2021-01-26T09:20:10.889" v="12"/>
+        <pc:sldMkLst>
+          <pc:docMk/>
+          <pc:sldMk cId="4055289116" sldId="390"/>
+        </pc:sldMkLst>
+        <pc:spChg chg="mod">
+          <ac:chgData name="Marius Hole" userId="640c7f4a-0705-4bef-a18e-190e1e8ea9fa" providerId="ADAL" clId="{89112A96-95AA-493A-B5D6-77DD043895AA}" dt="2021-01-26T09:20:10.889" v="12"/>
+          <ac:spMkLst>
+            <pc:docMk/>
+            <pc:sldMk cId="4055289116" sldId="390"/>
+            <ac:spMk id="2" creationId="{E930D958-96C8-44C0-926C-3021A53D08A3}"/>
+          </ac:spMkLst>
+        </pc:spChg>
+      </pc:sldChg>
+      <pc:sldChg chg="modSp mod">
+        <pc:chgData name="Marius Hole" userId="640c7f4a-0705-4bef-a18e-190e1e8ea9fa" providerId="ADAL" clId="{89112A96-95AA-493A-B5D6-77DD043895AA}" dt="2021-01-26T09:20:08.075" v="11"/>
+        <pc:sldMkLst>
+          <pc:docMk/>
+          <pc:sldMk cId="936531885" sldId="391"/>
+        </pc:sldMkLst>
+        <pc:spChg chg="mod">
+          <ac:chgData name="Marius Hole" userId="640c7f4a-0705-4bef-a18e-190e1e8ea9fa" providerId="ADAL" clId="{89112A96-95AA-493A-B5D6-77DD043895AA}" dt="2021-01-26T09:20:08.075" v="11"/>
+          <ac:spMkLst>
+            <pc:docMk/>
+            <pc:sldMk cId="936531885" sldId="391"/>
+            <ac:spMk id="2" creationId="{E930D958-96C8-44C0-926C-3021A53D08A3}"/>
+          </ac:spMkLst>
+        </pc:spChg>
+      </pc:sldChg>
+      <pc:sldChg chg="modSp mod">
+        <pc:chgData name="Marius Hole" userId="640c7f4a-0705-4bef-a18e-190e1e8ea9fa" providerId="ADAL" clId="{89112A96-95AA-493A-B5D6-77DD043895AA}" dt="2021-01-26T09:20:03.334" v="10" actId="20577"/>
+        <pc:sldMkLst>
+          <pc:docMk/>
+          <pc:sldMk cId="393997522" sldId="392"/>
+        </pc:sldMkLst>
+        <pc:spChg chg="mod">
+          <ac:chgData name="Marius Hole" userId="640c7f4a-0705-4bef-a18e-190e1e8ea9fa" providerId="ADAL" clId="{89112A96-95AA-493A-B5D6-77DD043895AA}" dt="2021-01-26T09:20:03.334" v="10" actId="20577"/>
+          <ac:spMkLst>
+            <pc:docMk/>
+            <pc:sldMk cId="393997522" sldId="392"/>
+            <ac:spMk id="2" creationId="{E930D958-96C8-44C0-926C-3021A53D08A3}"/>
+          </ac:spMkLst>
+        </pc:spChg>
+      </pc:sldChg>
+      <pc:sldChg chg="modSp mod">
+        <pc:chgData name="Marius Hole" userId="640c7f4a-0705-4bef-a18e-190e1e8ea9fa" providerId="ADAL" clId="{89112A96-95AA-493A-B5D6-77DD043895AA}" dt="2021-01-26T09:20:16.304" v="14"/>
+        <pc:sldMkLst>
+          <pc:docMk/>
+          <pc:sldMk cId="677336354" sldId="393"/>
+        </pc:sldMkLst>
+        <pc:spChg chg="mod">
+          <ac:chgData name="Marius Hole" userId="640c7f4a-0705-4bef-a18e-190e1e8ea9fa" providerId="ADAL" clId="{89112A96-95AA-493A-B5D6-77DD043895AA}" dt="2021-01-26T09:20:16.304" v="14"/>
+          <ac:spMkLst>
+            <pc:docMk/>
+            <pc:sldMk cId="677336354" sldId="393"/>
+            <ac:spMk id="2" creationId="{E930D958-96C8-44C0-926C-3021A53D08A3}"/>
+          </ac:spMkLst>
+        </pc:spChg>
+      </pc:sldChg>
+      <pc:sldChg chg="modSp mod">
+        <pc:chgData name="Marius Hole" userId="640c7f4a-0705-4bef-a18e-190e1e8ea9fa" providerId="ADAL" clId="{89112A96-95AA-493A-B5D6-77DD043895AA}" dt="2021-01-26T09:20:13.648" v="13"/>
+        <pc:sldMkLst>
+          <pc:docMk/>
+          <pc:sldMk cId="3711034169" sldId="394"/>
+        </pc:sldMkLst>
+        <pc:spChg chg="mod">
+          <ac:chgData name="Marius Hole" userId="640c7f4a-0705-4bef-a18e-190e1e8ea9fa" providerId="ADAL" clId="{89112A96-95AA-493A-B5D6-77DD043895AA}" dt="2021-01-26T09:20:13.648" v="13"/>
+          <ac:spMkLst>
+            <pc:docMk/>
+            <pc:sldMk cId="3711034169" sldId="394"/>
+            <ac:spMk id="2" creationId="{E930D958-96C8-44C0-926C-3021A53D08A3}"/>
+          </ac:spMkLst>
+        </pc:spChg>
+      </pc:sldChg>
+      <pc:sldChg chg="modSp mod ord">
+        <pc:chgData name="Marius Hole" userId="640c7f4a-0705-4bef-a18e-190e1e8ea9fa" providerId="ADAL" clId="{89112A96-95AA-493A-B5D6-77DD043895AA}" dt="2021-01-26T09:19:55.340" v="6"/>
+        <pc:sldMkLst>
+          <pc:docMk/>
+          <pc:sldMk cId="2309249022" sldId="395"/>
+        </pc:sldMkLst>
+        <pc:spChg chg="mod">
+          <ac:chgData name="Marius Hole" userId="640c7f4a-0705-4bef-a18e-190e1e8ea9fa" providerId="ADAL" clId="{89112A96-95AA-493A-B5D6-77DD043895AA}" dt="2021-01-26T09:19:55.340" v="6"/>
+          <ac:spMkLst>
+            <pc:docMk/>
+            <pc:sldMk cId="2309249022" sldId="395"/>
+            <ac:spMk id="2" creationId="{E930D958-96C8-44C0-926C-3021A53D08A3}"/>
+          </ac:spMkLst>
+        </pc:spChg>
+      </pc:sldChg>
+      <pc:sldChg chg="modSp mod">
+        <pc:chgData name="Marius Hole" userId="640c7f4a-0705-4bef-a18e-190e1e8ea9fa" providerId="ADAL" clId="{89112A96-95AA-493A-B5D6-77DD043895AA}" dt="2021-01-26T09:20:24.753" v="15"/>
+        <pc:sldMkLst>
+          <pc:docMk/>
+          <pc:sldMk cId="2759994191" sldId="396"/>
+        </pc:sldMkLst>
+        <pc:spChg chg="mod">
+          <ac:chgData name="Marius Hole" userId="640c7f4a-0705-4bef-a18e-190e1e8ea9fa" providerId="ADAL" clId="{89112A96-95AA-493A-B5D6-77DD043895AA}" dt="2021-01-26T09:20:24.753" v="15"/>
+          <ac:spMkLst>
+            <pc:docMk/>
+            <pc:sldMk cId="2759994191" sldId="396"/>
+            <ac:spMk id="2" creationId="{E930D958-96C8-44C0-926C-3021A53D08A3}"/>
+          </ac:spMkLst>
+        </pc:spChg>
+      </pc:sldChg>
+      <pc:sldChg chg="modSp mod">
+        <pc:chgData name="Marius Hole" userId="640c7f4a-0705-4bef-a18e-190e1e8ea9fa" providerId="ADAL" clId="{89112A96-95AA-493A-B5D6-77DD043895AA}" dt="2021-01-26T09:20:28.482" v="16"/>
+        <pc:sldMkLst>
+          <pc:docMk/>
+          <pc:sldMk cId="1643380258" sldId="397"/>
+        </pc:sldMkLst>
+        <pc:spChg chg="mod">
+          <ac:chgData name="Marius Hole" userId="640c7f4a-0705-4bef-a18e-190e1e8ea9fa" providerId="ADAL" clId="{89112A96-95AA-493A-B5D6-77DD043895AA}" dt="2021-01-26T09:20:28.482" v="16"/>
+          <ac:spMkLst>
+            <pc:docMk/>
+            <pc:sldMk cId="1643380258" sldId="397"/>
+            <ac:spMk id="2" creationId="{E930D958-96C8-44C0-926C-3021A53D08A3}"/>
+          </ac:spMkLst>
+        </pc:spChg>
+      </pc:sldChg>
+      <pc:sldChg chg="modSp mod">
+        <pc:chgData name="Marius Hole" userId="640c7f4a-0705-4bef-a18e-190e1e8ea9fa" providerId="ADAL" clId="{89112A96-95AA-493A-B5D6-77DD043895AA}" dt="2021-01-26T09:20:32.594" v="17"/>
+        <pc:sldMkLst>
+          <pc:docMk/>
+          <pc:sldMk cId="1694684200" sldId="398"/>
+        </pc:sldMkLst>
+        <pc:spChg chg="mod">
+          <ac:chgData name="Marius Hole" userId="640c7f4a-0705-4bef-a18e-190e1e8ea9fa" providerId="ADAL" clId="{89112A96-95AA-493A-B5D6-77DD043895AA}" dt="2021-01-26T09:20:32.594" v="17"/>
+          <ac:spMkLst>
+            <pc:docMk/>
+            <pc:sldMk cId="1694684200" sldId="398"/>
+            <ac:spMk id="2" creationId="{E930D958-96C8-44C0-926C-3021A53D08A3}"/>
+          </ac:spMkLst>
+        </pc:spChg>
+      </pc:sldChg>
+      <pc:sldChg chg="addSp modSp add mod ord">
+        <pc:chgData name="Marius Hole" userId="640c7f4a-0705-4bef-a18e-190e1e8ea9fa" providerId="ADAL" clId="{89112A96-95AA-493A-B5D6-77DD043895AA}" dt="2021-01-26T09:33:15.331" v="413" actId="1076"/>
+        <pc:sldMkLst>
+          <pc:docMk/>
+          <pc:sldMk cId="2631658248" sldId="399"/>
+        </pc:sldMkLst>
+        <pc:spChg chg="mod">
+          <ac:chgData name="Marius Hole" userId="640c7f4a-0705-4bef-a18e-190e1e8ea9fa" providerId="ADAL" clId="{89112A96-95AA-493A-B5D6-77DD043895AA}" dt="2021-01-26T09:20:57.669" v="53" actId="20577"/>
+          <ac:spMkLst>
+            <pc:docMk/>
+            <pc:sldMk cId="2631658248" sldId="399"/>
+            <ac:spMk id="2" creationId="{E930D958-96C8-44C0-926C-3021A53D08A3}"/>
+          </ac:spMkLst>
+        </pc:spChg>
+        <pc:spChg chg="mod">
+          <ac:chgData name="Marius Hole" userId="640c7f4a-0705-4bef-a18e-190e1e8ea9fa" providerId="ADAL" clId="{89112A96-95AA-493A-B5D6-77DD043895AA}" dt="2021-01-26T09:21:11.852" v="79" actId="20577"/>
+          <ac:spMkLst>
+            <pc:docMk/>
+            <pc:sldMk cId="2631658248" sldId="399"/>
+            <ac:spMk id="3" creationId="{BC48574D-236C-40BA-AB9B-2BFEF0FE443B}"/>
+          </ac:spMkLst>
+        </pc:spChg>
+        <pc:picChg chg="add mod">
+          <ac:chgData name="Marius Hole" userId="640c7f4a-0705-4bef-a18e-190e1e8ea9fa" providerId="ADAL" clId="{89112A96-95AA-493A-B5D6-77DD043895AA}" dt="2021-01-26T09:33:15.331" v="413" actId="1076"/>
+          <ac:picMkLst>
+            <pc:docMk/>
+            <pc:sldMk cId="2631658248" sldId="399"/>
+            <ac:picMk id="6" creationId="{51218BD1-96E9-4BC5-AA8E-890B269ADCF1}"/>
+          </ac:picMkLst>
+        </pc:picChg>
+      </pc:sldChg>
+      <pc:sldChg chg="addSp modSp add mod">
+        <pc:chgData name="Marius Hole" userId="640c7f4a-0705-4bef-a18e-190e1e8ea9fa" providerId="ADAL" clId="{89112A96-95AA-493A-B5D6-77DD043895AA}" dt="2021-01-26T09:32:08.510" v="410" actId="166"/>
+        <pc:sldMkLst>
+          <pc:docMk/>
+          <pc:sldMk cId="2385774935" sldId="400"/>
+        </pc:sldMkLst>
+        <pc:spChg chg="mod">
+          <ac:chgData name="Marius Hole" userId="640c7f4a-0705-4bef-a18e-190e1e8ea9fa" providerId="ADAL" clId="{89112A96-95AA-493A-B5D6-77DD043895AA}" dt="2021-01-26T09:23:12.981" v="181" actId="20577"/>
+          <ac:spMkLst>
+            <pc:docMk/>
+            <pc:sldMk cId="2385774935" sldId="400"/>
+            <ac:spMk id="2" creationId="{E930D958-96C8-44C0-926C-3021A53D08A3}"/>
+          </ac:spMkLst>
+        </pc:spChg>
+        <pc:spChg chg="mod">
+          <ac:chgData name="Marius Hole" userId="640c7f4a-0705-4bef-a18e-190e1e8ea9fa" providerId="ADAL" clId="{89112A96-95AA-493A-B5D6-77DD043895AA}" dt="2021-01-26T09:30:46.237" v="366" actId="6549"/>
+          <ac:spMkLst>
+            <pc:docMk/>
+            <pc:sldMk cId="2385774935" sldId="400"/>
+            <ac:spMk id="3" creationId="{BC48574D-236C-40BA-AB9B-2BFEF0FE443B}"/>
+          </ac:spMkLst>
+        </pc:spChg>
+        <pc:picChg chg="add mod ord">
+          <ac:chgData name="Marius Hole" userId="640c7f4a-0705-4bef-a18e-190e1e8ea9fa" providerId="ADAL" clId="{89112A96-95AA-493A-B5D6-77DD043895AA}" dt="2021-01-26T09:31:45.147" v="402" actId="1076"/>
+          <ac:picMkLst>
+            <pc:docMk/>
+            <pc:sldMk cId="2385774935" sldId="400"/>
+            <ac:picMk id="6" creationId="{171041C3-7331-4AA8-B4FA-FD5A6FA787D9}"/>
+          </ac:picMkLst>
+        </pc:picChg>
+        <pc:picChg chg="add mod modCrop">
+          <ac:chgData name="Marius Hole" userId="640c7f4a-0705-4bef-a18e-190e1e8ea9fa" providerId="ADAL" clId="{89112A96-95AA-493A-B5D6-77DD043895AA}" dt="2021-01-26T09:31:45.147" v="402" actId="1076"/>
+          <ac:picMkLst>
+            <pc:docMk/>
+            <pc:sldMk cId="2385774935" sldId="400"/>
+            <ac:picMk id="8" creationId="{E9012BAA-3064-4468-8292-4C3A25B207C9}"/>
+          </ac:picMkLst>
+        </pc:picChg>
+        <pc:picChg chg="add mod ord">
+          <ac:chgData name="Marius Hole" userId="640c7f4a-0705-4bef-a18e-190e1e8ea9fa" providerId="ADAL" clId="{89112A96-95AA-493A-B5D6-77DD043895AA}" dt="2021-01-26T09:32:08.510" v="410" actId="166"/>
+          <ac:picMkLst>
+            <pc:docMk/>
+            <pc:sldMk cId="2385774935" sldId="400"/>
+            <ac:picMk id="10" creationId="{068AF330-47A9-424B-894A-E503384A3E69}"/>
+          </ac:picMkLst>
+        </pc:picChg>
+        <pc:picChg chg="add mod">
+          <ac:chgData name="Marius Hole" userId="640c7f4a-0705-4bef-a18e-190e1e8ea9fa" providerId="ADAL" clId="{89112A96-95AA-493A-B5D6-77DD043895AA}" dt="2021-01-26T09:32:06.051" v="409" actId="1035"/>
+          <ac:picMkLst>
+            <pc:docMk/>
+            <pc:sldMk cId="2385774935" sldId="400"/>
+            <ac:picMk id="12" creationId="{7B8BDED3-DBF3-46F2-B3A9-E77F06A41EFB}"/>
+          </ac:picMkLst>
+        </pc:picChg>
+      </pc:sldChg>
+      <pc:sldChg chg="addSp delSp modSp add mod">
+        <pc:chgData name="Marius Hole" userId="640c7f4a-0705-4bef-a18e-190e1e8ea9fa" providerId="ADAL" clId="{89112A96-95AA-493A-B5D6-77DD043895AA}" dt="2021-01-26T11:52:14.774" v="929" actId="1036"/>
+        <pc:sldMkLst>
+          <pc:docMk/>
+          <pc:sldMk cId="3241488928" sldId="401"/>
+        </pc:sldMkLst>
+        <pc:spChg chg="mod">
+          <ac:chgData name="Marius Hole" userId="640c7f4a-0705-4bef-a18e-190e1e8ea9fa" providerId="ADAL" clId="{89112A96-95AA-493A-B5D6-77DD043895AA}" dt="2021-01-26T09:23:48.588" v="196" actId="20577"/>
+          <ac:spMkLst>
+            <pc:docMk/>
+            <pc:sldMk cId="3241488928" sldId="401"/>
+            <ac:spMk id="2" creationId="{E930D958-96C8-44C0-926C-3021A53D08A3}"/>
+          </ac:spMkLst>
+        </pc:spChg>
+        <pc:spChg chg="del mod">
+          <ac:chgData name="Marius Hole" userId="640c7f4a-0705-4bef-a18e-190e1e8ea9fa" providerId="ADAL" clId="{89112A96-95AA-493A-B5D6-77DD043895AA}" dt="2021-01-26T11:52:12.516" v="920" actId="22"/>
+          <ac:spMkLst>
+            <pc:docMk/>
+            <pc:sldMk cId="3241488928" sldId="401"/>
+            <ac:spMk id="3" creationId="{BC48574D-236C-40BA-AB9B-2BFEF0FE443B}"/>
+          </ac:spMkLst>
+        </pc:spChg>
+        <pc:picChg chg="add mod ord">
+          <ac:chgData name="Marius Hole" userId="640c7f4a-0705-4bef-a18e-190e1e8ea9fa" providerId="ADAL" clId="{89112A96-95AA-493A-B5D6-77DD043895AA}" dt="2021-01-26T11:52:14.774" v="929" actId="1036"/>
+          <ac:picMkLst>
+            <pc:docMk/>
+            <pc:sldMk cId="3241488928" sldId="401"/>
+            <ac:picMk id="6" creationId="{6F250D06-4425-4C2B-9866-FABF3DD85520}"/>
+          </ac:picMkLst>
+        </pc:picChg>
+      </pc:sldChg>
+      <pc:sldChg chg="addSp delSp modSp add mod">
+        <pc:chgData name="Marius Hole" userId="640c7f4a-0705-4bef-a18e-190e1e8ea9fa" providerId="ADAL" clId="{89112A96-95AA-493A-B5D6-77DD043895AA}" dt="2021-01-26T09:59:50.999" v="903" actId="14100"/>
+        <pc:sldMkLst>
+          <pc:docMk/>
+          <pc:sldMk cId="2537510054" sldId="402"/>
+        </pc:sldMkLst>
+        <pc:spChg chg="mod">
+          <ac:chgData name="Marius Hole" userId="640c7f4a-0705-4bef-a18e-190e1e8ea9fa" providerId="ADAL" clId="{89112A96-95AA-493A-B5D6-77DD043895AA}" dt="2021-01-26T09:24:16.605" v="241" actId="20577"/>
+          <ac:spMkLst>
+            <pc:docMk/>
+            <pc:sldMk cId="2537510054" sldId="402"/>
+            <ac:spMk id="2" creationId="{E930D958-96C8-44C0-926C-3021A53D08A3}"/>
+          </ac:spMkLst>
+        </pc:spChg>
+        <pc:spChg chg="del mod">
+          <ac:chgData name="Marius Hole" userId="640c7f4a-0705-4bef-a18e-190e1e8ea9fa" providerId="ADAL" clId="{89112A96-95AA-493A-B5D6-77DD043895AA}" dt="2021-01-26T09:59:43.815" v="901" actId="22"/>
+          <ac:spMkLst>
+            <pc:docMk/>
+            <pc:sldMk cId="2537510054" sldId="402"/>
+            <ac:spMk id="3" creationId="{BC48574D-236C-40BA-AB9B-2BFEF0FE443B}"/>
+          </ac:spMkLst>
+        </pc:spChg>
+        <pc:picChg chg="add mod ord">
+          <ac:chgData name="Marius Hole" userId="640c7f4a-0705-4bef-a18e-190e1e8ea9fa" providerId="ADAL" clId="{89112A96-95AA-493A-B5D6-77DD043895AA}" dt="2021-01-26T09:59:50.999" v="903" actId="14100"/>
+          <ac:picMkLst>
+            <pc:docMk/>
+            <pc:sldMk cId="2537510054" sldId="402"/>
+            <ac:picMk id="6" creationId="{CA24262C-1D92-4AA0-816C-15B37E3196A6}"/>
+          </ac:picMkLst>
+        </pc:picChg>
+      </pc:sldChg>
+      <pc:sldChg chg="addSp">
+        <pc:chgData name="Marius Hole" userId="640c7f4a-0705-4bef-a18e-190e1e8ea9fa" providerId="ADAL" clId="{89112A96-95AA-493A-B5D6-77DD043895AA}" dt="2021-01-26T11:52:59.300" v="930"/>
+        <pc:sldMkLst>
+          <pc:docMk/>
+          <pc:sldMk cId="302073731" sldId="403"/>
+        </pc:sldMkLst>
+        <pc:picChg chg="add">
+          <ac:chgData name="Marius Hole" userId="640c7f4a-0705-4bef-a18e-190e1e8ea9fa" providerId="ADAL" clId="{89112A96-95AA-493A-B5D6-77DD043895AA}" dt="2021-01-26T11:52:59.300" v="930"/>
+          <ac:picMkLst>
+            <pc:docMk/>
+            <pc:sldMk cId="302073731" sldId="403"/>
+            <ac:picMk id="4098" creationId="{6AF2807A-F89F-4AAB-B0BB-D60D37BDFEFB}"/>
+          </ac:picMkLst>
+        </pc:picChg>
+      </pc:sldChg>
+      <pc:sldChg chg="addSp delSp modSp">
+        <pc:chgData name="Marius Hole" userId="640c7f4a-0705-4bef-a18e-190e1e8ea9fa" providerId="ADAL" clId="{89112A96-95AA-493A-B5D6-77DD043895AA}" dt="2021-01-26T10:00:42.096" v="907"/>
+        <pc:sldMkLst>
+          <pc:docMk/>
+          <pc:sldMk cId="3838505285" sldId="403"/>
+        </pc:sldMkLst>
+        <pc:spChg chg="del">
+          <ac:chgData name="Marius Hole" userId="640c7f4a-0705-4bef-a18e-190e1e8ea9fa" providerId="ADAL" clId="{89112A96-95AA-493A-B5D6-77DD043895AA}" dt="2021-01-26T10:00:42.096" v="907"/>
+          <ac:spMkLst>
+            <pc:docMk/>
+            <pc:sldMk cId="3838505285" sldId="403"/>
+            <ac:spMk id="3" creationId="{BC48574D-236C-40BA-AB9B-2BFEF0FE443B}"/>
+          </ac:spMkLst>
+        </pc:spChg>
+        <pc:picChg chg="add mod">
+          <ac:chgData name="Marius Hole" userId="640c7f4a-0705-4bef-a18e-190e1e8ea9fa" providerId="ADAL" clId="{89112A96-95AA-493A-B5D6-77DD043895AA}" dt="2021-01-26T10:00:42.096" v="907"/>
+          <ac:picMkLst>
+            <pc:docMk/>
+            <pc:sldMk cId="3838505285" sldId="403"/>
+            <ac:picMk id="1026" creationId="{5EA5CB55-7DB9-4775-B171-CE05F5FC179D}"/>
+          </ac:picMkLst>
+        </pc:picChg>
+      </pc:sldChg>
+      <pc:sldChg chg="modSp add del mod">
+        <pc:chgData name="Marius Hole" userId="640c7f4a-0705-4bef-a18e-190e1e8ea9fa" providerId="ADAL" clId="{89112A96-95AA-493A-B5D6-77DD043895AA}" dt="2021-01-26T11:53:06.009" v="933" actId="14100"/>
+        <pc:sldMkLst>
+          <pc:docMk/>
+          <pc:sldMk cId="4125824841" sldId="403"/>
+        </pc:sldMkLst>
+        <pc:spChg chg="mod">
+          <ac:chgData name="Marius Hole" userId="640c7f4a-0705-4bef-a18e-190e1e8ea9fa" providerId="ADAL" clId="{89112A96-95AA-493A-B5D6-77DD043895AA}" dt="2021-01-26T09:24:43.693" v="272" actId="20577"/>
+          <ac:spMkLst>
+            <pc:docMk/>
+            <pc:sldMk cId="4125824841" sldId="403"/>
+            <ac:spMk id="2" creationId="{E930D958-96C8-44C0-926C-3021A53D08A3}"/>
+          </ac:spMkLst>
+        </pc:spChg>
+        <pc:spChg chg="mod">
+          <ac:chgData name="Marius Hole" userId="640c7f4a-0705-4bef-a18e-190e1e8ea9fa" providerId="ADAL" clId="{89112A96-95AA-493A-B5D6-77DD043895AA}" dt="2021-01-26T10:00:41.825" v="906" actId="6549"/>
+          <ac:spMkLst>
+            <pc:docMk/>
+            <pc:sldMk cId="4125824841" sldId="403"/>
+            <ac:spMk id="3" creationId="{BC48574D-236C-40BA-AB9B-2BFEF0FE443B}"/>
+          </ac:spMkLst>
+        </pc:spChg>
+        <pc:picChg chg="mod">
+          <ac:chgData name="Marius Hole" userId="640c7f4a-0705-4bef-a18e-190e1e8ea9fa" providerId="ADAL" clId="{89112A96-95AA-493A-B5D6-77DD043895AA}" dt="2021-01-26T10:00:46.622" v="910" actId="14100"/>
+          <ac:picMkLst>
+            <pc:docMk/>
+            <pc:sldMk cId="4125824841" sldId="403"/>
+            <ac:picMk id="1026" creationId="{5EA5CB55-7DB9-4775-B171-CE05F5FC179D}"/>
+          </ac:picMkLst>
+        </pc:picChg>
+        <pc:picChg chg="mod">
+          <ac:chgData name="Marius Hole" userId="640c7f4a-0705-4bef-a18e-190e1e8ea9fa" providerId="ADAL" clId="{89112A96-95AA-493A-B5D6-77DD043895AA}" dt="2021-01-26T11:53:06.009" v="933" actId="14100"/>
+          <ac:picMkLst>
+            <pc:docMk/>
+            <pc:sldMk cId="4125824841" sldId="403"/>
+            <ac:picMk id="4098" creationId="{6AF2807A-F89F-4AAB-B0BB-D60D37BDFEFB}"/>
+          </ac:picMkLst>
+        </pc:picChg>
+      </pc:sldChg>
+      <pc:sldChg chg="modSp add mod">
+        <pc:chgData name="Marius Hole" userId="640c7f4a-0705-4bef-a18e-190e1e8ea9fa" providerId="ADAL" clId="{89112A96-95AA-493A-B5D6-77DD043895AA}" dt="2021-01-26T11:58:26.122" v="967" actId="20577"/>
+        <pc:sldMkLst>
+          <pc:docMk/>
+          <pc:sldMk cId="427585213" sldId="404"/>
+        </pc:sldMkLst>
+        <pc:spChg chg="mod">
+          <ac:chgData name="Marius Hole" userId="640c7f4a-0705-4bef-a18e-190e1e8ea9fa" providerId="ADAL" clId="{89112A96-95AA-493A-B5D6-77DD043895AA}" dt="2021-01-26T09:25:03.492" v="295" actId="20577"/>
+          <ac:spMkLst>
+            <pc:docMk/>
+            <pc:sldMk cId="427585213" sldId="404"/>
+            <ac:spMk id="2" creationId="{E930D958-96C8-44C0-926C-3021A53D08A3}"/>
+          </ac:spMkLst>
+        </pc:spChg>
+        <pc:spChg chg="mod">
+          <ac:chgData name="Marius Hole" userId="640c7f4a-0705-4bef-a18e-190e1e8ea9fa" providerId="ADAL" clId="{89112A96-95AA-493A-B5D6-77DD043895AA}" dt="2021-01-26T11:58:26.122" v="967" actId="20577"/>
+          <ac:spMkLst>
+            <pc:docMk/>
+            <pc:sldMk cId="427585213" sldId="404"/>
+            <ac:spMk id="3" creationId="{BC48574D-236C-40BA-AB9B-2BFEF0FE443B}"/>
+          </ac:spMkLst>
+        </pc:spChg>
+      </pc:sldChg>
+      <pc:sldChg chg="addSp delSp modSp">
+        <pc:chgData name="Marius Hole" userId="640c7f4a-0705-4bef-a18e-190e1e8ea9fa" providerId="ADAL" clId="{89112A96-95AA-493A-B5D6-77DD043895AA}" dt="2021-01-26T10:01:08.994" v="913"/>
+        <pc:sldMkLst>
+          <pc:docMk/>
+          <pc:sldMk cId="44626172" sldId="405"/>
+        </pc:sldMkLst>
+        <pc:spChg chg="del">
+          <ac:chgData name="Marius Hole" userId="640c7f4a-0705-4bef-a18e-190e1e8ea9fa" providerId="ADAL" clId="{89112A96-95AA-493A-B5D6-77DD043895AA}" dt="2021-01-26T10:01:08.994" v="913"/>
+          <ac:spMkLst>
+            <pc:docMk/>
+            <pc:sldMk cId="44626172" sldId="405"/>
+            <ac:spMk id="3" creationId="{BC48574D-236C-40BA-AB9B-2BFEF0FE443B}"/>
+          </ac:spMkLst>
+        </pc:spChg>
+        <pc:picChg chg="add mod">
+          <ac:chgData name="Marius Hole" userId="640c7f4a-0705-4bef-a18e-190e1e8ea9fa" providerId="ADAL" clId="{89112A96-95AA-493A-B5D6-77DD043895AA}" dt="2021-01-26T10:01:08.994" v="913"/>
+          <ac:picMkLst>
+            <pc:docMk/>
+            <pc:sldMk cId="44626172" sldId="405"/>
+            <ac:picMk id="2050" creationId="{8168AE06-C2D3-4B70-A1F7-C48750A64D32}"/>
+          </ac:picMkLst>
+        </pc:picChg>
+      </pc:sldChg>
+      <pc:sldChg chg="addSp">
+        <pc:chgData name="Marius Hole" userId="640c7f4a-0705-4bef-a18e-190e1e8ea9fa" providerId="ADAL" clId="{89112A96-95AA-493A-B5D6-77DD043895AA}" dt="2021-01-26T10:01:47.252" v="917"/>
+        <pc:sldMkLst>
+          <pc:docMk/>
+          <pc:sldMk cId="1250158673" sldId="405"/>
+        </pc:sldMkLst>
+        <pc:picChg chg="add">
+          <ac:chgData name="Marius Hole" userId="640c7f4a-0705-4bef-a18e-190e1e8ea9fa" providerId="ADAL" clId="{89112A96-95AA-493A-B5D6-77DD043895AA}" dt="2021-01-26T10:01:47.252" v="917"/>
+          <ac:picMkLst>
+            <pc:docMk/>
+            <pc:sldMk cId="1250158673" sldId="405"/>
+            <ac:picMk id="3074" creationId="{7EED4DFD-7E78-440B-A7F1-62ECF2FE8EF8}"/>
+          </ac:picMkLst>
+        </pc:picChg>
+      </pc:sldChg>
+      <pc:sldChg chg="addSp delSp modSp add del mod">
+        <pc:chgData name="Marius Hole" userId="640c7f4a-0705-4bef-a18e-190e1e8ea9fa" providerId="ADAL" clId="{89112A96-95AA-493A-B5D6-77DD043895AA}" dt="2021-01-26T12:01:20.929" v="1009" actId="20577"/>
+        <pc:sldMkLst>
+          <pc:docMk/>
+          <pc:sldMk cId="2060808739" sldId="405"/>
+        </pc:sldMkLst>
+        <pc:spChg chg="mod">
+          <ac:chgData name="Marius Hole" userId="640c7f4a-0705-4bef-a18e-190e1e8ea9fa" providerId="ADAL" clId="{89112A96-95AA-493A-B5D6-77DD043895AA}" dt="2021-01-26T09:25:37.091" v="359" actId="20577"/>
+          <ac:spMkLst>
+            <pc:docMk/>
+            <pc:sldMk cId="2060808739" sldId="405"/>
+            <ac:spMk id="2" creationId="{E930D958-96C8-44C0-926C-3021A53D08A3}"/>
+          </ac:spMkLst>
+        </pc:spChg>
+        <pc:spChg chg="add mod">
+          <ac:chgData name="Marius Hole" userId="640c7f4a-0705-4bef-a18e-190e1e8ea9fa" providerId="ADAL" clId="{89112A96-95AA-493A-B5D6-77DD043895AA}" dt="2021-01-26T12:01:20.929" v="1009" actId="20577"/>
+          <ac:spMkLst>
+            <pc:docMk/>
+            <pc:sldMk cId="2060808739" sldId="405"/>
+            <ac:spMk id="3" creationId="{A26D8CF4-39D3-4234-91FA-FA60A7A1BEDD}"/>
+          </ac:spMkLst>
+        </pc:spChg>
+        <pc:spChg chg="mod">
+          <ac:chgData name="Marius Hole" userId="640c7f4a-0705-4bef-a18e-190e1e8ea9fa" providerId="ADAL" clId="{89112A96-95AA-493A-B5D6-77DD043895AA}" dt="2021-01-26T10:01:08.249" v="912" actId="6549"/>
+          <ac:spMkLst>
+            <pc:docMk/>
+            <pc:sldMk cId="2060808739" sldId="405"/>
+            <ac:spMk id="3" creationId="{BC48574D-236C-40BA-AB9B-2BFEF0FE443B}"/>
+          </ac:spMkLst>
+        </pc:spChg>
+        <pc:picChg chg="add mod ord">
+          <ac:chgData name="Marius Hole" userId="640c7f4a-0705-4bef-a18e-190e1e8ea9fa" providerId="ADAL" clId="{89112A96-95AA-493A-B5D6-77DD043895AA}" dt="2021-01-26T12:00:28.357" v="981" actId="167"/>
+          <ac:picMkLst>
+            <pc:docMk/>
+            <pc:sldMk cId="2060808739" sldId="405"/>
+            <ac:picMk id="6" creationId="{20B60471-F5A4-4692-B940-2B4A45258DE3}"/>
+          </ac:picMkLst>
+        </pc:picChg>
+        <pc:picChg chg="del mod">
+          <ac:chgData name="Marius Hole" userId="640c7f4a-0705-4bef-a18e-190e1e8ea9fa" providerId="ADAL" clId="{89112A96-95AA-493A-B5D6-77DD043895AA}" dt="2021-01-26T10:01:46.872" v="916" actId="478"/>
+          <ac:picMkLst>
+            <pc:docMk/>
+            <pc:sldMk cId="2060808739" sldId="405"/>
+            <ac:picMk id="2050" creationId="{8168AE06-C2D3-4B70-A1F7-C48750A64D32}"/>
+          </ac:picMkLst>
+        </pc:picChg>
+        <pc:picChg chg="del">
+          <ac:chgData name="Marius Hole" userId="640c7f4a-0705-4bef-a18e-190e1e8ea9fa" providerId="ADAL" clId="{89112A96-95AA-493A-B5D6-77DD043895AA}" dt="2021-01-26T11:59:50.785" v="968" actId="478"/>
+          <ac:picMkLst>
+            <pc:docMk/>
+            <pc:sldMk cId="2060808739" sldId="405"/>
+            <ac:picMk id="3074" creationId="{7EED4DFD-7E78-440B-A7F1-62ECF2FE8EF8}"/>
+          </ac:picMkLst>
+        </pc:picChg>
+      </pc:sldChg>
+      <pc:sldChg chg="addSp delSp modSp add mod">
+        <pc:chgData name="Marius Hole" userId="640c7f4a-0705-4bef-a18e-190e1e8ea9fa" providerId="ADAL" clId="{89112A96-95AA-493A-B5D6-77DD043895AA}" dt="2021-01-26T09:35:46.969" v="421" actId="1076"/>
+        <pc:sldMkLst>
+          <pc:docMk/>
+          <pc:sldMk cId="168297172" sldId="406"/>
+        </pc:sldMkLst>
+        <pc:spChg chg="mod">
+          <ac:chgData name="Marius Hole" userId="640c7f4a-0705-4bef-a18e-190e1e8ea9fa" providerId="ADAL" clId="{89112A96-95AA-493A-B5D6-77DD043895AA}" dt="2021-01-26T09:35:10.032" v="415" actId="6549"/>
+          <ac:spMkLst>
+            <pc:docMk/>
+            <pc:sldMk cId="168297172" sldId="406"/>
+            <ac:spMk id="3" creationId="{BC48574D-236C-40BA-AB9B-2BFEF0FE443B}"/>
+          </ac:spMkLst>
+        </pc:spChg>
+        <pc:picChg chg="del">
+          <ac:chgData name="Marius Hole" userId="640c7f4a-0705-4bef-a18e-190e1e8ea9fa" providerId="ADAL" clId="{89112A96-95AA-493A-B5D6-77DD043895AA}" dt="2021-01-26T09:35:12.148" v="416" actId="478"/>
+          <ac:picMkLst>
+            <pc:docMk/>
+            <pc:sldMk cId="168297172" sldId="406"/>
+            <ac:picMk id="6" creationId="{51218BD1-96E9-4BC5-AA8E-890B269ADCF1}"/>
+          </ac:picMkLst>
+        </pc:picChg>
+        <pc:picChg chg="add mod">
+          <ac:chgData name="Marius Hole" userId="640c7f4a-0705-4bef-a18e-190e1e8ea9fa" providerId="ADAL" clId="{89112A96-95AA-493A-B5D6-77DD043895AA}" dt="2021-01-26T09:35:46.969" v="421" actId="1076"/>
+          <ac:picMkLst>
+            <pc:docMk/>
+            <pc:sldMk cId="168297172" sldId="406"/>
+            <ac:picMk id="7" creationId="{0F0A9C80-A9A3-4286-B17F-EB505350CDBC}"/>
+          </ac:picMkLst>
+        </pc:picChg>
+        <pc:picChg chg="add mod">
+          <ac:chgData name="Marius Hole" userId="640c7f4a-0705-4bef-a18e-190e1e8ea9fa" providerId="ADAL" clId="{89112A96-95AA-493A-B5D6-77DD043895AA}" dt="2021-01-26T09:35:42.090" v="420" actId="1076"/>
+          <ac:picMkLst>
+            <pc:docMk/>
+            <pc:sldMk cId="168297172" sldId="406"/>
+            <ac:picMk id="9" creationId="{72FBCB86-C18E-4582-A338-F70DB52505DC}"/>
+          </ac:picMkLst>
+        </pc:picChg>
+      </pc:sldChg>
+      <pc:sldChg chg="addSp delSp modSp add mod ord">
+        <pc:chgData name="Marius Hole" userId="640c7f4a-0705-4bef-a18e-190e1e8ea9fa" providerId="ADAL" clId="{89112A96-95AA-493A-B5D6-77DD043895AA}" dt="2021-01-26T09:37:30.690" v="453" actId="1076"/>
+        <pc:sldMkLst>
+          <pc:docMk/>
+          <pc:sldMk cId="3017142941" sldId="407"/>
+        </pc:sldMkLst>
+        <pc:spChg chg="mod">
+          <ac:chgData name="Marius Hole" userId="640c7f4a-0705-4bef-a18e-190e1e8ea9fa" providerId="ADAL" clId="{89112A96-95AA-493A-B5D6-77DD043895AA}" dt="2021-01-26T09:37:12.292" v="451" actId="6549"/>
+          <ac:spMkLst>
+            <pc:docMk/>
+            <pc:sldMk cId="3017142941" sldId="407"/>
+            <ac:spMk id="3" creationId="{BC48574D-236C-40BA-AB9B-2BFEF0FE443B}"/>
+          </ac:spMkLst>
+        </pc:spChg>
+        <pc:picChg chg="del">
+          <ac:chgData name="Marius Hole" userId="640c7f4a-0705-4bef-a18e-190e1e8ea9fa" providerId="ADAL" clId="{89112A96-95AA-493A-B5D6-77DD043895AA}" dt="2021-01-26T09:36:01.003" v="425" actId="478"/>
+          <ac:picMkLst>
+            <pc:docMk/>
+            <pc:sldMk cId="3017142941" sldId="407"/>
+            <ac:picMk id="6" creationId="{51218BD1-96E9-4BC5-AA8E-890B269ADCF1}"/>
+          </ac:picMkLst>
+        </pc:picChg>
+        <pc:picChg chg="add mod">
+          <ac:chgData name="Marius Hole" userId="640c7f4a-0705-4bef-a18e-190e1e8ea9fa" providerId="ADAL" clId="{89112A96-95AA-493A-B5D6-77DD043895AA}" dt="2021-01-26T09:37:30.690" v="453" actId="1076"/>
+          <ac:picMkLst>
+            <pc:docMk/>
+            <pc:sldMk cId="3017142941" sldId="407"/>
+            <ac:picMk id="7" creationId="{B6234F51-D4CC-4543-9835-E86E0E1520C4}"/>
+          </ac:picMkLst>
+        </pc:picChg>
+      </pc:sldChg>
+      <pc:sldChg chg="delSp modSp add mod modNotesTx">
+        <pc:chgData name="Marius Hole" userId="640c7f4a-0705-4bef-a18e-190e1e8ea9fa" providerId="ADAL" clId="{89112A96-95AA-493A-B5D6-77DD043895AA}" dt="2021-01-26T09:41:24.365" v="550" actId="113"/>
+        <pc:sldMkLst>
+          <pc:docMk/>
+          <pc:sldMk cId="3392729381" sldId="408"/>
+        </pc:sldMkLst>
+        <pc:spChg chg="mod">
+          <ac:chgData name="Marius Hole" userId="640c7f4a-0705-4bef-a18e-190e1e8ea9fa" providerId="ADAL" clId="{89112A96-95AA-493A-B5D6-77DD043895AA}" dt="2021-01-26T09:41:24.365" v="550" actId="113"/>
+          <ac:spMkLst>
+            <pc:docMk/>
+            <pc:sldMk cId="3392729381" sldId="408"/>
+            <ac:spMk id="3" creationId="{BC48574D-236C-40BA-AB9B-2BFEF0FE443B}"/>
+          </ac:spMkLst>
+        </pc:spChg>
+        <pc:picChg chg="del">
+          <ac:chgData name="Marius Hole" userId="640c7f4a-0705-4bef-a18e-190e1e8ea9fa" providerId="ADAL" clId="{89112A96-95AA-493A-B5D6-77DD043895AA}" dt="2021-01-26T09:37:56.587" v="455" actId="478"/>
+          <ac:picMkLst>
+            <pc:docMk/>
+            <pc:sldMk cId="3392729381" sldId="408"/>
+            <ac:picMk id="7" creationId="{B6234F51-D4CC-4543-9835-E86E0E1520C4}"/>
+          </ac:picMkLst>
+        </pc:picChg>
+      </pc:sldChg>
+      <pc:sldChg chg="addSp modSp add mod modNotesTx">
+        <pc:chgData name="Marius Hole" userId="640c7f4a-0705-4bef-a18e-190e1e8ea9fa" providerId="ADAL" clId="{89112A96-95AA-493A-B5D6-77DD043895AA}" dt="2021-01-26T09:43:59.778" v="588" actId="20577"/>
+        <pc:sldMkLst>
+          <pc:docMk/>
+          <pc:sldMk cId="2803065246" sldId="409"/>
+        </pc:sldMkLst>
+        <pc:spChg chg="mod">
+          <ac:chgData name="Marius Hole" userId="640c7f4a-0705-4bef-a18e-190e1e8ea9fa" providerId="ADAL" clId="{89112A96-95AA-493A-B5D6-77DD043895AA}" dt="2021-01-26T09:43:59.778" v="588" actId="20577"/>
+          <ac:spMkLst>
+            <pc:docMk/>
+            <pc:sldMk cId="2803065246" sldId="409"/>
+            <ac:spMk id="3" creationId="{BC48574D-236C-40BA-AB9B-2BFEF0FE443B}"/>
+          </ac:spMkLst>
+        </pc:spChg>
+        <pc:picChg chg="add mod ord">
+          <ac:chgData name="Marius Hole" userId="640c7f4a-0705-4bef-a18e-190e1e8ea9fa" providerId="ADAL" clId="{89112A96-95AA-493A-B5D6-77DD043895AA}" dt="2021-01-26T09:43:46.976" v="576" actId="167"/>
+          <ac:picMkLst>
+            <pc:docMk/>
+            <pc:sldMk cId="2803065246" sldId="409"/>
+            <ac:picMk id="6" creationId="{AC574229-96F4-466E-B00E-E5B35EDA8C60}"/>
+          </ac:picMkLst>
+        </pc:picChg>
+        <pc:picChg chg="add mod">
+          <ac:chgData name="Marius Hole" userId="640c7f4a-0705-4bef-a18e-190e1e8ea9fa" providerId="ADAL" clId="{89112A96-95AA-493A-B5D6-77DD043895AA}" dt="2021-01-26T09:43:31.696" v="575" actId="1076"/>
+          <ac:picMkLst>
+            <pc:docMk/>
+            <pc:sldMk cId="2803065246" sldId="409"/>
+            <ac:picMk id="8" creationId="{F796A2F7-4DB6-4A84-A7DD-52AD9443EAC1}"/>
+          </ac:picMkLst>
+        </pc:picChg>
+      </pc:sldChg>
+      <pc:sldChg chg="add del">
+        <pc:chgData name="Marius Hole" userId="640c7f4a-0705-4bef-a18e-190e1e8ea9fa" providerId="ADAL" clId="{89112A96-95AA-493A-B5D6-77DD043895AA}" dt="2021-01-26T09:41:58.275" v="553" actId="22"/>
+        <pc:sldMkLst>
+          <pc:docMk/>
+          <pc:sldMk cId="1510058055" sldId="410"/>
+        </pc:sldMkLst>
+      </pc:sldChg>
+      <pc:sldChg chg="modSp add mod">
+        <pc:chgData name="Marius Hole" userId="640c7f4a-0705-4bef-a18e-190e1e8ea9fa" providerId="ADAL" clId="{89112A96-95AA-493A-B5D6-77DD043895AA}" dt="2021-01-26T09:48:35.637" v="660" actId="403"/>
+        <pc:sldMkLst>
+          <pc:docMk/>
+          <pc:sldMk cId="1954709923" sldId="410"/>
+        </pc:sldMkLst>
+        <pc:spChg chg="mod">
+          <ac:chgData name="Marius Hole" userId="640c7f4a-0705-4bef-a18e-190e1e8ea9fa" providerId="ADAL" clId="{89112A96-95AA-493A-B5D6-77DD043895AA}" dt="2021-01-26T09:48:35.637" v="660" actId="403"/>
+          <ac:spMkLst>
+            <pc:docMk/>
+            <pc:sldMk cId="1954709923" sldId="410"/>
+            <ac:spMk id="3" creationId="{BC48574D-236C-40BA-AB9B-2BFEF0FE443B}"/>
+          </ac:spMkLst>
+        </pc:spChg>
+        <pc:picChg chg="mod">
+          <ac:chgData name="Marius Hole" userId="640c7f4a-0705-4bef-a18e-190e1e8ea9fa" providerId="ADAL" clId="{89112A96-95AA-493A-B5D6-77DD043895AA}" dt="2021-01-26T09:48:17.138" v="653" actId="1076"/>
+          <ac:picMkLst>
+            <pc:docMk/>
+            <pc:sldMk cId="1954709923" sldId="410"/>
+            <ac:picMk id="6" creationId="{7E5F6AAC-2159-42C6-94E1-2E6A14BB085C}"/>
+          </ac:picMkLst>
+        </pc:picChg>
+      </pc:sldChg>
+    </pc:docChg>
+  </pc:docChgLst>
+  <pc:docChgLst>
     <pc:chgData name="Marius Hole" userId="640c7f4a-0705-4bef-a18e-190e1e8ea9fa" providerId="ADAL" clId="{117DEA86-0DAF-4750-9E6B-621DF0F7E3F7}"/>
     <pc:docChg chg="undo redo custSel addSld delSld modSld sldOrd">
       <pc:chgData name="Marius Hole" userId="640c7f4a-0705-4bef-a18e-190e1e8ea9fa" providerId="ADAL" clId="{117DEA86-0DAF-4750-9E6B-621DF0F7E3F7}" dt="2021-01-25T16:14:46.678" v="337"/>
@@ -2132,884 +3010,6 @@
           <pc:docMk/>
           <pc:sldMk cId="3711034169" sldId="394"/>
         </pc:sldMkLst>
-      </pc:sldChg>
-    </pc:docChg>
-  </pc:docChgLst>
-  <pc:docChgLst>
-    <pc:chgData name="Marius Hole" userId="640c7f4a-0705-4bef-a18e-190e1e8ea9fa" providerId="ADAL" clId="{89112A96-95AA-493A-B5D6-77DD043895AA}"/>
-    <pc:docChg chg="undo custSel addSld delSld modSld sldOrd">
-      <pc:chgData name="Marius Hole" userId="640c7f4a-0705-4bef-a18e-190e1e8ea9fa" providerId="ADAL" clId="{89112A96-95AA-493A-B5D6-77DD043895AA}" dt="2021-01-27T16:11:28.995" v="1037" actId="20577"/>
-      <pc:docMkLst>
-        <pc:docMk/>
-      </pc:docMkLst>
-      <pc:sldChg chg="modSp mod">
-        <pc:chgData name="Marius Hole" userId="640c7f4a-0705-4bef-a18e-190e1e8ea9fa" providerId="ADAL" clId="{89112A96-95AA-493A-B5D6-77DD043895AA}" dt="2021-01-27T16:11:28.995" v="1037" actId="20577"/>
-        <pc:sldMkLst>
-          <pc:docMk/>
-          <pc:sldMk cId="2929233815" sldId="376"/>
-        </pc:sldMkLst>
-        <pc:spChg chg="mod">
-          <ac:chgData name="Marius Hole" userId="640c7f4a-0705-4bef-a18e-190e1e8ea9fa" providerId="ADAL" clId="{89112A96-95AA-493A-B5D6-77DD043895AA}" dt="2021-01-27T16:11:28.995" v="1037" actId="20577"/>
-          <ac:spMkLst>
-            <pc:docMk/>
-            <pc:sldMk cId="2929233815" sldId="376"/>
-            <ac:spMk id="3" creationId="{BC48574D-236C-40BA-AB9B-2BFEF0FE443B}"/>
-          </ac:spMkLst>
-        </pc:spChg>
-      </pc:sldChg>
-      <pc:sldChg chg="addSp delSp modSp mod">
-        <pc:chgData name="Marius Hole" userId="640c7f4a-0705-4bef-a18e-190e1e8ea9fa" providerId="ADAL" clId="{89112A96-95AA-493A-B5D6-77DD043895AA}" dt="2021-01-27T16:11:28.306" v="1036" actId="478"/>
-        <pc:sldMkLst>
-          <pc:docMk/>
-          <pc:sldMk cId="4019874596" sldId="382"/>
-        </pc:sldMkLst>
-        <pc:picChg chg="add del mod">
-          <ac:chgData name="Marius Hole" userId="640c7f4a-0705-4bef-a18e-190e1e8ea9fa" providerId="ADAL" clId="{89112A96-95AA-493A-B5D6-77DD043895AA}" dt="2021-01-27T16:11:27.826" v="1035" actId="22"/>
-          <ac:picMkLst>
-            <pc:docMk/>
-            <pc:sldMk cId="4019874596" sldId="382"/>
-            <ac:picMk id="6" creationId="{808A5A67-33EF-4518-B8F4-D7AA4176EFB9}"/>
-          </ac:picMkLst>
-        </pc:picChg>
-        <pc:picChg chg="add del">
-          <ac:chgData name="Marius Hole" userId="640c7f4a-0705-4bef-a18e-190e1e8ea9fa" providerId="ADAL" clId="{89112A96-95AA-493A-B5D6-77DD043895AA}" dt="2021-01-27T16:11:28.306" v="1036" actId="478"/>
-          <ac:picMkLst>
-            <pc:docMk/>
-            <pc:sldMk cId="4019874596" sldId="382"/>
-            <ac:picMk id="9" creationId="{D4943DBA-0D78-4734-A5A9-DF35CD095718}"/>
-          </ac:picMkLst>
-        </pc:picChg>
-      </pc:sldChg>
-      <pc:sldChg chg="addSp modSp mod modNotesTx">
-        <pc:chgData name="Marius Hole" userId="640c7f4a-0705-4bef-a18e-190e1e8ea9fa" providerId="ADAL" clId="{89112A96-95AA-493A-B5D6-77DD043895AA}" dt="2021-01-26T09:47:53.297" v="650" actId="20577"/>
-        <pc:sldMkLst>
-          <pc:docMk/>
-          <pc:sldMk cId="2366304937" sldId="383"/>
-        </pc:sldMkLst>
-        <pc:spChg chg="mod">
-          <ac:chgData name="Marius Hole" userId="640c7f4a-0705-4bef-a18e-190e1e8ea9fa" providerId="ADAL" clId="{89112A96-95AA-493A-B5D6-77DD043895AA}" dt="2021-01-26T09:21:21.252" v="83" actId="20577"/>
-          <ac:spMkLst>
-            <pc:docMk/>
-            <pc:sldMk cId="2366304937" sldId="383"/>
-            <ac:spMk id="2" creationId="{E930D958-96C8-44C0-926C-3021A53D08A3}"/>
-          </ac:spMkLst>
-        </pc:spChg>
-        <pc:spChg chg="mod">
-          <ac:chgData name="Marius Hole" userId="640c7f4a-0705-4bef-a18e-190e1e8ea9fa" providerId="ADAL" clId="{89112A96-95AA-493A-B5D6-77DD043895AA}" dt="2021-01-26T09:45:59.611" v="617" actId="6549"/>
-          <ac:spMkLst>
-            <pc:docMk/>
-            <pc:sldMk cId="2366304937" sldId="383"/>
-            <ac:spMk id="3" creationId="{BC48574D-236C-40BA-AB9B-2BFEF0FE443B}"/>
-          </ac:spMkLst>
-        </pc:spChg>
-        <pc:picChg chg="add mod">
-          <ac:chgData name="Marius Hole" userId="640c7f4a-0705-4bef-a18e-190e1e8ea9fa" providerId="ADAL" clId="{89112A96-95AA-493A-B5D6-77DD043895AA}" dt="2021-01-26T09:46:53.521" v="629" actId="1035"/>
-          <ac:picMkLst>
-            <pc:docMk/>
-            <pc:sldMk cId="2366304937" sldId="383"/>
-            <ac:picMk id="6" creationId="{FF449D7B-9BBE-4C29-B165-D30A279E0451}"/>
-          </ac:picMkLst>
-        </pc:picChg>
-      </pc:sldChg>
-      <pc:sldChg chg="delSp modSp mod">
-        <pc:chgData name="Marius Hole" userId="640c7f4a-0705-4bef-a18e-190e1e8ea9fa" providerId="ADAL" clId="{89112A96-95AA-493A-B5D6-77DD043895AA}" dt="2021-01-26T09:48:58.601" v="672" actId="20577"/>
-        <pc:sldMkLst>
-          <pc:docMk/>
-          <pc:sldMk cId="1405082422" sldId="384"/>
-        </pc:sldMkLst>
-        <pc:spChg chg="mod">
-          <ac:chgData name="Marius Hole" userId="640c7f4a-0705-4bef-a18e-190e1e8ea9fa" providerId="ADAL" clId="{89112A96-95AA-493A-B5D6-77DD043895AA}" dt="2021-01-26T09:21:34.669" v="87" actId="20577"/>
-          <ac:spMkLst>
-            <pc:docMk/>
-            <pc:sldMk cId="1405082422" sldId="384"/>
-            <ac:spMk id="2" creationId="{E930D958-96C8-44C0-926C-3021A53D08A3}"/>
-          </ac:spMkLst>
-        </pc:spChg>
-        <pc:spChg chg="mod">
-          <ac:chgData name="Marius Hole" userId="640c7f4a-0705-4bef-a18e-190e1e8ea9fa" providerId="ADAL" clId="{89112A96-95AA-493A-B5D6-77DD043895AA}" dt="2021-01-26T09:48:58.601" v="672" actId="20577"/>
-          <ac:spMkLst>
-            <pc:docMk/>
-            <pc:sldMk cId="1405082422" sldId="384"/>
-            <ac:spMk id="3" creationId="{BC48574D-236C-40BA-AB9B-2BFEF0FE443B}"/>
-          </ac:spMkLst>
-        </pc:spChg>
-        <pc:picChg chg="del">
-          <ac:chgData name="Marius Hole" userId="640c7f4a-0705-4bef-a18e-190e1e8ea9fa" providerId="ADAL" clId="{89112A96-95AA-493A-B5D6-77DD043895AA}" dt="2021-01-26T09:48:39.906" v="661" actId="478"/>
-          <ac:picMkLst>
-            <pc:docMk/>
-            <pc:sldMk cId="1405082422" sldId="384"/>
-            <ac:picMk id="6" creationId="{7E5F6AAC-2159-42C6-94E1-2E6A14BB085C}"/>
-          </ac:picMkLst>
-        </pc:picChg>
-      </pc:sldChg>
-      <pc:sldChg chg="addSp modSp mod">
-        <pc:chgData name="Marius Hole" userId="640c7f4a-0705-4bef-a18e-190e1e8ea9fa" providerId="ADAL" clId="{89112A96-95AA-493A-B5D6-77DD043895AA}" dt="2021-01-26T09:53:38.898" v="893" actId="14100"/>
-        <pc:sldMkLst>
-          <pc:docMk/>
-          <pc:sldMk cId="1006631515" sldId="385"/>
-        </pc:sldMkLst>
-        <pc:spChg chg="mod">
-          <ac:chgData name="Marius Hole" userId="640c7f4a-0705-4bef-a18e-190e1e8ea9fa" providerId="ADAL" clId="{89112A96-95AA-493A-B5D6-77DD043895AA}" dt="2021-01-26T09:21:55.605" v="96" actId="20577"/>
-          <ac:spMkLst>
-            <pc:docMk/>
-            <pc:sldMk cId="1006631515" sldId="385"/>
-            <ac:spMk id="2" creationId="{E930D958-96C8-44C0-926C-3021A53D08A3}"/>
-          </ac:spMkLst>
-        </pc:spChg>
-        <pc:spChg chg="mod">
-          <ac:chgData name="Marius Hole" userId="640c7f4a-0705-4bef-a18e-190e1e8ea9fa" providerId="ADAL" clId="{89112A96-95AA-493A-B5D6-77DD043895AA}" dt="2021-01-26T09:53:01.529" v="890" actId="20577"/>
-          <ac:spMkLst>
-            <pc:docMk/>
-            <pc:sldMk cId="1006631515" sldId="385"/>
-            <ac:spMk id="3" creationId="{BC48574D-236C-40BA-AB9B-2BFEF0FE443B}"/>
-          </ac:spMkLst>
-        </pc:spChg>
-        <pc:picChg chg="add mod">
-          <ac:chgData name="Marius Hole" userId="640c7f4a-0705-4bef-a18e-190e1e8ea9fa" providerId="ADAL" clId="{89112A96-95AA-493A-B5D6-77DD043895AA}" dt="2021-01-26T09:53:38.898" v="893" actId="14100"/>
-          <ac:picMkLst>
-            <pc:docMk/>
-            <pc:sldMk cId="1006631515" sldId="385"/>
-            <ac:picMk id="6" creationId="{A98D3ABF-C35D-40F1-BCD4-5FC4EE5698D6}"/>
-          </ac:picMkLst>
-        </pc:picChg>
-      </pc:sldChg>
-      <pc:sldChg chg="addSp delSp modSp mod">
-        <pc:chgData name="Marius Hole" userId="640c7f4a-0705-4bef-a18e-190e1e8ea9fa" providerId="ADAL" clId="{89112A96-95AA-493A-B5D6-77DD043895AA}" dt="2021-01-26T09:57:14.167" v="899" actId="14100"/>
-        <pc:sldMkLst>
-          <pc:docMk/>
-          <pc:sldMk cId="695896064" sldId="386"/>
-        </pc:sldMkLst>
-        <pc:spChg chg="mod">
-          <ac:chgData name="Marius Hole" userId="640c7f4a-0705-4bef-a18e-190e1e8ea9fa" providerId="ADAL" clId="{89112A96-95AA-493A-B5D6-77DD043895AA}" dt="2021-01-26T09:22:45.021" v="132" actId="20577"/>
-          <ac:spMkLst>
-            <pc:docMk/>
-            <pc:sldMk cId="695896064" sldId="386"/>
-            <ac:spMk id="2" creationId="{E930D958-96C8-44C0-926C-3021A53D08A3}"/>
-          </ac:spMkLst>
-        </pc:spChg>
-        <pc:spChg chg="del mod">
-          <ac:chgData name="Marius Hole" userId="640c7f4a-0705-4bef-a18e-190e1e8ea9fa" providerId="ADAL" clId="{89112A96-95AA-493A-B5D6-77DD043895AA}" dt="2021-01-26T09:54:11.990" v="895" actId="22"/>
-          <ac:spMkLst>
-            <pc:docMk/>
-            <pc:sldMk cId="695896064" sldId="386"/>
-            <ac:spMk id="3" creationId="{BC48574D-236C-40BA-AB9B-2BFEF0FE443B}"/>
-          </ac:spMkLst>
-        </pc:spChg>
-        <pc:spChg chg="add mod">
-          <ac:chgData name="Marius Hole" userId="640c7f4a-0705-4bef-a18e-190e1e8ea9fa" providerId="ADAL" clId="{89112A96-95AA-493A-B5D6-77DD043895AA}" dt="2021-01-26T09:57:06.957" v="896" actId="478"/>
-          <ac:spMkLst>
-            <pc:docMk/>
-            <pc:sldMk cId="695896064" sldId="386"/>
-            <ac:spMk id="8" creationId="{0669DB90-7AF9-4BD6-998E-932670AAA0ED}"/>
-          </ac:spMkLst>
-        </pc:spChg>
-        <pc:picChg chg="add del mod ord">
-          <ac:chgData name="Marius Hole" userId="640c7f4a-0705-4bef-a18e-190e1e8ea9fa" providerId="ADAL" clId="{89112A96-95AA-493A-B5D6-77DD043895AA}" dt="2021-01-26T09:57:06.957" v="896" actId="478"/>
-          <ac:picMkLst>
-            <pc:docMk/>
-            <pc:sldMk cId="695896064" sldId="386"/>
-            <ac:picMk id="6" creationId="{6C017535-C0D4-4551-96F0-BA0FA7B64614}"/>
-          </ac:picMkLst>
-        </pc:picChg>
-        <pc:picChg chg="add mod">
-          <ac:chgData name="Marius Hole" userId="640c7f4a-0705-4bef-a18e-190e1e8ea9fa" providerId="ADAL" clId="{89112A96-95AA-493A-B5D6-77DD043895AA}" dt="2021-01-26T09:57:14.167" v="899" actId="14100"/>
-          <ac:picMkLst>
-            <pc:docMk/>
-            <pc:sldMk cId="695896064" sldId="386"/>
-            <ac:picMk id="10" creationId="{977B5084-73C8-4627-988C-24D8C698BE11}"/>
-          </ac:picMkLst>
-        </pc:picChg>
-      </pc:sldChg>
-      <pc:sldChg chg="addSp delSp modSp mod">
-        <pc:chgData name="Marius Hole" userId="640c7f4a-0705-4bef-a18e-190e1e8ea9fa" providerId="ADAL" clId="{89112A96-95AA-493A-B5D6-77DD043895AA}" dt="2021-01-26T10:00:11.456" v="905" actId="22"/>
-        <pc:sldMkLst>
-          <pc:docMk/>
-          <pc:sldMk cId="1176789328" sldId="387"/>
-        </pc:sldMkLst>
-        <pc:spChg chg="mod">
-          <ac:chgData name="Marius Hole" userId="640c7f4a-0705-4bef-a18e-190e1e8ea9fa" providerId="ADAL" clId="{89112A96-95AA-493A-B5D6-77DD043895AA}" dt="2021-01-26T09:24:27.701" v="246" actId="20577"/>
-          <ac:spMkLst>
-            <pc:docMk/>
-            <pc:sldMk cId="1176789328" sldId="387"/>
-            <ac:spMk id="2" creationId="{E930D958-96C8-44C0-926C-3021A53D08A3}"/>
-          </ac:spMkLst>
-        </pc:spChg>
-        <pc:spChg chg="del mod">
-          <ac:chgData name="Marius Hole" userId="640c7f4a-0705-4bef-a18e-190e1e8ea9fa" providerId="ADAL" clId="{89112A96-95AA-493A-B5D6-77DD043895AA}" dt="2021-01-26T10:00:11.456" v="905" actId="22"/>
-          <ac:spMkLst>
-            <pc:docMk/>
-            <pc:sldMk cId="1176789328" sldId="387"/>
-            <ac:spMk id="3" creationId="{BC48574D-236C-40BA-AB9B-2BFEF0FE443B}"/>
-          </ac:spMkLst>
-        </pc:spChg>
-        <pc:picChg chg="add mod ord">
-          <ac:chgData name="Marius Hole" userId="640c7f4a-0705-4bef-a18e-190e1e8ea9fa" providerId="ADAL" clId="{89112A96-95AA-493A-B5D6-77DD043895AA}" dt="2021-01-26T10:00:11.456" v="905" actId="22"/>
-          <ac:picMkLst>
-            <pc:docMk/>
-            <pc:sldMk cId="1176789328" sldId="387"/>
-            <ac:picMk id="6" creationId="{C4FA4A61-F6EC-4689-9F6E-C9F4E48667A3}"/>
-          </ac:picMkLst>
-        </pc:picChg>
-      </pc:sldChg>
-      <pc:sldChg chg="modSp mod">
-        <pc:chgData name="Marius Hole" userId="640c7f4a-0705-4bef-a18e-190e1e8ea9fa" providerId="ADAL" clId="{89112A96-95AA-493A-B5D6-77DD043895AA}" dt="2021-01-26T09:21:42.569" v="88"/>
-        <pc:sldMkLst>
-          <pc:docMk/>
-          <pc:sldMk cId="70511434" sldId="388"/>
-        </pc:sldMkLst>
-        <pc:spChg chg="mod">
-          <ac:chgData name="Marius Hole" userId="640c7f4a-0705-4bef-a18e-190e1e8ea9fa" providerId="ADAL" clId="{89112A96-95AA-493A-B5D6-77DD043895AA}" dt="2021-01-26T09:21:42.569" v="88"/>
-          <ac:spMkLst>
-            <pc:docMk/>
-            <pc:sldMk cId="70511434" sldId="388"/>
-            <ac:spMk id="2" creationId="{E930D958-96C8-44C0-926C-3021A53D08A3}"/>
-          </ac:spMkLst>
-        </pc:spChg>
-      </pc:sldChg>
-      <pc:sldChg chg="modSp mod ord">
-        <pc:chgData name="Marius Hole" userId="640c7f4a-0705-4bef-a18e-190e1e8ea9fa" providerId="ADAL" clId="{89112A96-95AA-493A-B5D6-77DD043895AA}" dt="2021-01-26T09:19:50.524" v="5" actId="20577"/>
-        <pc:sldMkLst>
-          <pc:docMk/>
-          <pc:sldMk cId="3900842098" sldId="389"/>
-        </pc:sldMkLst>
-        <pc:spChg chg="mod">
-          <ac:chgData name="Marius Hole" userId="640c7f4a-0705-4bef-a18e-190e1e8ea9fa" providerId="ADAL" clId="{89112A96-95AA-493A-B5D6-77DD043895AA}" dt="2021-01-26T09:19:50.524" v="5" actId="20577"/>
-          <ac:spMkLst>
-            <pc:docMk/>
-            <pc:sldMk cId="3900842098" sldId="389"/>
-            <ac:spMk id="2" creationId="{E930D958-96C8-44C0-926C-3021A53D08A3}"/>
-          </ac:spMkLst>
-        </pc:spChg>
-      </pc:sldChg>
-      <pc:sldChg chg="modSp mod">
-        <pc:chgData name="Marius Hole" userId="640c7f4a-0705-4bef-a18e-190e1e8ea9fa" providerId="ADAL" clId="{89112A96-95AA-493A-B5D6-77DD043895AA}" dt="2021-01-26T09:20:10.889" v="12"/>
-        <pc:sldMkLst>
-          <pc:docMk/>
-          <pc:sldMk cId="4055289116" sldId="390"/>
-        </pc:sldMkLst>
-        <pc:spChg chg="mod">
-          <ac:chgData name="Marius Hole" userId="640c7f4a-0705-4bef-a18e-190e1e8ea9fa" providerId="ADAL" clId="{89112A96-95AA-493A-B5D6-77DD043895AA}" dt="2021-01-26T09:20:10.889" v="12"/>
-          <ac:spMkLst>
-            <pc:docMk/>
-            <pc:sldMk cId="4055289116" sldId="390"/>
-            <ac:spMk id="2" creationId="{E930D958-96C8-44C0-926C-3021A53D08A3}"/>
-          </ac:spMkLst>
-        </pc:spChg>
-      </pc:sldChg>
-      <pc:sldChg chg="modSp mod">
-        <pc:chgData name="Marius Hole" userId="640c7f4a-0705-4bef-a18e-190e1e8ea9fa" providerId="ADAL" clId="{89112A96-95AA-493A-B5D6-77DD043895AA}" dt="2021-01-26T09:20:08.075" v="11"/>
-        <pc:sldMkLst>
-          <pc:docMk/>
-          <pc:sldMk cId="936531885" sldId="391"/>
-        </pc:sldMkLst>
-        <pc:spChg chg="mod">
-          <ac:chgData name="Marius Hole" userId="640c7f4a-0705-4bef-a18e-190e1e8ea9fa" providerId="ADAL" clId="{89112A96-95AA-493A-B5D6-77DD043895AA}" dt="2021-01-26T09:20:08.075" v="11"/>
-          <ac:spMkLst>
-            <pc:docMk/>
-            <pc:sldMk cId="936531885" sldId="391"/>
-            <ac:spMk id="2" creationId="{E930D958-96C8-44C0-926C-3021A53D08A3}"/>
-          </ac:spMkLst>
-        </pc:spChg>
-      </pc:sldChg>
-      <pc:sldChg chg="modSp mod">
-        <pc:chgData name="Marius Hole" userId="640c7f4a-0705-4bef-a18e-190e1e8ea9fa" providerId="ADAL" clId="{89112A96-95AA-493A-B5D6-77DD043895AA}" dt="2021-01-26T09:20:03.334" v="10" actId="20577"/>
-        <pc:sldMkLst>
-          <pc:docMk/>
-          <pc:sldMk cId="393997522" sldId="392"/>
-        </pc:sldMkLst>
-        <pc:spChg chg="mod">
-          <ac:chgData name="Marius Hole" userId="640c7f4a-0705-4bef-a18e-190e1e8ea9fa" providerId="ADAL" clId="{89112A96-95AA-493A-B5D6-77DD043895AA}" dt="2021-01-26T09:20:03.334" v="10" actId="20577"/>
-          <ac:spMkLst>
-            <pc:docMk/>
-            <pc:sldMk cId="393997522" sldId="392"/>
-            <ac:spMk id="2" creationId="{E930D958-96C8-44C0-926C-3021A53D08A3}"/>
-          </ac:spMkLst>
-        </pc:spChg>
-      </pc:sldChg>
-      <pc:sldChg chg="modSp mod">
-        <pc:chgData name="Marius Hole" userId="640c7f4a-0705-4bef-a18e-190e1e8ea9fa" providerId="ADAL" clId="{89112A96-95AA-493A-B5D6-77DD043895AA}" dt="2021-01-26T09:20:16.304" v="14"/>
-        <pc:sldMkLst>
-          <pc:docMk/>
-          <pc:sldMk cId="677336354" sldId="393"/>
-        </pc:sldMkLst>
-        <pc:spChg chg="mod">
-          <ac:chgData name="Marius Hole" userId="640c7f4a-0705-4bef-a18e-190e1e8ea9fa" providerId="ADAL" clId="{89112A96-95AA-493A-B5D6-77DD043895AA}" dt="2021-01-26T09:20:16.304" v="14"/>
-          <ac:spMkLst>
-            <pc:docMk/>
-            <pc:sldMk cId="677336354" sldId="393"/>
-            <ac:spMk id="2" creationId="{E930D958-96C8-44C0-926C-3021A53D08A3}"/>
-          </ac:spMkLst>
-        </pc:spChg>
-      </pc:sldChg>
-      <pc:sldChg chg="modSp mod">
-        <pc:chgData name="Marius Hole" userId="640c7f4a-0705-4bef-a18e-190e1e8ea9fa" providerId="ADAL" clId="{89112A96-95AA-493A-B5D6-77DD043895AA}" dt="2021-01-26T09:20:13.648" v="13"/>
-        <pc:sldMkLst>
-          <pc:docMk/>
-          <pc:sldMk cId="3711034169" sldId="394"/>
-        </pc:sldMkLst>
-        <pc:spChg chg="mod">
-          <ac:chgData name="Marius Hole" userId="640c7f4a-0705-4bef-a18e-190e1e8ea9fa" providerId="ADAL" clId="{89112A96-95AA-493A-B5D6-77DD043895AA}" dt="2021-01-26T09:20:13.648" v="13"/>
-          <ac:spMkLst>
-            <pc:docMk/>
-            <pc:sldMk cId="3711034169" sldId="394"/>
-            <ac:spMk id="2" creationId="{E930D958-96C8-44C0-926C-3021A53D08A3}"/>
-          </ac:spMkLst>
-        </pc:spChg>
-      </pc:sldChg>
-      <pc:sldChg chg="modSp mod ord">
-        <pc:chgData name="Marius Hole" userId="640c7f4a-0705-4bef-a18e-190e1e8ea9fa" providerId="ADAL" clId="{89112A96-95AA-493A-B5D6-77DD043895AA}" dt="2021-01-26T09:19:55.340" v="6"/>
-        <pc:sldMkLst>
-          <pc:docMk/>
-          <pc:sldMk cId="2309249022" sldId="395"/>
-        </pc:sldMkLst>
-        <pc:spChg chg="mod">
-          <ac:chgData name="Marius Hole" userId="640c7f4a-0705-4bef-a18e-190e1e8ea9fa" providerId="ADAL" clId="{89112A96-95AA-493A-B5D6-77DD043895AA}" dt="2021-01-26T09:19:55.340" v="6"/>
-          <ac:spMkLst>
-            <pc:docMk/>
-            <pc:sldMk cId="2309249022" sldId="395"/>
-            <ac:spMk id="2" creationId="{E930D958-96C8-44C0-926C-3021A53D08A3}"/>
-          </ac:spMkLst>
-        </pc:spChg>
-      </pc:sldChg>
-      <pc:sldChg chg="modSp mod">
-        <pc:chgData name="Marius Hole" userId="640c7f4a-0705-4bef-a18e-190e1e8ea9fa" providerId="ADAL" clId="{89112A96-95AA-493A-B5D6-77DD043895AA}" dt="2021-01-26T09:20:24.753" v="15"/>
-        <pc:sldMkLst>
-          <pc:docMk/>
-          <pc:sldMk cId="2759994191" sldId="396"/>
-        </pc:sldMkLst>
-        <pc:spChg chg="mod">
-          <ac:chgData name="Marius Hole" userId="640c7f4a-0705-4bef-a18e-190e1e8ea9fa" providerId="ADAL" clId="{89112A96-95AA-493A-B5D6-77DD043895AA}" dt="2021-01-26T09:20:24.753" v="15"/>
-          <ac:spMkLst>
-            <pc:docMk/>
-            <pc:sldMk cId="2759994191" sldId="396"/>
-            <ac:spMk id="2" creationId="{E930D958-96C8-44C0-926C-3021A53D08A3}"/>
-          </ac:spMkLst>
-        </pc:spChg>
-      </pc:sldChg>
-      <pc:sldChg chg="modSp mod">
-        <pc:chgData name="Marius Hole" userId="640c7f4a-0705-4bef-a18e-190e1e8ea9fa" providerId="ADAL" clId="{89112A96-95AA-493A-B5D6-77DD043895AA}" dt="2021-01-26T09:20:28.482" v="16"/>
-        <pc:sldMkLst>
-          <pc:docMk/>
-          <pc:sldMk cId="1643380258" sldId="397"/>
-        </pc:sldMkLst>
-        <pc:spChg chg="mod">
-          <ac:chgData name="Marius Hole" userId="640c7f4a-0705-4bef-a18e-190e1e8ea9fa" providerId="ADAL" clId="{89112A96-95AA-493A-B5D6-77DD043895AA}" dt="2021-01-26T09:20:28.482" v="16"/>
-          <ac:spMkLst>
-            <pc:docMk/>
-            <pc:sldMk cId="1643380258" sldId="397"/>
-            <ac:spMk id="2" creationId="{E930D958-96C8-44C0-926C-3021A53D08A3}"/>
-          </ac:spMkLst>
-        </pc:spChg>
-      </pc:sldChg>
-      <pc:sldChg chg="modSp mod">
-        <pc:chgData name="Marius Hole" userId="640c7f4a-0705-4bef-a18e-190e1e8ea9fa" providerId="ADAL" clId="{89112A96-95AA-493A-B5D6-77DD043895AA}" dt="2021-01-26T09:20:32.594" v="17"/>
-        <pc:sldMkLst>
-          <pc:docMk/>
-          <pc:sldMk cId="1694684200" sldId="398"/>
-        </pc:sldMkLst>
-        <pc:spChg chg="mod">
-          <ac:chgData name="Marius Hole" userId="640c7f4a-0705-4bef-a18e-190e1e8ea9fa" providerId="ADAL" clId="{89112A96-95AA-493A-B5D6-77DD043895AA}" dt="2021-01-26T09:20:32.594" v="17"/>
-          <ac:spMkLst>
-            <pc:docMk/>
-            <pc:sldMk cId="1694684200" sldId="398"/>
-            <ac:spMk id="2" creationId="{E930D958-96C8-44C0-926C-3021A53D08A3}"/>
-          </ac:spMkLst>
-        </pc:spChg>
-      </pc:sldChg>
-      <pc:sldChg chg="addSp modSp add mod ord">
-        <pc:chgData name="Marius Hole" userId="640c7f4a-0705-4bef-a18e-190e1e8ea9fa" providerId="ADAL" clId="{89112A96-95AA-493A-B5D6-77DD043895AA}" dt="2021-01-26T09:33:15.331" v="413" actId="1076"/>
-        <pc:sldMkLst>
-          <pc:docMk/>
-          <pc:sldMk cId="2631658248" sldId="399"/>
-        </pc:sldMkLst>
-        <pc:spChg chg="mod">
-          <ac:chgData name="Marius Hole" userId="640c7f4a-0705-4bef-a18e-190e1e8ea9fa" providerId="ADAL" clId="{89112A96-95AA-493A-B5D6-77DD043895AA}" dt="2021-01-26T09:20:57.669" v="53" actId="20577"/>
-          <ac:spMkLst>
-            <pc:docMk/>
-            <pc:sldMk cId="2631658248" sldId="399"/>
-            <ac:spMk id="2" creationId="{E930D958-96C8-44C0-926C-3021A53D08A3}"/>
-          </ac:spMkLst>
-        </pc:spChg>
-        <pc:spChg chg="mod">
-          <ac:chgData name="Marius Hole" userId="640c7f4a-0705-4bef-a18e-190e1e8ea9fa" providerId="ADAL" clId="{89112A96-95AA-493A-B5D6-77DD043895AA}" dt="2021-01-26T09:21:11.852" v="79" actId="20577"/>
-          <ac:spMkLst>
-            <pc:docMk/>
-            <pc:sldMk cId="2631658248" sldId="399"/>
-            <ac:spMk id="3" creationId="{BC48574D-236C-40BA-AB9B-2BFEF0FE443B}"/>
-          </ac:spMkLst>
-        </pc:spChg>
-        <pc:picChg chg="add mod">
-          <ac:chgData name="Marius Hole" userId="640c7f4a-0705-4bef-a18e-190e1e8ea9fa" providerId="ADAL" clId="{89112A96-95AA-493A-B5D6-77DD043895AA}" dt="2021-01-26T09:33:15.331" v="413" actId="1076"/>
-          <ac:picMkLst>
-            <pc:docMk/>
-            <pc:sldMk cId="2631658248" sldId="399"/>
-            <ac:picMk id="6" creationId="{51218BD1-96E9-4BC5-AA8E-890B269ADCF1}"/>
-          </ac:picMkLst>
-        </pc:picChg>
-      </pc:sldChg>
-      <pc:sldChg chg="addSp modSp add mod">
-        <pc:chgData name="Marius Hole" userId="640c7f4a-0705-4bef-a18e-190e1e8ea9fa" providerId="ADAL" clId="{89112A96-95AA-493A-B5D6-77DD043895AA}" dt="2021-01-26T09:32:08.510" v="410" actId="166"/>
-        <pc:sldMkLst>
-          <pc:docMk/>
-          <pc:sldMk cId="2385774935" sldId="400"/>
-        </pc:sldMkLst>
-        <pc:spChg chg="mod">
-          <ac:chgData name="Marius Hole" userId="640c7f4a-0705-4bef-a18e-190e1e8ea9fa" providerId="ADAL" clId="{89112A96-95AA-493A-B5D6-77DD043895AA}" dt="2021-01-26T09:23:12.981" v="181" actId="20577"/>
-          <ac:spMkLst>
-            <pc:docMk/>
-            <pc:sldMk cId="2385774935" sldId="400"/>
-            <ac:spMk id="2" creationId="{E930D958-96C8-44C0-926C-3021A53D08A3}"/>
-          </ac:spMkLst>
-        </pc:spChg>
-        <pc:spChg chg="mod">
-          <ac:chgData name="Marius Hole" userId="640c7f4a-0705-4bef-a18e-190e1e8ea9fa" providerId="ADAL" clId="{89112A96-95AA-493A-B5D6-77DD043895AA}" dt="2021-01-26T09:30:46.237" v="366" actId="6549"/>
-          <ac:spMkLst>
-            <pc:docMk/>
-            <pc:sldMk cId="2385774935" sldId="400"/>
-            <ac:spMk id="3" creationId="{BC48574D-236C-40BA-AB9B-2BFEF0FE443B}"/>
-          </ac:spMkLst>
-        </pc:spChg>
-        <pc:picChg chg="add mod ord">
-          <ac:chgData name="Marius Hole" userId="640c7f4a-0705-4bef-a18e-190e1e8ea9fa" providerId="ADAL" clId="{89112A96-95AA-493A-B5D6-77DD043895AA}" dt="2021-01-26T09:31:45.147" v="402" actId="1076"/>
-          <ac:picMkLst>
-            <pc:docMk/>
-            <pc:sldMk cId="2385774935" sldId="400"/>
-            <ac:picMk id="6" creationId="{171041C3-7331-4AA8-B4FA-FD5A6FA787D9}"/>
-          </ac:picMkLst>
-        </pc:picChg>
-        <pc:picChg chg="add mod modCrop">
-          <ac:chgData name="Marius Hole" userId="640c7f4a-0705-4bef-a18e-190e1e8ea9fa" providerId="ADAL" clId="{89112A96-95AA-493A-B5D6-77DD043895AA}" dt="2021-01-26T09:31:45.147" v="402" actId="1076"/>
-          <ac:picMkLst>
-            <pc:docMk/>
-            <pc:sldMk cId="2385774935" sldId="400"/>
-            <ac:picMk id="8" creationId="{E9012BAA-3064-4468-8292-4C3A25B207C9}"/>
-          </ac:picMkLst>
-        </pc:picChg>
-        <pc:picChg chg="add mod ord">
-          <ac:chgData name="Marius Hole" userId="640c7f4a-0705-4bef-a18e-190e1e8ea9fa" providerId="ADAL" clId="{89112A96-95AA-493A-B5D6-77DD043895AA}" dt="2021-01-26T09:32:08.510" v="410" actId="166"/>
-          <ac:picMkLst>
-            <pc:docMk/>
-            <pc:sldMk cId="2385774935" sldId="400"/>
-            <ac:picMk id="10" creationId="{068AF330-47A9-424B-894A-E503384A3E69}"/>
-          </ac:picMkLst>
-        </pc:picChg>
-        <pc:picChg chg="add mod">
-          <ac:chgData name="Marius Hole" userId="640c7f4a-0705-4bef-a18e-190e1e8ea9fa" providerId="ADAL" clId="{89112A96-95AA-493A-B5D6-77DD043895AA}" dt="2021-01-26T09:32:06.051" v="409" actId="1035"/>
-          <ac:picMkLst>
-            <pc:docMk/>
-            <pc:sldMk cId="2385774935" sldId="400"/>
-            <ac:picMk id="12" creationId="{7B8BDED3-DBF3-46F2-B3A9-E77F06A41EFB}"/>
-          </ac:picMkLst>
-        </pc:picChg>
-      </pc:sldChg>
-      <pc:sldChg chg="addSp delSp modSp add mod">
-        <pc:chgData name="Marius Hole" userId="640c7f4a-0705-4bef-a18e-190e1e8ea9fa" providerId="ADAL" clId="{89112A96-95AA-493A-B5D6-77DD043895AA}" dt="2021-01-26T11:52:14.774" v="929" actId="1036"/>
-        <pc:sldMkLst>
-          <pc:docMk/>
-          <pc:sldMk cId="3241488928" sldId="401"/>
-        </pc:sldMkLst>
-        <pc:spChg chg="mod">
-          <ac:chgData name="Marius Hole" userId="640c7f4a-0705-4bef-a18e-190e1e8ea9fa" providerId="ADAL" clId="{89112A96-95AA-493A-B5D6-77DD043895AA}" dt="2021-01-26T09:23:48.588" v="196" actId="20577"/>
-          <ac:spMkLst>
-            <pc:docMk/>
-            <pc:sldMk cId="3241488928" sldId="401"/>
-            <ac:spMk id="2" creationId="{E930D958-96C8-44C0-926C-3021A53D08A3}"/>
-          </ac:spMkLst>
-        </pc:spChg>
-        <pc:spChg chg="del mod">
-          <ac:chgData name="Marius Hole" userId="640c7f4a-0705-4bef-a18e-190e1e8ea9fa" providerId="ADAL" clId="{89112A96-95AA-493A-B5D6-77DD043895AA}" dt="2021-01-26T11:52:12.516" v="920" actId="22"/>
-          <ac:spMkLst>
-            <pc:docMk/>
-            <pc:sldMk cId="3241488928" sldId="401"/>
-            <ac:spMk id="3" creationId="{BC48574D-236C-40BA-AB9B-2BFEF0FE443B}"/>
-          </ac:spMkLst>
-        </pc:spChg>
-        <pc:picChg chg="add mod ord">
-          <ac:chgData name="Marius Hole" userId="640c7f4a-0705-4bef-a18e-190e1e8ea9fa" providerId="ADAL" clId="{89112A96-95AA-493A-B5D6-77DD043895AA}" dt="2021-01-26T11:52:14.774" v="929" actId="1036"/>
-          <ac:picMkLst>
-            <pc:docMk/>
-            <pc:sldMk cId="3241488928" sldId="401"/>
-            <ac:picMk id="6" creationId="{6F250D06-4425-4C2B-9866-FABF3DD85520}"/>
-          </ac:picMkLst>
-        </pc:picChg>
-      </pc:sldChg>
-      <pc:sldChg chg="addSp delSp modSp add mod">
-        <pc:chgData name="Marius Hole" userId="640c7f4a-0705-4bef-a18e-190e1e8ea9fa" providerId="ADAL" clId="{89112A96-95AA-493A-B5D6-77DD043895AA}" dt="2021-01-26T09:59:50.999" v="903" actId="14100"/>
-        <pc:sldMkLst>
-          <pc:docMk/>
-          <pc:sldMk cId="2537510054" sldId="402"/>
-        </pc:sldMkLst>
-        <pc:spChg chg="mod">
-          <ac:chgData name="Marius Hole" userId="640c7f4a-0705-4bef-a18e-190e1e8ea9fa" providerId="ADAL" clId="{89112A96-95AA-493A-B5D6-77DD043895AA}" dt="2021-01-26T09:24:16.605" v="241" actId="20577"/>
-          <ac:spMkLst>
-            <pc:docMk/>
-            <pc:sldMk cId="2537510054" sldId="402"/>
-            <ac:spMk id="2" creationId="{E930D958-96C8-44C0-926C-3021A53D08A3}"/>
-          </ac:spMkLst>
-        </pc:spChg>
-        <pc:spChg chg="del mod">
-          <ac:chgData name="Marius Hole" userId="640c7f4a-0705-4bef-a18e-190e1e8ea9fa" providerId="ADAL" clId="{89112A96-95AA-493A-B5D6-77DD043895AA}" dt="2021-01-26T09:59:43.815" v="901" actId="22"/>
-          <ac:spMkLst>
-            <pc:docMk/>
-            <pc:sldMk cId="2537510054" sldId="402"/>
-            <ac:spMk id="3" creationId="{BC48574D-236C-40BA-AB9B-2BFEF0FE443B}"/>
-          </ac:spMkLst>
-        </pc:spChg>
-        <pc:picChg chg="add mod ord">
-          <ac:chgData name="Marius Hole" userId="640c7f4a-0705-4bef-a18e-190e1e8ea9fa" providerId="ADAL" clId="{89112A96-95AA-493A-B5D6-77DD043895AA}" dt="2021-01-26T09:59:50.999" v="903" actId="14100"/>
-          <ac:picMkLst>
-            <pc:docMk/>
-            <pc:sldMk cId="2537510054" sldId="402"/>
-            <ac:picMk id="6" creationId="{CA24262C-1D92-4AA0-816C-15B37E3196A6}"/>
-          </ac:picMkLst>
-        </pc:picChg>
-      </pc:sldChg>
-      <pc:sldChg chg="addSp">
-        <pc:chgData name="Marius Hole" userId="640c7f4a-0705-4bef-a18e-190e1e8ea9fa" providerId="ADAL" clId="{89112A96-95AA-493A-B5D6-77DD043895AA}" dt="2021-01-26T11:52:59.300" v="930"/>
-        <pc:sldMkLst>
-          <pc:docMk/>
-          <pc:sldMk cId="302073731" sldId="403"/>
-        </pc:sldMkLst>
-        <pc:picChg chg="add">
-          <ac:chgData name="Marius Hole" userId="640c7f4a-0705-4bef-a18e-190e1e8ea9fa" providerId="ADAL" clId="{89112A96-95AA-493A-B5D6-77DD043895AA}" dt="2021-01-26T11:52:59.300" v="930"/>
-          <ac:picMkLst>
-            <pc:docMk/>
-            <pc:sldMk cId="302073731" sldId="403"/>
-            <ac:picMk id="4098" creationId="{6AF2807A-F89F-4AAB-B0BB-D60D37BDFEFB}"/>
-          </ac:picMkLst>
-        </pc:picChg>
-      </pc:sldChg>
-      <pc:sldChg chg="addSp delSp modSp">
-        <pc:chgData name="Marius Hole" userId="640c7f4a-0705-4bef-a18e-190e1e8ea9fa" providerId="ADAL" clId="{89112A96-95AA-493A-B5D6-77DD043895AA}" dt="2021-01-26T10:00:42.096" v="907"/>
-        <pc:sldMkLst>
-          <pc:docMk/>
-          <pc:sldMk cId="3838505285" sldId="403"/>
-        </pc:sldMkLst>
-        <pc:spChg chg="del">
-          <ac:chgData name="Marius Hole" userId="640c7f4a-0705-4bef-a18e-190e1e8ea9fa" providerId="ADAL" clId="{89112A96-95AA-493A-B5D6-77DD043895AA}" dt="2021-01-26T10:00:42.096" v="907"/>
-          <ac:spMkLst>
-            <pc:docMk/>
-            <pc:sldMk cId="3838505285" sldId="403"/>
-            <ac:spMk id="3" creationId="{BC48574D-236C-40BA-AB9B-2BFEF0FE443B}"/>
-          </ac:spMkLst>
-        </pc:spChg>
-        <pc:picChg chg="add mod">
-          <ac:chgData name="Marius Hole" userId="640c7f4a-0705-4bef-a18e-190e1e8ea9fa" providerId="ADAL" clId="{89112A96-95AA-493A-B5D6-77DD043895AA}" dt="2021-01-26T10:00:42.096" v="907"/>
-          <ac:picMkLst>
-            <pc:docMk/>
-            <pc:sldMk cId="3838505285" sldId="403"/>
-            <ac:picMk id="1026" creationId="{5EA5CB55-7DB9-4775-B171-CE05F5FC179D}"/>
-          </ac:picMkLst>
-        </pc:picChg>
-      </pc:sldChg>
-      <pc:sldChg chg="modSp add del mod">
-        <pc:chgData name="Marius Hole" userId="640c7f4a-0705-4bef-a18e-190e1e8ea9fa" providerId="ADAL" clId="{89112A96-95AA-493A-B5D6-77DD043895AA}" dt="2021-01-26T11:53:06.009" v="933" actId="14100"/>
-        <pc:sldMkLst>
-          <pc:docMk/>
-          <pc:sldMk cId="4125824841" sldId="403"/>
-        </pc:sldMkLst>
-        <pc:spChg chg="mod">
-          <ac:chgData name="Marius Hole" userId="640c7f4a-0705-4bef-a18e-190e1e8ea9fa" providerId="ADAL" clId="{89112A96-95AA-493A-B5D6-77DD043895AA}" dt="2021-01-26T09:24:43.693" v="272" actId="20577"/>
-          <ac:spMkLst>
-            <pc:docMk/>
-            <pc:sldMk cId="4125824841" sldId="403"/>
-            <ac:spMk id="2" creationId="{E930D958-96C8-44C0-926C-3021A53D08A3}"/>
-          </ac:spMkLst>
-        </pc:spChg>
-        <pc:spChg chg="mod">
-          <ac:chgData name="Marius Hole" userId="640c7f4a-0705-4bef-a18e-190e1e8ea9fa" providerId="ADAL" clId="{89112A96-95AA-493A-B5D6-77DD043895AA}" dt="2021-01-26T10:00:41.825" v="906" actId="6549"/>
-          <ac:spMkLst>
-            <pc:docMk/>
-            <pc:sldMk cId="4125824841" sldId="403"/>
-            <ac:spMk id="3" creationId="{BC48574D-236C-40BA-AB9B-2BFEF0FE443B}"/>
-          </ac:spMkLst>
-        </pc:spChg>
-        <pc:picChg chg="mod">
-          <ac:chgData name="Marius Hole" userId="640c7f4a-0705-4bef-a18e-190e1e8ea9fa" providerId="ADAL" clId="{89112A96-95AA-493A-B5D6-77DD043895AA}" dt="2021-01-26T10:00:46.622" v="910" actId="14100"/>
-          <ac:picMkLst>
-            <pc:docMk/>
-            <pc:sldMk cId="4125824841" sldId="403"/>
-            <ac:picMk id="1026" creationId="{5EA5CB55-7DB9-4775-B171-CE05F5FC179D}"/>
-          </ac:picMkLst>
-        </pc:picChg>
-        <pc:picChg chg="mod">
-          <ac:chgData name="Marius Hole" userId="640c7f4a-0705-4bef-a18e-190e1e8ea9fa" providerId="ADAL" clId="{89112A96-95AA-493A-B5D6-77DD043895AA}" dt="2021-01-26T11:53:06.009" v="933" actId="14100"/>
-          <ac:picMkLst>
-            <pc:docMk/>
-            <pc:sldMk cId="4125824841" sldId="403"/>
-            <ac:picMk id="4098" creationId="{6AF2807A-F89F-4AAB-B0BB-D60D37BDFEFB}"/>
-          </ac:picMkLst>
-        </pc:picChg>
-      </pc:sldChg>
-      <pc:sldChg chg="modSp add mod">
-        <pc:chgData name="Marius Hole" userId="640c7f4a-0705-4bef-a18e-190e1e8ea9fa" providerId="ADAL" clId="{89112A96-95AA-493A-B5D6-77DD043895AA}" dt="2021-01-26T11:58:26.122" v="967" actId="20577"/>
-        <pc:sldMkLst>
-          <pc:docMk/>
-          <pc:sldMk cId="427585213" sldId="404"/>
-        </pc:sldMkLst>
-        <pc:spChg chg="mod">
-          <ac:chgData name="Marius Hole" userId="640c7f4a-0705-4bef-a18e-190e1e8ea9fa" providerId="ADAL" clId="{89112A96-95AA-493A-B5D6-77DD043895AA}" dt="2021-01-26T09:25:03.492" v="295" actId="20577"/>
-          <ac:spMkLst>
-            <pc:docMk/>
-            <pc:sldMk cId="427585213" sldId="404"/>
-            <ac:spMk id="2" creationId="{E930D958-96C8-44C0-926C-3021A53D08A3}"/>
-          </ac:spMkLst>
-        </pc:spChg>
-        <pc:spChg chg="mod">
-          <ac:chgData name="Marius Hole" userId="640c7f4a-0705-4bef-a18e-190e1e8ea9fa" providerId="ADAL" clId="{89112A96-95AA-493A-B5D6-77DD043895AA}" dt="2021-01-26T11:58:26.122" v="967" actId="20577"/>
-          <ac:spMkLst>
-            <pc:docMk/>
-            <pc:sldMk cId="427585213" sldId="404"/>
-            <ac:spMk id="3" creationId="{BC48574D-236C-40BA-AB9B-2BFEF0FE443B}"/>
-          </ac:spMkLst>
-        </pc:spChg>
-      </pc:sldChg>
-      <pc:sldChg chg="addSp delSp modSp">
-        <pc:chgData name="Marius Hole" userId="640c7f4a-0705-4bef-a18e-190e1e8ea9fa" providerId="ADAL" clId="{89112A96-95AA-493A-B5D6-77DD043895AA}" dt="2021-01-26T10:01:08.994" v="913"/>
-        <pc:sldMkLst>
-          <pc:docMk/>
-          <pc:sldMk cId="44626172" sldId="405"/>
-        </pc:sldMkLst>
-        <pc:spChg chg="del">
-          <ac:chgData name="Marius Hole" userId="640c7f4a-0705-4bef-a18e-190e1e8ea9fa" providerId="ADAL" clId="{89112A96-95AA-493A-B5D6-77DD043895AA}" dt="2021-01-26T10:01:08.994" v="913"/>
-          <ac:spMkLst>
-            <pc:docMk/>
-            <pc:sldMk cId="44626172" sldId="405"/>
-            <ac:spMk id="3" creationId="{BC48574D-236C-40BA-AB9B-2BFEF0FE443B}"/>
-          </ac:spMkLst>
-        </pc:spChg>
-        <pc:picChg chg="add mod">
-          <ac:chgData name="Marius Hole" userId="640c7f4a-0705-4bef-a18e-190e1e8ea9fa" providerId="ADAL" clId="{89112A96-95AA-493A-B5D6-77DD043895AA}" dt="2021-01-26T10:01:08.994" v="913"/>
-          <ac:picMkLst>
-            <pc:docMk/>
-            <pc:sldMk cId="44626172" sldId="405"/>
-            <ac:picMk id="2050" creationId="{8168AE06-C2D3-4B70-A1F7-C48750A64D32}"/>
-          </ac:picMkLst>
-        </pc:picChg>
-      </pc:sldChg>
-      <pc:sldChg chg="addSp">
-        <pc:chgData name="Marius Hole" userId="640c7f4a-0705-4bef-a18e-190e1e8ea9fa" providerId="ADAL" clId="{89112A96-95AA-493A-B5D6-77DD043895AA}" dt="2021-01-26T10:01:47.252" v="917"/>
-        <pc:sldMkLst>
-          <pc:docMk/>
-          <pc:sldMk cId="1250158673" sldId="405"/>
-        </pc:sldMkLst>
-        <pc:picChg chg="add">
-          <ac:chgData name="Marius Hole" userId="640c7f4a-0705-4bef-a18e-190e1e8ea9fa" providerId="ADAL" clId="{89112A96-95AA-493A-B5D6-77DD043895AA}" dt="2021-01-26T10:01:47.252" v="917"/>
-          <ac:picMkLst>
-            <pc:docMk/>
-            <pc:sldMk cId="1250158673" sldId="405"/>
-            <ac:picMk id="3074" creationId="{7EED4DFD-7E78-440B-A7F1-62ECF2FE8EF8}"/>
-          </ac:picMkLst>
-        </pc:picChg>
-      </pc:sldChg>
-      <pc:sldChg chg="addSp delSp modSp add del mod">
-        <pc:chgData name="Marius Hole" userId="640c7f4a-0705-4bef-a18e-190e1e8ea9fa" providerId="ADAL" clId="{89112A96-95AA-493A-B5D6-77DD043895AA}" dt="2021-01-26T12:01:20.929" v="1009" actId="20577"/>
-        <pc:sldMkLst>
-          <pc:docMk/>
-          <pc:sldMk cId="2060808739" sldId="405"/>
-        </pc:sldMkLst>
-        <pc:spChg chg="mod">
-          <ac:chgData name="Marius Hole" userId="640c7f4a-0705-4bef-a18e-190e1e8ea9fa" providerId="ADAL" clId="{89112A96-95AA-493A-B5D6-77DD043895AA}" dt="2021-01-26T09:25:37.091" v="359" actId="20577"/>
-          <ac:spMkLst>
-            <pc:docMk/>
-            <pc:sldMk cId="2060808739" sldId="405"/>
-            <ac:spMk id="2" creationId="{E930D958-96C8-44C0-926C-3021A53D08A3}"/>
-          </ac:spMkLst>
-        </pc:spChg>
-        <pc:spChg chg="add mod">
-          <ac:chgData name="Marius Hole" userId="640c7f4a-0705-4bef-a18e-190e1e8ea9fa" providerId="ADAL" clId="{89112A96-95AA-493A-B5D6-77DD043895AA}" dt="2021-01-26T12:01:20.929" v="1009" actId="20577"/>
-          <ac:spMkLst>
-            <pc:docMk/>
-            <pc:sldMk cId="2060808739" sldId="405"/>
-            <ac:spMk id="3" creationId="{A26D8CF4-39D3-4234-91FA-FA60A7A1BEDD}"/>
-          </ac:spMkLst>
-        </pc:spChg>
-        <pc:spChg chg="mod">
-          <ac:chgData name="Marius Hole" userId="640c7f4a-0705-4bef-a18e-190e1e8ea9fa" providerId="ADAL" clId="{89112A96-95AA-493A-B5D6-77DD043895AA}" dt="2021-01-26T10:01:08.249" v="912" actId="6549"/>
-          <ac:spMkLst>
-            <pc:docMk/>
-            <pc:sldMk cId="2060808739" sldId="405"/>
-            <ac:spMk id="3" creationId="{BC48574D-236C-40BA-AB9B-2BFEF0FE443B}"/>
-          </ac:spMkLst>
-        </pc:spChg>
-        <pc:picChg chg="add mod ord">
-          <ac:chgData name="Marius Hole" userId="640c7f4a-0705-4bef-a18e-190e1e8ea9fa" providerId="ADAL" clId="{89112A96-95AA-493A-B5D6-77DD043895AA}" dt="2021-01-26T12:00:28.357" v="981" actId="167"/>
-          <ac:picMkLst>
-            <pc:docMk/>
-            <pc:sldMk cId="2060808739" sldId="405"/>
-            <ac:picMk id="6" creationId="{20B60471-F5A4-4692-B940-2B4A45258DE3}"/>
-          </ac:picMkLst>
-        </pc:picChg>
-        <pc:picChg chg="del mod">
-          <ac:chgData name="Marius Hole" userId="640c7f4a-0705-4bef-a18e-190e1e8ea9fa" providerId="ADAL" clId="{89112A96-95AA-493A-B5D6-77DD043895AA}" dt="2021-01-26T10:01:46.872" v="916" actId="478"/>
-          <ac:picMkLst>
-            <pc:docMk/>
-            <pc:sldMk cId="2060808739" sldId="405"/>
-            <ac:picMk id="2050" creationId="{8168AE06-C2D3-4B70-A1F7-C48750A64D32}"/>
-          </ac:picMkLst>
-        </pc:picChg>
-        <pc:picChg chg="del">
-          <ac:chgData name="Marius Hole" userId="640c7f4a-0705-4bef-a18e-190e1e8ea9fa" providerId="ADAL" clId="{89112A96-95AA-493A-B5D6-77DD043895AA}" dt="2021-01-26T11:59:50.785" v="968" actId="478"/>
-          <ac:picMkLst>
-            <pc:docMk/>
-            <pc:sldMk cId="2060808739" sldId="405"/>
-            <ac:picMk id="3074" creationId="{7EED4DFD-7E78-440B-A7F1-62ECF2FE8EF8}"/>
-          </ac:picMkLst>
-        </pc:picChg>
-      </pc:sldChg>
-      <pc:sldChg chg="addSp delSp modSp add mod">
-        <pc:chgData name="Marius Hole" userId="640c7f4a-0705-4bef-a18e-190e1e8ea9fa" providerId="ADAL" clId="{89112A96-95AA-493A-B5D6-77DD043895AA}" dt="2021-01-26T09:35:46.969" v="421" actId="1076"/>
-        <pc:sldMkLst>
-          <pc:docMk/>
-          <pc:sldMk cId="168297172" sldId="406"/>
-        </pc:sldMkLst>
-        <pc:spChg chg="mod">
-          <ac:chgData name="Marius Hole" userId="640c7f4a-0705-4bef-a18e-190e1e8ea9fa" providerId="ADAL" clId="{89112A96-95AA-493A-B5D6-77DD043895AA}" dt="2021-01-26T09:35:10.032" v="415" actId="6549"/>
-          <ac:spMkLst>
-            <pc:docMk/>
-            <pc:sldMk cId="168297172" sldId="406"/>
-            <ac:spMk id="3" creationId="{BC48574D-236C-40BA-AB9B-2BFEF0FE443B}"/>
-          </ac:spMkLst>
-        </pc:spChg>
-        <pc:picChg chg="del">
-          <ac:chgData name="Marius Hole" userId="640c7f4a-0705-4bef-a18e-190e1e8ea9fa" providerId="ADAL" clId="{89112A96-95AA-493A-B5D6-77DD043895AA}" dt="2021-01-26T09:35:12.148" v="416" actId="478"/>
-          <ac:picMkLst>
-            <pc:docMk/>
-            <pc:sldMk cId="168297172" sldId="406"/>
-            <ac:picMk id="6" creationId="{51218BD1-96E9-4BC5-AA8E-890B269ADCF1}"/>
-          </ac:picMkLst>
-        </pc:picChg>
-        <pc:picChg chg="add mod">
-          <ac:chgData name="Marius Hole" userId="640c7f4a-0705-4bef-a18e-190e1e8ea9fa" providerId="ADAL" clId="{89112A96-95AA-493A-B5D6-77DD043895AA}" dt="2021-01-26T09:35:46.969" v="421" actId="1076"/>
-          <ac:picMkLst>
-            <pc:docMk/>
-            <pc:sldMk cId="168297172" sldId="406"/>
-            <ac:picMk id="7" creationId="{0F0A9C80-A9A3-4286-B17F-EB505350CDBC}"/>
-          </ac:picMkLst>
-        </pc:picChg>
-        <pc:picChg chg="add mod">
-          <ac:chgData name="Marius Hole" userId="640c7f4a-0705-4bef-a18e-190e1e8ea9fa" providerId="ADAL" clId="{89112A96-95AA-493A-B5D6-77DD043895AA}" dt="2021-01-26T09:35:42.090" v="420" actId="1076"/>
-          <ac:picMkLst>
-            <pc:docMk/>
-            <pc:sldMk cId="168297172" sldId="406"/>
-            <ac:picMk id="9" creationId="{72FBCB86-C18E-4582-A338-F70DB52505DC}"/>
-          </ac:picMkLst>
-        </pc:picChg>
-      </pc:sldChg>
-      <pc:sldChg chg="addSp delSp modSp add mod ord">
-        <pc:chgData name="Marius Hole" userId="640c7f4a-0705-4bef-a18e-190e1e8ea9fa" providerId="ADAL" clId="{89112A96-95AA-493A-B5D6-77DD043895AA}" dt="2021-01-26T09:37:30.690" v="453" actId="1076"/>
-        <pc:sldMkLst>
-          <pc:docMk/>
-          <pc:sldMk cId="3017142941" sldId="407"/>
-        </pc:sldMkLst>
-        <pc:spChg chg="mod">
-          <ac:chgData name="Marius Hole" userId="640c7f4a-0705-4bef-a18e-190e1e8ea9fa" providerId="ADAL" clId="{89112A96-95AA-493A-B5D6-77DD043895AA}" dt="2021-01-26T09:37:12.292" v="451" actId="6549"/>
-          <ac:spMkLst>
-            <pc:docMk/>
-            <pc:sldMk cId="3017142941" sldId="407"/>
-            <ac:spMk id="3" creationId="{BC48574D-236C-40BA-AB9B-2BFEF0FE443B}"/>
-          </ac:spMkLst>
-        </pc:spChg>
-        <pc:picChg chg="del">
-          <ac:chgData name="Marius Hole" userId="640c7f4a-0705-4bef-a18e-190e1e8ea9fa" providerId="ADAL" clId="{89112A96-95AA-493A-B5D6-77DD043895AA}" dt="2021-01-26T09:36:01.003" v="425" actId="478"/>
-          <ac:picMkLst>
-            <pc:docMk/>
-            <pc:sldMk cId="3017142941" sldId="407"/>
-            <ac:picMk id="6" creationId="{51218BD1-96E9-4BC5-AA8E-890B269ADCF1}"/>
-          </ac:picMkLst>
-        </pc:picChg>
-        <pc:picChg chg="add mod">
-          <ac:chgData name="Marius Hole" userId="640c7f4a-0705-4bef-a18e-190e1e8ea9fa" providerId="ADAL" clId="{89112A96-95AA-493A-B5D6-77DD043895AA}" dt="2021-01-26T09:37:30.690" v="453" actId="1076"/>
-          <ac:picMkLst>
-            <pc:docMk/>
-            <pc:sldMk cId="3017142941" sldId="407"/>
-            <ac:picMk id="7" creationId="{B6234F51-D4CC-4543-9835-E86E0E1520C4}"/>
-          </ac:picMkLst>
-        </pc:picChg>
-      </pc:sldChg>
-      <pc:sldChg chg="delSp modSp add mod modNotesTx">
-        <pc:chgData name="Marius Hole" userId="640c7f4a-0705-4bef-a18e-190e1e8ea9fa" providerId="ADAL" clId="{89112A96-95AA-493A-B5D6-77DD043895AA}" dt="2021-01-26T09:41:24.365" v="550" actId="113"/>
-        <pc:sldMkLst>
-          <pc:docMk/>
-          <pc:sldMk cId="3392729381" sldId="408"/>
-        </pc:sldMkLst>
-        <pc:spChg chg="mod">
-          <ac:chgData name="Marius Hole" userId="640c7f4a-0705-4bef-a18e-190e1e8ea9fa" providerId="ADAL" clId="{89112A96-95AA-493A-B5D6-77DD043895AA}" dt="2021-01-26T09:41:24.365" v="550" actId="113"/>
-          <ac:spMkLst>
-            <pc:docMk/>
-            <pc:sldMk cId="3392729381" sldId="408"/>
-            <ac:spMk id="3" creationId="{BC48574D-236C-40BA-AB9B-2BFEF0FE443B}"/>
-          </ac:spMkLst>
-        </pc:spChg>
-        <pc:picChg chg="del">
-          <ac:chgData name="Marius Hole" userId="640c7f4a-0705-4bef-a18e-190e1e8ea9fa" providerId="ADAL" clId="{89112A96-95AA-493A-B5D6-77DD043895AA}" dt="2021-01-26T09:37:56.587" v="455" actId="478"/>
-          <ac:picMkLst>
-            <pc:docMk/>
-            <pc:sldMk cId="3392729381" sldId="408"/>
-            <ac:picMk id="7" creationId="{B6234F51-D4CC-4543-9835-E86E0E1520C4}"/>
-          </ac:picMkLst>
-        </pc:picChg>
-      </pc:sldChg>
-      <pc:sldChg chg="addSp modSp add mod modNotesTx">
-        <pc:chgData name="Marius Hole" userId="640c7f4a-0705-4bef-a18e-190e1e8ea9fa" providerId="ADAL" clId="{89112A96-95AA-493A-B5D6-77DD043895AA}" dt="2021-01-26T09:43:59.778" v="588" actId="20577"/>
-        <pc:sldMkLst>
-          <pc:docMk/>
-          <pc:sldMk cId="2803065246" sldId="409"/>
-        </pc:sldMkLst>
-        <pc:spChg chg="mod">
-          <ac:chgData name="Marius Hole" userId="640c7f4a-0705-4bef-a18e-190e1e8ea9fa" providerId="ADAL" clId="{89112A96-95AA-493A-B5D6-77DD043895AA}" dt="2021-01-26T09:43:59.778" v="588" actId="20577"/>
-          <ac:spMkLst>
-            <pc:docMk/>
-            <pc:sldMk cId="2803065246" sldId="409"/>
-            <ac:spMk id="3" creationId="{BC48574D-236C-40BA-AB9B-2BFEF0FE443B}"/>
-          </ac:spMkLst>
-        </pc:spChg>
-        <pc:picChg chg="add mod ord">
-          <ac:chgData name="Marius Hole" userId="640c7f4a-0705-4bef-a18e-190e1e8ea9fa" providerId="ADAL" clId="{89112A96-95AA-493A-B5D6-77DD043895AA}" dt="2021-01-26T09:43:46.976" v="576" actId="167"/>
-          <ac:picMkLst>
-            <pc:docMk/>
-            <pc:sldMk cId="2803065246" sldId="409"/>
-            <ac:picMk id="6" creationId="{AC574229-96F4-466E-B00E-E5B35EDA8C60}"/>
-          </ac:picMkLst>
-        </pc:picChg>
-        <pc:picChg chg="add mod">
-          <ac:chgData name="Marius Hole" userId="640c7f4a-0705-4bef-a18e-190e1e8ea9fa" providerId="ADAL" clId="{89112A96-95AA-493A-B5D6-77DD043895AA}" dt="2021-01-26T09:43:31.696" v="575" actId="1076"/>
-          <ac:picMkLst>
-            <pc:docMk/>
-            <pc:sldMk cId="2803065246" sldId="409"/>
-            <ac:picMk id="8" creationId="{F796A2F7-4DB6-4A84-A7DD-52AD9443EAC1}"/>
-          </ac:picMkLst>
-        </pc:picChg>
-      </pc:sldChg>
-      <pc:sldChg chg="add del">
-        <pc:chgData name="Marius Hole" userId="640c7f4a-0705-4bef-a18e-190e1e8ea9fa" providerId="ADAL" clId="{89112A96-95AA-493A-B5D6-77DD043895AA}" dt="2021-01-26T09:41:58.275" v="553" actId="22"/>
-        <pc:sldMkLst>
-          <pc:docMk/>
-          <pc:sldMk cId="1510058055" sldId="410"/>
-        </pc:sldMkLst>
-      </pc:sldChg>
-      <pc:sldChg chg="modSp add mod">
-        <pc:chgData name="Marius Hole" userId="640c7f4a-0705-4bef-a18e-190e1e8ea9fa" providerId="ADAL" clId="{89112A96-95AA-493A-B5D6-77DD043895AA}" dt="2021-01-26T09:48:35.637" v="660" actId="403"/>
-        <pc:sldMkLst>
-          <pc:docMk/>
-          <pc:sldMk cId="1954709923" sldId="410"/>
-        </pc:sldMkLst>
-        <pc:spChg chg="mod">
-          <ac:chgData name="Marius Hole" userId="640c7f4a-0705-4bef-a18e-190e1e8ea9fa" providerId="ADAL" clId="{89112A96-95AA-493A-B5D6-77DD043895AA}" dt="2021-01-26T09:48:35.637" v="660" actId="403"/>
-          <ac:spMkLst>
-            <pc:docMk/>
-            <pc:sldMk cId="1954709923" sldId="410"/>
-            <ac:spMk id="3" creationId="{BC48574D-236C-40BA-AB9B-2BFEF0FE443B}"/>
-          </ac:spMkLst>
-        </pc:spChg>
-        <pc:picChg chg="mod">
-          <ac:chgData name="Marius Hole" userId="640c7f4a-0705-4bef-a18e-190e1e8ea9fa" providerId="ADAL" clId="{89112A96-95AA-493A-B5D6-77DD043895AA}" dt="2021-01-26T09:48:17.138" v="653" actId="1076"/>
-          <ac:picMkLst>
-            <pc:docMk/>
-            <pc:sldMk cId="1954709923" sldId="410"/>
-            <ac:picMk id="6" creationId="{7E5F6AAC-2159-42C6-94E1-2E6A14BB085C}"/>
-          </ac:picMkLst>
-        </pc:picChg>
       </pc:sldChg>
     </pc:docChg>
   </pc:docChgLst>
@@ -3098,7 +3098,7 @@
           <a:p>
             <a:fld id="{D08823B3-E330-4DD2-96EE-DB1914DA4E92}" type="datetimeFigureOut">
               <a:rPr lang="en-GB"/>
-              <a:t>27/05/2021</a:t>
+              <a:t>28/05/2021</a:t>
             </a:fld>
             <a:endParaRPr lang="en-GB"/>
           </a:p>
@@ -3263,7 +3263,7 @@
           <a:p>
             <a:fld id="{2FBFD012-083A-4920-A768-D90A3AF77F02}" type="datetimeFigureOut">
               <a:rPr lang="en-GB"/>
-              <a:t>27/05/2021</a:t>
+              <a:t>28/05/2021</a:t>
             </a:fld>
             <a:endParaRPr lang="en-GB"/>
           </a:p>
@@ -12585,8 +12585,34 @@
             </a:r>
           </a:p>
           <a:p>
-            <a:pPr lvl="1"/>
-            <a:endParaRPr lang="nb-NO" dirty="0"/>
+            <a:pPr lvl="2"/>
+            <a:r>
+              <a:rPr lang="nb-NO" dirty="0"/>
+              <a:t>DHCP </a:t>
+            </a:r>
+            <a:r>
+              <a:rPr lang="nb-NO" dirty="0" err="1"/>
+              <a:t>scope</a:t>
+            </a:r>
+            <a:r>
+              <a:rPr lang="nb-NO" dirty="0"/>
+              <a:t> med option43</a:t>
+            </a:r>
+          </a:p>
+          <a:p>
+            <a:pPr lvl="2"/>
+            <a:r>
+              <a:rPr lang="nb-NO" dirty="0"/>
+              <a:t>Day0 </a:t>
+            </a:r>
+            <a:r>
+              <a:rPr lang="nb-NO" dirty="0" err="1"/>
+              <a:t>Template</a:t>
+            </a:r>
+            <a:r>
+              <a:rPr lang="nb-NO" dirty="0"/>
+              <a:t> på DNAC</a:t>
+            </a:r>
           </a:p>
           <a:p>
             <a:pPr lvl="1"/>
@@ -15920,20 +15946,20 @@
 </file>
 
 <file path=customXml/item1.xml><?xml version="1.0" encoding="utf-8"?>
-<p:properties xmlns:p="http://schemas.microsoft.com/office/2006/metadata/properties" xmlns:xsi="http://www.w3.org/2001/XMLSchema-instance" xmlns:pc="http://schemas.microsoft.com/office/infopath/2007/PartnerControls">
-  <documentManagement>
-    <arDocumentType xmlns="62b5b812-113d-4ff2-8b14-f86608aed96b">Documentation</arDocumentType>
-  </documentManagement>
-</p:properties>
-</file>
-
-<file path=customXml/item2.xml><?xml version="1.0" encoding="utf-8"?>
 <?mso-contentType ?>
 <FormTemplates xmlns="http://schemas.microsoft.com/sharepoint/v3/contenttype/forms">
   <Display>DocumentLibraryForm</Display>
   <Edit>DocumentLibraryForm</Edit>
   <New>DocumentLibraryForm</New>
 </FormTemplates>
+</file>
+
+<file path=customXml/item2.xml><?xml version="1.0" encoding="utf-8"?>
+<p:properties xmlns:p="http://schemas.microsoft.com/office/2006/metadata/properties" xmlns:xsi="http://www.w3.org/2001/XMLSchema-instance" xmlns:pc="http://schemas.microsoft.com/office/infopath/2007/PartnerControls">
+  <documentManagement>
+    <arDocumentType xmlns="62b5b812-113d-4ff2-8b14-f86608aed96b">Documentation</arDocumentType>
+  </documentManagement>
+</p:properties>
 </file>
 
 <file path=customXml/item3.xml><?xml version="1.0" encoding="utf-8"?>
@@ -16132,6 +16158,14 @@
 </file>
 
 <file path=customXml/itemProps1.xml><?xml version="1.0" encoding="utf-8"?>
+<ds:datastoreItem xmlns:ds="http://schemas.openxmlformats.org/officeDocument/2006/customXml" ds:itemID="{FAFE0268-5015-4872-8328-FA4C373266B3}">
+  <ds:schemaRefs>
+    <ds:schemaRef ds:uri="http://schemas.microsoft.com/sharepoint/v3/contenttype/forms"/>
+  </ds:schemaRefs>
+</ds:datastoreItem>
+</file>
+
+<file path=customXml/itemProps2.xml><?xml version="1.0" encoding="utf-8"?>
 <ds:datastoreItem xmlns:ds="http://schemas.openxmlformats.org/officeDocument/2006/customXml" ds:itemID="{393631F0-3B1B-4765-BB57-EA82E143B3A1}">
   <ds:schemaRefs>
     <ds:schemaRef ds:uri="http://schemas.openxmlformats.org/package/2006/metadata/core-properties"/>
@@ -16144,14 +16178,6 @@
     <ds:schemaRef ds:uri="http://purl.org/dc/dcmitype/"/>
     <ds:schemaRef ds:uri="62b5b812-113d-4ff2-8b14-f86608aed96b"/>
     <ds:schemaRef ds:uri="http://purl.org/dc/elements/1.1/"/>
-  </ds:schemaRefs>
-</ds:datastoreItem>
-</file>
-
-<file path=customXml/itemProps2.xml><?xml version="1.0" encoding="utf-8"?>
-<ds:datastoreItem xmlns:ds="http://schemas.openxmlformats.org/officeDocument/2006/customXml" ds:itemID="{FAFE0268-5015-4872-8328-FA4C373266B3}">
-  <ds:schemaRefs>
-    <ds:schemaRef ds:uri="http://schemas.microsoft.com/sharepoint/v3/contenttype/forms"/>
   </ds:schemaRefs>
 </ds:datastoreItem>
 </file>

--- a/02-Marius/2021.05.28-02-Preso.pptx
+++ b/02-Marius/2021.05.28-02-Preso.pptx
@@ -5,10 +5,10 @@
     <p:sldMasterId id="2147483648" r:id="rId4"/>
   </p:sldMasterIdLst>
   <p:notesMasterIdLst>
-    <p:notesMasterId r:id="rId21"/>
+    <p:notesMasterId r:id="rId23"/>
   </p:notesMasterIdLst>
   <p:handoutMasterIdLst>
-    <p:handoutMasterId r:id="rId22"/>
+    <p:handoutMasterId r:id="rId24"/>
   </p:handoutMasterIdLst>
   <p:sldIdLst>
     <p:sldId id="397" r:id="rId5"/>
@@ -17,16 +17,18 @@
     <p:sldId id="394" r:id="rId8"/>
     <p:sldId id="395" r:id="rId9"/>
     <p:sldId id="396" r:id="rId10"/>
-    <p:sldId id="398" r:id="rId11"/>
-    <p:sldId id="399" r:id="rId12"/>
-    <p:sldId id="400" r:id="rId13"/>
-    <p:sldId id="401" r:id="rId14"/>
-    <p:sldId id="402" r:id="rId15"/>
-    <p:sldId id="403" r:id="rId16"/>
-    <p:sldId id="406" r:id="rId17"/>
-    <p:sldId id="404" r:id="rId18"/>
-    <p:sldId id="405" r:id="rId19"/>
-    <p:sldId id="260" r:id="rId20"/>
+    <p:sldId id="403" r:id="rId11"/>
+    <p:sldId id="398" r:id="rId12"/>
+    <p:sldId id="407" r:id="rId13"/>
+    <p:sldId id="408" r:id="rId14"/>
+    <p:sldId id="399" r:id="rId15"/>
+    <p:sldId id="400" r:id="rId16"/>
+    <p:sldId id="401" r:id="rId17"/>
+    <p:sldId id="402" r:id="rId18"/>
+    <p:sldId id="406" r:id="rId19"/>
+    <p:sldId id="404" r:id="rId20"/>
+    <p:sldId id="405" r:id="rId21"/>
+    <p:sldId id="260" r:id="rId22"/>
   </p:sldIdLst>
   <p:sldSz cx="12192000" cy="6858000"/>
   <p:notesSz cx="6858000" cy="9144000"/>
@@ -571,6 +573,134 @@
     </pc:docChg>
   </pc:docChgLst>
   <pc:docChgLst>
+    <pc:chgData name="Marius Hole" userId="640c7f4a-0705-4bef-a18e-190e1e8ea9fa" providerId="ADAL" clId="{03CCA8CE-B5A5-46F6-A122-F34E93E457F2}"/>
+    <pc:docChg chg="undo custSel addSld delSld modSld sldOrd">
+      <pc:chgData name="Marius Hole" userId="640c7f4a-0705-4bef-a18e-190e1e8ea9fa" providerId="ADAL" clId="{03CCA8CE-B5A5-46F6-A122-F34E93E457F2}" dt="2021-05-19T11:14:14.144" v="18" actId="47"/>
+      <pc:docMkLst>
+        <pc:docMk/>
+      </pc:docMkLst>
+      <pc:sldChg chg="add del">
+        <pc:chgData name="Marius Hole" userId="640c7f4a-0705-4bef-a18e-190e1e8ea9fa" providerId="ADAL" clId="{03CCA8CE-B5A5-46F6-A122-F34E93E457F2}" dt="2021-05-19T11:04:23.068" v="15" actId="47"/>
+        <pc:sldMkLst>
+          <pc:docMk/>
+          <pc:sldMk cId="2929233815" sldId="376"/>
+        </pc:sldMkLst>
+      </pc:sldChg>
+      <pc:sldChg chg="del">
+        <pc:chgData name="Marius Hole" userId="640c7f4a-0705-4bef-a18e-190e1e8ea9fa" providerId="ADAL" clId="{03CCA8CE-B5A5-46F6-A122-F34E93E457F2}" dt="2021-05-19T11:03:07.199" v="0" actId="47"/>
+        <pc:sldMkLst>
+          <pc:docMk/>
+          <pc:sldMk cId="4019874596" sldId="382"/>
+        </pc:sldMkLst>
+      </pc:sldChg>
+      <pc:sldChg chg="add del">
+        <pc:chgData name="Marius Hole" userId="640c7f4a-0705-4bef-a18e-190e1e8ea9fa" providerId="ADAL" clId="{03CCA8CE-B5A5-46F6-A122-F34E93E457F2}" dt="2021-05-19T11:04:14.672" v="8" actId="47"/>
+        <pc:sldMkLst>
+          <pc:docMk/>
+          <pc:sldMk cId="2366304937" sldId="383"/>
+        </pc:sldMkLst>
+      </pc:sldChg>
+      <pc:sldChg chg="del">
+        <pc:chgData name="Marius Hole" userId="640c7f4a-0705-4bef-a18e-190e1e8ea9fa" providerId="ADAL" clId="{03CCA8CE-B5A5-46F6-A122-F34E93E457F2}" dt="2021-05-19T11:14:14.144" v="18" actId="47"/>
+        <pc:sldMkLst>
+          <pc:docMk/>
+          <pc:sldMk cId="695896064" sldId="386"/>
+        </pc:sldMkLst>
+      </pc:sldChg>
+      <pc:sldChg chg="del">
+        <pc:chgData name="Marius Hole" userId="640c7f4a-0705-4bef-a18e-190e1e8ea9fa" providerId="ADAL" clId="{03CCA8CE-B5A5-46F6-A122-F34E93E457F2}" dt="2021-05-19T11:14:14.144" v="18" actId="47"/>
+        <pc:sldMkLst>
+          <pc:docMk/>
+          <pc:sldMk cId="1176789328" sldId="387"/>
+        </pc:sldMkLst>
+      </pc:sldChg>
+      <pc:sldChg chg="ord">
+        <pc:chgData name="Marius Hole" userId="640c7f4a-0705-4bef-a18e-190e1e8ea9fa" providerId="ADAL" clId="{03CCA8CE-B5A5-46F6-A122-F34E93E457F2}" dt="2021-05-19T11:04:30.277" v="17"/>
+        <pc:sldMkLst>
+          <pc:docMk/>
+          <pc:sldMk cId="393997522" sldId="392"/>
+        </pc:sldMkLst>
+      </pc:sldChg>
+      <pc:sldChg chg="add del">
+        <pc:chgData name="Marius Hole" userId="640c7f4a-0705-4bef-a18e-190e1e8ea9fa" providerId="ADAL" clId="{03CCA8CE-B5A5-46F6-A122-F34E93E457F2}" dt="2021-05-19T11:04:16.646" v="13" actId="47"/>
+        <pc:sldMkLst>
+          <pc:docMk/>
+          <pc:sldMk cId="2631658248" sldId="399"/>
+        </pc:sldMkLst>
+      </pc:sldChg>
+      <pc:sldChg chg="del">
+        <pc:chgData name="Marius Hole" userId="640c7f4a-0705-4bef-a18e-190e1e8ea9fa" providerId="ADAL" clId="{03CCA8CE-B5A5-46F6-A122-F34E93E457F2}" dt="2021-05-19T11:14:14.144" v="18" actId="47"/>
+        <pc:sldMkLst>
+          <pc:docMk/>
+          <pc:sldMk cId="2385774935" sldId="400"/>
+        </pc:sldMkLst>
+      </pc:sldChg>
+      <pc:sldChg chg="del">
+        <pc:chgData name="Marius Hole" userId="640c7f4a-0705-4bef-a18e-190e1e8ea9fa" providerId="ADAL" clId="{03CCA8CE-B5A5-46F6-A122-F34E93E457F2}" dt="2021-05-19T11:14:14.144" v="18" actId="47"/>
+        <pc:sldMkLst>
+          <pc:docMk/>
+          <pc:sldMk cId="3241488928" sldId="401"/>
+        </pc:sldMkLst>
+      </pc:sldChg>
+      <pc:sldChg chg="del">
+        <pc:chgData name="Marius Hole" userId="640c7f4a-0705-4bef-a18e-190e1e8ea9fa" providerId="ADAL" clId="{03CCA8CE-B5A5-46F6-A122-F34E93E457F2}" dt="2021-05-19T11:14:14.144" v="18" actId="47"/>
+        <pc:sldMkLst>
+          <pc:docMk/>
+          <pc:sldMk cId="2537510054" sldId="402"/>
+        </pc:sldMkLst>
+      </pc:sldChg>
+      <pc:sldChg chg="del">
+        <pc:chgData name="Marius Hole" userId="640c7f4a-0705-4bef-a18e-190e1e8ea9fa" providerId="ADAL" clId="{03CCA8CE-B5A5-46F6-A122-F34E93E457F2}" dt="2021-05-19T11:14:14.144" v="18" actId="47"/>
+        <pc:sldMkLst>
+          <pc:docMk/>
+          <pc:sldMk cId="4125824841" sldId="403"/>
+        </pc:sldMkLst>
+      </pc:sldChg>
+      <pc:sldChg chg="del">
+        <pc:chgData name="Marius Hole" userId="640c7f4a-0705-4bef-a18e-190e1e8ea9fa" providerId="ADAL" clId="{03CCA8CE-B5A5-46F6-A122-F34E93E457F2}" dt="2021-05-19T11:14:14.144" v="18" actId="47"/>
+        <pc:sldMkLst>
+          <pc:docMk/>
+          <pc:sldMk cId="427585213" sldId="404"/>
+        </pc:sldMkLst>
+      </pc:sldChg>
+      <pc:sldChg chg="del">
+        <pc:chgData name="Marius Hole" userId="640c7f4a-0705-4bef-a18e-190e1e8ea9fa" providerId="ADAL" clId="{03CCA8CE-B5A5-46F6-A122-F34E93E457F2}" dt="2021-05-19T11:14:14.144" v="18" actId="47"/>
+        <pc:sldMkLst>
+          <pc:docMk/>
+          <pc:sldMk cId="2060808739" sldId="405"/>
+        </pc:sldMkLst>
+      </pc:sldChg>
+      <pc:sldChg chg="add del">
+        <pc:chgData name="Marius Hole" userId="640c7f4a-0705-4bef-a18e-190e1e8ea9fa" providerId="ADAL" clId="{03CCA8CE-B5A5-46F6-A122-F34E93E457F2}" dt="2021-05-19T11:04:16.063" v="12" actId="47"/>
+        <pc:sldMkLst>
+          <pc:docMk/>
+          <pc:sldMk cId="168297172" sldId="406"/>
+        </pc:sldMkLst>
+      </pc:sldChg>
+      <pc:sldChg chg="add del">
+        <pc:chgData name="Marius Hole" userId="640c7f4a-0705-4bef-a18e-190e1e8ea9fa" providerId="ADAL" clId="{03CCA8CE-B5A5-46F6-A122-F34E93E457F2}" dt="2021-05-19T11:04:15.414" v="11" actId="47"/>
+        <pc:sldMkLst>
+          <pc:docMk/>
+          <pc:sldMk cId="3017142941" sldId="407"/>
+        </pc:sldMkLst>
+      </pc:sldChg>
+      <pc:sldChg chg="add del">
+        <pc:chgData name="Marius Hole" userId="640c7f4a-0705-4bef-a18e-190e1e8ea9fa" providerId="ADAL" clId="{03CCA8CE-B5A5-46F6-A122-F34E93E457F2}" dt="2021-05-19T11:04:15.237" v="10" actId="47"/>
+        <pc:sldMkLst>
+          <pc:docMk/>
+          <pc:sldMk cId="3392729381" sldId="408"/>
+        </pc:sldMkLst>
+      </pc:sldChg>
+      <pc:sldChg chg="add del">
+        <pc:chgData name="Marius Hole" userId="640c7f4a-0705-4bef-a18e-190e1e8ea9fa" providerId="ADAL" clId="{03CCA8CE-B5A5-46F6-A122-F34E93E457F2}" dt="2021-05-19T11:04:15.069" v="9" actId="47"/>
+        <pc:sldMkLst>
+          <pc:docMk/>
+          <pc:sldMk cId="2803065246" sldId="409"/>
+        </pc:sldMkLst>
+      </pc:sldChg>
+    </pc:docChg>
+  </pc:docChgLst>
+  <pc:docChgLst>
     <pc:chgData name="Marius Hole" userId="640c7f4a-0705-4bef-a18e-190e1e8ea9fa" providerId="ADAL" clId="{334E00DB-73A3-4C66-B5F9-E1F69874C6AB}"/>
     <pc:docChg chg="undo custSel addSld delSld modSld sldOrd">
       <pc:chgData name="Marius Hole" userId="640c7f4a-0705-4bef-a18e-190e1e8ea9fa" providerId="ADAL" clId="{334E00DB-73A3-4C66-B5F9-E1F69874C6AB}" dt="2021-01-06T19:22:24.836" v="1149"/>
@@ -953,134 +1083,6 @@
         <pc:sldMkLst>
           <pc:docMk/>
           <pc:sldMk cId="1563450011" sldId="388"/>
-        </pc:sldMkLst>
-      </pc:sldChg>
-    </pc:docChg>
-  </pc:docChgLst>
-  <pc:docChgLst>
-    <pc:chgData name="Marius Hole" userId="640c7f4a-0705-4bef-a18e-190e1e8ea9fa" providerId="ADAL" clId="{03CCA8CE-B5A5-46F6-A122-F34E93E457F2}"/>
-    <pc:docChg chg="undo custSel addSld delSld modSld sldOrd">
-      <pc:chgData name="Marius Hole" userId="640c7f4a-0705-4bef-a18e-190e1e8ea9fa" providerId="ADAL" clId="{03CCA8CE-B5A5-46F6-A122-F34E93E457F2}" dt="2021-05-19T11:14:14.144" v="18" actId="47"/>
-      <pc:docMkLst>
-        <pc:docMk/>
-      </pc:docMkLst>
-      <pc:sldChg chg="add del">
-        <pc:chgData name="Marius Hole" userId="640c7f4a-0705-4bef-a18e-190e1e8ea9fa" providerId="ADAL" clId="{03CCA8CE-B5A5-46F6-A122-F34E93E457F2}" dt="2021-05-19T11:04:23.068" v="15" actId="47"/>
-        <pc:sldMkLst>
-          <pc:docMk/>
-          <pc:sldMk cId="2929233815" sldId="376"/>
-        </pc:sldMkLst>
-      </pc:sldChg>
-      <pc:sldChg chg="del">
-        <pc:chgData name="Marius Hole" userId="640c7f4a-0705-4bef-a18e-190e1e8ea9fa" providerId="ADAL" clId="{03CCA8CE-B5A5-46F6-A122-F34E93E457F2}" dt="2021-05-19T11:03:07.199" v="0" actId="47"/>
-        <pc:sldMkLst>
-          <pc:docMk/>
-          <pc:sldMk cId="4019874596" sldId="382"/>
-        </pc:sldMkLst>
-      </pc:sldChg>
-      <pc:sldChg chg="add del">
-        <pc:chgData name="Marius Hole" userId="640c7f4a-0705-4bef-a18e-190e1e8ea9fa" providerId="ADAL" clId="{03CCA8CE-B5A5-46F6-A122-F34E93E457F2}" dt="2021-05-19T11:04:14.672" v="8" actId="47"/>
-        <pc:sldMkLst>
-          <pc:docMk/>
-          <pc:sldMk cId="2366304937" sldId="383"/>
-        </pc:sldMkLst>
-      </pc:sldChg>
-      <pc:sldChg chg="del">
-        <pc:chgData name="Marius Hole" userId="640c7f4a-0705-4bef-a18e-190e1e8ea9fa" providerId="ADAL" clId="{03CCA8CE-B5A5-46F6-A122-F34E93E457F2}" dt="2021-05-19T11:14:14.144" v="18" actId="47"/>
-        <pc:sldMkLst>
-          <pc:docMk/>
-          <pc:sldMk cId="695896064" sldId="386"/>
-        </pc:sldMkLst>
-      </pc:sldChg>
-      <pc:sldChg chg="del">
-        <pc:chgData name="Marius Hole" userId="640c7f4a-0705-4bef-a18e-190e1e8ea9fa" providerId="ADAL" clId="{03CCA8CE-B5A5-46F6-A122-F34E93E457F2}" dt="2021-05-19T11:14:14.144" v="18" actId="47"/>
-        <pc:sldMkLst>
-          <pc:docMk/>
-          <pc:sldMk cId="1176789328" sldId="387"/>
-        </pc:sldMkLst>
-      </pc:sldChg>
-      <pc:sldChg chg="ord">
-        <pc:chgData name="Marius Hole" userId="640c7f4a-0705-4bef-a18e-190e1e8ea9fa" providerId="ADAL" clId="{03CCA8CE-B5A5-46F6-A122-F34E93E457F2}" dt="2021-05-19T11:04:30.277" v="17"/>
-        <pc:sldMkLst>
-          <pc:docMk/>
-          <pc:sldMk cId="393997522" sldId="392"/>
-        </pc:sldMkLst>
-      </pc:sldChg>
-      <pc:sldChg chg="add del">
-        <pc:chgData name="Marius Hole" userId="640c7f4a-0705-4bef-a18e-190e1e8ea9fa" providerId="ADAL" clId="{03CCA8CE-B5A5-46F6-A122-F34E93E457F2}" dt="2021-05-19T11:04:16.646" v="13" actId="47"/>
-        <pc:sldMkLst>
-          <pc:docMk/>
-          <pc:sldMk cId="2631658248" sldId="399"/>
-        </pc:sldMkLst>
-      </pc:sldChg>
-      <pc:sldChg chg="del">
-        <pc:chgData name="Marius Hole" userId="640c7f4a-0705-4bef-a18e-190e1e8ea9fa" providerId="ADAL" clId="{03CCA8CE-B5A5-46F6-A122-F34E93E457F2}" dt="2021-05-19T11:14:14.144" v="18" actId="47"/>
-        <pc:sldMkLst>
-          <pc:docMk/>
-          <pc:sldMk cId="2385774935" sldId="400"/>
-        </pc:sldMkLst>
-      </pc:sldChg>
-      <pc:sldChg chg="del">
-        <pc:chgData name="Marius Hole" userId="640c7f4a-0705-4bef-a18e-190e1e8ea9fa" providerId="ADAL" clId="{03CCA8CE-B5A5-46F6-A122-F34E93E457F2}" dt="2021-05-19T11:14:14.144" v="18" actId="47"/>
-        <pc:sldMkLst>
-          <pc:docMk/>
-          <pc:sldMk cId="3241488928" sldId="401"/>
-        </pc:sldMkLst>
-      </pc:sldChg>
-      <pc:sldChg chg="del">
-        <pc:chgData name="Marius Hole" userId="640c7f4a-0705-4bef-a18e-190e1e8ea9fa" providerId="ADAL" clId="{03CCA8CE-B5A5-46F6-A122-F34E93E457F2}" dt="2021-05-19T11:14:14.144" v="18" actId="47"/>
-        <pc:sldMkLst>
-          <pc:docMk/>
-          <pc:sldMk cId="2537510054" sldId="402"/>
-        </pc:sldMkLst>
-      </pc:sldChg>
-      <pc:sldChg chg="del">
-        <pc:chgData name="Marius Hole" userId="640c7f4a-0705-4bef-a18e-190e1e8ea9fa" providerId="ADAL" clId="{03CCA8CE-B5A5-46F6-A122-F34E93E457F2}" dt="2021-05-19T11:14:14.144" v="18" actId="47"/>
-        <pc:sldMkLst>
-          <pc:docMk/>
-          <pc:sldMk cId="4125824841" sldId="403"/>
-        </pc:sldMkLst>
-      </pc:sldChg>
-      <pc:sldChg chg="del">
-        <pc:chgData name="Marius Hole" userId="640c7f4a-0705-4bef-a18e-190e1e8ea9fa" providerId="ADAL" clId="{03CCA8CE-B5A5-46F6-A122-F34E93E457F2}" dt="2021-05-19T11:14:14.144" v="18" actId="47"/>
-        <pc:sldMkLst>
-          <pc:docMk/>
-          <pc:sldMk cId="427585213" sldId="404"/>
-        </pc:sldMkLst>
-      </pc:sldChg>
-      <pc:sldChg chg="del">
-        <pc:chgData name="Marius Hole" userId="640c7f4a-0705-4bef-a18e-190e1e8ea9fa" providerId="ADAL" clId="{03CCA8CE-B5A5-46F6-A122-F34E93E457F2}" dt="2021-05-19T11:14:14.144" v="18" actId="47"/>
-        <pc:sldMkLst>
-          <pc:docMk/>
-          <pc:sldMk cId="2060808739" sldId="405"/>
-        </pc:sldMkLst>
-      </pc:sldChg>
-      <pc:sldChg chg="add del">
-        <pc:chgData name="Marius Hole" userId="640c7f4a-0705-4bef-a18e-190e1e8ea9fa" providerId="ADAL" clId="{03CCA8CE-B5A5-46F6-A122-F34E93E457F2}" dt="2021-05-19T11:04:16.063" v="12" actId="47"/>
-        <pc:sldMkLst>
-          <pc:docMk/>
-          <pc:sldMk cId="168297172" sldId="406"/>
-        </pc:sldMkLst>
-      </pc:sldChg>
-      <pc:sldChg chg="add del">
-        <pc:chgData name="Marius Hole" userId="640c7f4a-0705-4bef-a18e-190e1e8ea9fa" providerId="ADAL" clId="{03CCA8CE-B5A5-46F6-A122-F34E93E457F2}" dt="2021-05-19T11:04:15.414" v="11" actId="47"/>
-        <pc:sldMkLst>
-          <pc:docMk/>
-          <pc:sldMk cId="3017142941" sldId="407"/>
-        </pc:sldMkLst>
-      </pc:sldChg>
-      <pc:sldChg chg="add del">
-        <pc:chgData name="Marius Hole" userId="640c7f4a-0705-4bef-a18e-190e1e8ea9fa" providerId="ADAL" clId="{03CCA8CE-B5A5-46F6-A122-F34E93E457F2}" dt="2021-05-19T11:04:15.237" v="10" actId="47"/>
-        <pc:sldMkLst>
-          <pc:docMk/>
-          <pc:sldMk cId="3392729381" sldId="408"/>
-        </pc:sldMkLst>
-      </pc:sldChg>
-      <pc:sldChg chg="add del">
-        <pc:chgData name="Marius Hole" userId="640c7f4a-0705-4bef-a18e-190e1e8ea9fa" providerId="ADAL" clId="{03CCA8CE-B5A5-46F6-A122-F34E93E457F2}" dt="2021-05-19T11:04:15.069" v="9" actId="47"/>
-        <pc:sldMkLst>
-          <pc:docMk/>
-          <pc:sldMk cId="2803065246" sldId="409"/>
         </pc:sldMkLst>
       </pc:sldChg>
     </pc:docChg>
@@ -1783,6 +1785,359 @@
     </pc:docChg>
   </pc:docChgLst>
   <pc:docChgLst>
+    <pc:chgData name="Marius Hole" userId="640c7f4a-0705-4bef-a18e-190e1e8ea9fa" providerId="ADAL" clId="{117DEA86-0DAF-4750-9E6B-621DF0F7E3F7}"/>
+    <pc:docChg chg="undo redo custSel addSld delSld modSld sldOrd">
+      <pc:chgData name="Marius Hole" userId="640c7f4a-0705-4bef-a18e-190e1e8ea9fa" providerId="ADAL" clId="{117DEA86-0DAF-4750-9E6B-621DF0F7E3F7}" dt="2021-01-25T16:14:46.678" v="337"/>
+      <pc:docMkLst>
+        <pc:docMk/>
+      </pc:docMkLst>
+      <pc:sldChg chg="modSp mod">
+        <pc:chgData name="Marius Hole" userId="640c7f4a-0705-4bef-a18e-190e1e8ea9fa" providerId="ADAL" clId="{117DEA86-0DAF-4750-9E6B-621DF0F7E3F7}" dt="2021-01-24T18:57:04.884" v="33" actId="20577"/>
+        <pc:sldMkLst>
+          <pc:docMk/>
+          <pc:sldMk cId="2929233815" sldId="376"/>
+        </pc:sldMkLst>
+        <pc:spChg chg="mod">
+          <ac:chgData name="Marius Hole" userId="640c7f4a-0705-4bef-a18e-190e1e8ea9fa" providerId="ADAL" clId="{117DEA86-0DAF-4750-9E6B-621DF0F7E3F7}" dt="2021-01-24T18:57:04.884" v="33" actId="20577"/>
+          <ac:spMkLst>
+            <pc:docMk/>
+            <pc:sldMk cId="2929233815" sldId="376"/>
+            <ac:spMk id="3" creationId="{BC48574D-236C-40BA-AB9B-2BFEF0FE443B}"/>
+          </ac:spMkLst>
+        </pc:spChg>
+      </pc:sldChg>
+      <pc:sldChg chg="del">
+        <pc:chgData name="Marius Hole" userId="640c7f4a-0705-4bef-a18e-190e1e8ea9fa" providerId="ADAL" clId="{117DEA86-0DAF-4750-9E6B-621DF0F7E3F7}" dt="2021-01-24T18:58:22.336" v="35" actId="47"/>
+        <pc:sldMkLst>
+          <pc:docMk/>
+          <pc:sldMk cId="3915907644" sldId="379"/>
+        </pc:sldMkLst>
+      </pc:sldChg>
+      <pc:sldChg chg="del">
+        <pc:chgData name="Marius Hole" userId="640c7f4a-0705-4bef-a18e-190e1e8ea9fa" providerId="ADAL" clId="{117DEA86-0DAF-4750-9E6B-621DF0F7E3F7}" dt="2021-01-24T18:58:22.336" v="35" actId="47"/>
+        <pc:sldMkLst>
+          <pc:docMk/>
+          <pc:sldMk cId="3569898867" sldId="380"/>
+        </pc:sldMkLst>
+      </pc:sldChg>
+      <pc:sldChg chg="del">
+        <pc:chgData name="Marius Hole" userId="640c7f4a-0705-4bef-a18e-190e1e8ea9fa" providerId="ADAL" clId="{117DEA86-0DAF-4750-9E6B-621DF0F7E3F7}" dt="2021-01-24T18:58:22.336" v="35" actId="47"/>
+        <pc:sldMkLst>
+          <pc:docMk/>
+          <pc:sldMk cId="1669615239" sldId="381"/>
+        </pc:sldMkLst>
+      </pc:sldChg>
+      <pc:sldChg chg="addSp delSp modSp mod">
+        <pc:chgData name="Marius Hole" userId="640c7f4a-0705-4bef-a18e-190e1e8ea9fa" providerId="ADAL" clId="{117DEA86-0DAF-4750-9E6B-621DF0F7E3F7}" dt="2021-01-24T19:39:25.409" v="279" actId="1038"/>
+        <pc:sldMkLst>
+          <pc:docMk/>
+          <pc:sldMk cId="4019874596" sldId="382"/>
+        </pc:sldMkLst>
+        <pc:spChg chg="mod">
+          <ac:chgData name="Marius Hole" userId="640c7f4a-0705-4bef-a18e-190e1e8ea9fa" providerId="ADAL" clId="{117DEA86-0DAF-4750-9E6B-621DF0F7E3F7}" dt="2021-01-24T19:38:25.513" v="156" actId="20577"/>
+          <ac:spMkLst>
+            <pc:docMk/>
+            <pc:sldMk cId="4019874596" sldId="382"/>
+            <ac:spMk id="2" creationId="{E930D958-96C8-44C0-926C-3021A53D08A3}"/>
+          </ac:spMkLst>
+        </pc:spChg>
+        <pc:spChg chg="mod">
+          <ac:chgData name="Marius Hole" userId="640c7f4a-0705-4bef-a18e-190e1e8ea9fa" providerId="ADAL" clId="{117DEA86-0DAF-4750-9E6B-621DF0F7E3F7}" dt="2021-01-24T19:38:56.228" v="233" actId="242"/>
+          <ac:spMkLst>
+            <pc:docMk/>
+            <pc:sldMk cId="4019874596" sldId="382"/>
+            <ac:spMk id="3" creationId="{BC48574D-236C-40BA-AB9B-2BFEF0FE443B}"/>
+          </ac:spMkLst>
+        </pc:spChg>
+        <pc:picChg chg="add mod">
+          <ac:chgData name="Marius Hole" userId="640c7f4a-0705-4bef-a18e-190e1e8ea9fa" providerId="ADAL" clId="{117DEA86-0DAF-4750-9E6B-621DF0F7E3F7}" dt="2021-01-24T19:39:25.409" v="279" actId="1038"/>
+          <ac:picMkLst>
+            <pc:docMk/>
+            <pc:sldMk cId="4019874596" sldId="382"/>
+            <ac:picMk id="6" creationId="{5A0CE20C-ABA7-4370-A69B-4E9FA8A39CDB}"/>
+          </ac:picMkLst>
+        </pc:picChg>
+        <pc:picChg chg="del">
+          <ac:chgData name="Marius Hole" userId="640c7f4a-0705-4bef-a18e-190e1e8ea9fa" providerId="ADAL" clId="{117DEA86-0DAF-4750-9E6B-621DF0F7E3F7}" dt="2021-01-24T18:58:13.174" v="34" actId="478"/>
+          <ac:picMkLst>
+            <pc:docMk/>
+            <pc:sldMk cId="4019874596" sldId="382"/>
+            <ac:picMk id="1026" creationId="{508F9711-773C-494C-AE94-08CFF835B14F}"/>
+          </ac:picMkLst>
+        </pc:picChg>
+      </pc:sldChg>
+      <pc:sldChg chg="del">
+        <pc:chgData name="Marius Hole" userId="640c7f4a-0705-4bef-a18e-190e1e8ea9fa" providerId="ADAL" clId="{117DEA86-0DAF-4750-9E6B-621DF0F7E3F7}" dt="2021-01-24T18:58:22.336" v="35" actId="47"/>
+        <pc:sldMkLst>
+          <pc:docMk/>
+          <pc:sldMk cId="479420297" sldId="383"/>
+        </pc:sldMkLst>
+      </pc:sldChg>
+      <pc:sldChg chg="modSp add mod">
+        <pc:chgData name="Marius Hole" userId="640c7f4a-0705-4bef-a18e-190e1e8ea9fa" providerId="ADAL" clId="{117DEA86-0DAF-4750-9E6B-621DF0F7E3F7}" dt="2021-01-24T18:59:12.849" v="51" actId="20577"/>
+        <pc:sldMkLst>
+          <pc:docMk/>
+          <pc:sldMk cId="2366304937" sldId="383"/>
+        </pc:sldMkLst>
+        <pc:spChg chg="mod">
+          <ac:chgData name="Marius Hole" userId="640c7f4a-0705-4bef-a18e-190e1e8ea9fa" providerId="ADAL" clId="{117DEA86-0DAF-4750-9E6B-621DF0F7E3F7}" dt="2021-01-24T18:59:00.649" v="43"/>
+          <ac:spMkLst>
+            <pc:docMk/>
+            <pc:sldMk cId="2366304937" sldId="383"/>
+            <ac:spMk id="2" creationId="{E930D958-96C8-44C0-926C-3021A53D08A3}"/>
+          </ac:spMkLst>
+        </pc:spChg>
+        <pc:spChg chg="mod">
+          <ac:chgData name="Marius Hole" userId="640c7f4a-0705-4bef-a18e-190e1e8ea9fa" providerId="ADAL" clId="{117DEA86-0DAF-4750-9E6B-621DF0F7E3F7}" dt="2021-01-24T18:59:12.849" v="51" actId="20577"/>
+          <ac:spMkLst>
+            <pc:docMk/>
+            <pc:sldMk cId="2366304937" sldId="383"/>
+            <ac:spMk id="3" creationId="{BC48574D-236C-40BA-AB9B-2BFEF0FE443B}"/>
+          </ac:spMkLst>
+        </pc:spChg>
+      </pc:sldChg>
+      <pc:sldChg chg="addSp modSp add del mod">
+        <pc:chgData name="Marius Hole" userId="640c7f4a-0705-4bef-a18e-190e1e8ea9fa" providerId="ADAL" clId="{117DEA86-0DAF-4750-9E6B-621DF0F7E3F7}" dt="2021-01-24T19:13:04.878" v="135" actId="1035"/>
+        <pc:sldMkLst>
+          <pc:docMk/>
+          <pc:sldMk cId="1405082422" sldId="384"/>
+        </pc:sldMkLst>
+        <pc:spChg chg="mod">
+          <ac:chgData name="Marius Hole" userId="640c7f4a-0705-4bef-a18e-190e1e8ea9fa" providerId="ADAL" clId="{117DEA86-0DAF-4750-9E6B-621DF0F7E3F7}" dt="2021-01-24T18:59:22.610" v="53"/>
+          <ac:spMkLst>
+            <pc:docMk/>
+            <pc:sldMk cId="1405082422" sldId="384"/>
+            <ac:spMk id="2" creationId="{E930D958-96C8-44C0-926C-3021A53D08A3}"/>
+          </ac:spMkLst>
+        </pc:spChg>
+        <pc:spChg chg="mod">
+          <ac:chgData name="Marius Hole" userId="640c7f4a-0705-4bef-a18e-190e1e8ea9fa" providerId="ADAL" clId="{117DEA86-0DAF-4750-9E6B-621DF0F7E3F7}" dt="2021-01-24T19:11:58.300" v="126" actId="20577"/>
+          <ac:spMkLst>
+            <pc:docMk/>
+            <pc:sldMk cId="1405082422" sldId="384"/>
+            <ac:spMk id="3" creationId="{BC48574D-236C-40BA-AB9B-2BFEF0FE443B}"/>
+          </ac:spMkLst>
+        </pc:spChg>
+        <pc:picChg chg="add mod">
+          <ac:chgData name="Marius Hole" userId="640c7f4a-0705-4bef-a18e-190e1e8ea9fa" providerId="ADAL" clId="{117DEA86-0DAF-4750-9E6B-621DF0F7E3F7}" dt="2021-01-24T19:13:04.878" v="135" actId="1035"/>
+          <ac:picMkLst>
+            <pc:docMk/>
+            <pc:sldMk cId="1405082422" sldId="384"/>
+            <ac:picMk id="6" creationId="{7E5F6AAC-2159-42C6-94E1-2E6A14BB085C}"/>
+          </ac:picMkLst>
+        </pc:picChg>
+      </pc:sldChg>
+      <pc:sldChg chg="del">
+        <pc:chgData name="Marius Hole" userId="640c7f4a-0705-4bef-a18e-190e1e8ea9fa" providerId="ADAL" clId="{117DEA86-0DAF-4750-9E6B-621DF0F7E3F7}" dt="2021-01-24T18:58:22.336" v="35" actId="47"/>
+        <pc:sldMkLst>
+          <pc:docMk/>
+          <pc:sldMk cId="1970511564" sldId="384"/>
+        </pc:sldMkLst>
+      </pc:sldChg>
+      <pc:sldChg chg="addSp">
+        <pc:chgData name="Marius Hole" userId="640c7f4a-0705-4bef-a18e-190e1e8ea9fa" providerId="ADAL" clId="{117DEA86-0DAF-4750-9E6B-621DF0F7E3F7}" dt="2021-01-24T19:10:47.137" v="92"/>
+        <pc:sldMkLst>
+          <pc:docMk/>
+          <pc:sldMk cId="2251989960" sldId="384"/>
+        </pc:sldMkLst>
+        <pc:spChg chg="add">
+          <ac:chgData name="Marius Hole" userId="640c7f4a-0705-4bef-a18e-190e1e8ea9fa" providerId="ADAL" clId="{117DEA86-0DAF-4750-9E6B-621DF0F7E3F7}" dt="2021-01-24T19:10:47.137" v="92"/>
+          <ac:spMkLst>
+            <pc:docMk/>
+            <pc:sldMk cId="2251989960" sldId="384"/>
+            <ac:spMk id="5" creationId="{6818A0C9-A6DA-44FC-8D15-EDAE7233EAFE}"/>
+          </ac:spMkLst>
+        </pc:spChg>
+      </pc:sldChg>
+      <pc:sldChg chg="modSp add mod">
+        <pc:chgData name="Marius Hole" userId="640c7f4a-0705-4bef-a18e-190e1e8ea9fa" providerId="ADAL" clId="{117DEA86-0DAF-4750-9E6B-621DF0F7E3F7}" dt="2021-01-24T18:59:56.265" v="63" actId="20577"/>
+        <pc:sldMkLst>
+          <pc:docMk/>
+          <pc:sldMk cId="1006631515" sldId="385"/>
+        </pc:sldMkLst>
+        <pc:spChg chg="mod">
+          <ac:chgData name="Marius Hole" userId="640c7f4a-0705-4bef-a18e-190e1e8ea9fa" providerId="ADAL" clId="{117DEA86-0DAF-4750-9E6B-621DF0F7E3F7}" dt="2021-01-24T18:59:56.265" v="63" actId="20577"/>
+          <ac:spMkLst>
+            <pc:docMk/>
+            <pc:sldMk cId="1006631515" sldId="385"/>
+            <ac:spMk id="2" creationId="{E930D958-96C8-44C0-926C-3021A53D08A3}"/>
+          </ac:spMkLst>
+        </pc:spChg>
+        <pc:spChg chg="mod">
+          <ac:chgData name="Marius Hole" userId="640c7f4a-0705-4bef-a18e-190e1e8ea9fa" providerId="ADAL" clId="{117DEA86-0DAF-4750-9E6B-621DF0F7E3F7}" dt="2021-01-24T18:59:51.357" v="56"/>
+          <ac:spMkLst>
+            <pc:docMk/>
+            <pc:sldMk cId="1006631515" sldId="385"/>
+            <ac:spMk id="3" creationId="{BC48574D-236C-40BA-AB9B-2BFEF0FE443B}"/>
+          </ac:spMkLst>
+        </pc:spChg>
+      </pc:sldChg>
+      <pc:sldChg chg="del">
+        <pc:chgData name="Marius Hole" userId="640c7f4a-0705-4bef-a18e-190e1e8ea9fa" providerId="ADAL" clId="{117DEA86-0DAF-4750-9E6B-621DF0F7E3F7}" dt="2021-01-24T18:58:22.336" v="35" actId="47"/>
+        <pc:sldMkLst>
+          <pc:docMk/>
+          <pc:sldMk cId="2999690106" sldId="385"/>
+        </pc:sldMkLst>
+      </pc:sldChg>
+      <pc:sldChg chg="modSp add mod">
+        <pc:chgData name="Marius Hole" userId="640c7f4a-0705-4bef-a18e-190e1e8ea9fa" providerId="ADAL" clId="{117DEA86-0DAF-4750-9E6B-621DF0F7E3F7}" dt="2021-01-24T19:00:14.454" v="82" actId="20577"/>
+        <pc:sldMkLst>
+          <pc:docMk/>
+          <pc:sldMk cId="695896064" sldId="386"/>
+        </pc:sldMkLst>
+        <pc:spChg chg="mod">
+          <ac:chgData name="Marius Hole" userId="640c7f4a-0705-4bef-a18e-190e1e8ea9fa" providerId="ADAL" clId="{117DEA86-0DAF-4750-9E6B-621DF0F7E3F7}" dt="2021-01-24T19:00:06.449" v="65"/>
+          <ac:spMkLst>
+            <pc:docMk/>
+            <pc:sldMk cId="695896064" sldId="386"/>
+            <ac:spMk id="2" creationId="{E930D958-96C8-44C0-926C-3021A53D08A3}"/>
+          </ac:spMkLst>
+        </pc:spChg>
+        <pc:spChg chg="mod">
+          <ac:chgData name="Marius Hole" userId="640c7f4a-0705-4bef-a18e-190e1e8ea9fa" providerId="ADAL" clId="{117DEA86-0DAF-4750-9E6B-621DF0F7E3F7}" dt="2021-01-24T19:00:14.454" v="82" actId="20577"/>
+          <ac:spMkLst>
+            <pc:docMk/>
+            <pc:sldMk cId="695896064" sldId="386"/>
+            <ac:spMk id="3" creationId="{BC48574D-236C-40BA-AB9B-2BFEF0FE443B}"/>
+          </ac:spMkLst>
+        </pc:spChg>
+      </pc:sldChg>
+      <pc:sldChg chg="modSp add mod">
+        <pc:chgData name="Marius Hole" userId="640c7f4a-0705-4bef-a18e-190e1e8ea9fa" providerId="ADAL" clId="{117DEA86-0DAF-4750-9E6B-621DF0F7E3F7}" dt="2021-01-24T19:00:24.550" v="84"/>
+        <pc:sldMkLst>
+          <pc:docMk/>
+          <pc:sldMk cId="1176789328" sldId="387"/>
+        </pc:sldMkLst>
+        <pc:spChg chg="mod">
+          <ac:chgData name="Marius Hole" userId="640c7f4a-0705-4bef-a18e-190e1e8ea9fa" providerId="ADAL" clId="{117DEA86-0DAF-4750-9E6B-621DF0F7E3F7}" dt="2021-01-24T19:00:24.550" v="84"/>
+          <ac:spMkLst>
+            <pc:docMk/>
+            <pc:sldMk cId="1176789328" sldId="387"/>
+            <ac:spMk id="2" creationId="{E930D958-96C8-44C0-926C-3021A53D08A3}"/>
+          </ac:spMkLst>
+        </pc:spChg>
+      </pc:sldChg>
+      <pc:sldChg chg="addSp delSp modSp add mod">
+        <pc:chgData name="Marius Hole" userId="640c7f4a-0705-4bef-a18e-190e1e8ea9fa" providerId="ADAL" clId="{117DEA86-0DAF-4750-9E6B-621DF0F7E3F7}" dt="2021-01-24T19:36:42.946" v="144" actId="22"/>
+        <pc:sldMkLst>
+          <pc:docMk/>
+          <pc:sldMk cId="70511434" sldId="388"/>
+        </pc:sldMkLst>
+        <pc:spChg chg="mod">
+          <ac:chgData name="Marius Hole" userId="640c7f4a-0705-4bef-a18e-190e1e8ea9fa" providerId="ADAL" clId="{117DEA86-0DAF-4750-9E6B-621DF0F7E3F7}" dt="2021-01-24T19:13:38.795" v="141" actId="20577"/>
+          <ac:spMkLst>
+            <pc:docMk/>
+            <pc:sldMk cId="70511434" sldId="388"/>
+            <ac:spMk id="2" creationId="{E930D958-96C8-44C0-926C-3021A53D08A3}"/>
+          </ac:spMkLst>
+        </pc:spChg>
+        <pc:spChg chg="del mod">
+          <ac:chgData name="Marius Hole" userId="640c7f4a-0705-4bef-a18e-190e1e8ea9fa" providerId="ADAL" clId="{117DEA86-0DAF-4750-9E6B-621DF0F7E3F7}" dt="2021-01-24T19:36:42.946" v="144" actId="22"/>
+          <ac:spMkLst>
+            <pc:docMk/>
+            <pc:sldMk cId="70511434" sldId="388"/>
+            <ac:spMk id="3" creationId="{BC48574D-236C-40BA-AB9B-2BFEF0FE443B}"/>
+          </ac:spMkLst>
+        </pc:spChg>
+        <pc:picChg chg="del">
+          <ac:chgData name="Marius Hole" userId="640c7f4a-0705-4bef-a18e-190e1e8ea9fa" providerId="ADAL" clId="{117DEA86-0DAF-4750-9E6B-621DF0F7E3F7}" dt="2021-01-24T19:36:40.220" v="142" actId="478"/>
+          <ac:picMkLst>
+            <pc:docMk/>
+            <pc:sldMk cId="70511434" sldId="388"/>
+            <ac:picMk id="6" creationId="{7E5F6AAC-2159-42C6-94E1-2E6A14BB085C}"/>
+          </ac:picMkLst>
+        </pc:picChg>
+        <pc:picChg chg="add mod ord">
+          <ac:chgData name="Marius Hole" userId="640c7f4a-0705-4bef-a18e-190e1e8ea9fa" providerId="ADAL" clId="{117DEA86-0DAF-4750-9E6B-621DF0F7E3F7}" dt="2021-01-24T19:36:42.946" v="144" actId="22"/>
+          <ac:picMkLst>
+            <pc:docMk/>
+            <pc:sldMk cId="70511434" sldId="388"/>
+            <ac:picMk id="7" creationId="{4962322C-3DB2-4768-B7A0-95135A9C78E5}"/>
+          </ac:picMkLst>
+        </pc:picChg>
+      </pc:sldChg>
+      <pc:sldChg chg="del">
+        <pc:chgData name="Marius Hole" userId="640c7f4a-0705-4bef-a18e-190e1e8ea9fa" providerId="ADAL" clId="{117DEA86-0DAF-4750-9E6B-621DF0F7E3F7}" dt="2021-01-24T18:58:22.336" v="35" actId="47"/>
+        <pc:sldMkLst>
+          <pc:docMk/>
+          <pc:sldMk cId="2520153872" sldId="388"/>
+        </pc:sldMkLst>
+      </pc:sldChg>
+      <pc:sldChg chg="del">
+        <pc:chgData name="Marius Hole" userId="640c7f4a-0705-4bef-a18e-190e1e8ea9fa" providerId="ADAL" clId="{117DEA86-0DAF-4750-9E6B-621DF0F7E3F7}" dt="2021-01-24T18:58:22.336" v="35" actId="47"/>
+        <pc:sldMkLst>
+          <pc:docMk/>
+          <pc:sldMk cId="2846337608" sldId="389"/>
+        </pc:sldMkLst>
+      </pc:sldChg>
+      <pc:sldChg chg="add">
+        <pc:chgData name="Marius Hole" userId="640c7f4a-0705-4bef-a18e-190e1e8ea9fa" providerId="ADAL" clId="{117DEA86-0DAF-4750-9E6B-621DF0F7E3F7}" dt="2021-01-24T19:38:17.608" v="145" actId="22"/>
+        <pc:sldMkLst>
+          <pc:docMk/>
+          <pc:sldMk cId="3900842098" sldId="389"/>
+        </pc:sldMkLst>
+      </pc:sldChg>
+      <pc:sldChg chg="del">
+        <pc:chgData name="Marius Hole" userId="640c7f4a-0705-4bef-a18e-190e1e8ea9fa" providerId="ADAL" clId="{117DEA86-0DAF-4750-9E6B-621DF0F7E3F7}" dt="2021-01-24T18:58:22.336" v="35" actId="47"/>
+        <pc:sldMkLst>
+          <pc:docMk/>
+          <pc:sldMk cId="2496166653" sldId="390"/>
+        </pc:sldMkLst>
+      </pc:sldChg>
+      <pc:sldChg chg="ord">
+        <pc:chgData name="Marius Hole" userId="640c7f4a-0705-4bef-a18e-190e1e8ea9fa" providerId="ADAL" clId="{117DEA86-0DAF-4750-9E6B-621DF0F7E3F7}" dt="2021-01-25T07:18:29.431" v="336"/>
+        <pc:sldMkLst>
+          <pc:docMk/>
+          <pc:sldMk cId="4055289116" sldId="390"/>
+        </pc:sldMkLst>
+      </pc:sldChg>
+      <pc:sldChg chg="modSp ord">
+        <pc:chgData name="Marius Hole" userId="640c7f4a-0705-4bef-a18e-190e1e8ea9fa" providerId="ADAL" clId="{117DEA86-0DAF-4750-9E6B-621DF0F7E3F7}" dt="2021-01-25T06:09:57.719" v="335"/>
+        <pc:sldMkLst>
+          <pc:docMk/>
+          <pc:sldMk cId="936531885" sldId="391"/>
+        </pc:sldMkLst>
+        <pc:picChg chg="mod">
+          <ac:chgData name="Marius Hole" userId="640c7f4a-0705-4bef-a18e-190e1e8ea9fa" providerId="ADAL" clId="{117DEA86-0DAF-4750-9E6B-621DF0F7E3F7}" dt="2021-01-25T06:07:10.164" v="333" actId="1038"/>
+          <ac:picMkLst>
+            <pc:docMk/>
+            <pc:sldMk cId="936531885" sldId="391"/>
+            <ac:picMk id="1026" creationId="{93215166-91A9-4604-9A78-7E7468BC7323}"/>
+          </ac:picMkLst>
+        </pc:picChg>
+      </pc:sldChg>
+      <pc:sldChg chg="addSp">
+        <pc:chgData name="Marius Hole" userId="640c7f4a-0705-4bef-a18e-190e1e8ea9fa" providerId="ADAL" clId="{117DEA86-0DAF-4750-9E6B-621DF0F7E3F7}" dt="2021-01-25T06:05:52.384" v="280"/>
+        <pc:sldMkLst>
+          <pc:docMk/>
+          <pc:sldMk cId="4241594615" sldId="391"/>
+        </pc:sldMkLst>
+        <pc:picChg chg="add">
+          <ac:chgData name="Marius Hole" userId="640c7f4a-0705-4bef-a18e-190e1e8ea9fa" providerId="ADAL" clId="{117DEA86-0DAF-4750-9E6B-621DF0F7E3F7}" dt="2021-01-25T06:05:52.384" v="280"/>
+          <ac:picMkLst>
+            <pc:docMk/>
+            <pc:sldMk cId="4241594615" sldId="391"/>
+            <ac:picMk id="1026" creationId="{93215166-91A9-4604-9A78-7E7468BC7323}"/>
+          </ac:picMkLst>
+        </pc:picChg>
+      </pc:sldChg>
+      <pc:sldChg chg="ord">
+        <pc:chgData name="Marius Hole" userId="640c7f4a-0705-4bef-a18e-190e1e8ea9fa" providerId="ADAL" clId="{117DEA86-0DAF-4750-9E6B-621DF0F7E3F7}" dt="2021-01-25T06:09:56.009" v="334"/>
+        <pc:sldMkLst>
+          <pc:docMk/>
+          <pc:sldMk cId="393997522" sldId="392"/>
+        </pc:sldMkLst>
+      </pc:sldChg>
+      <pc:sldChg chg="ord">
+        <pc:chgData name="Marius Hole" userId="640c7f4a-0705-4bef-a18e-190e1e8ea9fa" providerId="ADAL" clId="{117DEA86-0DAF-4750-9E6B-621DF0F7E3F7}" dt="2021-01-25T16:14:46.678" v="337"/>
+        <pc:sldMkLst>
+          <pc:docMk/>
+          <pc:sldMk cId="3711034169" sldId="394"/>
+        </pc:sldMkLst>
+      </pc:sldChg>
+    </pc:docChg>
+  </pc:docChgLst>
+  <pc:docChgLst>
     <pc:chgData name="Marius Hole" userId="640c7f4a-0705-4bef-a18e-190e1e8ea9fa" providerId="ADAL" clId="{89112A96-95AA-493A-B5D6-77DD043895AA}"/>
     <pc:docChg chg="undo custSel addSld delSld modSld sldOrd">
       <pc:chgData name="Marius Hole" userId="640c7f4a-0705-4bef-a18e-190e1e8ea9fa" providerId="ADAL" clId="{89112A96-95AA-493A-B5D6-77DD043895AA}" dt="2021-01-27T16:11:28.995" v="1037" actId="20577"/>
@@ -2657,359 +3012,6 @@
             <ac:picMk id="6" creationId="{7E5F6AAC-2159-42C6-94E1-2E6A14BB085C}"/>
           </ac:picMkLst>
         </pc:picChg>
-      </pc:sldChg>
-    </pc:docChg>
-  </pc:docChgLst>
-  <pc:docChgLst>
-    <pc:chgData name="Marius Hole" userId="640c7f4a-0705-4bef-a18e-190e1e8ea9fa" providerId="ADAL" clId="{117DEA86-0DAF-4750-9E6B-621DF0F7E3F7}"/>
-    <pc:docChg chg="undo redo custSel addSld delSld modSld sldOrd">
-      <pc:chgData name="Marius Hole" userId="640c7f4a-0705-4bef-a18e-190e1e8ea9fa" providerId="ADAL" clId="{117DEA86-0DAF-4750-9E6B-621DF0F7E3F7}" dt="2021-01-25T16:14:46.678" v="337"/>
-      <pc:docMkLst>
-        <pc:docMk/>
-      </pc:docMkLst>
-      <pc:sldChg chg="modSp mod">
-        <pc:chgData name="Marius Hole" userId="640c7f4a-0705-4bef-a18e-190e1e8ea9fa" providerId="ADAL" clId="{117DEA86-0DAF-4750-9E6B-621DF0F7E3F7}" dt="2021-01-24T18:57:04.884" v="33" actId="20577"/>
-        <pc:sldMkLst>
-          <pc:docMk/>
-          <pc:sldMk cId="2929233815" sldId="376"/>
-        </pc:sldMkLst>
-        <pc:spChg chg="mod">
-          <ac:chgData name="Marius Hole" userId="640c7f4a-0705-4bef-a18e-190e1e8ea9fa" providerId="ADAL" clId="{117DEA86-0DAF-4750-9E6B-621DF0F7E3F7}" dt="2021-01-24T18:57:04.884" v="33" actId="20577"/>
-          <ac:spMkLst>
-            <pc:docMk/>
-            <pc:sldMk cId="2929233815" sldId="376"/>
-            <ac:spMk id="3" creationId="{BC48574D-236C-40BA-AB9B-2BFEF0FE443B}"/>
-          </ac:spMkLst>
-        </pc:spChg>
-      </pc:sldChg>
-      <pc:sldChg chg="del">
-        <pc:chgData name="Marius Hole" userId="640c7f4a-0705-4bef-a18e-190e1e8ea9fa" providerId="ADAL" clId="{117DEA86-0DAF-4750-9E6B-621DF0F7E3F7}" dt="2021-01-24T18:58:22.336" v="35" actId="47"/>
-        <pc:sldMkLst>
-          <pc:docMk/>
-          <pc:sldMk cId="3915907644" sldId="379"/>
-        </pc:sldMkLst>
-      </pc:sldChg>
-      <pc:sldChg chg="del">
-        <pc:chgData name="Marius Hole" userId="640c7f4a-0705-4bef-a18e-190e1e8ea9fa" providerId="ADAL" clId="{117DEA86-0DAF-4750-9E6B-621DF0F7E3F7}" dt="2021-01-24T18:58:22.336" v="35" actId="47"/>
-        <pc:sldMkLst>
-          <pc:docMk/>
-          <pc:sldMk cId="3569898867" sldId="380"/>
-        </pc:sldMkLst>
-      </pc:sldChg>
-      <pc:sldChg chg="del">
-        <pc:chgData name="Marius Hole" userId="640c7f4a-0705-4bef-a18e-190e1e8ea9fa" providerId="ADAL" clId="{117DEA86-0DAF-4750-9E6B-621DF0F7E3F7}" dt="2021-01-24T18:58:22.336" v="35" actId="47"/>
-        <pc:sldMkLst>
-          <pc:docMk/>
-          <pc:sldMk cId="1669615239" sldId="381"/>
-        </pc:sldMkLst>
-      </pc:sldChg>
-      <pc:sldChg chg="addSp delSp modSp mod">
-        <pc:chgData name="Marius Hole" userId="640c7f4a-0705-4bef-a18e-190e1e8ea9fa" providerId="ADAL" clId="{117DEA86-0DAF-4750-9E6B-621DF0F7E3F7}" dt="2021-01-24T19:39:25.409" v="279" actId="1038"/>
-        <pc:sldMkLst>
-          <pc:docMk/>
-          <pc:sldMk cId="4019874596" sldId="382"/>
-        </pc:sldMkLst>
-        <pc:spChg chg="mod">
-          <ac:chgData name="Marius Hole" userId="640c7f4a-0705-4bef-a18e-190e1e8ea9fa" providerId="ADAL" clId="{117DEA86-0DAF-4750-9E6B-621DF0F7E3F7}" dt="2021-01-24T19:38:25.513" v="156" actId="20577"/>
-          <ac:spMkLst>
-            <pc:docMk/>
-            <pc:sldMk cId="4019874596" sldId="382"/>
-            <ac:spMk id="2" creationId="{E930D958-96C8-44C0-926C-3021A53D08A3}"/>
-          </ac:spMkLst>
-        </pc:spChg>
-        <pc:spChg chg="mod">
-          <ac:chgData name="Marius Hole" userId="640c7f4a-0705-4bef-a18e-190e1e8ea9fa" providerId="ADAL" clId="{117DEA86-0DAF-4750-9E6B-621DF0F7E3F7}" dt="2021-01-24T19:38:56.228" v="233" actId="242"/>
-          <ac:spMkLst>
-            <pc:docMk/>
-            <pc:sldMk cId="4019874596" sldId="382"/>
-            <ac:spMk id="3" creationId="{BC48574D-236C-40BA-AB9B-2BFEF0FE443B}"/>
-          </ac:spMkLst>
-        </pc:spChg>
-        <pc:picChg chg="add mod">
-          <ac:chgData name="Marius Hole" userId="640c7f4a-0705-4bef-a18e-190e1e8ea9fa" providerId="ADAL" clId="{117DEA86-0DAF-4750-9E6B-621DF0F7E3F7}" dt="2021-01-24T19:39:25.409" v="279" actId="1038"/>
-          <ac:picMkLst>
-            <pc:docMk/>
-            <pc:sldMk cId="4019874596" sldId="382"/>
-            <ac:picMk id="6" creationId="{5A0CE20C-ABA7-4370-A69B-4E9FA8A39CDB}"/>
-          </ac:picMkLst>
-        </pc:picChg>
-        <pc:picChg chg="del">
-          <ac:chgData name="Marius Hole" userId="640c7f4a-0705-4bef-a18e-190e1e8ea9fa" providerId="ADAL" clId="{117DEA86-0DAF-4750-9E6B-621DF0F7E3F7}" dt="2021-01-24T18:58:13.174" v="34" actId="478"/>
-          <ac:picMkLst>
-            <pc:docMk/>
-            <pc:sldMk cId="4019874596" sldId="382"/>
-            <ac:picMk id="1026" creationId="{508F9711-773C-494C-AE94-08CFF835B14F}"/>
-          </ac:picMkLst>
-        </pc:picChg>
-      </pc:sldChg>
-      <pc:sldChg chg="del">
-        <pc:chgData name="Marius Hole" userId="640c7f4a-0705-4bef-a18e-190e1e8ea9fa" providerId="ADAL" clId="{117DEA86-0DAF-4750-9E6B-621DF0F7E3F7}" dt="2021-01-24T18:58:22.336" v="35" actId="47"/>
-        <pc:sldMkLst>
-          <pc:docMk/>
-          <pc:sldMk cId="479420297" sldId="383"/>
-        </pc:sldMkLst>
-      </pc:sldChg>
-      <pc:sldChg chg="modSp add mod">
-        <pc:chgData name="Marius Hole" userId="640c7f4a-0705-4bef-a18e-190e1e8ea9fa" providerId="ADAL" clId="{117DEA86-0DAF-4750-9E6B-621DF0F7E3F7}" dt="2021-01-24T18:59:12.849" v="51" actId="20577"/>
-        <pc:sldMkLst>
-          <pc:docMk/>
-          <pc:sldMk cId="2366304937" sldId="383"/>
-        </pc:sldMkLst>
-        <pc:spChg chg="mod">
-          <ac:chgData name="Marius Hole" userId="640c7f4a-0705-4bef-a18e-190e1e8ea9fa" providerId="ADAL" clId="{117DEA86-0DAF-4750-9E6B-621DF0F7E3F7}" dt="2021-01-24T18:59:00.649" v="43"/>
-          <ac:spMkLst>
-            <pc:docMk/>
-            <pc:sldMk cId="2366304937" sldId="383"/>
-            <ac:spMk id="2" creationId="{E930D958-96C8-44C0-926C-3021A53D08A3}"/>
-          </ac:spMkLst>
-        </pc:spChg>
-        <pc:spChg chg="mod">
-          <ac:chgData name="Marius Hole" userId="640c7f4a-0705-4bef-a18e-190e1e8ea9fa" providerId="ADAL" clId="{117DEA86-0DAF-4750-9E6B-621DF0F7E3F7}" dt="2021-01-24T18:59:12.849" v="51" actId="20577"/>
-          <ac:spMkLst>
-            <pc:docMk/>
-            <pc:sldMk cId="2366304937" sldId="383"/>
-            <ac:spMk id="3" creationId="{BC48574D-236C-40BA-AB9B-2BFEF0FE443B}"/>
-          </ac:spMkLst>
-        </pc:spChg>
-      </pc:sldChg>
-      <pc:sldChg chg="addSp modSp add del mod">
-        <pc:chgData name="Marius Hole" userId="640c7f4a-0705-4bef-a18e-190e1e8ea9fa" providerId="ADAL" clId="{117DEA86-0DAF-4750-9E6B-621DF0F7E3F7}" dt="2021-01-24T19:13:04.878" v="135" actId="1035"/>
-        <pc:sldMkLst>
-          <pc:docMk/>
-          <pc:sldMk cId="1405082422" sldId="384"/>
-        </pc:sldMkLst>
-        <pc:spChg chg="mod">
-          <ac:chgData name="Marius Hole" userId="640c7f4a-0705-4bef-a18e-190e1e8ea9fa" providerId="ADAL" clId="{117DEA86-0DAF-4750-9E6B-621DF0F7E3F7}" dt="2021-01-24T18:59:22.610" v="53"/>
-          <ac:spMkLst>
-            <pc:docMk/>
-            <pc:sldMk cId="1405082422" sldId="384"/>
-            <ac:spMk id="2" creationId="{E930D958-96C8-44C0-926C-3021A53D08A3}"/>
-          </ac:spMkLst>
-        </pc:spChg>
-        <pc:spChg chg="mod">
-          <ac:chgData name="Marius Hole" userId="640c7f4a-0705-4bef-a18e-190e1e8ea9fa" providerId="ADAL" clId="{117DEA86-0DAF-4750-9E6B-621DF0F7E3F7}" dt="2021-01-24T19:11:58.300" v="126" actId="20577"/>
-          <ac:spMkLst>
-            <pc:docMk/>
-            <pc:sldMk cId="1405082422" sldId="384"/>
-            <ac:spMk id="3" creationId="{BC48574D-236C-40BA-AB9B-2BFEF0FE443B}"/>
-          </ac:spMkLst>
-        </pc:spChg>
-        <pc:picChg chg="add mod">
-          <ac:chgData name="Marius Hole" userId="640c7f4a-0705-4bef-a18e-190e1e8ea9fa" providerId="ADAL" clId="{117DEA86-0DAF-4750-9E6B-621DF0F7E3F7}" dt="2021-01-24T19:13:04.878" v="135" actId="1035"/>
-          <ac:picMkLst>
-            <pc:docMk/>
-            <pc:sldMk cId="1405082422" sldId="384"/>
-            <ac:picMk id="6" creationId="{7E5F6AAC-2159-42C6-94E1-2E6A14BB085C}"/>
-          </ac:picMkLst>
-        </pc:picChg>
-      </pc:sldChg>
-      <pc:sldChg chg="del">
-        <pc:chgData name="Marius Hole" userId="640c7f4a-0705-4bef-a18e-190e1e8ea9fa" providerId="ADAL" clId="{117DEA86-0DAF-4750-9E6B-621DF0F7E3F7}" dt="2021-01-24T18:58:22.336" v="35" actId="47"/>
-        <pc:sldMkLst>
-          <pc:docMk/>
-          <pc:sldMk cId="1970511564" sldId="384"/>
-        </pc:sldMkLst>
-      </pc:sldChg>
-      <pc:sldChg chg="addSp">
-        <pc:chgData name="Marius Hole" userId="640c7f4a-0705-4bef-a18e-190e1e8ea9fa" providerId="ADAL" clId="{117DEA86-0DAF-4750-9E6B-621DF0F7E3F7}" dt="2021-01-24T19:10:47.137" v="92"/>
-        <pc:sldMkLst>
-          <pc:docMk/>
-          <pc:sldMk cId="2251989960" sldId="384"/>
-        </pc:sldMkLst>
-        <pc:spChg chg="add">
-          <ac:chgData name="Marius Hole" userId="640c7f4a-0705-4bef-a18e-190e1e8ea9fa" providerId="ADAL" clId="{117DEA86-0DAF-4750-9E6B-621DF0F7E3F7}" dt="2021-01-24T19:10:47.137" v="92"/>
-          <ac:spMkLst>
-            <pc:docMk/>
-            <pc:sldMk cId="2251989960" sldId="384"/>
-            <ac:spMk id="5" creationId="{6818A0C9-A6DA-44FC-8D15-EDAE7233EAFE}"/>
-          </ac:spMkLst>
-        </pc:spChg>
-      </pc:sldChg>
-      <pc:sldChg chg="modSp add mod">
-        <pc:chgData name="Marius Hole" userId="640c7f4a-0705-4bef-a18e-190e1e8ea9fa" providerId="ADAL" clId="{117DEA86-0DAF-4750-9E6B-621DF0F7E3F7}" dt="2021-01-24T18:59:56.265" v="63" actId="20577"/>
-        <pc:sldMkLst>
-          <pc:docMk/>
-          <pc:sldMk cId="1006631515" sldId="385"/>
-        </pc:sldMkLst>
-        <pc:spChg chg="mod">
-          <ac:chgData name="Marius Hole" userId="640c7f4a-0705-4bef-a18e-190e1e8ea9fa" providerId="ADAL" clId="{117DEA86-0DAF-4750-9E6B-621DF0F7E3F7}" dt="2021-01-24T18:59:56.265" v="63" actId="20577"/>
-          <ac:spMkLst>
-            <pc:docMk/>
-            <pc:sldMk cId="1006631515" sldId="385"/>
-            <ac:spMk id="2" creationId="{E930D958-96C8-44C0-926C-3021A53D08A3}"/>
-          </ac:spMkLst>
-        </pc:spChg>
-        <pc:spChg chg="mod">
-          <ac:chgData name="Marius Hole" userId="640c7f4a-0705-4bef-a18e-190e1e8ea9fa" providerId="ADAL" clId="{117DEA86-0DAF-4750-9E6B-621DF0F7E3F7}" dt="2021-01-24T18:59:51.357" v="56"/>
-          <ac:spMkLst>
-            <pc:docMk/>
-            <pc:sldMk cId="1006631515" sldId="385"/>
-            <ac:spMk id="3" creationId="{BC48574D-236C-40BA-AB9B-2BFEF0FE443B}"/>
-          </ac:spMkLst>
-        </pc:spChg>
-      </pc:sldChg>
-      <pc:sldChg chg="del">
-        <pc:chgData name="Marius Hole" userId="640c7f4a-0705-4bef-a18e-190e1e8ea9fa" providerId="ADAL" clId="{117DEA86-0DAF-4750-9E6B-621DF0F7E3F7}" dt="2021-01-24T18:58:22.336" v="35" actId="47"/>
-        <pc:sldMkLst>
-          <pc:docMk/>
-          <pc:sldMk cId="2999690106" sldId="385"/>
-        </pc:sldMkLst>
-      </pc:sldChg>
-      <pc:sldChg chg="modSp add mod">
-        <pc:chgData name="Marius Hole" userId="640c7f4a-0705-4bef-a18e-190e1e8ea9fa" providerId="ADAL" clId="{117DEA86-0DAF-4750-9E6B-621DF0F7E3F7}" dt="2021-01-24T19:00:14.454" v="82" actId="20577"/>
-        <pc:sldMkLst>
-          <pc:docMk/>
-          <pc:sldMk cId="695896064" sldId="386"/>
-        </pc:sldMkLst>
-        <pc:spChg chg="mod">
-          <ac:chgData name="Marius Hole" userId="640c7f4a-0705-4bef-a18e-190e1e8ea9fa" providerId="ADAL" clId="{117DEA86-0DAF-4750-9E6B-621DF0F7E3F7}" dt="2021-01-24T19:00:06.449" v="65"/>
-          <ac:spMkLst>
-            <pc:docMk/>
-            <pc:sldMk cId="695896064" sldId="386"/>
-            <ac:spMk id="2" creationId="{E930D958-96C8-44C0-926C-3021A53D08A3}"/>
-          </ac:spMkLst>
-        </pc:spChg>
-        <pc:spChg chg="mod">
-          <ac:chgData name="Marius Hole" userId="640c7f4a-0705-4bef-a18e-190e1e8ea9fa" providerId="ADAL" clId="{117DEA86-0DAF-4750-9E6B-621DF0F7E3F7}" dt="2021-01-24T19:00:14.454" v="82" actId="20577"/>
-          <ac:spMkLst>
-            <pc:docMk/>
-            <pc:sldMk cId="695896064" sldId="386"/>
-            <ac:spMk id="3" creationId="{BC48574D-236C-40BA-AB9B-2BFEF0FE443B}"/>
-          </ac:spMkLst>
-        </pc:spChg>
-      </pc:sldChg>
-      <pc:sldChg chg="modSp add mod">
-        <pc:chgData name="Marius Hole" userId="640c7f4a-0705-4bef-a18e-190e1e8ea9fa" providerId="ADAL" clId="{117DEA86-0DAF-4750-9E6B-621DF0F7E3F7}" dt="2021-01-24T19:00:24.550" v="84"/>
-        <pc:sldMkLst>
-          <pc:docMk/>
-          <pc:sldMk cId="1176789328" sldId="387"/>
-        </pc:sldMkLst>
-        <pc:spChg chg="mod">
-          <ac:chgData name="Marius Hole" userId="640c7f4a-0705-4bef-a18e-190e1e8ea9fa" providerId="ADAL" clId="{117DEA86-0DAF-4750-9E6B-621DF0F7E3F7}" dt="2021-01-24T19:00:24.550" v="84"/>
-          <ac:spMkLst>
-            <pc:docMk/>
-            <pc:sldMk cId="1176789328" sldId="387"/>
-            <ac:spMk id="2" creationId="{E930D958-96C8-44C0-926C-3021A53D08A3}"/>
-          </ac:spMkLst>
-        </pc:spChg>
-      </pc:sldChg>
-      <pc:sldChg chg="addSp delSp modSp add mod">
-        <pc:chgData name="Marius Hole" userId="640c7f4a-0705-4bef-a18e-190e1e8ea9fa" providerId="ADAL" clId="{117DEA86-0DAF-4750-9E6B-621DF0F7E3F7}" dt="2021-01-24T19:36:42.946" v="144" actId="22"/>
-        <pc:sldMkLst>
-          <pc:docMk/>
-          <pc:sldMk cId="70511434" sldId="388"/>
-        </pc:sldMkLst>
-        <pc:spChg chg="mod">
-          <ac:chgData name="Marius Hole" userId="640c7f4a-0705-4bef-a18e-190e1e8ea9fa" providerId="ADAL" clId="{117DEA86-0DAF-4750-9E6B-621DF0F7E3F7}" dt="2021-01-24T19:13:38.795" v="141" actId="20577"/>
-          <ac:spMkLst>
-            <pc:docMk/>
-            <pc:sldMk cId="70511434" sldId="388"/>
-            <ac:spMk id="2" creationId="{E930D958-96C8-44C0-926C-3021A53D08A3}"/>
-          </ac:spMkLst>
-        </pc:spChg>
-        <pc:spChg chg="del mod">
-          <ac:chgData name="Marius Hole" userId="640c7f4a-0705-4bef-a18e-190e1e8ea9fa" providerId="ADAL" clId="{117DEA86-0DAF-4750-9E6B-621DF0F7E3F7}" dt="2021-01-24T19:36:42.946" v="144" actId="22"/>
-          <ac:spMkLst>
-            <pc:docMk/>
-            <pc:sldMk cId="70511434" sldId="388"/>
-            <ac:spMk id="3" creationId="{BC48574D-236C-40BA-AB9B-2BFEF0FE443B}"/>
-          </ac:spMkLst>
-        </pc:spChg>
-        <pc:picChg chg="del">
-          <ac:chgData name="Marius Hole" userId="640c7f4a-0705-4bef-a18e-190e1e8ea9fa" providerId="ADAL" clId="{117DEA86-0DAF-4750-9E6B-621DF0F7E3F7}" dt="2021-01-24T19:36:40.220" v="142" actId="478"/>
-          <ac:picMkLst>
-            <pc:docMk/>
-            <pc:sldMk cId="70511434" sldId="388"/>
-            <ac:picMk id="6" creationId="{7E5F6AAC-2159-42C6-94E1-2E6A14BB085C}"/>
-          </ac:picMkLst>
-        </pc:picChg>
-        <pc:picChg chg="add mod ord">
-          <ac:chgData name="Marius Hole" userId="640c7f4a-0705-4bef-a18e-190e1e8ea9fa" providerId="ADAL" clId="{117DEA86-0DAF-4750-9E6B-621DF0F7E3F7}" dt="2021-01-24T19:36:42.946" v="144" actId="22"/>
-          <ac:picMkLst>
-            <pc:docMk/>
-            <pc:sldMk cId="70511434" sldId="388"/>
-            <ac:picMk id="7" creationId="{4962322C-3DB2-4768-B7A0-95135A9C78E5}"/>
-          </ac:picMkLst>
-        </pc:picChg>
-      </pc:sldChg>
-      <pc:sldChg chg="del">
-        <pc:chgData name="Marius Hole" userId="640c7f4a-0705-4bef-a18e-190e1e8ea9fa" providerId="ADAL" clId="{117DEA86-0DAF-4750-9E6B-621DF0F7E3F7}" dt="2021-01-24T18:58:22.336" v="35" actId="47"/>
-        <pc:sldMkLst>
-          <pc:docMk/>
-          <pc:sldMk cId="2520153872" sldId="388"/>
-        </pc:sldMkLst>
-      </pc:sldChg>
-      <pc:sldChg chg="del">
-        <pc:chgData name="Marius Hole" userId="640c7f4a-0705-4bef-a18e-190e1e8ea9fa" providerId="ADAL" clId="{117DEA86-0DAF-4750-9E6B-621DF0F7E3F7}" dt="2021-01-24T18:58:22.336" v="35" actId="47"/>
-        <pc:sldMkLst>
-          <pc:docMk/>
-          <pc:sldMk cId="2846337608" sldId="389"/>
-        </pc:sldMkLst>
-      </pc:sldChg>
-      <pc:sldChg chg="add">
-        <pc:chgData name="Marius Hole" userId="640c7f4a-0705-4bef-a18e-190e1e8ea9fa" providerId="ADAL" clId="{117DEA86-0DAF-4750-9E6B-621DF0F7E3F7}" dt="2021-01-24T19:38:17.608" v="145" actId="22"/>
-        <pc:sldMkLst>
-          <pc:docMk/>
-          <pc:sldMk cId="3900842098" sldId="389"/>
-        </pc:sldMkLst>
-      </pc:sldChg>
-      <pc:sldChg chg="del">
-        <pc:chgData name="Marius Hole" userId="640c7f4a-0705-4bef-a18e-190e1e8ea9fa" providerId="ADAL" clId="{117DEA86-0DAF-4750-9E6B-621DF0F7E3F7}" dt="2021-01-24T18:58:22.336" v="35" actId="47"/>
-        <pc:sldMkLst>
-          <pc:docMk/>
-          <pc:sldMk cId="2496166653" sldId="390"/>
-        </pc:sldMkLst>
-      </pc:sldChg>
-      <pc:sldChg chg="ord">
-        <pc:chgData name="Marius Hole" userId="640c7f4a-0705-4bef-a18e-190e1e8ea9fa" providerId="ADAL" clId="{117DEA86-0DAF-4750-9E6B-621DF0F7E3F7}" dt="2021-01-25T07:18:29.431" v="336"/>
-        <pc:sldMkLst>
-          <pc:docMk/>
-          <pc:sldMk cId="4055289116" sldId="390"/>
-        </pc:sldMkLst>
-      </pc:sldChg>
-      <pc:sldChg chg="modSp ord">
-        <pc:chgData name="Marius Hole" userId="640c7f4a-0705-4bef-a18e-190e1e8ea9fa" providerId="ADAL" clId="{117DEA86-0DAF-4750-9E6B-621DF0F7E3F7}" dt="2021-01-25T06:09:57.719" v="335"/>
-        <pc:sldMkLst>
-          <pc:docMk/>
-          <pc:sldMk cId="936531885" sldId="391"/>
-        </pc:sldMkLst>
-        <pc:picChg chg="mod">
-          <ac:chgData name="Marius Hole" userId="640c7f4a-0705-4bef-a18e-190e1e8ea9fa" providerId="ADAL" clId="{117DEA86-0DAF-4750-9E6B-621DF0F7E3F7}" dt="2021-01-25T06:07:10.164" v="333" actId="1038"/>
-          <ac:picMkLst>
-            <pc:docMk/>
-            <pc:sldMk cId="936531885" sldId="391"/>
-            <ac:picMk id="1026" creationId="{93215166-91A9-4604-9A78-7E7468BC7323}"/>
-          </ac:picMkLst>
-        </pc:picChg>
-      </pc:sldChg>
-      <pc:sldChg chg="addSp">
-        <pc:chgData name="Marius Hole" userId="640c7f4a-0705-4bef-a18e-190e1e8ea9fa" providerId="ADAL" clId="{117DEA86-0DAF-4750-9E6B-621DF0F7E3F7}" dt="2021-01-25T06:05:52.384" v="280"/>
-        <pc:sldMkLst>
-          <pc:docMk/>
-          <pc:sldMk cId="4241594615" sldId="391"/>
-        </pc:sldMkLst>
-        <pc:picChg chg="add">
-          <ac:chgData name="Marius Hole" userId="640c7f4a-0705-4bef-a18e-190e1e8ea9fa" providerId="ADAL" clId="{117DEA86-0DAF-4750-9E6B-621DF0F7E3F7}" dt="2021-01-25T06:05:52.384" v="280"/>
-          <ac:picMkLst>
-            <pc:docMk/>
-            <pc:sldMk cId="4241594615" sldId="391"/>
-            <ac:picMk id="1026" creationId="{93215166-91A9-4604-9A78-7E7468BC7323}"/>
-          </ac:picMkLst>
-        </pc:picChg>
-      </pc:sldChg>
-      <pc:sldChg chg="ord">
-        <pc:chgData name="Marius Hole" userId="640c7f4a-0705-4bef-a18e-190e1e8ea9fa" providerId="ADAL" clId="{117DEA86-0DAF-4750-9E6B-621DF0F7E3F7}" dt="2021-01-25T06:09:56.009" v="334"/>
-        <pc:sldMkLst>
-          <pc:docMk/>
-          <pc:sldMk cId="393997522" sldId="392"/>
-        </pc:sldMkLst>
-      </pc:sldChg>
-      <pc:sldChg chg="ord">
-        <pc:chgData name="Marius Hole" userId="640c7f4a-0705-4bef-a18e-190e1e8ea9fa" providerId="ADAL" clId="{117DEA86-0DAF-4750-9E6B-621DF0F7E3F7}" dt="2021-01-25T16:14:46.678" v="337"/>
-        <pc:sldMkLst>
-          <pc:docMk/>
-          <pc:sldMk cId="3711034169" sldId="394"/>
-        </pc:sldMkLst>
       </pc:sldChg>
     </pc:docChg>
   </pc:docChgLst>
@@ -12245,2355 +12247,6 @@
             <a:pPr algn="ctr"/>
             <a:r>
               <a:rPr lang="no-NO" sz="3600" dirty="0"/>
-              <a:t>3 – SD-WAN vs other WAN options?</a:t>
-            </a:r>
-            <a:endParaRPr lang="nb-NO" dirty="0"/>
-          </a:p>
-        </p:txBody>
-      </p:sp>
-      <p:sp>
-        <p:nvSpPr>
-          <p:cNvPr id="3" name="Content Placeholder 2">
-            <a:extLst>
-              <a:ext uri="{FF2B5EF4-FFF2-40B4-BE49-F238E27FC236}">
-                <a16:creationId xmlns:a16="http://schemas.microsoft.com/office/drawing/2014/main" id="{BC48574D-236C-40BA-AB9B-2BFEF0FE443B}"/>
-              </a:ext>
-            </a:extLst>
-          </p:cNvPr>
-          <p:cNvSpPr>
-            <a:spLocks noGrp="1"/>
-          </p:cNvSpPr>
-          <p:nvPr>
-            <p:ph sz="quarter" idx="10"/>
-          </p:nvPr>
-        </p:nvSpPr>
-        <p:spPr>
-          <a:xfrm>
-            <a:off x="357600" y="822692"/>
-            <a:ext cx="11476800" cy="5500835"/>
-          </a:xfrm>
-        </p:spPr>
-        <p:txBody>
-          <a:bodyPr anchor="t"/>
-          <a:lstStyle/>
-          <a:p>
-            <a:pPr marL="122" indent="0">
-              <a:buNone/>
-            </a:pPr>
-            <a:endParaRPr lang="en-US" sz="2000" dirty="0"/>
-          </a:p>
-          <a:p>
-            <a:pPr marL="457322" indent="-457200">
-              <a:buFont typeface="+mj-lt"/>
-              <a:buAutoNum type="arabicPeriod"/>
-            </a:pPr>
-            <a:endParaRPr lang="en-US" sz="2000" dirty="0"/>
-          </a:p>
-          <a:p>
-            <a:r>
-              <a:rPr lang="no-NO" sz="2000" dirty="0"/>
-              <a:t>Router / Firewall based static IPSec VPN</a:t>
-            </a:r>
-          </a:p>
-          <a:p>
-            <a:endParaRPr lang="no-NO" sz="2000" dirty="0"/>
-          </a:p>
-          <a:p>
-            <a:r>
-              <a:rPr lang="no-NO" sz="1800" dirty="0"/>
-              <a:t>DMVPN Phase 3</a:t>
-            </a:r>
-          </a:p>
-          <a:p>
-            <a:endParaRPr lang="no-NO" sz="1800" dirty="0"/>
-          </a:p>
-          <a:p>
-            <a:r>
-              <a:rPr lang="no-NO" sz="1800" dirty="0"/>
-              <a:t>Cisco Prime, APIC-EM, FMC</a:t>
-            </a:r>
-            <a:r>
-              <a:rPr lang="no-NO" sz="1800"/>
-              <a:t>, CSM... </a:t>
-            </a:r>
-            <a:endParaRPr lang="en-US" sz="1800" dirty="0"/>
-          </a:p>
-          <a:p>
-            <a:endParaRPr lang="en-US" sz="2000" dirty="0"/>
-          </a:p>
-        </p:txBody>
-      </p:sp>
-      <p:sp>
-        <p:nvSpPr>
-          <p:cNvPr id="4" name="Footer Placeholder 3">
-            <a:extLst>
-              <a:ext uri="{FF2B5EF4-FFF2-40B4-BE49-F238E27FC236}">
-                <a16:creationId xmlns:a16="http://schemas.microsoft.com/office/drawing/2014/main" id="{7731CFEB-8014-4FCB-ACB4-EA6E7426C381}"/>
-              </a:ext>
-            </a:extLst>
-          </p:cNvPr>
-          <p:cNvSpPr>
-            <a:spLocks noGrp="1"/>
-          </p:cNvSpPr>
-          <p:nvPr>
-            <p:ph type="ftr" sz="quarter" idx="12"/>
-          </p:nvPr>
-        </p:nvSpPr>
-        <p:spPr/>
-        <p:txBody>
-          <a:bodyPr/>
-          <a:lstStyle/>
-          <a:p>
-            <a:endParaRPr lang="da-DK"/>
-          </a:p>
-        </p:txBody>
-      </p:sp>
-    </p:spTree>
-    <p:extLst>
-      <p:ext uri="{BB962C8B-B14F-4D97-AF65-F5344CB8AC3E}">
-        <p14:creationId xmlns:p14="http://schemas.microsoft.com/office/powerpoint/2010/main" val="1853674125"/>
-      </p:ext>
-    </p:extLst>
-  </p:cSld>
-  <p:clrMapOvr>
-    <a:masterClrMapping/>
-  </p:clrMapOvr>
-</p:sld>
-</file>
-
-<file path=ppt/slides/slide11.xml><?xml version="1.0" encoding="utf-8"?>
-<p:sld xmlns:a="http://schemas.openxmlformats.org/drawingml/2006/main" xmlns:r="http://schemas.openxmlformats.org/officeDocument/2006/relationships" xmlns:p="http://schemas.openxmlformats.org/presentationml/2006/main">
-  <p:cSld>
-    <p:spTree>
-      <p:nvGrpSpPr>
-        <p:cNvPr id="1" name=""/>
-        <p:cNvGrpSpPr/>
-        <p:nvPr/>
-      </p:nvGrpSpPr>
-      <p:grpSpPr>
-        <a:xfrm>
-          <a:off x="0" y="0"/>
-          <a:ext cx="0" cy="0"/>
-          <a:chOff x="0" y="0"/>
-          <a:chExt cx="0" cy="0"/>
-        </a:xfrm>
-      </p:grpSpPr>
-      <p:sp>
-        <p:nvSpPr>
-          <p:cNvPr id="6" name="Subtitle 5">
-            <a:extLst>
-              <a:ext uri="{FF2B5EF4-FFF2-40B4-BE49-F238E27FC236}">
-                <a16:creationId xmlns:a16="http://schemas.microsoft.com/office/drawing/2014/main" id="{17E14BFF-5B9F-46CB-BF91-F297AF182324}"/>
-              </a:ext>
-            </a:extLst>
-          </p:cNvPr>
-          <p:cNvSpPr>
-            <a:spLocks noGrp="1"/>
-          </p:cNvSpPr>
-          <p:nvPr>
-            <p:ph type="subTitle" idx="1"/>
-          </p:nvPr>
-        </p:nvSpPr>
-        <p:spPr/>
-        <p:txBody>
-          <a:bodyPr/>
-          <a:lstStyle/>
-          <a:p>
-            <a:r>
-              <a:rPr lang="nb-NO" dirty="0"/>
-              <a:t>SDA / DNA Center</a:t>
-            </a:r>
-            <a:endParaRPr lang="en-US" dirty="0"/>
-          </a:p>
-        </p:txBody>
-      </p:sp>
-    </p:spTree>
-    <p:extLst>
-      <p:ext uri="{BB962C8B-B14F-4D97-AF65-F5344CB8AC3E}">
-        <p14:creationId xmlns:p14="http://schemas.microsoft.com/office/powerpoint/2010/main" val="1575533758"/>
-      </p:ext>
-    </p:extLst>
-  </p:cSld>
-  <p:clrMapOvr>
-    <a:masterClrMapping/>
-  </p:clrMapOvr>
-</p:sld>
-</file>
-
-<file path=ppt/slides/slide12.xml><?xml version="1.0" encoding="utf-8"?>
-<p:sld xmlns:a="http://schemas.openxmlformats.org/drawingml/2006/main" xmlns:r="http://schemas.openxmlformats.org/officeDocument/2006/relationships" xmlns:p="http://schemas.openxmlformats.org/presentationml/2006/main">
-  <p:cSld>
-    <p:spTree>
-      <p:nvGrpSpPr>
-        <p:cNvPr id="1" name=""/>
-        <p:cNvGrpSpPr/>
-        <p:nvPr/>
-      </p:nvGrpSpPr>
-      <p:grpSpPr>
-        <a:xfrm>
-          <a:off x="0" y="0"/>
-          <a:ext cx="0" cy="0"/>
-          <a:chOff x="0" y="0"/>
-          <a:chExt cx="0" cy="0"/>
-        </a:xfrm>
-      </p:grpSpPr>
-      <p:sp>
-        <p:nvSpPr>
-          <p:cNvPr id="2" name="Title 1">
-            <a:extLst>
-              <a:ext uri="{FF2B5EF4-FFF2-40B4-BE49-F238E27FC236}">
-                <a16:creationId xmlns:a16="http://schemas.microsoft.com/office/drawing/2014/main" id="{E930D958-96C8-44C0-926C-3021A53D08A3}"/>
-              </a:ext>
-            </a:extLst>
-          </p:cNvPr>
-          <p:cNvSpPr>
-            <a:spLocks noGrp="1"/>
-          </p:cNvSpPr>
-          <p:nvPr>
-            <p:ph type="title"/>
-          </p:nvPr>
-        </p:nvSpPr>
-        <p:spPr/>
-        <p:txBody>
-          <a:bodyPr/>
-          <a:lstStyle/>
-          <a:p>
-            <a:pPr algn="ctr"/>
-            <a:r>
-              <a:rPr lang="nb-NO" dirty="0" err="1"/>
-              <a:t>What</a:t>
-            </a:r>
-            <a:r>
-              <a:rPr lang="nb-NO" dirty="0"/>
-              <a:t> is not?</a:t>
-            </a:r>
-          </a:p>
-        </p:txBody>
-      </p:sp>
-      <p:sp>
-        <p:nvSpPr>
-          <p:cNvPr id="3" name="Content Placeholder 2">
-            <a:extLst>
-              <a:ext uri="{FF2B5EF4-FFF2-40B4-BE49-F238E27FC236}">
-                <a16:creationId xmlns:a16="http://schemas.microsoft.com/office/drawing/2014/main" id="{BC48574D-236C-40BA-AB9B-2BFEF0FE443B}"/>
-              </a:ext>
-            </a:extLst>
-          </p:cNvPr>
-          <p:cNvSpPr>
-            <a:spLocks noGrp="1"/>
-          </p:cNvSpPr>
-          <p:nvPr>
-            <p:ph sz="quarter" idx="10"/>
-          </p:nvPr>
-        </p:nvSpPr>
-        <p:spPr>
-          <a:xfrm>
-            <a:off x="357600" y="822692"/>
-            <a:ext cx="11476800" cy="5500835"/>
-          </a:xfrm>
-        </p:spPr>
-        <p:txBody>
-          <a:bodyPr anchor="t"/>
-          <a:lstStyle/>
-          <a:p>
-            <a:pPr marL="122" indent="0">
-              <a:buNone/>
-            </a:pPr>
-            <a:endParaRPr lang="en-US" sz="2000" dirty="0"/>
-          </a:p>
-          <a:p>
-            <a:r>
-              <a:rPr lang="nb-NO" sz="2000" dirty="0"/>
-              <a:t>DNA Center er så mangt</a:t>
-            </a:r>
-            <a:endParaRPr lang="no-NO" sz="2000" dirty="0"/>
-          </a:p>
-          <a:p>
-            <a:pPr lvl="1"/>
-            <a:r>
-              <a:rPr lang="nb-NO" sz="1800" dirty="0"/>
-              <a:t>Smart </a:t>
-            </a:r>
-            <a:r>
-              <a:rPr lang="nb-NO" sz="1800" dirty="0" err="1"/>
-              <a:t>Licensing</a:t>
-            </a:r>
-            <a:endParaRPr lang="no-NO" sz="1800" dirty="0"/>
-          </a:p>
-          <a:p>
-            <a:pPr lvl="1"/>
-            <a:r>
-              <a:rPr lang="nb-NO" dirty="0" err="1"/>
-              <a:t>Assurance</a:t>
-            </a:r>
-            <a:endParaRPr lang="nb-NO" dirty="0"/>
-          </a:p>
-          <a:p>
-            <a:pPr lvl="2"/>
-            <a:r>
-              <a:rPr lang="nb-NO" dirty="0"/>
-              <a:t>Client360</a:t>
-            </a:r>
-          </a:p>
-          <a:p>
-            <a:pPr lvl="2"/>
-            <a:r>
-              <a:rPr lang="nb-NO" dirty="0"/>
-              <a:t>Device360</a:t>
-            </a:r>
-          </a:p>
-          <a:p>
-            <a:pPr lvl="2"/>
-            <a:r>
-              <a:rPr lang="nb-NO" dirty="0"/>
-              <a:t>Application360</a:t>
-            </a:r>
-          </a:p>
-          <a:p>
-            <a:pPr lvl="1"/>
-            <a:r>
-              <a:rPr lang="nb-NO" sz="1800" dirty="0"/>
-              <a:t>Er ikke tid til å dekke alt</a:t>
-            </a:r>
-            <a:endParaRPr lang="no-NO" sz="1800" dirty="0"/>
-          </a:p>
-          <a:p>
-            <a:pPr marL="277200" lvl="1" indent="0">
-              <a:buNone/>
-            </a:pPr>
-            <a:endParaRPr lang="nb-NO" dirty="0"/>
-          </a:p>
-          <a:p>
-            <a:r>
-              <a:rPr lang="nb-NO" dirty="0"/>
-              <a:t>Hvorfor ikke ZTP/</a:t>
-            </a:r>
-            <a:r>
-              <a:rPr lang="nb-NO" dirty="0" err="1"/>
-              <a:t>PnP</a:t>
-            </a:r>
-            <a:r>
-              <a:rPr lang="nb-NO" dirty="0"/>
-              <a:t> av border?</a:t>
-            </a:r>
-          </a:p>
-          <a:p>
-            <a:pPr lvl="1"/>
-            <a:r>
-              <a:rPr lang="nb-NO" dirty="0"/>
-              <a:t>Tid for å rigge</a:t>
-            </a:r>
-          </a:p>
-          <a:p>
-            <a:pPr lvl="2"/>
-            <a:r>
-              <a:rPr lang="nb-NO" dirty="0"/>
-              <a:t>DHCP </a:t>
-            </a:r>
-            <a:r>
-              <a:rPr lang="nb-NO" dirty="0" err="1"/>
-              <a:t>scope</a:t>
-            </a:r>
-            <a:r>
-              <a:rPr lang="nb-NO" dirty="0"/>
-              <a:t> med option43</a:t>
-            </a:r>
-          </a:p>
-          <a:p>
-            <a:pPr lvl="2"/>
-            <a:r>
-              <a:rPr lang="nb-NO" dirty="0"/>
-              <a:t>Day0 </a:t>
-            </a:r>
-            <a:r>
-              <a:rPr lang="nb-NO" dirty="0" err="1"/>
-              <a:t>Template</a:t>
-            </a:r>
-            <a:r>
-              <a:rPr lang="nb-NO" dirty="0"/>
-              <a:t> på DNAC</a:t>
-            </a:r>
-          </a:p>
-          <a:p>
-            <a:pPr lvl="1"/>
-            <a:endParaRPr lang="nb-NO" dirty="0"/>
-          </a:p>
-          <a:p>
-            <a:endParaRPr lang="nb-NO" dirty="0"/>
-          </a:p>
-        </p:txBody>
-      </p:sp>
-      <p:sp>
-        <p:nvSpPr>
-          <p:cNvPr id="4" name="Footer Placeholder 3">
-            <a:extLst>
-              <a:ext uri="{FF2B5EF4-FFF2-40B4-BE49-F238E27FC236}">
-                <a16:creationId xmlns:a16="http://schemas.microsoft.com/office/drawing/2014/main" id="{7731CFEB-8014-4FCB-ACB4-EA6E7426C381}"/>
-              </a:ext>
-            </a:extLst>
-          </p:cNvPr>
-          <p:cNvSpPr>
-            <a:spLocks noGrp="1"/>
-          </p:cNvSpPr>
-          <p:nvPr>
-            <p:ph type="ftr" sz="quarter" idx="12"/>
-          </p:nvPr>
-        </p:nvSpPr>
-        <p:spPr/>
-        <p:txBody>
-          <a:bodyPr/>
-          <a:lstStyle/>
-          <a:p>
-            <a:endParaRPr lang="da-DK"/>
-          </a:p>
-        </p:txBody>
-      </p:sp>
-    </p:spTree>
-    <p:extLst>
-      <p:ext uri="{BB962C8B-B14F-4D97-AF65-F5344CB8AC3E}">
-        <p14:creationId xmlns:p14="http://schemas.microsoft.com/office/powerpoint/2010/main" val="2813591103"/>
-      </p:ext>
-    </p:extLst>
-  </p:cSld>
-  <p:clrMapOvr>
-    <a:masterClrMapping/>
-  </p:clrMapOvr>
-</p:sld>
-</file>
-
-<file path=ppt/slides/slide13.xml><?xml version="1.0" encoding="utf-8"?>
-<p:sld xmlns:a="http://schemas.openxmlformats.org/drawingml/2006/main" xmlns:r="http://schemas.openxmlformats.org/officeDocument/2006/relationships" xmlns:p="http://schemas.openxmlformats.org/presentationml/2006/main">
-  <p:cSld>
-    <p:spTree>
-      <p:nvGrpSpPr>
-        <p:cNvPr id="1" name=""/>
-        <p:cNvGrpSpPr/>
-        <p:nvPr/>
-      </p:nvGrpSpPr>
-      <p:grpSpPr>
-        <a:xfrm>
-          <a:off x="0" y="0"/>
-          <a:ext cx="0" cy="0"/>
-          <a:chOff x="0" y="0"/>
-          <a:chExt cx="0" cy="0"/>
-        </a:xfrm>
-      </p:grpSpPr>
-      <p:sp>
-        <p:nvSpPr>
-          <p:cNvPr id="2" name="Title 1">
-            <a:extLst>
-              <a:ext uri="{FF2B5EF4-FFF2-40B4-BE49-F238E27FC236}">
-                <a16:creationId xmlns:a16="http://schemas.microsoft.com/office/drawing/2014/main" id="{E930D958-96C8-44C0-926C-3021A53D08A3}"/>
-              </a:ext>
-            </a:extLst>
-          </p:cNvPr>
-          <p:cNvSpPr>
-            <a:spLocks noGrp="1"/>
-          </p:cNvSpPr>
-          <p:nvPr>
-            <p:ph type="title"/>
-          </p:nvPr>
-        </p:nvSpPr>
-        <p:spPr/>
-        <p:txBody>
-          <a:bodyPr/>
-          <a:lstStyle/>
-          <a:p>
-            <a:pPr algn="ctr"/>
-            <a:r>
-              <a:rPr lang="no-NO" sz="3600" dirty="0"/>
-              <a:t>1 – LAN Automation</a:t>
-            </a:r>
-            <a:endParaRPr lang="nb-NO" dirty="0"/>
-          </a:p>
-        </p:txBody>
-      </p:sp>
-      <p:sp>
-        <p:nvSpPr>
-          <p:cNvPr id="3" name="Content Placeholder 2">
-            <a:extLst>
-              <a:ext uri="{FF2B5EF4-FFF2-40B4-BE49-F238E27FC236}">
-                <a16:creationId xmlns:a16="http://schemas.microsoft.com/office/drawing/2014/main" id="{BC48574D-236C-40BA-AB9B-2BFEF0FE443B}"/>
-              </a:ext>
-            </a:extLst>
-          </p:cNvPr>
-          <p:cNvSpPr>
-            <a:spLocks noGrp="1"/>
-          </p:cNvSpPr>
-          <p:nvPr>
-            <p:ph sz="quarter" idx="10"/>
-          </p:nvPr>
-        </p:nvSpPr>
-        <p:spPr>
-          <a:xfrm>
-            <a:off x="357600" y="822692"/>
-            <a:ext cx="11476800" cy="5500835"/>
-          </a:xfrm>
-        </p:spPr>
-        <p:txBody>
-          <a:bodyPr anchor="t"/>
-          <a:lstStyle/>
-          <a:p>
-            <a:pPr marL="122" indent="0">
-              <a:buNone/>
-            </a:pPr>
-            <a:endParaRPr lang="en-US" sz="2000" dirty="0"/>
-          </a:p>
-          <a:p>
-            <a:r>
-              <a:rPr lang="no-NO" sz="2000" dirty="0"/>
-              <a:t>SDA Underlay</a:t>
-            </a:r>
-          </a:p>
-          <a:p>
-            <a:pPr lvl="1"/>
-            <a:r>
-              <a:rPr lang="no-NO" sz="1800" dirty="0"/>
-              <a:t>IS-IS</a:t>
-            </a:r>
-          </a:p>
-          <a:p>
-            <a:pPr lvl="1"/>
-            <a:r>
-              <a:rPr lang="no-NO" sz="1800" dirty="0"/>
-              <a:t>DNA Advantage</a:t>
-            </a:r>
-            <a:r>
-              <a:rPr lang="en-US" sz="1800" dirty="0"/>
-              <a:t> (L3)</a:t>
-            </a:r>
-            <a:endParaRPr lang="no-NO" sz="1800" dirty="0"/>
-          </a:p>
-          <a:p>
-            <a:pPr lvl="1"/>
-            <a:r>
-              <a:rPr lang="no-NO" dirty="0"/>
-              <a:t>PnP / VLAN1</a:t>
-            </a:r>
-          </a:p>
-        </p:txBody>
-      </p:sp>
-      <p:sp>
-        <p:nvSpPr>
-          <p:cNvPr id="4" name="Footer Placeholder 3">
-            <a:extLst>
-              <a:ext uri="{FF2B5EF4-FFF2-40B4-BE49-F238E27FC236}">
-                <a16:creationId xmlns:a16="http://schemas.microsoft.com/office/drawing/2014/main" id="{7731CFEB-8014-4FCB-ACB4-EA6E7426C381}"/>
-              </a:ext>
-            </a:extLst>
-          </p:cNvPr>
-          <p:cNvSpPr>
-            <a:spLocks noGrp="1"/>
-          </p:cNvSpPr>
-          <p:nvPr>
-            <p:ph type="ftr" sz="quarter" idx="12"/>
-          </p:nvPr>
-        </p:nvSpPr>
-        <p:spPr/>
-        <p:txBody>
-          <a:bodyPr/>
-          <a:lstStyle/>
-          <a:p>
-            <a:endParaRPr lang="da-DK"/>
-          </a:p>
-        </p:txBody>
-      </p:sp>
-      <p:pic>
-        <p:nvPicPr>
-          <p:cNvPr id="1026" name="Picture 2">
-            <a:extLst>
-              <a:ext uri="{FF2B5EF4-FFF2-40B4-BE49-F238E27FC236}">
-                <a16:creationId xmlns:a16="http://schemas.microsoft.com/office/drawing/2014/main" id="{9A6E998C-6C20-49F5-AA25-6000ADDC3EF3}"/>
-              </a:ext>
-            </a:extLst>
-          </p:cNvPr>
-          <p:cNvPicPr>
-            <a:picLocks noChangeAspect="1" noChangeArrowheads="1"/>
-          </p:cNvPicPr>
-          <p:nvPr/>
-        </p:nvPicPr>
-        <p:blipFill>
-          <a:blip r:embed="rId2">
-            <a:extLst>
-              <a:ext uri="{28A0092B-C50C-407E-A947-70E740481C1C}">
-                <a14:useLocalDpi xmlns:a14="http://schemas.microsoft.com/office/drawing/2010/main" val="0"/>
-              </a:ext>
-            </a:extLst>
-          </a:blip>
-          <a:srcRect/>
-          <a:stretch>
-            <a:fillRect/>
-          </a:stretch>
-        </p:blipFill>
-        <p:spPr bwMode="auto">
-          <a:xfrm>
-            <a:off x="3024860" y="880119"/>
-            <a:ext cx="8075367" cy="5206027"/>
-          </a:xfrm>
-          <a:prstGeom prst="rect">
-            <a:avLst/>
-          </a:prstGeom>
-          <a:noFill/>
-          <a:extLst>
-            <a:ext uri="{909E8E84-426E-40DD-AFC4-6F175D3DCCD1}">
-              <a14:hiddenFill xmlns:a14="http://schemas.microsoft.com/office/drawing/2010/main">
-                <a:solidFill>
-                  <a:srgbClr val="FFFFFF"/>
-                </a:solidFill>
-              </a14:hiddenFill>
-            </a:ext>
-          </a:extLst>
-        </p:spPr>
-      </p:pic>
-    </p:spTree>
-    <p:extLst>
-      <p:ext uri="{BB962C8B-B14F-4D97-AF65-F5344CB8AC3E}">
-        <p14:creationId xmlns:p14="http://schemas.microsoft.com/office/powerpoint/2010/main" val="3801107281"/>
-      </p:ext>
-    </p:extLst>
-  </p:cSld>
-  <p:clrMapOvr>
-    <a:masterClrMapping/>
-  </p:clrMapOvr>
-</p:sld>
-</file>
-
-<file path=ppt/slides/slide14.xml><?xml version="1.0" encoding="utf-8"?>
-<p:sld xmlns:a="http://schemas.openxmlformats.org/drawingml/2006/main" xmlns:r="http://schemas.openxmlformats.org/officeDocument/2006/relationships" xmlns:p="http://schemas.openxmlformats.org/presentationml/2006/main">
-  <p:cSld>
-    <p:spTree>
-      <p:nvGrpSpPr>
-        <p:cNvPr id="1" name=""/>
-        <p:cNvGrpSpPr/>
-        <p:nvPr/>
-      </p:nvGrpSpPr>
-      <p:grpSpPr>
-        <a:xfrm>
-          <a:off x="0" y="0"/>
-          <a:ext cx="0" cy="0"/>
-          <a:chOff x="0" y="0"/>
-          <a:chExt cx="0" cy="0"/>
-        </a:xfrm>
-      </p:grpSpPr>
-      <p:sp>
-        <p:nvSpPr>
-          <p:cNvPr id="2" name="Title 1">
-            <a:extLst>
-              <a:ext uri="{FF2B5EF4-FFF2-40B4-BE49-F238E27FC236}">
-                <a16:creationId xmlns:a16="http://schemas.microsoft.com/office/drawing/2014/main" id="{E930D958-96C8-44C0-926C-3021A53D08A3}"/>
-              </a:ext>
-            </a:extLst>
-          </p:cNvPr>
-          <p:cNvSpPr>
-            <a:spLocks noGrp="1"/>
-          </p:cNvSpPr>
-          <p:nvPr>
-            <p:ph type="title"/>
-          </p:nvPr>
-        </p:nvSpPr>
-        <p:spPr/>
-        <p:txBody>
-          <a:bodyPr/>
-          <a:lstStyle/>
-          <a:p>
-            <a:pPr algn="ctr"/>
-            <a:r>
-              <a:rPr lang="no-NO" sz="3600" dirty="0"/>
-              <a:t>2 – PnP</a:t>
-            </a:r>
-            <a:endParaRPr lang="nb-NO" dirty="0"/>
-          </a:p>
-        </p:txBody>
-      </p:sp>
-      <p:sp>
-        <p:nvSpPr>
-          <p:cNvPr id="3" name="Content Placeholder 2">
-            <a:extLst>
-              <a:ext uri="{FF2B5EF4-FFF2-40B4-BE49-F238E27FC236}">
-                <a16:creationId xmlns:a16="http://schemas.microsoft.com/office/drawing/2014/main" id="{BC48574D-236C-40BA-AB9B-2BFEF0FE443B}"/>
-              </a:ext>
-            </a:extLst>
-          </p:cNvPr>
-          <p:cNvSpPr>
-            <a:spLocks noGrp="1"/>
-          </p:cNvSpPr>
-          <p:nvPr>
-            <p:ph sz="quarter" idx="10"/>
-          </p:nvPr>
-        </p:nvSpPr>
-        <p:spPr>
-          <a:xfrm>
-            <a:off x="357600" y="822692"/>
-            <a:ext cx="11476800" cy="5500835"/>
-          </a:xfrm>
-        </p:spPr>
-        <p:txBody>
-          <a:bodyPr anchor="t"/>
-          <a:lstStyle/>
-          <a:p>
-            <a:pPr marL="122" indent="0">
-              <a:buNone/>
-            </a:pPr>
-            <a:endParaRPr lang="en-US" sz="2000" dirty="0"/>
-          </a:p>
-          <a:p>
-            <a:r>
-              <a:rPr lang="no-NO" sz="2000" dirty="0"/>
-              <a:t>Template</a:t>
-            </a:r>
-            <a:r>
-              <a:rPr lang="en-US" sz="2000" dirty="0"/>
-              <a:t> based</a:t>
-            </a:r>
-            <a:endParaRPr lang="no-NO" sz="2000" dirty="0"/>
-          </a:p>
-          <a:p>
-            <a:pPr lvl="1"/>
-            <a:r>
-              <a:rPr lang="en-US" sz="1800" dirty="0"/>
-              <a:t>Variables for IP, Hostname, </a:t>
-            </a:r>
-            <a:r>
-              <a:rPr lang="en-US" sz="1800" dirty="0" err="1"/>
-              <a:t>etc</a:t>
-            </a:r>
-            <a:endParaRPr lang="en-US" sz="1800" dirty="0"/>
-          </a:p>
-          <a:p>
-            <a:pPr lvl="1"/>
-            <a:r>
-              <a:rPr lang="no-NO" sz="1800" dirty="0"/>
-              <a:t>DNA </a:t>
-            </a:r>
-            <a:r>
-              <a:rPr lang="en-US" sz="1800" dirty="0"/>
-              <a:t>Essentials (L2)</a:t>
-            </a:r>
-            <a:endParaRPr lang="no-NO" sz="1800" dirty="0"/>
-          </a:p>
-          <a:p>
-            <a:pPr lvl="1"/>
-            <a:r>
-              <a:rPr lang="no-NO" dirty="0"/>
-              <a:t>PnP / VLAN1</a:t>
-            </a:r>
-            <a:endParaRPr lang="en-US" dirty="0"/>
-          </a:p>
-          <a:p>
-            <a:pPr lvl="1"/>
-            <a:r>
-              <a:rPr lang="en-US" dirty="0"/>
-              <a:t>Self hosted DHCP with Option 43</a:t>
-            </a:r>
-          </a:p>
-          <a:p>
-            <a:pPr lvl="2"/>
-            <a:r>
-              <a:rPr lang="en-US" dirty="0"/>
-              <a:t>Can be fusion/router/seed</a:t>
-            </a:r>
-            <a:endParaRPr lang="no-NO" dirty="0"/>
-          </a:p>
-        </p:txBody>
-      </p:sp>
-      <p:sp>
-        <p:nvSpPr>
-          <p:cNvPr id="4" name="Footer Placeholder 3">
-            <a:extLst>
-              <a:ext uri="{FF2B5EF4-FFF2-40B4-BE49-F238E27FC236}">
-                <a16:creationId xmlns:a16="http://schemas.microsoft.com/office/drawing/2014/main" id="{7731CFEB-8014-4FCB-ACB4-EA6E7426C381}"/>
-              </a:ext>
-            </a:extLst>
-          </p:cNvPr>
-          <p:cNvSpPr>
-            <a:spLocks noGrp="1"/>
-          </p:cNvSpPr>
-          <p:nvPr>
-            <p:ph type="ftr" sz="quarter" idx="12"/>
-          </p:nvPr>
-        </p:nvSpPr>
-        <p:spPr/>
-        <p:txBody>
-          <a:bodyPr/>
-          <a:lstStyle/>
-          <a:p>
-            <a:endParaRPr lang="da-DK"/>
-          </a:p>
-        </p:txBody>
-      </p:sp>
-      <p:pic>
-        <p:nvPicPr>
-          <p:cNvPr id="2050" name="Picture 2" descr="post_128_workflow">
-            <a:extLst>
-              <a:ext uri="{FF2B5EF4-FFF2-40B4-BE49-F238E27FC236}">
-                <a16:creationId xmlns:a16="http://schemas.microsoft.com/office/drawing/2014/main" id="{E8ABA27A-C311-4A59-BF1A-161CAA1909FA}"/>
-              </a:ext>
-            </a:extLst>
-          </p:cNvPr>
-          <p:cNvPicPr>
-            <a:picLocks noChangeAspect="1" noChangeArrowheads="1"/>
-          </p:cNvPicPr>
-          <p:nvPr/>
-        </p:nvPicPr>
-        <p:blipFill>
-          <a:blip r:embed="rId2" cstate="print">
-            <a:extLst>
-              <a:ext uri="{28A0092B-C50C-407E-A947-70E740481C1C}">
-                <a14:useLocalDpi xmlns:a14="http://schemas.microsoft.com/office/drawing/2010/main" val="0"/>
-              </a:ext>
-            </a:extLst>
-          </a:blip>
-          <a:srcRect/>
-          <a:stretch>
-            <a:fillRect/>
-          </a:stretch>
-        </p:blipFill>
-        <p:spPr bwMode="auto">
-          <a:xfrm>
-            <a:off x="0" y="3575218"/>
-            <a:ext cx="12192000" cy="3322637"/>
-          </a:xfrm>
-          <a:prstGeom prst="rect">
-            <a:avLst/>
-          </a:prstGeom>
-          <a:noFill/>
-          <a:extLst>
-            <a:ext uri="{909E8E84-426E-40DD-AFC4-6F175D3DCCD1}">
-              <a14:hiddenFill xmlns:a14="http://schemas.microsoft.com/office/drawing/2010/main">
-                <a:solidFill>
-                  <a:srgbClr val="FFFFFF"/>
-                </a:solidFill>
-              </a14:hiddenFill>
-            </a:ext>
-          </a:extLst>
-        </p:spPr>
-      </p:pic>
-      <p:sp>
-        <p:nvSpPr>
-          <p:cNvPr id="6" name="Content Placeholder 2">
-            <a:extLst>
-              <a:ext uri="{FF2B5EF4-FFF2-40B4-BE49-F238E27FC236}">
-                <a16:creationId xmlns:a16="http://schemas.microsoft.com/office/drawing/2014/main" id="{0091D4ED-9998-4B62-B841-CB4B2F11E913}"/>
-              </a:ext>
-            </a:extLst>
-          </p:cNvPr>
-          <p:cNvSpPr txBox="1">
-            <a:spLocks/>
-          </p:cNvSpPr>
-          <p:nvPr/>
-        </p:nvSpPr>
-        <p:spPr>
-          <a:xfrm>
-            <a:off x="5697940" y="824964"/>
-            <a:ext cx="6138732" cy="5500835"/>
-          </a:xfrm>
-          <a:prstGeom prst="rect">
-            <a:avLst/>
-          </a:prstGeom>
-        </p:spPr>
-        <p:txBody>
-          <a:bodyPr vert="horz" lIns="0" tIns="0" rIns="0" bIns="0" rtlCol="0" anchor="t">
-            <a:noAutofit/>
-          </a:bodyPr>
-          <a:lstStyle>
-            <a:lvl1pPr marL="252000" marR="0" indent="-251878" algn="l" defTabSz="1219170" rtl="0" eaLnBrk="1" fontAlgn="base" latinLnBrk="0" hangingPunct="1">
-              <a:lnSpc>
-                <a:spcPct val="100000"/>
-              </a:lnSpc>
-              <a:spcBef>
-                <a:spcPts val="300"/>
-              </a:spcBef>
-              <a:spcAft>
-                <a:spcPct val="0"/>
-              </a:spcAft>
-              <a:buClrTx/>
-              <a:buSzTx/>
-              <a:buFont typeface="Times" pitchFamily="-96" charset="0"/>
-              <a:buChar char="•"/>
-              <a:tabLst/>
-              <a:defRPr sz="2200" kern="1200">
-                <a:solidFill>
-                  <a:schemeClr val="tx1"/>
-                </a:solidFill>
-                <a:latin typeface="+mn-lt"/>
-                <a:ea typeface="+mn-ea"/>
-                <a:cs typeface="+mn-cs"/>
-              </a:defRPr>
-            </a:lvl1pPr>
-            <a:lvl2pPr marL="529200" marR="0" indent="-252000" algn="l" defTabSz="1219170" rtl="0" eaLnBrk="1" fontAlgn="base" latinLnBrk="0" hangingPunct="1">
-              <a:lnSpc>
-                <a:spcPct val="100000"/>
-              </a:lnSpc>
-              <a:spcBef>
-                <a:spcPts val="300"/>
-              </a:spcBef>
-              <a:spcAft>
-                <a:spcPct val="0"/>
-              </a:spcAft>
-              <a:buClrTx/>
-              <a:buSzTx/>
-              <a:buFont typeface="Times" pitchFamily="-96" charset="0"/>
-              <a:buChar char="–"/>
-              <a:tabLst/>
-              <a:defRPr sz="2000" kern="1200">
-                <a:solidFill>
-                  <a:schemeClr val="tx1"/>
-                </a:solidFill>
-                <a:latin typeface="+mn-lt"/>
-                <a:ea typeface="+mn-ea"/>
-                <a:cs typeface="+mn-cs"/>
-              </a:defRPr>
-            </a:lvl2pPr>
-            <a:lvl3pPr marL="712800" marR="0" indent="-180000" algn="l" defTabSz="1219170" rtl="0" eaLnBrk="1" fontAlgn="base" latinLnBrk="0" hangingPunct="1">
-              <a:lnSpc>
-                <a:spcPct val="100000"/>
-              </a:lnSpc>
-              <a:spcBef>
-                <a:spcPts val="300"/>
-              </a:spcBef>
-              <a:spcAft>
-                <a:spcPct val="0"/>
-              </a:spcAft>
-              <a:buClrTx/>
-              <a:buSzTx/>
-              <a:buFont typeface="Times" pitchFamily="-96" charset="0"/>
-              <a:buChar char="•"/>
-              <a:tabLst/>
-              <a:defRPr sz="1800" kern="1200">
-                <a:solidFill>
-                  <a:schemeClr val="tx1"/>
-                </a:solidFill>
-                <a:latin typeface="+mn-lt"/>
-                <a:ea typeface="+mn-ea"/>
-                <a:cs typeface="+mn-cs"/>
-              </a:defRPr>
-            </a:lvl3pPr>
-            <a:lvl4pPr marL="914400" marR="0" indent="-180000" algn="l" defTabSz="1219170" rtl="0" eaLnBrk="1" fontAlgn="base" latinLnBrk="0" hangingPunct="1">
-              <a:lnSpc>
-                <a:spcPct val="100000"/>
-              </a:lnSpc>
-              <a:spcBef>
-                <a:spcPts val="300"/>
-              </a:spcBef>
-              <a:spcAft>
-                <a:spcPct val="0"/>
-              </a:spcAft>
-              <a:buClrTx/>
-              <a:buSzTx/>
-              <a:buFont typeface="Times" pitchFamily="-96" charset="0"/>
-              <a:buChar char="–"/>
-              <a:tabLst/>
-              <a:defRPr sz="1600" kern="1200">
-                <a:solidFill>
-                  <a:schemeClr val="tx1"/>
-                </a:solidFill>
-                <a:latin typeface="+mn-lt"/>
-                <a:ea typeface="+mn-ea"/>
-                <a:cs typeface="+mn-cs"/>
-              </a:defRPr>
-            </a:lvl4pPr>
-            <a:lvl5pPr marL="1094400" marR="0" indent="-180000" algn="l" defTabSz="1219170" rtl="0" eaLnBrk="1" fontAlgn="base" latinLnBrk="0" hangingPunct="1">
-              <a:lnSpc>
-                <a:spcPct val="100000"/>
-              </a:lnSpc>
-              <a:spcBef>
-                <a:spcPts val="300"/>
-              </a:spcBef>
-              <a:spcAft>
-                <a:spcPct val="0"/>
-              </a:spcAft>
-              <a:buClrTx/>
-              <a:buSzTx/>
-              <a:buFont typeface="Times" pitchFamily="-96" charset="0"/>
-              <a:buChar char="•"/>
-              <a:tabLst/>
-              <a:defRPr sz="1600" kern="1200">
-                <a:solidFill>
-                  <a:schemeClr val="tx1"/>
-                </a:solidFill>
-                <a:latin typeface="+mn-lt"/>
-                <a:ea typeface="+mn-ea"/>
-                <a:cs typeface="+mn-cs"/>
-              </a:defRPr>
-            </a:lvl5pPr>
-            <a:lvl6pPr marL="1094400" indent="-180000" algn="l" defTabSz="1219170" rtl="0" eaLnBrk="1" latinLnBrk="0" hangingPunct="1">
-              <a:spcBef>
-                <a:spcPts val="300"/>
-              </a:spcBef>
-              <a:buFont typeface="Arial" pitchFamily="34" charset="0"/>
-              <a:buChar char="•"/>
-              <a:defRPr sz="1600" kern="1200">
-                <a:solidFill>
-                  <a:schemeClr val="tx1"/>
-                </a:solidFill>
-                <a:latin typeface="+mn-lt"/>
-                <a:ea typeface="+mn-ea"/>
-                <a:cs typeface="+mn-cs"/>
-              </a:defRPr>
-            </a:lvl6pPr>
-            <a:lvl7pPr marL="1094400" indent="-180000" algn="l" defTabSz="1219170" rtl="0" eaLnBrk="1" latinLnBrk="0" hangingPunct="1">
-              <a:spcBef>
-                <a:spcPts val="300"/>
-              </a:spcBef>
-              <a:buFont typeface="Arial" pitchFamily="34" charset="0"/>
-              <a:buChar char="•"/>
-              <a:defRPr sz="1600" kern="1200">
-                <a:solidFill>
-                  <a:schemeClr val="tx1"/>
-                </a:solidFill>
-                <a:latin typeface="+mn-lt"/>
-                <a:ea typeface="+mn-ea"/>
-                <a:cs typeface="+mn-cs"/>
-              </a:defRPr>
-            </a:lvl7pPr>
-            <a:lvl8pPr marL="1094400" indent="-180000" algn="l" defTabSz="1219170" rtl="0" eaLnBrk="1" latinLnBrk="0" hangingPunct="1">
-              <a:spcBef>
-                <a:spcPts val="300"/>
-              </a:spcBef>
-              <a:buFont typeface="Arial" pitchFamily="34" charset="0"/>
-              <a:buChar char="•"/>
-              <a:defRPr sz="1600" kern="1200">
-                <a:solidFill>
-                  <a:schemeClr val="tx1"/>
-                </a:solidFill>
-                <a:latin typeface="+mn-lt"/>
-                <a:ea typeface="+mn-ea"/>
-                <a:cs typeface="+mn-cs"/>
-              </a:defRPr>
-            </a:lvl8pPr>
-            <a:lvl9pPr marL="1094400" indent="-180000" algn="l" defTabSz="1219170" rtl="0" eaLnBrk="1" latinLnBrk="0" hangingPunct="1">
-              <a:spcBef>
-                <a:spcPts val="300"/>
-              </a:spcBef>
-              <a:buFont typeface="Arial" pitchFamily="34" charset="0"/>
-              <a:buChar char="•"/>
-              <a:defRPr sz="1600" kern="1200">
-                <a:solidFill>
-                  <a:schemeClr val="tx1"/>
-                </a:solidFill>
-                <a:latin typeface="+mn-lt"/>
-                <a:ea typeface="+mn-ea"/>
-                <a:cs typeface="+mn-cs"/>
-              </a:defRPr>
-            </a:lvl9pPr>
-          </a:lstStyle>
-          <a:p>
-            <a:pPr marL="122" indent="0">
-              <a:buFont typeface="Times" pitchFamily="-96" charset="0"/>
-              <a:buNone/>
-            </a:pPr>
-            <a:endParaRPr lang="en-US" sz="2000" dirty="0"/>
-          </a:p>
-          <a:p>
-            <a:r>
-              <a:rPr lang="en-US" sz="2000" dirty="0"/>
-              <a:t>Optional VLAN</a:t>
-            </a:r>
-          </a:p>
-          <a:p>
-            <a:pPr lvl="1"/>
-            <a:r>
-              <a:rPr lang="en-US" sz="1800" dirty="0" err="1"/>
-              <a:t>pnp</a:t>
-            </a:r>
-            <a:r>
-              <a:rPr lang="en-US" sz="1800" dirty="0"/>
-              <a:t> startup </a:t>
-            </a:r>
-            <a:r>
-              <a:rPr lang="en-US" sz="1800" dirty="0" err="1"/>
-              <a:t>vlan</a:t>
-            </a:r>
-            <a:r>
-              <a:rPr lang="en-US" sz="1800" dirty="0"/>
-              <a:t> x (global command on seed)</a:t>
-            </a:r>
-          </a:p>
-          <a:p>
-            <a:r>
-              <a:rPr lang="en-US" sz="2000" dirty="0"/>
-              <a:t>Optional PnP discovery</a:t>
-            </a:r>
-            <a:endParaRPr lang="no-NO" sz="2000" dirty="0"/>
-          </a:p>
-          <a:p>
-            <a:pPr lvl="1"/>
-            <a:r>
-              <a:rPr lang="en-US" sz="1800" dirty="0"/>
-              <a:t>Plug and Play Connect</a:t>
-            </a:r>
-          </a:p>
-          <a:p>
-            <a:pPr lvl="1"/>
-            <a:r>
-              <a:rPr lang="en-US" sz="1800" dirty="0"/>
-              <a:t>DNS / FQDN</a:t>
-            </a:r>
-          </a:p>
-          <a:p>
-            <a:pPr lvl="1"/>
-            <a:r>
-              <a:rPr lang="en-US" sz="1800" dirty="0"/>
-              <a:t>DHCP &gt; DNS &gt; PnP Connect</a:t>
-            </a:r>
-            <a:endParaRPr lang="no-NO" sz="1800" dirty="0"/>
-          </a:p>
-        </p:txBody>
-      </p:sp>
-    </p:spTree>
-    <p:extLst>
-      <p:ext uri="{BB962C8B-B14F-4D97-AF65-F5344CB8AC3E}">
-        <p14:creationId xmlns:p14="http://schemas.microsoft.com/office/powerpoint/2010/main" val="789845610"/>
-      </p:ext>
-    </p:extLst>
-  </p:cSld>
-  <p:clrMapOvr>
-    <a:masterClrMapping/>
-  </p:clrMapOvr>
-</p:sld>
-</file>
-
-<file path=ppt/slides/slide15.xml><?xml version="1.0" encoding="utf-8"?>
-<p:sld xmlns:a="http://schemas.openxmlformats.org/drawingml/2006/main" xmlns:r="http://schemas.openxmlformats.org/officeDocument/2006/relationships" xmlns:p="http://schemas.openxmlformats.org/presentationml/2006/main">
-  <p:cSld>
-    <p:spTree>
-      <p:nvGrpSpPr>
-        <p:cNvPr id="1" name=""/>
-        <p:cNvGrpSpPr/>
-        <p:nvPr/>
-      </p:nvGrpSpPr>
-      <p:grpSpPr>
-        <a:xfrm>
-          <a:off x="0" y="0"/>
-          <a:ext cx="0" cy="0"/>
-          <a:chOff x="0" y="0"/>
-          <a:chExt cx="0" cy="0"/>
-        </a:xfrm>
-      </p:grpSpPr>
-      <p:sp>
-        <p:nvSpPr>
-          <p:cNvPr id="2" name="Title 1">
-            <a:extLst>
-              <a:ext uri="{FF2B5EF4-FFF2-40B4-BE49-F238E27FC236}">
-                <a16:creationId xmlns:a16="http://schemas.microsoft.com/office/drawing/2014/main" id="{E930D958-96C8-44C0-926C-3021A53D08A3}"/>
-              </a:ext>
-            </a:extLst>
-          </p:cNvPr>
-          <p:cNvSpPr>
-            <a:spLocks noGrp="1"/>
-          </p:cNvSpPr>
-          <p:nvPr>
-            <p:ph type="title"/>
-          </p:nvPr>
-        </p:nvSpPr>
-        <p:spPr/>
-        <p:txBody>
-          <a:bodyPr/>
-          <a:lstStyle/>
-          <a:p>
-            <a:pPr algn="ctr"/>
-            <a:r>
-              <a:rPr lang="en-US" sz="3600" dirty="0"/>
-              <a:t>3</a:t>
-            </a:r>
-            <a:r>
-              <a:rPr lang="no-NO" sz="3600" dirty="0"/>
-              <a:t> – </a:t>
-            </a:r>
-            <a:r>
-              <a:rPr lang="en-US" dirty="0"/>
-              <a:t>PnP and PnP in SDA</a:t>
-            </a:r>
-            <a:endParaRPr lang="nb-NO" dirty="0"/>
-          </a:p>
-        </p:txBody>
-      </p:sp>
-      <p:sp>
-        <p:nvSpPr>
-          <p:cNvPr id="3" name="Content Placeholder 2">
-            <a:extLst>
-              <a:ext uri="{FF2B5EF4-FFF2-40B4-BE49-F238E27FC236}">
-                <a16:creationId xmlns:a16="http://schemas.microsoft.com/office/drawing/2014/main" id="{BC48574D-236C-40BA-AB9B-2BFEF0FE443B}"/>
-              </a:ext>
-            </a:extLst>
-          </p:cNvPr>
-          <p:cNvSpPr>
-            <a:spLocks noGrp="1"/>
-          </p:cNvSpPr>
-          <p:nvPr>
-            <p:ph sz="quarter" idx="10"/>
-          </p:nvPr>
-        </p:nvSpPr>
-        <p:spPr>
-          <a:xfrm>
-            <a:off x="357600" y="822692"/>
-            <a:ext cx="11476800" cy="5500835"/>
-          </a:xfrm>
-        </p:spPr>
-        <p:txBody>
-          <a:bodyPr anchor="t"/>
-          <a:lstStyle/>
-          <a:p>
-            <a:pPr marL="122" indent="0">
-              <a:buNone/>
-            </a:pPr>
-            <a:endParaRPr lang="en-US" sz="2000" dirty="0"/>
-          </a:p>
-          <a:p>
-            <a:r>
-              <a:rPr lang="en-US" sz="2000" dirty="0"/>
-              <a:t>Same for Extended Node and Fabric Edge Wireless Access Point;</a:t>
-            </a:r>
-            <a:endParaRPr lang="no-NO" sz="2000" dirty="0"/>
-          </a:p>
-          <a:p>
-            <a:pPr lvl="1"/>
-            <a:r>
-              <a:rPr lang="en-US" dirty="0"/>
-              <a:t>IP-Scope (AP/Extended) in INFRA_VN</a:t>
-            </a:r>
-          </a:p>
-          <a:p>
-            <a:pPr lvl="1"/>
-            <a:r>
-              <a:rPr lang="en-US" dirty="0"/>
-              <a:t>DHCP-scope with Option43</a:t>
-            </a:r>
-          </a:p>
-          <a:p>
-            <a:pPr lvl="1"/>
-            <a:r>
-              <a:rPr lang="en-US" dirty="0"/>
-              <a:t>Transported in LISP/VXLAN (in fabric)</a:t>
-            </a:r>
-          </a:p>
-          <a:p>
-            <a:r>
-              <a:rPr lang="en-US" dirty="0"/>
-              <a:t>Difference </a:t>
-            </a:r>
-          </a:p>
-          <a:p>
-            <a:pPr lvl="1"/>
-            <a:r>
-              <a:rPr lang="en-US" dirty="0"/>
-              <a:t>Interface for AP is set in the right VN/Scope with open auth</a:t>
-            </a:r>
-          </a:p>
-          <a:p>
-            <a:pPr lvl="1"/>
-            <a:r>
-              <a:rPr lang="en-US" dirty="0"/>
-              <a:t>Interface for Extended node must be </a:t>
-            </a:r>
-            <a:r>
-              <a:rPr lang="en-US" dirty="0" err="1"/>
-              <a:t>PAgP</a:t>
-            </a:r>
-            <a:r>
-              <a:rPr lang="en-US" dirty="0"/>
-              <a:t> port-channel with </a:t>
-            </a:r>
-            <a:r>
-              <a:rPr lang="en-US"/>
-              <a:t>open auth</a:t>
-            </a:r>
-            <a:endParaRPr lang="en-US" dirty="0"/>
-          </a:p>
-          <a:p>
-            <a:pPr lvl="1"/>
-            <a:endParaRPr lang="en-US" dirty="0"/>
-          </a:p>
-          <a:p>
-            <a:pPr lvl="1"/>
-            <a:endParaRPr lang="en-US" dirty="0"/>
-          </a:p>
-          <a:p>
-            <a:pPr lvl="1"/>
-            <a:endParaRPr lang="no-NO" dirty="0"/>
-          </a:p>
-        </p:txBody>
-      </p:sp>
-      <p:sp>
-        <p:nvSpPr>
-          <p:cNvPr id="4" name="Footer Placeholder 3">
-            <a:extLst>
-              <a:ext uri="{FF2B5EF4-FFF2-40B4-BE49-F238E27FC236}">
-                <a16:creationId xmlns:a16="http://schemas.microsoft.com/office/drawing/2014/main" id="{7731CFEB-8014-4FCB-ACB4-EA6E7426C381}"/>
-              </a:ext>
-            </a:extLst>
-          </p:cNvPr>
-          <p:cNvSpPr>
-            <a:spLocks noGrp="1"/>
-          </p:cNvSpPr>
-          <p:nvPr>
-            <p:ph type="ftr" sz="quarter" idx="12"/>
-          </p:nvPr>
-        </p:nvSpPr>
-        <p:spPr/>
-        <p:txBody>
-          <a:bodyPr/>
-          <a:lstStyle/>
-          <a:p>
-            <a:endParaRPr lang="da-DK"/>
-          </a:p>
-        </p:txBody>
-      </p:sp>
-      <p:pic>
-        <p:nvPicPr>
-          <p:cNvPr id="4098" name="Picture 2" descr="SD-Access with Extended Nodes | zartmann.dk">
-            <a:extLst>
-              <a:ext uri="{FF2B5EF4-FFF2-40B4-BE49-F238E27FC236}">
-                <a16:creationId xmlns:a16="http://schemas.microsoft.com/office/drawing/2014/main" id="{B35597EC-06AB-4869-8F3E-C13AF8346002}"/>
-              </a:ext>
-            </a:extLst>
-          </p:cNvPr>
-          <p:cNvPicPr>
-            <a:picLocks noChangeAspect="1" noChangeArrowheads="1"/>
-          </p:cNvPicPr>
-          <p:nvPr/>
-        </p:nvPicPr>
-        <p:blipFill>
-          <a:blip r:embed="rId2">
-            <a:extLst>
-              <a:ext uri="{28A0092B-C50C-407E-A947-70E740481C1C}">
-                <a14:useLocalDpi xmlns:a14="http://schemas.microsoft.com/office/drawing/2010/main" val="0"/>
-              </a:ext>
-            </a:extLst>
-          </a:blip>
-          <a:srcRect/>
-          <a:stretch>
-            <a:fillRect/>
-          </a:stretch>
-        </p:blipFill>
-        <p:spPr bwMode="auto">
-          <a:xfrm>
-            <a:off x="2451652" y="3764810"/>
-            <a:ext cx="5335106" cy="2799764"/>
-          </a:xfrm>
-          <a:prstGeom prst="rect">
-            <a:avLst/>
-          </a:prstGeom>
-          <a:noFill/>
-          <a:extLst>
-            <a:ext uri="{909E8E84-426E-40DD-AFC4-6F175D3DCCD1}">
-              <a14:hiddenFill xmlns:a14="http://schemas.microsoft.com/office/drawing/2010/main">
-                <a:solidFill>
-                  <a:srgbClr val="FFFFFF"/>
-                </a:solidFill>
-              </a14:hiddenFill>
-            </a:ext>
-          </a:extLst>
-        </p:spPr>
-      </p:pic>
-    </p:spTree>
-    <p:extLst>
-      <p:ext uri="{BB962C8B-B14F-4D97-AF65-F5344CB8AC3E}">
-        <p14:creationId xmlns:p14="http://schemas.microsoft.com/office/powerpoint/2010/main" val="592298550"/>
-      </p:ext>
-    </p:extLst>
-  </p:cSld>
-  <p:clrMapOvr>
-    <a:masterClrMapping/>
-  </p:clrMapOvr>
-</p:sld>
-</file>
-
-<file path=ppt/slides/slide16.xml><?xml version="1.0" encoding="utf-8"?>
-<p:sld xmlns:a="http://schemas.openxmlformats.org/drawingml/2006/main" xmlns:r="http://schemas.openxmlformats.org/officeDocument/2006/relationships" xmlns:p="http://schemas.openxmlformats.org/presentationml/2006/main">
-  <p:cSld>
-    <p:spTree>
-      <p:nvGrpSpPr>
-        <p:cNvPr id="1" name=""/>
-        <p:cNvGrpSpPr/>
-        <p:nvPr/>
-      </p:nvGrpSpPr>
-      <p:grpSpPr>
-        <a:xfrm>
-          <a:off x="0" y="0"/>
-          <a:ext cx="0" cy="0"/>
-          <a:chOff x="0" y="0"/>
-          <a:chExt cx="0" cy="0"/>
-        </a:xfrm>
-      </p:grpSpPr>
-      <p:pic>
-        <p:nvPicPr>
-          <p:cNvPr id="11" name="Picture Placeholder 10"/>
-          <p:cNvPicPr>
-            <a:picLocks noGrp="1" noChangeAspect="1"/>
-          </p:cNvPicPr>
-          <p:nvPr>
-            <p:ph type="pic" sz="quarter" idx="10"/>
-          </p:nvPr>
-        </p:nvPicPr>
-        <p:blipFill rotWithShape="1">
-          <a:blip r:embed="rId2" cstate="screen">
-            <a:extLst>
-              <a:ext uri="{28A0092B-C50C-407E-A947-70E740481C1C}">
-                <a14:useLocalDpi xmlns:a14="http://schemas.microsoft.com/office/drawing/2010/main"/>
-              </a:ext>
-            </a:extLst>
-          </a:blip>
-          <a:srcRect/>
-          <a:stretch/>
-        </p:blipFill>
-        <p:spPr>
-          <a:xfrm>
-            <a:off x="0" y="0"/>
-            <a:ext cx="12192000" cy="6858000"/>
-          </a:xfrm>
-        </p:spPr>
-      </p:pic>
-      <p:sp>
-        <p:nvSpPr>
-          <p:cNvPr id="9" name="Text Placeholder 8"/>
-          <p:cNvSpPr>
-            <a:spLocks noGrp="1"/>
-          </p:cNvSpPr>
-          <p:nvPr>
-            <p:ph type="body" sz="quarter" idx="11"/>
-          </p:nvPr>
-        </p:nvSpPr>
-        <p:spPr/>
-        <p:txBody>
-          <a:bodyPr/>
-          <a:lstStyle/>
-          <a:p>
-            <a:endParaRPr lang="en-US"/>
-          </a:p>
-        </p:txBody>
-      </p:sp>
-      <p:sp>
-        <p:nvSpPr>
-          <p:cNvPr id="14" name="Title 1"/>
-          <p:cNvSpPr txBox="1">
-            <a:spLocks/>
-          </p:cNvSpPr>
-          <p:nvPr/>
-        </p:nvSpPr>
-        <p:spPr>
-          <a:xfrm>
-            <a:off x="807752" y="5301208"/>
-            <a:ext cx="2913348" cy="873352"/>
-          </a:xfrm>
-          <a:prstGeom prst="rect">
-            <a:avLst/>
-          </a:prstGeom>
-        </p:spPr>
-        <p:txBody>
-          <a:bodyPr vert="horz" lIns="0" tIns="79200" rIns="0" bIns="0" rtlCol="0" anchor="t" anchorCtr="0">
-            <a:noAutofit/>
-          </a:bodyPr>
-          <a:lstStyle>
-            <a:lvl1pPr algn="l" defTabSz="1219170" rtl="0" eaLnBrk="1" latinLnBrk="0" hangingPunct="1">
-              <a:lnSpc>
-                <a:spcPct val="83000"/>
-              </a:lnSpc>
-              <a:spcBef>
-                <a:spcPct val="0"/>
-              </a:spcBef>
-              <a:buNone/>
-              <a:defRPr sz="3600" b="1" u="none" kern="1200">
-                <a:solidFill>
-                  <a:srgbClr val="FFFFFF"/>
-                </a:solidFill>
-                <a:latin typeface="Arial" pitchFamily="34" charset="0"/>
-                <a:ea typeface="+mj-ea"/>
-                <a:cs typeface="Arial" pitchFamily="34" charset="0"/>
-              </a:defRPr>
-            </a:lvl1pPr>
-          </a:lstStyle>
-          <a:p>
-            <a:pPr>
-              <a:lnSpc>
-                <a:spcPct val="100000"/>
-              </a:lnSpc>
-            </a:pPr>
-            <a:endParaRPr lang="en-GB" sz="2600" b="0"/>
-          </a:p>
-        </p:txBody>
-      </p:sp>
-      <p:sp>
-        <p:nvSpPr>
-          <p:cNvPr id="7" name="Rectangle 6"/>
-          <p:cNvSpPr/>
-          <p:nvPr/>
-        </p:nvSpPr>
-        <p:spPr>
-          <a:xfrm>
-            <a:off x="406800" y="5086800"/>
-            <a:ext cx="3592017" cy="1340768"/>
-          </a:xfrm>
-          <a:prstGeom prst="rect">
-            <a:avLst/>
-          </a:prstGeom>
-          <a:solidFill>
-            <a:schemeClr val="tx2"/>
-          </a:solidFill>
-          <a:ln w="38100" cmpd="sng">
-            <a:solidFill>
-              <a:schemeClr val="tx1"/>
-            </a:solidFill>
-            <a:miter lim="800000"/>
-          </a:ln>
-        </p:spPr>
-        <p:style>
-          <a:lnRef idx="2">
-            <a:schemeClr val="accent1">
-              <a:shade val="50000"/>
-            </a:schemeClr>
-          </a:lnRef>
-          <a:fillRef idx="1">
-            <a:schemeClr val="accent1"/>
-          </a:fillRef>
-          <a:effectRef idx="0">
-            <a:schemeClr val="accent1"/>
-          </a:effectRef>
-          <a:fontRef idx="minor">
-            <a:schemeClr val="lt1"/>
-          </a:fontRef>
-        </p:style>
-        <p:txBody>
-          <a:bodyPr rtlCol="0" anchor="ctr"/>
-          <a:lstStyle/>
-          <a:p>
-            <a:pPr algn="ctr"/>
-            <a:endParaRPr lang="en-US" sz="2200" err="1"/>
-          </a:p>
-        </p:txBody>
-      </p:sp>
-      <p:sp>
-        <p:nvSpPr>
-          <p:cNvPr id="8" name="Title 1"/>
-          <p:cNvSpPr txBox="1">
-            <a:spLocks/>
-          </p:cNvSpPr>
-          <p:nvPr/>
-        </p:nvSpPr>
-        <p:spPr>
-          <a:xfrm>
-            <a:off x="751008" y="5301208"/>
-            <a:ext cx="2903601" cy="873352"/>
-          </a:xfrm>
-          <a:prstGeom prst="rect">
-            <a:avLst/>
-          </a:prstGeom>
-        </p:spPr>
-        <p:txBody>
-          <a:bodyPr vert="horz" lIns="0" tIns="79200" rIns="0" bIns="0" rtlCol="0" anchor="t" anchorCtr="0">
-            <a:noAutofit/>
-          </a:bodyPr>
-          <a:lstStyle>
-            <a:lvl1pPr algn="l" defTabSz="1219170" rtl="0" eaLnBrk="1" latinLnBrk="0" hangingPunct="1">
-              <a:lnSpc>
-                <a:spcPct val="83000"/>
-              </a:lnSpc>
-              <a:spcBef>
-                <a:spcPct val="0"/>
-              </a:spcBef>
-              <a:buNone/>
-              <a:defRPr sz="3600" b="1" u="none" kern="1200">
-                <a:solidFill>
-                  <a:srgbClr val="FFFFFF"/>
-                </a:solidFill>
-                <a:latin typeface="Arial" pitchFamily="34" charset="0"/>
-                <a:ea typeface="+mj-ea"/>
-                <a:cs typeface="Arial" pitchFamily="34" charset="0"/>
-              </a:defRPr>
-            </a:lvl1pPr>
-          </a:lstStyle>
-          <a:p>
-            <a:pPr>
-              <a:lnSpc>
-                <a:spcPct val="100000"/>
-              </a:lnSpc>
-            </a:pPr>
-            <a:r>
-              <a:rPr lang="en-US" sz="2600"/>
-              <a:t>WE BUILD THE FUTURE WITH IT.</a:t>
-            </a:r>
-            <a:endParaRPr lang="en-GB" sz="2600" b="0"/>
-          </a:p>
-        </p:txBody>
-      </p:sp>
-    </p:spTree>
-    <p:extLst>
-      <p:ext uri="{BB962C8B-B14F-4D97-AF65-F5344CB8AC3E}">
-        <p14:creationId xmlns:p14="http://schemas.microsoft.com/office/powerpoint/2010/main" val="141595998"/>
-      </p:ext>
-    </p:extLst>
-  </p:cSld>
-  <p:clrMapOvr>
-    <a:masterClrMapping/>
-  </p:clrMapOvr>
-</p:sld>
-</file>
-
-<file path=ppt/slides/slide2.xml><?xml version="1.0" encoding="utf-8"?>
-<p:sld xmlns:a="http://schemas.openxmlformats.org/drawingml/2006/main" xmlns:r="http://schemas.openxmlformats.org/officeDocument/2006/relationships" xmlns:p="http://schemas.openxmlformats.org/presentationml/2006/main">
-  <p:cSld>
-    <p:spTree>
-      <p:nvGrpSpPr>
-        <p:cNvPr id="1" name=""/>
-        <p:cNvGrpSpPr/>
-        <p:nvPr/>
-      </p:nvGrpSpPr>
-      <p:grpSpPr>
-        <a:xfrm>
-          <a:off x="0" y="0"/>
-          <a:ext cx="0" cy="0"/>
-          <a:chOff x="0" y="0"/>
-          <a:chExt cx="0" cy="0"/>
-        </a:xfrm>
-      </p:grpSpPr>
-      <p:sp>
-        <p:nvSpPr>
-          <p:cNvPr id="2" name="Title 1">
-            <a:extLst>
-              <a:ext uri="{FF2B5EF4-FFF2-40B4-BE49-F238E27FC236}">
-                <a16:creationId xmlns:a16="http://schemas.microsoft.com/office/drawing/2014/main" id="{E930D958-96C8-44C0-926C-3021A53D08A3}"/>
-              </a:ext>
-            </a:extLst>
-          </p:cNvPr>
-          <p:cNvSpPr>
-            <a:spLocks noGrp="1"/>
-          </p:cNvSpPr>
-          <p:nvPr>
-            <p:ph type="title"/>
-          </p:nvPr>
-        </p:nvSpPr>
-        <p:spPr/>
-        <p:txBody>
-          <a:bodyPr/>
-          <a:lstStyle/>
-          <a:p>
-            <a:pPr algn="ctr"/>
-            <a:r>
-              <a:rPr lang="no-NO" sz="3600" dirty="0"/>
-              <a:t>1 - Short term (0 – 3 mnd)</a:t>
-            </a:r>
-            <a:endParaRPr lang="nb-NO" dirty="0"/>
-          </a:p>
-        </p:txBody>
-      </p:sp>
-      <p:sp>
-        <p:nvSpPr>
-          <p:cNvPr id="3" name="Content Placeholder 2">
-            <a:extLst>
-              <a:ext uri="{FF2B5EF4-FFF2-40B4-BE49-F238E27FC236}">
-                <a16:creationId xmlns:a16="http://schemas.microsoft.com/office/drawing/2014/main" id="{BC48574D-236C-40BA-AB9B-2BFEF0FE443B}"/>
-              </a:ext>
-            </a:extLst>
-          </p:cNvPr>
-          <p:cNvSpPr>
-            <a:spLocks noGrp="1"/>
-          </p:cNvSpPr>
-          <p:nvPr>
-            <p:ph sz="quarter" idx="10"/>
-          </p:nvPr>
-        </p:nvSpPr>
-        <p:spPr>
-          <a:xfrm>
-            <a:off x="357600" y="822692"/>
-            <a:ext cx="11476800" cy="5500835"/>
-          </a:xfrm>
-        </p:spPr>
-        <p:txBody>
-          <a:bodyPr anchor="t"/>
-          <a:lstStyle/>
-          <a:p>
-            <a:pPr marL="122" indent="0">
-              <a:buNone/>
-            </a:pPr>
-            <a:endParaRPr lang="en-US" sz="2000" dirty="0"/>
-          </a:p>
-          <a:p>
-            <a:pPr marL="457322" indent="-457200">
-              <a:buFont typeface="+mj-lt"/>
-              <a:buAutoNum type="arabicPeriod"/>
-            </a:pPr>
-            <a:endParaRPr lang="en-US" sz="2000" dirty="0"/>
-          </a:p>
-          <a:p>
-            <a:r>
-              <a:rPr lang="no-NO" sz="2000" dirty="0"/>
-              <a:t>Hardware, Software &amp; License refresh</a:t>
-            </a:r>
-          </a:p>
-          <a:p>
-            <a:pPr lvl="1"/>
-            <a:r>
-              <a:rPr lang="no-NO" sz="1800" dirty="0"/>
-              <a:t>Nasjonal lab</a:t>
-            </a:r>
-          </a:p>
-          <a:p>
-            <a:pPr lvl="1"/>
-            <a:r>
-              <a:rPr lang="no-NO" sz="1800" dirty="0"/>
-              <a:t>Lokal lab</a:t>
-            </a:r>
-            <a:endParaRPr lang="en-US" sz="1800" dirty="0"/>
-          </a:p>
-          <a:p>
-            <a:endParaRPr lang="en-US" sz="2000" dirty="0"/>
-          </a:p>
-        </p:txBody>
-      </p:sp>
-      <p:sp>
-        <p:nvSpPr>
-          <p:cNvPr id="4" name="Footer Placeholder 3">
-            <a:extLst>
-              <a:ext uri="{FF2B5EF4-FFF2-40B4-BE49-F238E27FC236}">
-                <a16:creationId xmlns:a16="http://schemas.microsoft.com/office/drawing/2014/main" id="{7731CFEB-8014-4FCB-ACB4-EA6E7426C381}"/>
-              </a:ext>
-            </a:extLst>
-          </p:cNvPr>
-          <p:cNvSpPr>
-            <a:spLocks noGrp="1"/>
-          </p:cNvSpPr>
-          <p:nvPr>
-            <p:ph type="ftr" sz="quarter" idx="12"/>
-          </p:nvPr>
-        </p:nvSpPr>
-        <p:spPr/>
-        <p:txBody>
-          <a:bodyPr/>
-          <a:lstStyle/>
-          <a:p>
-            <a:endParaRPr lang="da-DK"/>
-          </a:p>
-        </p:txBody>
-      </p:sp>
-    </p:spTree>
-    <p:extLst>
-      <p:ext uri="{BB962C8B-B14F-4D97-AF65-F5344CB8AC3E}">
-        <p14:creationId xmlns:p14="http://schemas.microsoft.com/office/powerpoint/2010/main" val="393997522"/>
-      </p:ext>
-    </p:extLst>
-  </p:cSld>
-  <p:clrMapOvr>
-    <a:masterClrMapping/>
-  </p:clrMapOvr>
-</p:sld>
-</file>
-
-<file path=ppt/slides/slide3.xml><?xml version="1.0" encoding="utf-8"?>
-<p:sld xmlns:a="http://schemas.openxmlformats.org/drawingml/2006/main" xmlns:r="http://schemas.openxmlformats.org/officeDocument/2006/relationships" xmlns:p="http://schemas.openxmlformats.org/presentationml/2006/main">
-  <p:cSld>
-    <p:spTree>
-      <p:nvGrpSpPr>
-        <p:cNvPr id="1" name=""/>
-        <p:cNvGrpSpPr/>
-        <p:nvPr/>
-      </p:nvGrpSpPr>
-      <p:grpSpPr>
-        <a:xfrm>
-          <a:off x="0" y="0"/>
-          <a:ext cx="0" cy="0"/>
-          <a:chOff x="0" y="0"/>
-          <a:chExt cx="0" cy="0"/>
-        </a:xfrm>
-      </p:grpSpPr>
-      <p:sp>
-        <p:nvSpPr>
-          <p:cNvPr id="2" name="Title 1">
-            <a:extLst>
-              <a:ext uri="{FF2B5EF4-FFF2-40B4-BE49-F238E27FC236}">
-                <a16:creationId xmlns:a16="http://schemas.microsoft.com/office/drawing/2014/main" id="{E930D958-96C8-44C0-926C-3021A53D08A3}"/>
-              </a:ext>
-            </a:extLst>
-          </p:cNvPr>
-          <p:cNvSpPr>
-            <a:spLocks noGrp="1"/>
-          </p:cNvSpPr>
-          <p:nvPr>
-            <p:ph type="title"/>
-          </p:nvPr>
-        </p:nvSpPr>
-        <p:spPr/>
-        <p:txBody>
-          <a:bodyPr/>
-          <a:lstStyle/>
-          <a:p>
-            <a:pPr algn="ctr"/>
-            <a:r>
-              <a:rPr lang="no-NO" sz="3600" dirty="0"/>
-              <a:t>2 - Short long term (0 – 9 mnd)</a:t>
-            </a:r>
-            <a:endParaRPr lang="nb-NO" dirty="0"/>
-          </a:p>
-        </p:txBody>
-      </p:sp>
-      <p:sp>
-        <p:nvSpPr>
-          <p:cNvPr id="3" name="Content Placeholder 2">
-            <a:extLst>
-              <a:ext uri="{FF2B5EF4-FFF2-40B4-BE49-F238E27FC236}">
-                <a16:creationId xmlns:a16="http://schemas.microsoft.com/office/drawing/2014/main" id="{BC48574D-236C-40BA-AB9B-2BFEF0FE443B}"/>
-              </a:ext>
-            </a:extLst>
-          </p:cNvPr>
-          <p:cNvSpPr>
-            <a:spLocks noGrp="1"/>
-          </p:cNvSpPr>
-          <p:nvPr>
-            <p:ph sz="quarter" idx="10"/>
-          </p:nvPr>
-        </p:nvSpPr>
-        <p:spPr>
-          <a:xfrm>
-            <a:off x="357600" y="822692"/>
-            <a:ext cx="11476800" cy="5500835"/>
-          </a:xfrm>
-        </p:spPr>
-        <p:txBody>
-          <a:bodyPr anchor="t"/>
-          <a:lstStyle/>
-          <a:p>
-            <a:pPr marL="122" indent="0">
-              <a:buNone/>
-            </a:pPr>
-            <a:endParaRPr lang="en-US" sz="2000" dirty="0"/>
-          </a:p>
-          <a:p>
-            <a:pPr marL="457322" indent="-457200">
-              <a:buFont typeface="+mj-lt"/>
-              <a:buAutoNum type="arabicPeriod"/>
-            </a:pPr>
-            <a:endParaRPr lang="en-US" sz="2000" dirty="0"/>
-          </a:p>
-          <a:p>
-            <a:r>
-              <a:rPr lang="no-NO" sz="2000" dirty="0"/>
-              <a:t>Skifte ut EoL-hardware</a:t>
-            </a:r>
-          </a:p>
-          <a:p>
-            <a:endParaRPr lang="no-NO" sz="2000" dirty="0"/>
-          </a:p>
-          <a:p>
-            <a:r>
-              <a:rPr lang="no-NO" sz="2000" dirty="0"/>
-              <a:t>Etablere</a:t>
-            </a:r>
-          </a:p>
-          <a:p>
-            <a:pPr lvl="1"/>
-            <a:r>
-              <a:rPr lang="no-NO" sz="1800" dirty="0"/>
-              <a:t>Design</a:t>
-            </a:r>
-          </a:p>
-          <a:p>
-            <a:pPr lvl="1"/>
-            <a:r>
-              <a:rPr lang="no-NO" sz="1800" dirty="0"/>
-              <a:t>Dokumentasjon</a:t>
-            </a:r>
-          </a:p>
-          <a:p>
-            <a:pPr lvl="1"/>
-            <a:r>
-              <a:rPr lang="no-NO" sz="1800" dirty="0"/>
-              <a:t>Governance</a:t>
-            </a:r>
-            <a:endParaRPr lang="en-US" sz="1800" dirty="0"/>
-          </a:p>
-          <a:p>
-            <a:endParaRPr lang="en-US" sz="2000" dirty="0"/>
-          </a:p>
-        </p:txBody>
-      </p:sp>
-      <p:sp>
-        <p:nvSpPr>
-          <p:cNvPr id="4" name="Footer Placeholder 3">
-            <a:extLst>
-              <a:ext uri="{FF2B5EF4-FFF2-40B4-BE49-F238E27FC236}">
-                <a16:creationId xmlns:a16="http://schemas.microsoft.com/office/drawing/2014/main" id="{7731CFEB-8014-4FCB-ACB4-EA6E7426C381}"/>
-              </a:ext>
-            </a:extLst>
-          </p:cNvPr>
-          <p:cNvSpPr>
-            <a:spLocks noGrp="1"/>
-          </p:cNvSpPr>
-          <p:nvPr>
-            <p:ph type="ftr" sz="quarter" idx="12"/>
-          </p:nvPr>
-        </p:nvSpPr>
-        <p:spPr/>
-        <p:txBody>
-          <a:bodyPr/>
-          <a:lstStyle/>
-          <a:p>
-            <a:endParaRPr lang="da-DK"/>
-          </a:p>
-        </p:txBody>
-      </p:sp>
-    </p:spTree>
-    <p:extLst>
-      <p:ext uri="{BB962C8B-B14F-4D97-AF65-F5344CB8AC3E}">
-        <p14:creationId xmlns:p14="http://schemas.microsoft.com/office/powerpoint/2010/main" val="48236777"/>
-      </p:ext>
-    </p:extLst>
-  </p:cSld>
-  <p:clrMapOvr>
-    <a:masterClrMapping/>
-  </p:clrMapOvr>
-</p:sld>
-</file>
-
-<file path=ppt/slides/slide4.xml><?xml version="1.0" encoding="utf-8"?>
-<p:sld xmlns:a="http://schemas.openxmlformats.org/drawingml/2006/main" xmlns:r="http://schemas.openxmlformats.org/officeDocument/2006/relationships" xmlns:p="http://schemas.openxmlformats.org/presentationml/2006/main">
-  <p:cSld>
-    <p:spTree>
-      <p:nvGrpSpPr>
-        <p:cNvPr id="1" name=""/>
-        <p:cNvGrpSpPr/>
-        <p:nvPr/>
-      </p:nvGrpSpPr>
-      <p:grpSpPr>
-        <a:xfrm>
-          <a:off x="0" y="0"/>
-          <a:ext cx="0" cy="0"/>
-          <a:chOff x="0" y="0"/>
-          <a:chExt cx="0" cy="0"/>
-        </a:xfrm>
-      </p:grpSpPr>
-      <p:sp>
-        <p:nvSpPr>
-          <p:cNvPr id="2" name="Title 1">
-            <a:extLst>
-              <a:ext uri="{FF2B5EF4-FFF2-40B4-BE49-F238E27FC236}">
-                <a16:creationId xmlns:a16="http://schemas.microsoft.com/office/drawing/2014/main" id="{E930D958-96C8-44C0-926C-3021A53D08A3}"/>
-              </a:ext>
-            </a:extLst>
-          </p:cNvPr>
-          <p:cNvSpPr>
-            <a:spLocks noGrp="1"/>
-          </p:cNvSpPr>
-          <p:nvPr>
-            <p:ph type="title"/>
-          </p:nvPr>
-        </p:nvSpPr>
-        <p:spPr/>
-        <p:txBody>
-          <a:bodyPr/>
-          <a:lstStyle/>
-          <a:p>
-            <a:pPr algn="ctr"/>
-            <a:r>
-              <a:rPr lang="no-NO" sz="3600" dirty="0"/>
-              <a:t>3 - Long term (0 – 24 mnd)</a:t>
-            </a:r>
-            <a:endParaRPr lang="nb-NO" dirty="0"/>
-          </a:p>
-        </p:txBody>
-      </p:sp>
-      <p:sp>
-        <p:nvSpPr>
-          <p:cNvPr id="3" name="Content Placeholder 2">
-            <a:extLst>
-              <a:ext uri="{FF2B5EF4-FFF2-40B4-BE49-F238E27FC236}">
-                <a16:creationId xmlns:a16="http://schemas.microsoft.com/office/drawing/2014/main" id="{BC48574D-236C-40BA-AB9B-2BFEF0FE443B}"/>
-              </a:ext>
-            </a:extLst>
-          </p:cNvPr>
-          <p:cNvSpPr>
-            <a:spLocks noGrp="1"/>
-          </p:cNvSpPr>
-          <p:nvPr>
-            <p:ph sz="quarter" idx="10"/>
-          </p:nvPr>
-        </p:nvSpPr>
-        <p:spPr>
-          <a:xfrm>
-            <a:off x="357600" y="822692"/>
-            <a:ext cx="11476800" cy="5500835"/>
-          </a:xfrm>
-        </p:spPr>
-        <p:txBody>
-          <a:bodyPr anchor="t"/>
-          <a:lstStyle/>
-          <a:p>
-            <a:endParaRPr lang="no-NO" sz="2000"/>
-          </a:p>
-          <a:p>
-            <a:r>
-              <a:rPr lang="no-NO" sz="2000" dirty="0"/>
-              <a:t>Assess</a:t>
-            </a:r>
-          </a:p>
-          <a:p>
-            <a:pPr lvl="1"/>
-            <a:r>
-              <a:rPr lang="no-NO" sz="1800" dirty="0"/>
-              <a:t>As is</a:t>
-            </a:r>
-          </a:p>
-          <a:p>
-            <a:pPr lvl="1"/>
-            <a:r>
-              <a:rPr lang="no-NO" sz="1800" dirty="0"/>
-              <a:t>Hva finnes i byene rundt om</a:t>
-            </a:r>
-          </a:p>
-          <a:p>
-            <a:pPr lvl="1"/>
-            <a:r>
-              <a:rPr lang="no-NO" sz="1800" dirty="0"/>
-              <a:t>Hva skal være hvor</a:t>
-            </a:r>
-          </a:p>
-          <a:p>
-            <a:pPr lvl="1"/>
-            <a:r>
-              <a:rPr lang="no-NO" sz="1800" dirty="0"/>
-              <a:t>Hvem er ansvarlig for hva</a:t>
-            </a:r>
-          </a:p>
-          <a:p>
-            <a:endParaRPr lang="no-NO" sz="2000" dirty="0"/>
-          </a:p>
-          <a:p>
-            <a:r>
-              <a:rPr lang="no-NO" sz="2000" dirty="0"/>
-              <a:t>Samle </a:t>
-            </a:r>
-            <a:r>
-              <a:rPr lang="no-NO" sz="1800" dirty="0"/>
-              <a:t>fagmiljøene</a:t>
-            </a:r>
-          </a:p>
-          <a:p>
-            <a:endParaRPr lang="no-NO" sz="2000" dirty="0"/>
-          </a:p>
-          <a:p>
-            <a:r>
-              <a:rPr lang="no-NO" sz="2000" dirty="0"/>
-              <a:t>Bygge</a:t>
-            </a:r>
-          </a:p>
-          <a:p>
-            <a:pPr lvl="1"/>
-            <a:r>
-              <a:rPr lang="no-NO" sz="1800" dirty="0"/>
-              <a:t>«Shared Services layer» (NTP, DHCP, DNS, PKI, etc)</a:t>
-            </a:r>
-          </a:p>
-          <a:p>
-            <a:pPr lvl="2"/>
-            <a:r>
-              <a:rPr lang="no-NO" sz="1600" dirty="0"/>
-              <a:t>Integrert/Automatisert</a:t>
-            </a:r>
-          </a:p>
-          <a:p>
-            <a:pPr lvl="1"/>
-            <a:r>
-              <a:rPr lang="no-NO" sz="1800" dirty="0"/>
-              <a:t>POD’er for: PoV, PoC, Workshops, Training, labbing, etc</a:t>
-            </a:r>
-          </a:p>
-          <a:p>
-            <a:pPr lvl="2"/>
-            <a:r>
-              <a:rPr lang="no-NO" sz="1600" dirty="0"/>
-              <a:t>Rammeverk for innføring/bruk</a:t>
-            </a:r>
-          </a:p>
-          <a:p>
-            <a:pPr lvl="2"/>
-            <a:r>
-              <a:rPr lang="no-NO" sz="1600" dirty="0"/>
-              <a:t>Automatisert</a:t>
-            </a:r>
-          </a:p>
-          <a:p>
-            <a:pPr lvl="1"/>
-            <a:r>
-              <a:rPr lang="no-NO" sz="1600" dirty="0"/>
-              <a:t>Selvbetjeningsportal / Bookingportal</a:t>
-            </a:r>
-          </a:p>
-          <a:p>
-            <a:endParaRPr lang="en-US" sz="2000" dirty="0"/>
-          </a:p>
-        </p:txBody>
-      </p:sp>
-      <p:sp>
-        <p:nvSpPr>
-          <p:cNvPr id="4" name="Footer Placeholder 3">
-            <a:extLst>
-              <a:ext uri="{FF2B5EF4-FFF2-40B4-BE49-F238E27FC236}">
-                <a16:creationId xmlns:a16="http://schemas.microsoft.com/office/drawing/2014/main" id="{7731CFEB-8014-4FCB-ACB4-EA6E7426C381}"/>
-              </a:ext>
-            </a:extLst>
-          </p:cNvPr>
-          <p:cNvSpPr>
-            <a:spLocks noGrp="1"/>
-          </p:cNvSpPr>
-          <p:nvPr>
-            <p:ph type="ftr" sz="quarter" idx="12"/>
-          </p:nvPr>
-        </p:nvSpPr>
-        <p:spPr/>
-        <p:txBody>
-          <a:bodyPr/>
-          <a:lstStyle/>
-          <a:p>
-            <a:endParaRPr lang="da-DK"/>
-          </a:p>
-        </p:txBody>
-      </p:sp>
-    </p:spTree>
-    <p:extLst>
-      <p:ext uri="{BB962C8B-B14F-4D97-AF65-F5344CB8AC3E}">
-        <p14:creationId xmlns:p14="http://schemas.microsoft.com/office/powerpoint/2010/main" val="3276550421"/>
-      </p:ext>
-    </p:extLst>
-  </p:cSld>
-  <p:clrMapOvr>
-    <a:masterClrMapping/>
-  </p:clrMapOvr>
-</p:sld>
-</file>
-
-<file path=ppt/slides/slide5.xml><?xml version="1.0" encoding="utf-8"?>
-<p:sld xmlns:a="http://schemas.openxmlformats.org/drawingml/2006/main" xmlns:r="http://schemas.openxmlformats.org/officeDocument/2006/relationships" xmlns:p="http://schemas.openxmlformats.org/presentationml/2006/main">
-  <p:cSld>
-    <p:spTree>
-      <p:nvGrpSpPr>
-        <p:cNvPr id="1" name=""/>
-        <p:cNvGrpSpPr/>
-        <p:nvPr/>
-      </p:nvGrpSpPr>
-      <p:grpSpPr>
-        <a:xfrm>
-          <a:off x="0" y="0"/>
-          <a:ext cx="0" cy="0"/>
-          <a:chOff x="0" y="0"/>
-          <a:chExt cx="0" cy="0"/>
-        </a:xfrm>
-      </p:grpSpPr>
-      <p:sp>
-        <p:nvSpPr>
-          <p:cNvPr id="2" name="Title 1">
-            <a:extLst>
-              <a:ext uri="{FF2B5EF4-FFF2-40B4-BE49-F238E27FC236}">
-                <a16:creationId xmlns:a16="http://schemas.microsoft.com/office/drawing/2014/main" id="{E930D958-96C8-44C0-926C-3021A53D08A3}"/>
-              </a:ext>
-            </a:extLst>
-          </p:cNvPr>
-          <p:cNvSpPr>
-            <a:spLocks noGrp="1"/>
-          </p:cNvSpPr>
-          <p:nvPr>
-            <p:ph type="title"/>
-          </p:nvPr>
-        </p:nvSpPr>
-        <p:spPr/>
-        <p:txBody>
-          <a:bodyPr/>
-          <a:lstStyle/>
-          <a:p>
-            <a:pPr algn="ctr"/>
-            <a:r>
-              <a:rPr lang="no-NO" sz="3600" dirty="0"/>
-              <a:t>Regelmessig møter</a:t>
-            </a:r>
-            <a:endParaRPr lang="nb-NO" dirty="0"/>
-          </a:p>
-        </p:txBody>
-      </p:sp>
-      <p:sp>
-        <p:nvSpPr>
-          <p:cNvPr id="3" name="Content Placeholder 2">
-            <a:extLst>
-              <a:ext uri="{FF2B5EF4-FFF2-40B4-BE49-F238E27FC236}">
-                <a16:creationId xmlns:a16="http://schemas.microsoft.com/office/drawing/2014/main" id="{BC48574D-236C-40BA-AB9B-2BFEF0FE443B}"/>
-              </a:ext>
-            </a:extLst>
-          </p:cNvPr>
-          <p:cNvSpPr>
-            <a:spLocks noGrp="1"/>
-          </p:cNvSpPr>
-          <p:nvPr>
-            <p:ph sz="quarter" idx="10"/>
-          </p:nvPr>
-        </p:nvSpPr>
-        <p:spPr>
-          <a:xfrm>
-            <a:off x="357600" y="822692"/>
-            <a:ext cx="11476800" cy="5500835"/>
-          </a:xfrm>
-        </p:spPr>
-        <p:txBody>
-          <a:bodyPr anchor="t"/>
-          <a:lstStyle/>
-          <a:p>
-            <a:pPr marL="122" indent="0">
-              <a:buNone/>
-            </a:pPr>
-            <a:endParaRPr lang="en-US" sz="2000" dirty="0"/>
-          </a:p>
-          <a:p>
-            <a:pPr marL="457322" indent="-457200">
-              <a:buFont typeface="+mj-lt"/>
-              <a:buAutoNum type="arabicPeriod"/>
-            </a:pPr>
-            <a:endParaRPr lang="en-US" sz="2000" dirty="0"/>
-          </a:p>
-          <a:p>
-            <a:r>
-              <a:rPr lang="no-NO" sz="2000" dirty="0"/>
-              <a:t>Korte (30-45 min) info/diskusjons-møter</a:t>
-            </a:r>
-            <a:endParaRPr lang="en-US" sz="1800" dirty="0"/>
-          </a:p>
-          <a:p>
-            <a:endParaRPr lang="en-US" sz="2000" dirty="0"/>
-          </a:p>
-        </p:txBody>
-      </p:sp>
-      <p:sp>
-        <p:nvSpPr>
-          <p:cNvPr id="4" name="Footer Placeholder 3">
-            <a:extLst>
-              <a:ext uri="{FF2B5EF4-FFF2-40B4-BE49-F238E27FC236}">
-                <a16:creationId xmlns:a16="http://schemas.microsoft.com/office/drawing/2014/main" id="{7731CFEB-8014-4FCB-ACB4-EA6E7426C381}"/>
-              </a:ext>
-            </a:extLst>
-          </p:cNvPr>
-          <p:cNvSpPr>
-            <a:spLocks noGrp="1"/>
-          </p:cNvSpPr>
-          <p:nvPr>
-            <p:ph type="ftr" sz="quarter" idx="12"/>
-          </p:nvPr>
-        </p:nvSpPr>
-        <p:spPr/>
-        <p:txBody>
-          <a:bodyPr/>
-          <a:lstStyle/>
-          <a:p>
-            <a:endParaRPr lang="da-DK"/>
-          </a:p>
-        </p:txBody>
-      </p:sp>
-    </p:spTree>
-    <p:extLst>
-      <p:ext uri="{BB962C8B-B14F-4D97-AF65-F5344CB8AC3E}">
-        <p14:creationId xmlns:p14="http://schemas.microsoft.com/office/powerpoint/2010/main" val="2636641309"/>
-      </p:ext>
-    </p:extLst>
-  </p:cSld>
-  <p:clrMapOvr>
-    <a:masterClrMapping/>
-  </p:clrMapOvr>
-</p:sld>
-</file>
-
-<file path=ppt/slides/slide6.xml><?xml version="1.0" encoding="utf-8"?>
-<p:sld xmlns:a="http://schemas.openxmlformats.org/drawingml/2006/main" xmlns:r="http://schemas.openxmlformats.org/officeDocument/2006/relationships" xmlns:p="http://schemas.openxmlformats.org/presentationml/2006/main">
-  <p:cSld>
-    <p:spTree>
-      <p:nvGrpSpPr>
-        <p:cNvPr id="1" name=""/>
-        <p:cNvGrpSpPr/>
-        <p:nvPr/>
-      </p:nvGrpSpPr>
-      <p:grpSpPr>
-        <a:xfrm>
-          <a:off x="0" y="0"/>
-          <a:ext cx="0" cy="0"/>
-          <a:chOff x="0" y="0"/>
-          <a:chExt cx="0" cy="0"/>
-        </a:xfrm>
-      </p:grpSpPr>
-      <p:sp>
-        <p:nvSpPr>
-          <p:cNvPr id="6" name="Subtitle 5">
-            <a:extLst>
-              <a:ext uri="{FF2B5EF4-FFF2-40B4-BE49-F238E27FC236}">
-                <a16:creationId xmlns:a16="http://schemas.microsoft.com/office/drawing/2014/main" id="{17E14BFF-5B9F-46CB-BF91-F297AF182324}"/>
-              </a:ext>
-            </a:extLst>
-          </p:cNvPr>
-          <p:cNvSpPr>
-            <a:spLocks noGrp="1"/>
-          </p:cNvSpPr>
-          <p:nvPr>
-            <p:ph type="subTitle" idx="1"/>
-          </p:nvPr>
-        </p:nvSpPr>
-        <p:spPr/>
-        <p:txBody>
-          <a:bodyPr/>
-          <a:lstStyle/>
-          <a:p>
-            <a:r>
-              <a:rPr lang="nb-NO" dirty="0"/>
-              <a:t>SD-WAN</a:t>
-            </a:r>
-            <a:endParaRPr lang="en-US" dirty="0"/>
-          </a:p>
-        </p:txBody>
-      </p:sp>
-    </p:spTree>
-    <p:extLst>
-      <p:ext uri="{BB962C8B-B14F-4D97-AF65-F5344CB8AC3E}">
-        <p14:creationId xmlns:p14="http://schemas.microsoft.com/office/powerpoint/2010/main" val="2556426184"/>
-      </p:ext>
-    </p:extLst>
-  </p:cSld>
-  <p:clrMapOvr>
-    <a:masterClrMapping/>
-  </p:clrMapOvr>
-</p:sld>
-</file>
-
-<file path=ppt/slides/slide7.xml><?xml version="1.0" encoding="utf-8"?>
-<p:sld xmlns:a="http://schemas.openxmlformats.org/drawingml/2006/main" xmlns:r="http://schemas.openxmlformats.org/officeDocument/2006/relationships" xmlns:p="http://schemas.openxmlformats.org/presentationml/2006/main">
-  <p:cSld>
-    <p:spTree>
-      <p:nvGrpSpPr>
-        <p:cNvPr id="1" name=""/>
-        <p:cNvGrpSpPr/>
-        <p:nvPr/>
-      </p:nvGrpSpPr>
-      <p:grpSpPr>
-        <a:xfrm>
-          <a:off x="0" y="0"/>
-          <a:ext cx="0" cy="0"/>
-          <a:chOff x="0" y="0"/>
-          <a:chExt cx="0" cy="0"/>
-        </a:xfrm>
-      </p:grpSpPr>
-      <p:sp>
-        <p:nvSpPr>
-          <p:cNvPr id="2" name="Title 1">
-            <a:extLst>
-              <a:ext uri="{FF2B5EF4-FFF2-40B4-BE49-F238E27FC236}">
-                <a16:creationId xmlns:a16="http://schemas.microsoft.com/office/drawing/2014/main" id="{E930D958-96C8-44C0-926C-3021A53D08A3}"/>
-              </a:ext>
-            </a:extLst>
-          </p:cNvPr>
-          <p:cNvSpPr>
-            <a:spLocks noGrp="1"/>
-          </p:cNvSpPr>
-          <p:nvPr>
-            <p:ph type="title"/>
-          </p:nvPr>
-        </p:nvSpPr>
-        <p:spPr/>
-        <p:txBody>
-          <a:bodyPr/>
-          <a:lstStyle/>
-          <a:p>
-            <a:pPr algn="ctr"/>
-            <a:r>
-              <a:rPr lang="no-NO" sz="3600" dirty="0"/>
               <a:t>1.1 – Orchestration</a:t>
             </a:r>
             <a:endParaRPr lang="nb-NO" dirty="0"/>
@@ -14739,7 +12392,7 @@
     </p:spTree>
     <p:extLst>
       <p:ext uri="{BB962C8B-B14F-4D97-AF65-F5344CB8AC3E}">
-        <p14:creationId xmlns:p14="http://schemas.microsoft.com/office/powerpoint/2010/main" val="2488545798"/>
+        <p14:creationId xmlns:p14="http://schemas.microsoft.com/office/powerpoint/2010/main" val="3688683435"/>
       </p:ext>
     </p:extLst>
   </p:cSld>
@@ -14749,7 +12402,7 @@
 </p:sld>
 </file>
 
-<file path=ppt/slides/slide8.xml><?xml version="1.0" encoding="utf-8"?>
+<file path=ppt/slides/slide11.xml><?xml version="1.0" encoding="utf-8"?>
 <p:sld xmlns:a="http://schemas.openxmlformats.org/drawingml/2006/main" xmlns:r="http://schemas.openxmlformats.org/officeDocument/2006/relationships" xmlns:p="http://schemas.openxmlformats.org/presentationml/2006/main">
   <p:cSld>
     <p:spTree>
@@ -14904,7 +12557,7 @@
 </p:sld>
 </file>
 
-<file path=ppt/slides/slide9.xml><?xml version="1.0" encoding="utf-8"?>
+<file path=ppt/slides/slide12.xml><?xml version="1.0" encoding="utf-8"?>
 <p:sld xmlns:a="http://schemas.openxmlformats.org/drawingml/2006/main" xmlns:r="http://schemas.openxmlformats.org/officeDocument/2006/relationships" xmlns:p="http://schemas.openxmlformats.org/presentationml/2006/main">
   <p:cSld>
     <p:spTree>
@@ -15057,6 +12710,2625 @@
     <p:extLst>
       <p:ext uri="{BB962C8B-B14F-4D97-AF65-F5344CB8AC3E}">
         <p14:creationId xmlns:p14="http://schemas.microsoft.com/office/powerpoint/2010/main" val="2966592596"/>
+      </p:ext>
+    </p:extLst>
+  </p:cSld>
+  <p:clrMapOvr>
+    <a:masterClrMapping/>
+  </p:clrMapOvr>
+</p:sld>
+</file>
+
+<file path=ppt/slides/slide13.xml><?xml version="1.0" encoding="utf-8"?>
+<p:sld xmlns:a="http://schemas.openxmlformats.org/drawingml/2006/main" xmlns:r="http://schemas.openxmlformats.org/officeDocument/2006/relationships" xmlns:p="http://schemas.openxmlformats.org/presentationml/2006/main">
+  <p:cSld>
+    <p:spTree>
+      <p:nvGrpSpPr>
+        <p:cNvPr id="1" name=""/>
+        <p:cNvGrpSpPr/>
+        <p:nvPr/>
+      </p:nvGrpSpPr>
+      <p:grpSpPr>
+        <a:xfrm>
+          <a:off x="0" y="0"/>
+          <a:ext cx="0" cy="0"/>
+          <a:chOff x="0" y="0"/>
+          <a:chExt cx="0" cy="0"/>
+        </a:xfrm>
+      </p:grpSpPr>
+      <p:sp>
+        <p:nvSpPr>
+          <p:cNvPr id="2" name="Title 1">
+            <a:extLst>
+              <a:ext uri="{FF2B5EF4-FFF2-40B4-BE49-F238E27FC236}">
+                <a16:creationId xmlns:a16="http://schemas.microsoft.com/office/drawing/2014/main" id="{E930D958-96C8-44C0-926C-3021A53D08A3}"/>
+              </a:ext>
+            </a:extLst>
+          </p:cNvPr>
+          <p:cNvSpPr>
+            <a:spLocks noGrp="1"/>
+          </p:cNvSpPr>
+          <p:nvPr>
+            <p:ph type="title"/>
+          </p:nvPr>
+        </p:nvSpPr>
+        <p:spPr/>
+        <p:txBody>
+          <a:bodyPr/>
+          <a:lstStyle/>
+          <a:p>
+            <a:pPr algn="ctr"/>
+            <a:r>
+              <a:rPr lang="no-NO" sz="3600" dirty="0"/>
+              <a:t>3 – SD-WAN vs other WAN options?</a:t>
+            </a:r>
+            <a:endParaRPr lang="nb-NO" dirty="0"/>
+          </a:p>
+        </p:txBody>
+      </p:sp>
+      <p:sp>
+        <p:nvSpPr>
+          <p:cNvPr id="3" name="Content Placeholder 2">
+            <a:extLst>
+              <a:ext uri="{FF2B5EF4-FFF2-40B4-BE49-F238E27FC236}">
+                <a16:creationId xmlns:a16="http://schemas.microsoft.com/office/drawing/2014/main" id="{BC48574D-236C-40BA-AB9B-2BFEF0FE443B}"/>
+              </a:ext>
+            </a:extLst>
+          </p:cNvPr>
+          <p:cNvSpPr>
+            <a:spLocks noGrp="1"/>
+          </p:cNvSpPr>
+          <p:nvPr>
+            <p:ph sz="quarter" idx="10"/>
+          </p:nvPr>
+        </p:nvSpPr>
+        <p:spPr>
+          <a:xfrm>
+            <a:off x="357600" y="822692"/>
+            <a:ext cx="11476800" cy="5500835"/>
+          </a:xfrm>
+        </p:spPr>
+        <p:txBody>
+          <a:bodyPr anchor="t"/>
+          <a:lstStyle/>
+          <a:p>
+            <a:pPr marL="122" indent="0">
+              <a:buNone/>
+            </a:pPr>
+            <a:endParaRPr lang="en-US" sz="2000" dirty="0"/>
+          </a:p>
+          <a:p>
+            <a:pPr marL="457322" indent="-457200">
+              <a:buFont typeface="+mj-lt"/>
+              <a:buAutoNum type="arabicPeriod"/>
+            </a:pPr>
+            <a:endParaRPr lang="en-US" sz="2000" dirty="0"/>
+          </a:p>
+          <a:p>
+            <a:r>
+              <a:rPr lang="no-NO" sz="2000" dirty="0"/>
+              <a:t>Router / Firewall based static IPSec VPN</a:t>
+            </a:r>
+          </a:p>
+          <a:p>
+            <a:endParaRPr lang="no-NO" sz="2000" dirty="0"/>
+          </a:p>
+          <a:p>
+            <a:r>
+              <a:rPr lang="no-NO" sz="1800" dirty="0"/>
+              <a:t>DMVPN Phase 3</a:t>
+            </a:r>
+          </a:p>
+          <a:p>
+            <a:endParaRPr lang="no-NO" sz="1800" dirty="0"/>
+          </a:p>
+          <a:p>
+            <a:r>
+              <a:rPr lang="no-NO" sz="1800" dirty="0"/>
+              <a:t>Cisco Prime, APIC-EM, FMC</a:t>
+            </a:r>
+            <a:r>
+              <a:rPr lang="no-NO" sz="1800"/>
+              <a:t>, CSM... </a:t>
+            </a:r>
+            <a:endParaRPr lang="en-US" sz="1800" dirty="0"/>
+          </a:p>
+          <a:p>
+            <a:endParaRPr lang="en-US" sz="2000" dirty="0"/>
+          </a:p>
+        </p:txBody>
+      </p:sp>
+      <p:sp>
+        <p:nvSpPr>
+          <p:cNvPr id="4" name="Footer Placeholder 3">
+            <a:extLst>
+              <a:ext uri="{FF2B5EF4-FFF2-40B4-BE49-F238E27FC236}">
+                <a16:creationId xmlns:a16="http://schemas.microsoft.com/office/drawing/2014/main" id="{7731CFEB-8014-4FCB-ACB4-EA6E7426C381}"/>
+              </a:ext>
+            </a:extLst>
+          </p:cNvPr>
+          <p:cNvSpPr>
+            <a:spLocks noGrp="1"/>
+          </p:cNvSpPr>
+          <p:nvPr>
+            <p:ph type="ftr" sz="quarter" idx="12"/>
+          </p:nvPr>
+        </p:nvSpPr>
+        <p:spPr/>
+        <p:txBody>
+          <a:bodyPr/>
+          <a:lstStyle/>
+          <a:p>
+            <a:endParaRPr lang="da-DK"/>
+          </a:p>
+        </p:txBody>
+      </p:sp>
+    </p:spTree>
+    <p:extLst>
+      <p:ext uri="{BB962C8B-B14F-4D97-AF65-F5344CB8AC3E}">
+        <p14:creationId xmlns:p14="http://schemas.microsoft.com/office/powerpoint/2010/main" val="1853674125"/>
+      </p:ext>
+    </p:extLst>
+  </p:cSld>
+  <p:clrMapOvr>
+    <a:masterClrMapping/>
+  </p:clrMapOvr>
+</p:sld>
+</file>
+
+<file path=ppt/slides/slide14.xml><?xml version="1.0" encoding="utf-8"?>
+<p:sld xmlns:a="http://schemas.openxmlformats.org/drawingml/2006/main" xmlns:r="http://schemas.openxmlformats.org/officeDocument/2006/relationships" xmlns:p="http://schemas.openxmlformats.org/presentationml/2006/main">
+  <p:cSld>
+    <p:spTree>
+      <p:nvGrpSpPr>
+        <p:cNvPr id="1" name=""/>
+        <p:cNvGrpSpPr/>
+        <p:nvPr/>
+      </p:nvGrpSpPr>
+      <p:grpSpPr>
+        <a:xfrm>
+          <a:off x="0" y="0"/>
+          <a:ext cx="0" cy="0"/>
+          <a:chOff x="0" y="0"/>
+          <a:chExt cx="0" cy="0"/>
+        </a:xfrm>
+      </p:grpSpPr>
+      <p:sp>
+        <p:nvSpPr>
+          <p:cNvPr id="6" name="Subtitle 5">
+            <a:extLst>
+              <a:ext uri="{FF2B5EF4-FFF2-40B4-BE49-F238E27FC236}">
+                <a16:creationId xmlns:a16="http://schemas.microsoft.com/office/drawing/2014/main" id="{17E14BFF-5B9F-46CB-BF91-F297AF182324}"/>
+              </a:ext>
+            </a:extLst>
+          </p:cNvPr>
+          <p:cNvSpPr>
+            <a:spLocks noGrp="1"/>
+          </p:cNvSpPr>
+          <p:nvPr>
+            <p:ph type="subTitle" idx="1"/>
+          </p:nvPr>
+        </p:nvSpPr>
+        <p:spPr/>
+        <p:txBody>
+          <a:bodyPr/>
+          <a:lstStyle/>
+          <a:p>
+            <a:r>
+              <a:rPr lang="nb-NO" dirty="0"/>
+              <a:t>SDA / DNA Center</a:t>
+            </a:r>
+            <a:endParaRPr lang="en-US" dirty="0"/>
+          </a:p>
+        </p:txBody>
+      </p:sp>
+    </p:spTree>
+    <p:extLst>
+      <p:ext uri="{BB962C8B-B14F-4D97-AF65-F5344CB8AC3E}">
+        <p14:creationId xmlns:p14="http://schemas.microsoft.com/office/powerpoint/2010/main" val="1575533758"/>
+      </p:ext>
+    </p:extLst>
+  </p:cSld>
+  <p:clrMapOvr>
+    <a:masterClrMapping/>
+  </p:clrMapOvr>
+</p:sld>
+</file>
+
+<file path=ppt/slides/slide15.xml><?xml version="1.0" encoding="utf-8"?>
+<p:sld xmlns:a="http://schemas.openxmlformats.org/drawingml/2006/main" xmlns:r="http://schemas.openxmlformats.org/officeDocument/2006/relationships" xmlns:p="http://schemas.openxmlformats.org/presentationml/2006/main">
+  <p:cSld>
+    <p:spTree>
+      <p:nvGrpSpPr>
+        <p:cNvPr id="1" name=""/>
+        <p:cNvGrpSpPr/>
+        <p:nvPr/>
+      </p:nvGrpSpPr>
+      <p:grpSpPr>
+        <a:xfrm>
+          <a:off x="0" y="0"/>
+          <a:ext cx="0" cy="0"/>
+          <a:chOff x="0" y="0"/>
+          <a:chExt cx="0" cy="0"/>
+        </a:xfrm>
+      </p:grpSpPr>
+      <p:sp>
+        <p:nvSpPr>
+          <p:cNvPr id="2" name="Title 1">
+            <a:extLst>
+              <a:ext uri="{FF2B5EF4-FFF2-40B4-BE49-F238E27FC236}">
+                <a16:creationId xmlns:a16="http://schemas.microsoft.com/office/drawing/2014/main" id="{E930D958-96C8-44C0-926C-3021A53D08A3}"/>
+              </a:ext>
+            </a:extLst>
+          </p:cNvPr>
+          <p:cNvSpPr>
+            <a:spLocks noGrp="1"/>
+          </p:cNvSpPr>
+          <p:nvPr>
+            <p:ph type="title"/>
+          </p:nvPr>
+        </p:nvSpPr>
+        <p:spPr/>
+        <p:txBody>
+          <a:bodyPr/>
+          <a:lstStyle/>
+          <a:p>
+            <a:pPr algn="ctr"/>
+            <a:r>
+              <a:rPr lang="no-NO" sz="3600" dirty="0"/>
+              <a:t>1 – LAN Automation</a:t>
+            </a:r>
+            <a:endParaRPr lang="nb-NO" dirty="0"/>
+          </a:p>
+        </p:txBody>
+      </p:sp>
+      <p:sp>
+        <p:nvSpPr>
+          <p:cNvPr id="3" name="Content Placeholder 2">
+            <a:extLst>
+              <a:ext uri="{FF2B5EF4-FFF2-40B4-BE49-F238E27FC236}">
+                <a16:creationId xmlns:a16="http://schemas.microsoft.com/office/drawing/2014/main" id="{BC48574D-236C-40BA-AB9B-2BFEF0FE443B}"/>
+              </a:ext>
+            </a:extLst>
+          </p:cNvPr>
+          <p:cNvSpPr>
+            <a:spLocks noGrp="1"/>
+          </p:cNvSpPr>
+          <p:nvPr>
+            <p:ph sz="quarter" idx="10"/>
+          </p:nvPr>
+        </p:nvSpPr>
+        <p:spPr>
+          <a:xfrm>
+            <a:off x="357600" y="822692"/>
+            <a:ext cx="11476800" cy="5500835"/>
+          </a:xfrm>
+        </p:spPr>
+        <p:txBody>
+          <a:bodyPr anchor="t"/>
+          <a:lstStyle/>
+          <a:p>
+            <a:pPr marL="122" indent="0">
+              <a:buNone/>
+            </a:pPr>
+            <a:endParaRPr lang="en-US" sz="2000" dirty="0"/>
+          </a:p>
+          <a:p>
+            <a:r>
+              <a:rPr lang="no-NO" sz="2000" dirty="0"/>
+              <a:t>SDA Underlay</a:t>
+            </a:r>
+          </a:p>
+          <a:p>
+            <a:pPr lvl="1"/>
+            <a:r>
+              <a:rPr lang="no-NO" sz="1800" dirty="0"/>
+              <a:t>IS-IS</a:t>
+            </a:r>
+          </a:p>
+          <a:p>
+            <a:pPr lvl="1"/>
+            <a:r>
+              <a:rPr lang="no-NO" sz="1800" dirty="0"/>
+              <a:t>DNA Advantage</a:t>
+            </a:r>
+            <a:r>
+              <a:rPr lang="en-US" sz="1800" dirty="0"/>
+              <a:t> (L3)</a:t>
+            </a:r>
+            <a:endParaRPr lang="no-NO" sz="1800" dirty="0"/>
+          </a:p>
+          <a:p>
+            <a:pPr lvl="1"/>
+            <a:r>
+              <a:rPr lang="no-NO" dirty="0"/>
+              <a:t>PnP / VLAN1</a:t>
+            </a:r>
+          </a:p>
+        </p:txBody>
+      </p:sp>
+      <p:sp>
+        <p:nvSpPr>
+          <p:cNvPr id="4" name="Footer Placeholder 3">
+            <a:extLst>
+              <a:ext uri="{FF2B5EF4-FFF2-40B4-BE49-F238E27FC236}">
+                <a16:creationId xmlns:a16="http://schemas.microsoft.com/office/drawing/2014/main" id="{7731CFEB-8014-4FCB-ACB4-EA6E7426C381}"/>
+              </a:ext>
+            </a:extLst>
+          </p:cNvPr>
+          <p:cNvSpPr>
+            <a:spLocks noGrp="1"/>
+          </p:cNvSpPr>
+          <p:nvPr>
+            <p:ph type="ftr" sz="quarter" idx="12"/>
+          </p:nvPr>
+        </p:nvSpPr>
+        <p:spPr/>
+        <p:txBody>
+          <a:bodyPr/>
+          <a:lstStyle/>
+          <a:p>
+            <a:endParaRPr lang="da-DK"/>
+          </a:p>
+        </p:txBody>
+      </p:sp>
+      <p:pic>
+        <p:nvPicPr>
+          <p:cNvPr id="1026" name="Picture 2">
+            <a:extLst>
+              <a:ext uri="{FF2B5EF4-FFF2-40B4-BE49-F238E27FC236}">
+                <a16:creationId xmlns:a16="http://schemas.microsoft.com/office/drawing/2014/main" id="{9A6E998C-6C20-49F5-AA25-6000ADDC3EF3}"/>
+              </a:ext>
+            </a:extLst>
+          </p:cNvPr>
+          <p:cNvPicPr>
+            <a:picLocks noChangeAspect="1" noChangeArrowheads="1"/>
+          </p:cNvPicPr>
+          <p:nvPr/>
+        </p:nvPicPr>
+        <p:blipFill>
+          <a:blip r:embed="rId2">
+            <a:extLst>
+              <a:ext uri="{28A0092B-C50C-407E-A947-70E740481C1C}">
+                <a14:useLocalDpi xmlns:a14="http://schemas.microsoft.com/office/drawing/2010/main" val="0"/>
+              </a:ext>
+            </a:extLst>
+          </a:blip>
+          <a:srcRect/>
+          <a:stretch>
+            <a:fillRect/>
+          </a:stretch>
+        </p:blipFill>
+        <p:spPr bwMode="auto">
+          <a:xfrm>
+            <a:off x="3024860" y="880119"/>
+            <a:ext cx="8075367" cy="5206027"/>
+          </a:xfrm>
+          <a:prstGeom prst="rect">
+            <a:avLst/>
+          </a:prstGeom>
+          <a:noFill/>
+          <a:extLst>
+            <a:ext uri="{909E8E84-426E-40DD-AFC4-6F175D3DCCD1}">
+              <a14:hiddenFill xmlns:a14="http://schemas.microsoft.com/office/drawing/2010/main">
+                <a:solidFill>
+                  <a:srgbClr val="FFFFFF"/>
+                </a:solidFill>
+              </a14:hiddenFill>
+            </a:ext>
+          </a:extLst>
+        </p:spPr>
+      </p:pic>
+    </p:spTree>
+    <p:extLst>
+      <p:ext uri="{BB962C8B-B14F-4D97-AF65-F5344CB8AC3E}">
+        <p14:creationId xmlns:p14="http://schemas.microsoft.com/office/powerpoint/2010/main" val="3801107281"/>
+      </p:ext>
+    </p:extLst>
+  </p:cSld>
+  <p:clrMapOvr>
+    <a:masterClrMapping/>
+  </p:clrMapOvr>
+</p:sld>
+</file>
+
+<file path=ppt/slides/slide16.xml><?xml version="1.0" encoding="utf-8"?>
+<p:sld xmlns:a="http://schemas.openxmlformats.org/drawingml/2006/main" xmlns:r="http://schemas.openxmlformats.org/officeDocument/2006/relationships" xmlns:p="http://schemas.openxmlformats.org/presentationml/2006/main">
+  <p:cSld>
+    <p:spTree>
+      <p:nvGrpSpPr>
+        <p:cNvPr id="1" name=""/>
+        <p:cNvGrpSpPr/>
+        <p:nvPr/>
+      </p:nvGrpSpPr>
+      <p:grpSpPr>
+        <a:xfrm>
+          <a:off x="0" y="0"/>
+          <a:ext cx="0" cy="0"/>
+          <a:chOff x="0" y="0"/>
+          <a:chExt cx="0" cy="0"/>
+        </a:xfrm>
+      </p:grpSpPr>
+      <p:sp>
+        <p:nvSpPr>
+          <p:cNvPr id="2" name="Title 1">
+            <a:extLst>
+              <a:ext uri="{FF2B5EF4-FFF2-40B4-BE49-F238E27FC236}">
+                <a16:creationId xmlns:a16="http://schemas.microsoft.com/office/drawing/2014/main" id="{E930D958-96C8-44C0-926C-3021A53D08A3}"/>
+              </a:ext>
+            </a:extLst>
+          </p:cNvPr>
+          <p:cNvSpPr>
+            <a:spLocks noGrp="1"/>
+          </p:cNvSpPr>
+          <p:nvPr>
+            <p:ph type="title"/>
+          </p:nvPr>
+        </p:nvSpPr>
+        <p:spPr/>
+        <p:txBody>
+          <a:bodyPr/>
+          <a:lstStyle/>
+          <a:p>
+            <a:pPr algn="ctr"/>
+            <a:r>
+              <a:rPr lang="no-NO" sz="3600" dirty="0"/>
+              <a:t>2 – PnP</a:t>
+            </a:r>
+            <a:endParaRPr lang="nb-NO" dirty="0"/>
+          </a:p>
+        </p:txBody>
+      </p:sp>
+      <p:sp>
+        <p:nvSpPr>
+          <p:cNvPr id="3" name="Content Placeholder 2">
+            <a:extLst>
+              <a:ext uri="{FF2B5EF4-FFF2-40B4-BE49-F238E27FC236}">
+                <a16:creationId xmlns:a16="http://schemas.microsoft.com/office/drawing/2014/main" id="{BC48574D-236C-40BA-AB9B-2BFEF0FE443B}"/>
+              </a:ext>
+            </a:extLst>
+          </p:cNvPr>
+          <p:cNvSpPr>
+            <a:spLocks noGrp="1"/>
+          </p:cNvSpPr>
+          <p:nvPr>
+            <p:ph sz="quarter" idx="10"/>
+          </p:nvPr>
+        </p:nvSpPr>
+        <p:spPr>
+          <a:xfrm>
+            <a:off x="357600" y="822692"/>
+            <a:ext cx="11476800" cy="5500835"/>
+          </a:xfrm>
+        </p:spPr>
+        <p:txBody>
+          <a:bodyPr anchor="t"/>
+          <a:lstStyle/>
+          <a:p>
+            <a:pPr marL="122" indent="0">
+              <a:buNone/>
+            </a:pPr>
+            <a:endParaRPr lang="en-US" sz="2000" dirty="0"/>
+          </a:p>
+          <a:p>
+            <a:r>
+              <a:rPr lang="no-NO" sz="2000" dirty="0"/>
+              <a:t>Template</a:t>
+            </a:r>
+            <a:r>
+              <a:rPr lang="en-US" sz="2000" dirty="0"/>
+              <a:t> based</a:t>
+            </a:r>
+            <a:endParaRPr lang="no-NO" sz="2000" dirty="0"/>
+          </a:p>
+          <a:p>
+            <a:pPr lvl="1"/>
+            <a:r>
+              <a:rPr lang="en-US" sz="1800" dirty="0"/>
+              <a:t>Variables for IP, Hostname, </a:t>
+            </a:r>
+            <a:r>
+              <a:rPr lang="en-US" sz="1800" dirty="0" err="1"/>
+              <a:t>etc</a:t>
+            </a:r>
+            <a:endParaRPr lang="en-US" sz="1800" dirty="0"/>
+          </a:p>
+          <a:p>
+            <a:pPr lvl="1"/>
+            <a:r>
+              <a:rPr lang="no-NO" sz="1800" dirty="0"/>
+              <a:t>DNA </a:t>
+            </a:r>
+            <a:r>
+              <a:rPr lang="en-US" sz="1800" dirty="0"/>
+              <a:t>Essentials (L2)</a:t>
+            </a:r>
+            <a:endParaRPr lang="no-NO" sz="1800" dirty="0"/>
+          </a:p>
+          <a:p>
+            <a:pPr lvl="1"/>
+            <a:r>
+              <a:rPr lang="no-NO" dirty="0"/>
+              <a:t>PnP / VLAN1</a:t>
+            </a:r>
+            <a:endParaRPr lang="en-US" dirty="0"/>
+          </a:p>
+          <a:p>
+            <a:pPr lvl="1"/>
+            <a:r>
+              <a:rPr lang="en-US" dirty="0"/>
+              <a:t>Self hosted DHCP with Option 43</a:t>
+            </a:r>
+          </a:p>
+          <a:p>
+            <a:pPr lvl="2"/>
+            <a:r>
+              <a:rPr lang="en-US" dirty="0"/>
+              <a:t>Can be fusion/router/seed</a:t>
+            </a:r>
+            <a:endParaRPr lang="no-NO" dirty="0"/>
+          </a:p>
+        </p:txBody>
+      </p:sp>
+      <p:sp>
+        <p:nvSpPr>
+          <p:cNvPr id="4" name="Footer Placeholder 3">
+            <a:extLst>
+              <a:ext uri="{FF2B5EF4-FFF2-40B4-BE49-F238E27FC236}">
+                <a16:creationId xmlns:a16="http://schemas.microsoft.com/office/drawing/2014/main" id="{7731CFEB-8014-4FCB-ACB4-EA6E7426C381}"/>
+              </a:ext>
+            </a:extLst>
+          </p:cNvPr>
+          <p:cNvSpPr>
+            <a:spLocks noGrp="1"/>
+          </p:cNvSpPr>
+          <p:nvPr>
+            <p:ph type="ftr" sz="quarter" idx="12"/>
+          </p:nvPr>
+        </p:nvSpPr>
+        <p:spPr/>
+        <p:txBody>
+          <a:bodyPr/>
+          <a:lstStyle/>
+          <a:p>
+            <a:endParaRPr lang="da-DK"/>
+          </a:p>
+        </p:txBody>
+      </p:sp>
+      <p:pic>
+        <p:nvPicPr>
+          <p:cNvPr id="2050" name="Picture 2" descr="post_128_workflow">
+            <a:extLst>
+              <a:ext uri="{FF2B5EF4-FFF2-40B4-BE49-F238E27FC236}">
+                <a16:creationId xmlns:a16="http://schemas.microsoft.com/office/drawing/2014/main" id="{E8ABA27A-C311-4A59-BF1A-161CAA1909FA}"/>
+              </a:ext>
+            </a:extLst>
+          </p:cNvPr>
+          <p:cNvPicPr>
+            <a:picLocks noChangeAspect="1" noChangeArrowheads="1"/>
+          </p:cNvPicPr>
+          <p:nvPr/>
+        </p:nvPicPr>
+        <p:blipFill>
+          <a:blip r:embed="rId2" cstate="print">
+            <a:extLst>
+              <a:ext uri="{28A0092B-C50C-407E-A947-70E740481C1C}">
+                <a14:useLocalDpi xmlns:a14="http://schemas.microsoft.com/office/drawing/2010/main" val="0"/>
+              </a:ext>
+            </a:extLst>
+          </a:blip>
+          <a:srcRect/>
+          <a:stretch>
+            <a:fillRect/>
+          </a:stretch>
+        </p:blipFill>
+        <p:spPr bwMode="auto">
+          <a:xfrm>
+            <a:off x="0" y="3575218"/>
+            <a:ext cx="12192000" cy="3322637"/>
+          </a:xfrm>
+          <a:prstGeom prst="rect">
+            <a:avLst/>
+          </a:prstGeom>
+          <a:noFill/>
+          <a:extLst>
+            <a:ext uri="{909E8E84-426E-40DD-AFC4-6F175D3DCCD1}">
+              <a14:hiddenFill xmlns:a14="http://schemas.microsoft.com/office/drawing/2010/main">
+                <a:solidFill>
+                  <a:srgbClr val="FFFFFF"/>
+                </a:solidFill>
+              </a14:hiddenFill>
+            </a:ext>
+          </a:extLst>
+        </p:spPr>
+      </p:pic>
+      <p:sp>
+        <p:nvSpPr>
+          <p:cNvPr id="6" name="Content Placeholder 2">
+            <a:extLst>
+              <a:ext uri="{FF2B5EF4-FFF2-40B4-BE49-F238E27FC236}">
+                <a16:creationId xmlns:a16="http://schemas.microsoft.com/office/drawing/2014/main" id="{0091D4ED-9998-4B62-B841-CB4B2F11E913}"/>
+              </a:ext>
+            </a:extLst>
+          </p:cNvPr>
+          <p:cNvSpPr txBox="1">
+            <a:spLocks/>
+          </p:cNvSpPr>
+          <p:nvPr/>
+        </p:nvSpPr>
+        <p:spPr>
+          <a:xfrm>
+            <a:off x="5697940" y="824964"/>
+            <a:ext cx="6138732" cy="5500835"/>
+          </a:xfrm>
+          <a:prstGeom prst="rect">
+            <a:avLst/>
+          </a:prstGeom>
+        </p:spPr>
+        <p:txBody>
+          <a:bodyPr vert="horz" lIns="0" tIns="0" rIns="0" bIns="0" rtlCol="0" anchor="t">
+            <a:noAutofit/>
+          </a:bodyPr>
+          <a:lstStyle>
+            <a:lvl1pPr marL="252000" marR="0" indent="-251878" algn="l" defTabSz="1219170" rtl="0" eaLnBrk="1" fontAlgn="base" latinLnBrk="0" hangingPunct="1">
+              <a:lnSpc>
+                <a:spcPct val="100000"/>
+              </a:lnSpc>
+              <a:spcBef>
+                <a:spcPts val="300"/>
+              </a:spcBef>
+              <a:spcAft>
+                <a:spcPct val="0"/>
+              </a:spcAft>
+              <a:buClrTx/>
+              <a:buSzTx/>
+              <a:buFont typeface="Times" pitchFamily="-96" charset="0"/>
+              <a:buChar char="•"/>
+              <a:tabLst/>
+              <a:defRPr sz="2200" kern="1200">
+                <a:solidFill>
+                  <a:schemeClr val="tx1"/>
+                </a:solidFill>
+                <a:latin typeface="+mn-lt"/>
+                <a:ea typeface="+mn-ea"/>
+                <a:cs typeface="+mn-cs"/>
+              </a:defRPr>
+            </a:lvl1pPr>
+            <a:lvl2pPr marL="529200" marR="0" indent="-252000" algn="l" defTabSz="1219170" rtl="0" eaLnBrk="1" fontAlgn="base" latinLnBrk="0" hangingPunct="1">
+              <a:lnSpc>
+                <a:spcPct val="100000"/>
+              </a:lnSpc>
+              <a:spcBef>
+                <a:spcPts val="300"/>
+              </a:spcBef>
+              <a:spcAft>
+                <a:spcPct val="0"/>
+              </a:spcAft>
+              <a:buClrTx/>
+              <a:buSzTx/>
+              <a:buFont typeface="Times" pitchFamily="-96" charset="0"/>
+              <a:buChar char="–"/>
+              <a:tabLst/>
+              <a:defRPr sz="2000" kern="1200">
+                <a:solidFill>
+                  <a:schemeClr val="tx1"/>
+                </a:solidFill>
+                <a:latin typeface="+mn-lt"/>
+                <a:ea typeface="+mn-ea"/>
+                <a:cs typeface="+mn-cs"/>
+              </a:defRPr>
+            </a:lvl2pPr>
+            <a:lvl3pPr marL="712800" marR="0" indent="-180000" algn="l" defTabSz="1219170" rtl="0" eaLnBrk="1" fontAlgn="base" latinLnBrk="0" hangingPunct="1">
+              <a:lnSpc>
+                <a:spcPct val="100000"/>
+              </a:lnSpc>
+              <a:spcBef>
+                <a:spcPts val="300"/>
+              </a:spcBef>
+              <a:spcAft>
+                <a:spcPct val="0"/>
+              </a:spcAft>
+              <a:buClrTx/>
+              <a:buSzTx/>
+              <a:buFont typeface="Times" pitchFamily="-96" charset="0"/>
+              <a:buChar char="•"/>
+              <a:tabLst/>
+              <a:defRPr sz="1800" kern="1200">
+                <a:solidFill>
+                  <a:schemeClr val="tx1"/>
+                </a:solidFill>
+                <a:latin typeface="+mn-lt"/>
+                <a:ea typeface="+mn-ea"/>
+                <a:cs typeface="+mn-cs"/>
+              </a:defRPr>
+            </a:lvl3pPr>
+            <a:lvl4pPr marL="914400" marR="0" indent="-180000" algn="l" defTabSz="1219170" rtl="0" eaLnBrk="1" fontAlgn="base" latinLnBrk="0" hangingPunct="1">
+              <a:lnSpc>
+                <a:spcPct val="100000"/>
+              </a:lnSpc>
+              <a:spcBef>
+                <a:spcPts val="300"/>
+              </a:spcBef>
+              <a:spcAft>
+                <a:spcPct val="0"/>
+              </a:spcAft>
+              <a:buClrTx/>
+              <a:buSzTx/>
+              <a:buFont typeface="Times" pitchFamily="-96" charset="0"/>
+              <a:buChar char="–"/>
+              <a:tabLst/>
+              <a:defRPr sz="1600" kern="1200">
+                <a:solidFill>
+                  <a:schemeClr val="tx1"/>
+                </a:solidFill>
+                <a:latin typeface="+mn-lt"/>
+                <a:ea typeface="+mn-ea"/>
+                <a:cs typeface="+mn-cs"/>
+              </a:defRPr>
+            </a:lvl4pPr>
+            <a:lvl5pPr marL="1094400" marR="0" indent="-180000" algn="l" defTabSz="1219170" rtl="0" eaLnBrk="1" fontAlgn="base" latinLnBrk="0" hangingPunct="1">
+              <a:lnSpc>
+                <a:spcPct val="100000"/>
+              </a:lnSpc>
+              <a:spcBef>
+                <a:spcPts val="300"/>
+              </a:spcBef>
+              <a:spcAft>
+                <a:spcPct val="0"/>
+              </a:spcAft>
+              <a:buClrTx/>
+              <a:buSzTx/>
+              <a:buFont typeface="Times" pitchFamily="-96" charset="0"/>
+              <a:buChar char="•"/>
+              <a:tabLst/>
+              <a:defRPr sz="1600" kern="1200">
+                <a:solidFill>
+                  <a:schemeClr val="tx1"/>
+                </a:solidFill>
+                <a:latin typeface="+mn-lt"/>
+                <a:ea typeface="+mn-ea"/>
+                <a:cs typeface="+mn-cs"/>
+              </a:defRPr>
+            </a:lvl5pPr>
+            <a:lvl6pPr marL="1094400" indent="-180000" algn="l" defTabSz="1219170" rtl="0" eaLnBrk="1" latinLnBrk="0" hangingPunct="1">
+              <a:spcBef>
+                <a:spcPts val="300"/>
+              </a:spcBef>
+              <a:buFont typeface="Arial" pitchFamily="34" charset="0"/>
+              <a:buChar char="•"/>
+              <a:defRPr sz="1600" kern="1200">
+                <a:solidFill>
+                  <a:schemeClr val="tx1"/>
+                </a:solidFill>
+                <a:latin typeface="+mn-lt"/>
+                <a:ea typeface="+mn-ea"/>
+                <a:cs typeface="+mn-cs"/>
+              </a:defRPr>
+            </a:lvl6pPr>
+            <a:lvl7pPr marL="1094400" indent="-180000" algn="l" defTabSz="1219170" rtl="0" eaLnBrk="1" latinLnBrk="0" hangingPunct="1">
+              <a:spcBef>
+                <a:spcPts val="300"/>
+              </a:spcBef>
+              <a:buFont typeface="Arial" pitchFamily="34" charset="0"/>
+              <a:buChar char="•"/>
+              <a:defRPr sz="1600" kern="1200">
+                <a:solidFill>
+                  <a:schemeClr val="tx1"/>
+                </a:solidFill>
+                <a:latin typeface="+mn-lt"/>
+                <a:ea typeface="+mn-ea"/>
+                <a:cs typeface="+mn-cs"/>
+              </a:defRPr>
+            </a:lvl7pPr>
+            <a:lvl8pPr marL="1094400" indent="-180000" algn="l" defTabSz="1219170" rtl="0" eaLnBrk="1" latinLnBrk="0" hangingPunct="1">
+              <a:spcBef>
+                <a:spcPts val="300"/>
+              </a:spcBef>
+              <a:buFont typeface="Arial" pitchFamily="34" charset="0"/>
+              <a:buChar char="•"/>
+              <a:defRPr sz="1600" kern="1200">
+                <a:solidFill>
+                  <a:schemeClr val="tx1"/>
+                </a:solidFill>
+                <a:latin typeface="+mn-lt"/>
+                <a:ea typeface="+mn-ea"/>
+                <a:cs typeface="+mn-cs"/>
+              </a:defRPr>
+            </a:lvl8pPr>
+            <a:lvl9pPr marL="1094400" indent="-180000" algn="l" defTabSz="1219170" rtl="0" eaLnBrk="1" latinLnBrk="0" hangingPunct="1">
+              <a:spcBef>
+                <a:spcPts val="300"/>
+              </a:spcBef>
+              <a:buFont typeface="Arial" pitchFamily="34" charset="0"/>
+              <a:buChar char="•"/>
+              <a:defRPr sz="1600" kern="1200">
+                <a:solidFill>
+                  <a:schemeClr val="tx1"/>
+                </a:solidFill>
+                <a:latin typeface="+mn-lt"/>
+                <a:ea typeface="+mn-ea"/>
+                <a:cs typeface="+mn-cs"/>
+              </a:defRPr>
+            </a:lvl9pPr>
+          </a:lstStyle>
+          <a:p>
+            <a:pPr marL="122" indent="0">
+              <a:buFont typeface="Times" pitchFamily="-96" charset="0"/>
+              <a:buNone/>
+            </a:pPr>
+            <a:endParaRPr lang="en-US" sz="2000" dirty="0"/>
+          </a:p>
+          <a:p>
+            <a:r>
+              <a:rPr lang="en-US" sz="2000" dirty="0"/>
+              <a:t>Optional VLAN</a:t>
+            </a:r>
+          </a:p>
+          <a:p>
+            <a:pPr lvl="1"/>
+            <a:r>
+              <a:rPr lang="en-US" sz="1800" dirty="0" err="1"/>
+              <a:t>pnp</a:t>
+            </a:r>
+            <a:r>
+              <a:rPr lang="en-US" sz="1800" dirty="0"/>
+              <a:t> startup </a:t>
+            </a:r>
+            <a:r>
+              <a:rPr lang="en-US" sz="1800" dirty="0" err="1"/>
+              <a:t>vlan</a:t>
+            </a:r>
+            <a:r>
+              <a:rPr lang="en-US" sz="1800" dirty="0"/>
+              <a:t> x (global command on seed)</a:t>
+            </a:r>
+          </a:p>
+          <a:p>
+            <a:r>
+              <a:rPr lang="en-US" sz="2000" dirty="0"/>
+              <a:t>Optional PnP discovery</a:t>
+            </a:r>
+            <a:endParaRPr lang="no-NO" sz="2000" dirty="0"/>
+          </a:p>
+          <a:p>
+            <a:pPr lvl="1"/>
+            <a:r>
+              <a:rPr lang="en-US" sz="1800" dirty="0"/>
+              <a:t>Plug and Play Connect</a:t>
+            </a:r>
+          </a:p>
+          <a:p>
+            <a:pPr lvl="1"/>
+            <a:r>
+              <a:rPr lang="en-US" sz="1800" dirty="0"/>
+              <a:t>DNS / FQDN</a:t>
+            </a:r>
+          </a:p>
+          <a:p>
+            <a:pPr lvl="1"/>
+            <a:r>
+              <a:rPr lang="en-US" sz="1800" dirty="0"/>
+              <a:t>DHCP &gt; DNS &gt; PnP Connect</a:t>
+            </a:r>
+            <a:endParaRPr lang="no-NO" sz="1800" dirty="0"/>
+          </a:p>
+        </p:txBody>
+      </p:sp>
+    </p:spTree>
+    <p:extLst>
+      <p:ext uri="{BB962C8B-B14F-4D97-AF65-F5344CB8AC3E}">
+        <p14:creationId xmlns:p14="http://schemas.microsoft.com/office/powerpoint/2010/main" val="789845610"/>
+      </p:ext>
+    </p:extLst>
+  </p:cSld>
+  <p:clrMapOvr>
+    <a:masterClrMapping/>
+  </p:clrMapOvr>
+</p:sld>
+</file>
+
+<file path=ppt/slides/slide17.xml><?xml version="1.0" encoding="utf-8"?>
+<p:sld xmlns:a="http://schemas.openxmlformats.org/drawingml/2006/main" xmlns:r="http://schemas.openxmlformats.org/officeDocument/2006/relationships" xmlns:p="http://schemas.openxmlformats.org/presentationml/2006/main">
+  <p:cSld>
+    <p:spTree>
+      <p:nvGrpSpPr>
+        <p:cNvPr id="1" name=""/>
+        <p:cNvGrpSpPr/>
+        <p:nvPr/>
+      </p:nvGrpSpPr>
+      <p:grpSpPr>
+        <a:xfrm>
+          <a:off x="0" y="0"/>
+          <a:ext cx="0" cy="0"/>
+          <a:chOff x="0" y="0"/>
+          <a:chExt cx="0" cy="0"/>
+        </a:xfrm>
+      </p:grpSpPr>
+      <p:sp>
+        <p:nvSpPr>
+          <p:cNvPr id="2" name="Title 1">
+            <a:extLst>
+              <a:ext uri="{FF2B5EF4-FFF2-40B4-BE49-F238E27FC236}">
+                <a16:creationId xmlns:a16="http://schemas.microsoft.com/office/drawing/2014/main" id="{E930D958-96C8-44C0-926C-3021A53D08A3}"/>
+              </a:ext>
+            </a:extLst>
+          </p:cNvPr>
+          <p:cNvSpPr>
+            <a:spLocks noGrp="1"/>
+          </p:cNvSpPr>
+          <p:nvPr>
+            <p:ph type="title"/>
+          </p:nvPr>
+        </p:nvSpPr>
+        <p:spPr/>
+        <p:txBody>
+          <a:bodyPr/>
+          <a:lstStyle/>
+          <a:p>
+            <a:pPr algn="ctr"/>
+            <a:r>
+              <a:rPr lang="en-US" sz="3600" dirty="0"/>
+              <a:t>3</a:t>
+            </a:r>
+            <a:r>
+              <a:rPr lang="no-NO" sz="3600" dirty="0"/>
+              <a:t> – </a:t>
+            </a:r>
+            <a:r>
+              <a:rPr lang="en-US" dirty="0"/>
+              <a:t>PnP and PnP in SDA</a:t>
+            </a:r>
+            <a:endParaRPr lang="nb-NO" dirty="0"/>
+          </a:p>
+        </p:txBody>
+      </p:sp>
+      <p:sp>
+        <p:nvSpPr>
+          <p:cNvPr id="3" name="Content Placeholder 2">
+            <a:extLst>
+              <a:ext uri="{FF2B5EF4-FFF2-40B4-BE49-F238E27FC236}">
+                <a16:creationId xmlns:a16="http://schemas.microsoft.com/office/drawing/2014/main" id="{BC48574D-236C-40BA-AB9B-2BFEF0FE443B}"/>
+              </a:ext>
+            </a:extLst>
+          </p:cNvPr>
+          <p:cNvSpPr>
+            <a:spLocks noGrp="1"/>
+          </p:cNvSpPr>
+          <p:nvPr>
+            <p:ph sz="quarter" idx="10"/>
+          </p:nvPr>
+        </p:nvSpPr>
+        <p:spPr>
+          <a:xfrm>
+            <a:off x="357600" y="822692"/>
+            <a:ext cx="11476800" cy="5500835"/>
+          </a:xfrm>
+        </p:spPr>
+        <p:txBody>
+          <a:bodyPr anchor="t"/>
+          <a:lstStyle/>
+          <a:p>
+            <a:pPr marL="122" indent="0">
+              <a:buNone/>
+            </a:pPr>
+            <a:endParaRPr lang="en-US" sz="2000" dirty="0"/>
+          </a:p>
+          <a:p>
+            <a:r>
+              <a:rPr lang="en-US" sz="2000" dirty="0"/>
+              <a:t>Same for Extended Node and Fabric Edge Wireless Access Point;</a:t>
+            </a:r>
+            <a:endParaRPr lang="no-NO" sz="2000" dirty="0"/>
+          </a:p>
+          <a:p>
+            <a:pPr lvl="1"/>
+            <a:r>
+              <a:rPr lang="en-US" dirty="0"/>
+              <a:t>IP-Scope (AP/Extended) in INFRA_VN</a:t>
+            </a:r>
+          </a:p>
+          <a:p>
+            <a:pPr lvl="1"/>
+            <a:r>
+              <a:rPr lang="en-US" dirty="0"/>
+              <a:t>DHCP-scope with Option43</a:t>
+            </a:r>
+          </a:p>
+          <a:p>
+            <a:pPr lvl="1"/>
+            <a:r>
+              <a:rPr lang="en-US" dirty="0"/>
+              <a:t>Transported in LISP/VXLAN (in fabric)</a:t>
+            </a:r>
+          </a:p>
+          <a:p>
+            <a:r>
+              <a:rPr lang="en-US" dirty="0"/>
+              <a:t>Difference </a:t>
+            </a:r>
+          </a:p>
+          <a:p>
+            <a:pPr lvl="1"/>
+            <a:r>
+              <a:rPr lang="en-US" dirty="0"/>
+              <a:t>Interface for AP is set in the right VN/Scope with open auth</a:t>
+            </a:r>
+          </a:p>
+          <a:p>
+            <a:pPr lvl="1"/>
+            <a:r>
+              <a:rPr lang="en-US" dirty="0"/>
+              <a:t>Interface for Extended node must be </a:t>
+            </a:r>
+            <a:r>
+              <a:rPr lang="en-US" dirty="0" err="1"/>
+              <a:t>PAgP</a:t>
+            </a:r>
+            <a:r>
+              <a:rPr lang="en-US" dirty="0"/>
+              <a:t> port-channel with </a:t>
+            </a:r>
+            <a:r>
+              <a:rPr lang="en-US"/>
+              <a:t>open auth</a:t>
+            </a:r>
+            <a:endParaRPr lang="en-US" dirty="0"/>
+          </a:p>
+          <a:p>
+            <a:pPr lvl="1"/>
+            <a:endParaRPr lang="en-US" dirty="0"/>
+          </a:p>
+          <a:p>
+            <a:pPr lvl="1"/>
+            <a:endParaRPr lang="en-US" dirty="0"/>
+          </a:p>
+          <a:p>
+            <a:pPr lvl="1"/>
+            <a:endParaRPr lang="no-NO" dirty="0"/>
+          </a:p>
+        </p:txBody>
+      </p:sp>
+      <p:sp>
+        <p:nvSpPr>
+          <p:cNvPr id="4" name="Footer Placeholder 3">
+            <a:extLst>
+              <a:ext uri="{FF2B5EF4-FFF2-40B4-BE49-F238E27FC236}">
+                <a16:creationId xmlns:a16="http://schemas.microsoft.com/office/drawing/2014/main" id="{7731CFEB-8014-4FCB-ACB4-EA6E7426C381}"/>
+              </a:ext>
+            </a:extLst>
+          </p:cNvPr>
+          <p:cNvSpPr>
+            <a:spLocks noGrp="1"/>
+          </p:cNvSpPr>
+          <p:nvPr>
+            <p:ph type="ftr" sz="quarter" idx="12"/>
+          </p:nvPr>
+        </p:nvSpPr>
+        <p:spPr/>
+        <p:txBody>
+          <a:bodyPr/>
+          <a:lstStyle/>
+          <a:p>
+            <a:endParaRPr lang="da-DK"/>
+          </a:p>
+        </p:txBody>
+      </p:sp>
+      <p:pic>
+        <p:nvPicPr>
+          <p:cNvPr id="4098" name="Picture 2" descr="SD-Access with Extended Nodes | zartmann.dk">
+            <a:extLst>
+              <a:ext uri="{FF2B5EF4-FFF2-40B4-BE49-F238E27FC236}">
+                <a16:creationId xmlns:a16="http://schemas.microsoft.com/office/drawing/2014/main" id="{B35597EC-06AB-4869-8F3E-C13AF8346002}"/>
+              </a:ext>
+            </a:extLst>
+          </p:cNvPr>
+          <p:cNvPicPr>
+            <a:picLocks noChangeAspect="1" noChangeArrowheads="1"/>
+          </p:cNvPicPr>
+          <p:nvPr/>
+        </p:nvPicPr>
+        <p:blipFill>
+          <a:blip r:embed="rId2">
+            <a:extLst>
+              <a:ext uri="{28A0092B-C50C-407E-A947-70E740481C1C}">
+                <a14:useLocalDpi xmlns:a14="http://schemas.microsoft.com/office/drawing/2010/main" val="0"/>
+              </a:ext>
+            </a:extLst>
+          </a:blip>
+          <a:srcRect/>
+          <a:stretch>
+            <a:fillRect/>
+          </a:stretch>
+        </p:blipFill>
+        <p:spPr bwMode="auto">
+          <a:xfrm>
+            <a:off x="2451652" y="3764810"/>
+            <a:ext cx="5335106" cy="2799764"/>
+          </a:xfrm>
+          <a:prstGeom prst="rect">
+            <a:avLst/>
+          </a:prstGeom>
+          <a:noFill/>
+          <a:extLst>
+            <a:ext uri="{909E8E84-426E-40DD-AFC4-6F175D3DCCD1}">
+              <a14:hiddenFill xmlns:a14="http://schemas.microsoft.com/office/drawing/2010/main">
+                <a:solidFill>
+                  <a:srgbClr val="FFFFFF"/>
+                </a:solidFill>
+              </a14:hiddenFill>
+            </a:ext>
+          </a:extLst>
+        </p:spPr>
+      </p:pic>
+    </p:spTree>
+    <p:extLst>
+      <p:ext uri="{BB962C8B-B14F-4D97-AF65-F5344CB8AC3E}">
+        <p14:creationId xmlns:p14="http://schemas.microsoft.com/office/powerpoint/2010/main" val="592298550"/>
+      </p:ext>
+    </p:extLst>
+  </p:cSld>
+  <p:clrMapOvr>
+    <a:masterClrMapping/>
+  </p:clrMapOvr>
+</p:sld>
+</file>
+
+<file path=ppt/slides/slide18.xml><?xml version="1.0" encoding="utf-8"?>
+<p:sld xmlns:a="http://schemas.openxmlformats.org/drawingml/2006/main" xmlns:r="http://schemas.openxmlformats.org/officeDocument/2006/relationships" xmlns:p="http://schemas.openxmlformats.org/presentationml/2006/main">
+  <p:cSld>
+    <p:spTree>
+      <p:nvGrpSpPr>
+        <p:cNvPr id="1" name=""/>
+        <p:cNvGrpSpPr/>
+        <p:nvPr/>
+      </p:nvGrpSpPr>
+      <p:grpSpPr>
+        <a:xfrm>
+          <a:off x="0" y="0"/>
+          <a:ext cx="0" cy="0"/>
+          <a:chOff x="0" y="0"/>
+          <a:chExt cx="0" cy="0"/>
+        </a:xfrm>
+      </p:grpSpPr>
+      <p:pic>
+        <p:nvPicPr>
+          <p:cNvPr id="11" name="Picture Placeholder 10"/>
+          <p:cNvPicPr>
+            <a:picLocks noGrp="1" noChangeAspect="1"/>
+          </p:cNvPicPr>
+          <p:nvPr>
+            <p:ph type="pic" sz="quarter" idx="10"/>
+          </p:nvPr>
+        </p:nvPicPr>
+        <p:blipFill rotWithShape="1">
+          <a:blip r:embed="rId2" cstate="screen">
+            <a:extLst>
+              <a:ext uri="{28A0092B-C50C-407E-A947-70E740481C1C}">
+                <a14:useLocalDpi xmlns:a14="http://schemas.microsoft.com/office/drawing/2010/main"/>
+              </a:ext>
+            </a:extLst>
+          </a:blip>
+          <a:srcRect/>
+          <a:stretch/>
+        </p:blipFill>
+        <p:spPr>
+          <a:xfrm>
+            <a:off x="0" y="0"/>
+            <a:ext cx="12192000" cy="6858000"/>
+          </a:xfrm>
+        </p:spPr>
+      </p:pic>
+      <p:sp>
+        <p:nvSpPr>
+          <p:cNvPr id="9" name="Text Placeholder 8"/>
+          <p:cNvSpPr>
+            <a:spLocks noGrp="1"/>
+          </p:cNvSpPr>
+          <p:nvPr>
+            <p:ph type="body" sz="quarter" idx="11"/>
+          </p:nvPr>
+        </p:nvSpPr>
+        <p:spPr/>
+        <p:txBody>
+          <a:bodyPr/>
+          <a:lstStyle/>
+          <a:p>
+            <a:endParaRPr lang="en-US"/>
+          </a:p>
+        </p:txBody>
+      </p:sp>
+      <p:sp>
+        <p:nvSpPr>
+          <p:cNvPr id="14" name="Title 1"/>
+          <p:cNvSpPr txBox="1">
+            <a:spLocks/>
+          </p:cNvSpPr>
+          <p:nvPr/>
+        </p:nvSpPr>
+        <p:spPr>
+          <a:xfrm>
+            <a:off x="807752" y="5301208"/>
+            <a:ext cx="2913348" cy="873352"/>
+          </a:xfrm>
+          <a:prstGeom prst="rect">
+            <a:avLst/>
+          </a:prstGeom>
+        </p:spPr>
+        <p:txBody>
+          <a:bodyPr vert="horz" lIns="0" tIns="79200" rIns="0" bIns="0" rtlCol="0" anchor="t" anchorCtr="0">
+            <a:noAutofit/>
+          </a:bodyPr>
+          <a:lstStyle>
+            <a:lvl1pPr algn="l" defTabSz="1219170" rtl="0" eaLnBrk="1" latinLnBrk="0" hangingPunct="1">
+              <a:lnSpc>
+                <a:spcPct val="83000"/>
+              </a:lnSpc>
+              <a:spcBef>
+                <a:spcPct val="0"/>
+              </a:spcBef>
+              <a:buNone/>
+              <a:defRPr sz="3600" b="1" u="none" kern="1200">
+                <a:solidFill>
+                  <a:srgbClr val="FFFFFF"/>
+                </a:solidFill>
+                <a:latin typeface="Arial" pitchFamily="34" charset="0"/>
+                <a:ea typeface="+mj-ea"/>
+                <a:cs typeface="Arial" pitchFamily="34" charset="0"/>
+              </a:defRPr>
+            </a:lvl1pPr>
+          </a:lstStyle>
+          <a:p>
+            <a:pPr>
+              <a:lnSpc>
+                <a:spcPct val="100000"/>
+              </a:lnSpc>
+            </a:pPr>
+            <a:endParaRPr lang="en-GB" sz="2600" b="0"/>
+          </a:p>
+        </p:txBody>
+      </p:sp>
+      <p:sp>
+        <p:nvSpPr>
+          <p:cNvPr id="7" name="Rectangle 6"/>
+          <p:cNvSpPr/>
+          <p:nvPr/>
+        </p:nvSpPr>
+        <p:spPr>
+          <a:xfrm>
+            <a:off x="406800" y="5086800"/>
+            <a:ext cx="3592017" cy="1340768"/>
+          </a:xfrm>
+          <a:prstGeom prst="rect">
+            <a:avLst/>
+          </a:prstGeom>
+          <a:solidFill>
+            <a:schemeClr val="tx2"/>
+          </a:solidFill>
+          <a:ln w="38100" cmpd="sng">
+            <a:solidFill>
+              <a:schemeClr val="tx1"/>
+            </a:solidFill>
+            <a:miter lim="800000"/>
+          </a:ln>
+        </p:spPr>
+        <p:style>
+          <a:lnRef idx="2">
+            <a:schemeClr val="accent1">
+              <a:shade val="50000"/>
+            </a:schemeClr>
+          </a:lnRef>
+          <a:fillRef idx="1">
+            <a:schemeClr val="accent1"/>
+          </a:fillRef>
+          <a:effectRef idx="0">
+            <a:schemeClr val="accent1"/>
+          </a:effectRef>
+          <a:fontRef idx="minor">
+            <a:schemeClr val="lt1"/>
+          </a:fontRef>
+        </p:style>
+        <p:txBody>
+          <a:bodyPr rtlCol="0" anchor="ctr"/>
+          <a:lstStyle/>
+          <a:p>
+            <a:pPr algn="ctr"/>
+            <a:endParaRPr lang="en-US" sz="2200" err="1"/>
+          </a:p>
+        </p:txBody>
+      </p:sp>
+      <p:sp>
+        <p:nvSpPr>
+          <p:cNvPr id="8" name="Title 1"/>
+          <p:cNvSpPr txBox="1">
+            <a:spLocks/>
+          </p:cNvSpPr>
+          <p:nvPr/>
+        </p:nvSpPr>
+        <p:spPr>
+          <a:xfrm>
+            <a:off x="751008" y="5301208"/>
+            <a:ext cx="2903601" cy="873352"/>
+          </a:xfrm>
+          <a:prstGeom prst="rect">
+            <a:avLst/>
+          </a:prstGeom>
+        </p:spPr>
+        <p:txBody>
+          <a:bodyPr vert="horz" lIns="0" tIns="79200" rIns="0" bIns="0" rtlCol="0" anchor="t" anchorCtr="0">
+            <a:noAutofit/>
+          </a:bodyPr>
+          <a:lstStyle>
+            <a:lvl1pPr algn="l" defTabSz="1219170" rtl="0" eaLnBrk="1" latinLnBrk="0" hangingPunct="1">
+              <a:lnSpc>
+                <a:spcPct val="83000"/>
+              </a:lnSpc>
+              <a:spcBef>
+                <a:spcPct val="0"/>
+              </a:spcBef>
+              <a:buNone/>
+              <a:defRPr sz="3600" b="1" u="none" kern="1200">
+                <a:solidFill>
+                  <a:srgbClr val="FFFFFF"/>
+                </a:solidFill>
+                <a:latin typeface="Arial" pitchFamily="34" charset="0"/>
+                <a:ea typeface="+mj-ea"/>
+                <a:cs typeface="Arial" pitchFamily="34" charset="0"/>
+              </a:defRPr>
+            </a:lvl1pPr>
+          </a:lstStyle>
+          <a:p>
+            <a:pPr>
+              <a:lnSpc>
+                <a:spcPct val="100000"/>
+              </a:lnSpc>
+            </a:pPr>
+            <a:r>
+              <a:rPr lang="en-US" sz="2600"/>
+              <a:t>WE BUILD THE FUTURE WITH IT.</a:t>
+            </a:r>
+            <a:endParaRPr lang="en-GB" sz="2600" b="0"/>
+          </a:p>
+        </p:txBody>
+      </p:sp>
+    </p:spTree>
+    <p:extLst>
+      <p:ext uri="{BB962C8B-B14F-4D97-AF65-F5344CB8AC3E}">
+        <p14:creationId xmlns:p14="http://schemas.microsoft.com/office/powerpoint/2010/main" val="141595998"/>
+      </p:ext>
+    </p:extLst>
+  </p:cSld>
+  <p:clrMapOvr>
+    <a:masterClrMapping/>
+  </p:clrMapOvr>
+</p:sld>
+</file>
+
+<file path=ppt/slides/slide2.xml><?xml version="1.0" encoding="utf-8"?>
+<p:sld xmlns:a="http://schemas.openxmlformats.org/drawingml/2006/main" xmlns:r="http://schemas.openxmlformats.org/officeDocument/2006/relationships" xmlns:p="http://schemas.openxmlformats.org/presentationml/2006/main">
+  <p:cSld>
+    <p:spTree>
+      <p:nvGrpSpPr>
+        <p:cNvPr id="1" name=""/>
+        <p:cNvGrpSpPr/>
+        <p:nvPr/>
+      </p:nvGrpSpPr>
+      <p:grpSpPr>
+        <a:xfrm>
+          <a:off x="0" y="0"/>
+          <a:ext cx="0" cy="0"/>
+          <a:chOff x="0" y="0"/>
+          <a:chExt cx="0" cy="0"/>
+        </a:xfrm>
+      </p:grpSpPr>
+      <p:sp>
+        <p:nvSpPr>
+          <p:cNvPr id="2" name="Title 1">
+            <a:extLst>
+              <a:ext uri="{FF2B5EF4-FFF2-40B4-BE49-F238E27FC236}">
+                <a16:creationId xmlns:a16="http://schemas.microsoft.com/office/drawing/2014/main" id="{E930D958-96C8-44C0-926C-3021A53D08A3}"/>
+              </a:ext>
+            </a:extLst>
+          </p:cNvPr>
+          <p:cNvSpPr>
+            <a:spLocks noGrp="1"/>
+          </p:cNvSpPr>
+          <p:nvPr>
+            <p:ph type="title"/>
+          </p:nvPr>
+        </p:nvSpPr>
+        <p:spPr/>
+        <p:txBody>
+          <a:bodyPr/>
+          <a:lstStyle/>
+          <a:p>
+            <a:pPr algn="ctr"/>
+            <a:r>
+              <a:rPr lang="no-NO" sz="3600" dirty="0"/>
+              <a:t>1 - Short term (0 – 3 mnd)</a:t>
+            </a:r>
+            <a:endParaRPr lang="nb-NO" dirty="0"/>
+          </a:p>
+        </p:txBody>
+      </p:sp>
+      <p:sp>
+        <p:nvSpPr>
+          <p:cNvPr id="3" name="Content Placeholder 2">
+            <a:extLst>
+              <a:ext uri="{FF2B5EF4-FFF2-40B4-BE49-F238E27FC236}">
+                <a16:creationId xmlns:a16="http://schemas.microsoft.com/office/drawing/2014/main" id="{BC48574D-236C-40BA-AB9B-2BFEF0FE443B}"/>
+              </a:ext>
+            </a:extLst>
+          </p:cNvPr>
+          <p:cNvSpPr>
+            <a:spLocks noGrp="1"/>
+          </p:cNvSpPr>
+          <p:nvPr>
+            <p:ph sz="quarter" idx="10"/>
+          </p:nvPr>
+        </p:nvSpPr>
+        <p:spPr>
+          <a:xfrm>
+            <a:off x="357600" y="822692"/>
+            <a:ext cx="11476800" cy="5500835"/>
+          </a:xfrm>
+        </p:spPr>
+        <p:txBody>
+          <a:bodyPr anchor="t"/>
+          <a:lstStyle/>
+          <a:p>
+            <a:pPr marL="122" indent="0">
+              <a:buNone/>
+            </a:pPr>
+            <a:endParaRPr lang="en-US" sz="2000" dirty="0"/>
+          </a:p>
+          <a:p>
+            <a:pPr marL="457322" indent="-457200">
+              <a:buFont typeface="+mj-lt"/>
+              <a:buAutoNum type="arabicPeriod"/>
+            </a:pPr>
+            <a:endParaRPr lang="en-US" sz="2000" dirty="0"/>
+          </a:p>
+          <a:p>
+            <a:r>
+              <a:rPr lang="no-NO" sz="2000" dirty="0"/>
+              <a:t>Hardware, Software &amp; License refresh</a:t>
+            </a:r>
+          </a:p>
+          <a:p>
+            <a:pPr lvl="1"/>
+            <a:r>
+              <a:rPr lang="no-NO" sz="1800" dirty="0"/>
+              <a:t>Nasjonal lab</a:t>
+            </a:r>
+          </a:p>
+          <a:p>
+            <a:pPr lvl="1"/>
+            <a:r>
+              <a:rPr lang="no-NO" sz="1800" dirty="0"/>
+              <a:t>Lokal lab</a:t>
+            </a:r>
+            <a:endParaRPr lang="en-US" sz="1800" dirty="0"/>
+          </a:p>
+          <a:p>
+            <a:endParaRPr lang="en-US" sz="2000" dirty="0"/>
+          </a:p>
+        </p:txBody>
+      </p:sp>
+      <p:sp>
+        <p:nvSpPr>
+          <p:cNvPr id="4" name="Footer Placeholder 3">
+            <a:extLst>
+              <a:ext uri="{FF2B5EF4-FFF2-40B4-BE49-F238E27FC236}">
+                <a16:creationId xmlns:a16="http://schemas.microsoft.com/office/drawing/2014/main" id="{7731CFEB-8014-4FCB-ACB4-EA6E7426C381}"/>
+              </a:ext>
+            </a:extLst>
+          </p:cNvPr>
+          <p:cNvSpPr>
+            <a:spLocks noGrp="1"/>
+          </p:cNvSpPr>
+          <p:nvPr>
+            <p:ph type="ftr" sz="quarter" idx="12"/>
+          </p:nvPr>
+        </p:nvSpPr>
+        <p:spPr/>
+        <p:txBody>
+          <a:bodyPr/>
+          <a:lstStyle/>
+          <a:p>
+            <a:endParaRPr lang="da-DK"/>
+          </a:p>
+        </p:txBody>
+      </p:sp>
+    </p:spTree>
+    <p:extLst>
+      <p:ext uri="{BB962C8B-B14F-4D97-AF65-F5344CB8AC3E}">
+        <p14:creationId xmlns:p14="http://schemas.microsoft.com/office/powerpoint/2010/main" val="393997522"/>
+      </p:ext>
+    </p:extLst>
+  </p:cSld>
+  <p:clrMapOvr>
+    <a:masterClrMapping/>
+  </p:clrMapOvr>
+</p:sld>
+</file>
+
+<file path=ppt/slides/slide3.xml><?xml version="1.0" encoding="utf-8"?>
+<p:sld xmlns:a="http://schemas.openxmlformats.org/drawingml/2006/main" xmlns:r="http://schemas.openxmlformats.org/officeDocument/2006/relationships" xmlns:p="http://schemas.openxmlformats.org/presentationml/2006/main">
+  <p:cSld>
+    <p:spTree>
+      <p:nvGrpSpPr>
+        <p:cNvPr id="1" name=""/>
+        <p:cNvGrpSpPr/>
+        <p:nvPr/>
+      </p:nvGrpSpPr>
+      <p:grpSpPr>
+        <a:xfrm>
+          <a:off x="0" y="0"/>
+          <a:ext cx="0" cy="0"/>
+          <a:chOff x="0" y="0"/>
+          <a:chExt cx="0" cy="0"/>
+        </a:xfrm>
+      </p:grpSpPr>
+      <p:sp>
+        <p:nvSpPr>
+          <p:cNvPr id="2" name="Title 1">
+            <a:extLst>
+              <a:ext uri="{FF2B5EF4-FFF2-40B4-BE49-F238E27FC236}">
+                <a16:creationId xmlns:a16="http://schemas.microsoft.com/office/drawing/2014/main" id="{E930D958-96C8-44C0-926C-3021A53D08A3}"/>
+              </a:ext>
+            </a:extLst>
+          </p:cNvPr>
+          <p:cNvSpPr>
+            <a:spLocks noGrp="1"/>
+          </p:cNvSpPr>
+          <p:nvPr>
+            <p:ph type="title"/>
+          </p:nvPr>
+        </p:nvSpPr>
+        <p:spPr/>
+        <p:txBody>
+          <a:bodyPr/>
+          <a:lstStyle/>
+          <a:p>
+            <a:pPr algn="ctr"/>
+            <a:r>
+              <a:rPr lang="no-NO" sz="3600" dirty="0"/>
+              <a:t>2 - Short long term (0 – 9 mnd)</a:t>
+            </a:r>
+            <a:endParaRPr lang="nb-NO" dirty="0"/>
+          </a:p>
+        </p:txBody>
+      </p:sp>
+      <p:sp>
+        <p:nvSpPr>
+          <p:cNvPr id="3" name="Content Placeholder 2">
+            <a:extLst>
+              <a:ext uri="{FF2B5EF4-FFF2-40B4-BE49-F238E27FC236}">
+                <a16:creationId xmlns:a16="http://schemas.microsoft.com/office/drawing/2014/main" id="{BC48574D-236C-40BA-AB9B-2BFEF0FE443B}"/>
+              </a:ext>
+            </a:extLst>
+          </p:cNvPr>
+          <p:cNvSpPr>
+            <a:spLocks noGrp="1"/>
+          </p:cNvSpPr>
+          <p:nvPr>
+            <p:ph sz="quarter" idx="10"/>
+          </p:nvPr>
+        </p:nvSpPr>
+        <p:spPr>
+          <a:xfrm>
+            <a:off x="357600" y="822692"/>
+            <a:ext cx="11476800" cy="5500835"/>
+          </a:xfrm>
+        </p:spPr>
+        <p:txBody>
+          <a:bodyPr anchor="t"/>
+          <a:lstStyle/>
+          <a:p>
+            <a:pPr marL="122" indent="0">
+              <a:buNone/>
+            </a:pPr>
+            <a:endParaRPr lang="en-US" sz="2000" dirty="0"/>
+          </a:p>
+          <a:p>
+            <a:pPr marL="457322" indent="-457200">
+              <a:buFont typeface="+mj-lt"/>
+              <a:buAutoNum type="arabicPeriod"/>
+            </a:pPr>
+            <a:endParaRPr lang="en-US" sz="2000" dirty="0"/>
+          </a:p>
+          <a:p>
+            <a:r>
+              <a:rPr lang="no-NO" sz="2000" dirty="0"/>
+              <a:t>Skifte ut EoL-hardware</a:t>
+            </a:r>
+          </a:p>
+          <a:p>
+            <a:endParaRPr lang="no-NO" sz="2000" dirty="0"/>
+          </a:p>
+          <a:p>
+            <a:r>
+              <a:rPr lang="no-NO" sz="2000" dirty="0"/>
+              <a:t>Etablere</a:t>
+            </a:r>
+          </a:p>
+          <a:p>
+            <a:pPr lvl="1"/>
+            <a:r>
+              <a:rPr lang="no-NO" sz="1800" dirty="0"/>
+              <a:t>Design</a:t>
+            </a:r>
+          </a:p>
+          <a:p>
+            <a:pPr lvl="1"/>
+            <a:r>
+              <a:rPr lang="no-NO" sz="1800" dirty="0"/>
+              <a:t>Dokumentasjon</a:t>
+            </a:r>
+          </a:p>
+          <a:p>
+            <a:pPr lvl="1"/>
+            <a:r>
+              <a:rPr lang="no-NO" sz="1800" dirty="0"/>
+              <a:t>Governance</a:t>
+            </a:r>
+            <a:endParaRPr lang="en-US" sz="1800" dirty="0"/>
+          </a:p>
+          <a:p>
+            <a:endParaRPr lang="en-US" sz="2000" dirty="0"/>
+          </a:p>
+        </p:txBody>
+      </p:sp>
+      <p:sp>
+        <p:nvSpPr>
+          <p:cNvPr id="4" name="Footer Placeholder 3">
+            <a:extLst>
+              <a:ext uri="{FF2B5EF4-FFF2-40B4-BE49-F238E27FC236}">
+                <a16:creationId xmlns:a16="http://schemas.microsoft.com/office/drawing/2014/main" id="{7731CFEB-8014-4FCB-ACB4-EA6E7426C381}"/>
+              </a:ext>
+            </a:extLst>
+          </p:cNvPr>
+          <p:cNvSpPr>
+            <a:spLocks noGrp="1"/>
+          </p:cNvSpPr>
+          <p:nvPr>
+            <p:ph type="ftr" sz="quarter" idx="12"/>
+          </p:nvPr>
+        </p:nvSpPr>
+        <p:spPr/>
+        <p:txBody>
+          <a:bodyPr/>
+          <a:lstStyle/>
+          <a:p>
+            <a:endParaRPr lang="da-DK"/>
+          </a:p>
+        </p:txBody>
+      </p:sp>
+    </p:spTree>
+    <p:extLst>
+      <p:ext uri="{BB962C8B-B14F-4D97-AF65-F5344CB8AC3E}">
+        <p14:creationId xmlns:p14="http://schemas.microsoft.com/office/powerpoint/2010/main" val="48236777"/>
+      </p:ext>
+    </p:extLst>
+  </p:cSld>
+  <p:clrMapOvr>
+    <a:masterClrMapping/>
+  </p:clrMapOvr>
+</p:sld>
+</file>
+
+<file path=ppt/slides/slide4.xml><?xml version="1.0" encoding="utf-8"?>
+<p:sld xmlns:a="http://schemas.openxmlformats.org/drawingml/2006/main" xmlns:r="http://schemas.openxmlformats.org/officeDocument/2006/relationships" xmlns:p="http://schemas.openxmlformats.org/presentationml/2006/main">
+  <p:cSld>
+    <p:spTree>
+      <p:nvGrpSpPr>
+        <p:cNvPr id="1" name=""/>
+        <p:cNvGrpSpPr/>
+        <p:nvPr/>
+      </p:nvGrpSpPr>
+      <p:grpSpPr>
+        <a:xfrm>
+          <a:off x="0" y="0"/>
+          <a:ext cx="0" cy="0"/>
+          <a:chOff x="0" y="0"/>
+          <a:chExt cx="0" cy="0"/>
+        </a:xfrm>
+      </p:grpSpPr>
+      <p:sp>
+        <p:nvSpPr>
+          <p:cNvPr id="2" name="Title 1">
+            <a:extLst>
+              <a:ext uri="{FF2B5EF4-FFF2-40B4-BE49-F238E27FC236}">
+                <a16:creationId xmlns:a16="http://schemas.microsoft.com/office/drawing/2014/main" id="{E930D958-96C8-44C0-926C-3021A53D08A3}"/>
+              </a:ext>
+            </a:extLst>
+          </p:cNvPr>
+          <p:cNvSpPr>
+            <a:spLocks noGrp="1"/>
+          </p:cNvSpPr>
+          <p:nvPr>
+            <p:ph type="title"/>
+          </p:nvPr>
+        </p:nvSpPr>
+        <p:spPr/>
+        <p:txBody>
+          <a:bodyPr/>
+          <a:lstStyle/>
+          <a:p>
+            <a:pPr algn="ctr"/>
+            <a:r>
+              <a:rPr lang="no-NO" sz="3600" dirty="0"/>
+              <a:t>3 - Long term (0 – 24 mnd)</a:t>
+            </a:r>
+            <a:endParaRPr lang="nb-NO" dirty="0"/>
+          </a:p>
+        </p:txBody>
+      </p:sp>
+      <p:sp>
+        <p:nvSpPr>
+          <p:cNvPr id="3" name="Content Placeholder 2">
+            <a:extLst>
+              <a:ext uri="{FF2B5EF4-FFF2-40B4-BE49-F238E27FC236}">
+                <a16:creationId xmlns:a16="http://schemas.microsoft.com/office/drawing/2014/main" id="{BC48574D-236C-40BA-AB9B-2BFEF0FE443B}"/>
+              </a:ext>
+            </a:extLst>
+          </p:cNvPr>
+          <p:cNvSpPr>
+            <a:spLocks noGrp="1"/>
+          </p:cNvSpPr>
+          <p:nvPr>
+            <p:ph sz="quarter" idx="10"/>
+          </p:nvPr>
+        </p:nvSpPr>
+        <p:spPr>
+          <a:xfrm>
+            <a:off x="357600" y="822692"/>
+            <a:ext cx="11476800" cy="5500835"/>
+          </a:xfrm>
+        </p:spPr>
+        <p:txBody>
+          <a:bodyPr anchor="t"/>
+          <a:lstStyle/>
+          <a:p>
+            <a:endParaRPr lang="no-NO" sz="2000"/>
+          </a:p>
+          <a:p>
+            <a:r>
+              <a:rPr lang="no-NO" sz="2000" dirty="0"/>
+              <a:t>Assess</a:t>
+            </a:r>
+          </a:p>
+          <a:p>
+            <a:pPr lvl="1"/>
+            <a:r>
+              <a:rPr lang="no-NO" sz="1800" dirty="0"/>
+              <a:t>As is</a:t>
+            </a:r>
+          </a:p>
+          <a:p>
+            <a:pPr lvl="1"/>
+            <a:r>
+              <a:rPr lang="no-NO" sz="1800" dirty="0"/>
+              <a:t>Hva finnes i byene rundt om</a:t>
+            </a:r>
+          </a:p>
+          <a:p>
+            <a:pPr lvl="1"/>
+            <a:r>
+              <a:rPr lang="no-NO" sz="1800" dirty="0"/>
+              <a:t>Hva skal være hvor</a:t>
+            </a:r>
+          </a:p>
+          <a:p>
+            <a:pPr lvl="1"/>
+            <a:r>
+              <a:rPr lang="no-NO" sz="1800" dirty="0"/>
+              <a:t>Hvem er ansvarlig for hva</a:t>
+            </a:r>
+          </a:p>
+          <a:p>
+            <a:endParaRPr lang="no-NO" sz="2000" dirty="0"/>
+          </a:p>
+          <a:p>
+            <a:r>
+              <a:rPr lang="no-NO" sz="2000" dirty="0"/>
+              <a:t>Samle </a:t>
+            </a:r>
+            <a:r>
+              <a:rPr lang="no-NO" sz="1800" dirty="0"/>
+              <a:t>fagmiljøene</a:t>
+            </a:r>
+          </a:p>
+          <a:p>
+            <a:endParaRPr lang="no-NO" sz="2000" dirty="0"/>
+          </a:p>
+          <a:p>
+            <a:r>
+              <a:rPr lang="no-NO" sz="2000" dirty="0"/>
+              <a:t>Bygge</a:t>
+            </a:r>
+          </a:p>
+          <a:p>
+            <a:pPr lvl="1"/>
+            <a:r>
+              <a:rPr lang="no-NO" sz="1800" dirty="0"/>
+              <a:t>«Shared Services layer» (NTP, DHCP, DNS, PKI, etc)</a:t>
+            </a:r>
+          </a:p>
+          <a:p>
+            <a:pPr lvl="2"/>
+            <a:r>
+              <a:rPr lang="no-NO" sz="1600" dirty="0"/>
+              <a:t>Integrert/Automatisert</a:t>
+            </a:r>
+          </a:p>
+          <a:p>
+            <a:pPr lvl="1"/>
+            <a:r>
+              <a:rPr lang="no-NO" sz="1800" dirty="0"/>
+              <a:t>POD’er for: PoV, PoC, Workshops, Training, labbing, etc</a:t>
+            </a:r>
+          </a:p>
+          <a:p>
+            <a:pPr lvl="2"/>
+            <a:r>
+              <a:rPr lang="no-NO" sz="1600" dirty="0"/>
+              <a:t>Rammeverk for innføring/bruk</a:t>
+            </a:r>
+          </a:p>
+          <a:p>
+            <a:pPr lvl="2"/>
+            <a:r>
+              <a:rPr lang="no-NO" sz="1600" dirty="0"/>
+              <a:t>Automatisert</a:t>
+            </a:r>
+          </a:p>
+          <a:p>
+            <a:pPr lvl="1"/>
+            <a:r>
+              <a:rPr lang="no-NO" sz="1600" dirty="0"/>
+              <a:t>Selvbetjeningsportal / Bookingportal</a:t>
+            </a:r>
+          </a:p>
+          <a:p>
+            <a:endParaRPr lang="en-US" sz="2000" dirty="0"/>
+          </a:p>
+        </p:txBody>
+      </p:sp>
+      <p:sp>
+        <p:nvSpPr>
+          <p:cNvPr id="4" name="Footer Placeholder 3">
+            <a:extLst>
+              <a:ext uri="{FF2B5EF4-FFF2-40B4-BE49-F238E27FC236}">
+                <a16:creationId xmlns:a16="http://schemas.microsoft.com/office/drawing/2014/main" id="{7731CFEB-8014-4FCB-ACB4-EA6E7426C381}"/>
+              </a:ext>
+            </a:extLst>
+          </p:cNvPr>
+          <p:cNvSpPr>
+            <a:spLocks noGrp="1"/>
+          </p:cNvSpPr>
+          <p:nvPr>
+            <p:ph type="ftr" sz="quarter" idx="12"/>
+          </p:nvPr>
+        </p:nvSpPr>
+        <p:spPr/>
+        <p:txBody>
+          <a:bodyPr/>
+          <a:lstStyle/>
+          <a:p>
+            <a:endParaRPr lang="da-DK"/>
+          </a:p>
+        </p:txBody>
+      </p:sp>
+    </p:spTree>
+    <p:extLst>
+      <p:ext uri="{BB962C8B-B14F-4D97-AF65-F5344CB8AC3E}">
+        <p14:creationId xmlns:p14="http://schemas.microsoft.com/office/powerpoint/2010/main" val="3276550421"/>
+      </p:ext>
+    </p:extLst>
+  </p:cSld>
+  <p:clrMapOvr>
+    <a:masterClrMapping/>
+  </p:clrMapOvr>
+</p:sld>
+</file>
+
+<file path=ppt/slides/slide5.xml><?xml version="1.0" encoding="utf-8"?>
+<p:sld xmlns:a="http://schemas.openxmlformats.org/drawingml/2006/main" xmlns:r="http://schemas.openxmlformats.org/officeDocument/2006/relationships" xmlns:p="http://schemas.openxmlformats.org/presentationml/2006/main">
+  <p:cSld>
+    <p:spTree>
+      <p:nvGrpSpPr>
+        <p:cNvPr id="1" name=""/>
+        <p:cNvGrpSpPr/>
+        <p:nvPr/>
+      </p:nvGrpSpPr>
+      <p:grpSpPr>
+        <a:xfrm>
+          <a:off x="0" y="0"/>
+          <a:ext cx="0" cy="0"/>
+          <a:chOff x="0" y="0"/>
+          <a:chExt cx="0" cy="0"/>
+        </a:xfrm>
+      </p:grpSpPr>
+      <p:sp>
+        <p:nvSpPr>
+          <p:cNvPr id="2" name="Title 1">
+            <a:extLst>
+              <a:ext uri="{FF2B5EF4-FFF2-40B4-BE49-F238E27FC236}">
+                <a16:creationId xmlns:a16="http://schemas.microsoft.com/office/drawing/2014/main" id="{E930D958-96C8-44C0-926C-3021A53D08A3}"/>
+              </a:ext>
+            </a:extLst>
+          </p:cNvPr>
+          <p:cNvSpPr>
+            <a:spLocks noGrp="1"/>
+          </p:cNvSpPr>
+          <p:nvPr>
+            <p:ph type="title"/>
+          </p:nvPr>
+        </p:nvSpPr>
+        <p:spPr/>
+        <p:txBody>
+          <a:bodyPr/>
+          <a:lstStyle/>
+          <a:p>
+            <a:pPr algn="ctr"/>
+            <a:r>
+              <a:rPr lang="no-NO" sz="3600" dirty="0"/>
+              <a:t>Regelmessig møter</a:t>
+            </a:r>
+            <a:endParaRPr lang="nb-NO" dirty="0"/>
+          </a:p>
+        </p:txBody>
+      </p:sp>
+      <p:sp>
+        <p:nvSpPr>
+          <p:cNvPr id="3" name="Content Placeholder 2">
+            <a:extLst>
+              <a:ext uri="{FF2B5EF4-FFF2-40B4-BE49-F238E27FC236}">
+                <a16:creationId xmlns:a16="http://schemas.microsoft.com/office/drawing/2014/main" id="{BC48574D-236C-40BA-AB9B-2BFEF0FE443B}"/>
+              </a:ext>
+            </a:extLst>
+          </p:cNvPr>
+          <p:cNvSpPr>
+            <a:spLocks noGrp="1"/>
+          </p:cNvSpPr>
+          <p:nvPr>
+            <p:ph sz="quarter" idx="10"/>
+          </p:nvPr>
+        </p:nvSpPr>
+        <p:spPr>
+          <a:xfrm>
+            <a:off x="357600" y="822692"/>
+            <a:ext cx="11476800" cy="5500835"/>
+          </a:xfrm>
+        </p:spPr>
+        <p:txBody>
+          <a:bodyPr anchor="t"/>
+          <a:lstStyle/>
+          <a:p>
+            <a:pPr marL="122" indent="0">
+              <a:buNone/>
+            </a:pPr>
+            <a:endParaRPr lang="en-US" sz="2000" dirty="0"/>
+          </a:p>
+          <a:p>
+            <a:pPr marL="457322" indent="-457200">
+              <a:buFont typeface="+mj-lt"/>
+              <a:buAutoNum type="arabicPeriod"/>
+            </a:pPr>
+            <a:endParaRPr lang="en-US" sz="2000" dirty="0"/>
+          </a:p>
+          <a:p>
+            <a:r>
+              <a:rPr lang="no-NO" sz="2000" dirty="0"/>
+              <a:t>Korte (30-45 min) info/diskusjons-møter</a:t>
+            </a:r>
+            <a:endParaRPr lang="en-US" sz="1800" dirty="0"/>
+          </a:p>
+          <a:p>
+            <a:endParaRPr lang="en-US" sz="2000" dirty="0"/>
+          </a:p>
+        </p:txBody>
+      </p:sp>
+      <p:sp>
+        <p:nvSpPr>
+          <p:cNvPr id="4" name="Footer Placeholder 3">
+            <a:extLst>
+              <a:ext uri="{FF2B5EF4-FFF2-40B4-BE49-F238E27FC236}">
+                <a16:creationId xmlns:a16="http://schemas.microsoft.com/office/drawing/2014/main" id="{7731CFEB-8014-4FCB-ACB4-EA6E7426C381}"/>
+              </a:ext>
+            </a:extLst>
+          </p:cNvPr>
+          <p:cNvSpPr>
+            <a:spLocks noGrp="1"/>
+          </p:cNvSpPr>
+          <p:nvPr>
+            <p:ph type="ftr" sz="quarter" idx="12"/>
+          </p:nvPr>
+        </p:nvSpPr>
+        <p:spPr/>
+        <p:txBody>
+          <a:bodyPr/>
+          <a:lstStyle/>
+          <a:p>
+            <a:endParaRPr lang="da-DK"/>
+          </a:p>
+        </p:txBody>
+      </p:sp>
+    </p:spTree>
+    <p:extLst>
+      <p:ext uri="{BB962C8B-B14F-4D97-AF65-F5344CB8AC3E}">
+        <p14:creationId xmlns:p14="http://schemas.microsoft.com/office/powerpoint/2010/main" val="2636641309"/>
+      </p:ext>
+    </p:extLst>
+  </p:cSld>
+  <p:clrMapOvr>
+    <a:masterClrMapping/>
+  </p:clrMapOvr>
+</p:sld>
+</file>
+
+<file path=ppt/slides/slide6.xml><?xml version="1.0" encoding="utf-8"?>
+<p:sld xmlns:a="http://schemas.openxmlformats.org/drawingml/2006/main" xmlns:r="http://schemas.openxmlformats.org/officeDocument/2006/relationships" xmlns:p="http://schemas.openxmlformats.org/presentationml/2006/main">
+  <p:cSld>
+    <p:spTree>
+      <p:nvGrpSpPr>
+        <p:cNvPr id="1" name=""/>
+        <p:cNvGrpSpPr/>
+        <p:nvPr/>
+      </p:nvGrpSpPr>
+      <p:grpSpPr>
+        <a:xfrm>
+          <a:off x="0" y="0"/>
+          <a:ext cx="0" cy="0"/>
+          <a:chOff x="0" y="0"/>
+          <a:chExt cx="0" cy="0"/>
+        </a:xfrm>
+      </p:grpSpPr>
+      <p:sp>
+        <p:nvSpPr>
+          <p:cNvPr id="6" name="Subtitle 5">
+            <a:extLst>
+              <a:ext uri="{FF2B5EF4-FFF2-40B4-BE49-F238E27FC236}">
+                <a16:creationId xmlns:a16="http://schemas.microsoft.com/office/drawing/2014/main" id="{17E14BFF-5B9F-46CB-BF91-F297AF182324}"/>
+              </a:ext>
+            </a:extLst>
+          </p:cNvPr>
+          <p:cNvSpPr>
+            <a:spLocks noGrp="1"/>
+          </p:cNvSpPr>
+          <p:nvPr>
+            <p:ph type="subTitle" idx="1"/>
+          </p:nvPr>
+        </p:nvSpPr>
+        <p:spPr/>
+        <p:txBody>
+          <a:bodyPr/>
+          <a:lstStyle/>
+          <a:p>
+            <a:r>
+              <a:rPr lang="no-NO" dirty="0"/>
+              <a:t>Cisco Live!</a:t>
+            </a:r>
+            <a:endParaRPr lang="en-US" dirty="0"/>
+          </a:p>
+        </p:txBody>
+      </p:sp>
+    </p:spTree>
+    <p:extLst>
+      <p:ext uri="{BB962C8B-B14F-4D97-AF65-F5344CB8AC3E}">
+        <p14:creationId xmlns:p14="http://schemas.microsoft.com/office/powerpoint/2010/main" val="2556426184"/>
+      </p:ext>
+    </p:extLst>
+  </p:cSld>
+  <p:clrMapOvr>
+    <a:masterClrMapping/>
+  </p:clrMapOvr>
+</p:sld>
+</file>
+
+<file path=ppt/slides/slide7.xml><?xml version="1.0" encoding="utf-8"?>
+<p:sld xmlns:a="http://schemas.openxmlformats.org/drawingml/2006/main" xmlns:r="http://schemas.openxmlformats.org/officeDocument/2006/relationships" xmlns:p="http://schemas.openxmlformats.org/presentationml/2006/main">
+  <p:cSld>
+    <p:spTree>
+      <p:nvGrpSpPr>
+        <p:cNvPr id="1" name=""/>
+        <p:cNvGrpSpPr/>
+        <p:nvPr/>
+      </p:nvGrpSpPr>
+      <p:grpSpPr>
+        <a:xfrm>
+          <a:off x="0" y="0"/>
+          <a:ext cx="0" cy="0"/>
+          <a:chOff x="0" y="0"/>
+          <a:chExt cx="0" cy="0"/>
+        </a:xfrm>
+      </p:grpSpPr>
+      <p:sp>
+        <p:nvSpPr>
+          <p:cNvPr id="2" name="Title 1">
+            <a:extLst>
+              <a:ext uri="{FF2B5EF4-FFF2-40B4-BE49-F238E27FC236}">
+                <a16:creationId xmlns:a16="http://schemas.microsoft.com/office/drawing/2014/main" id="{E930D958-96C8-44C0-926C-3021A53D08A3}"/>
+              </a:ext>
+            </a:extLst>
+          </p:cNvPr>
+          <p:cNvSpPr>
+            <a:spLocks noGrp="1"/>
+          </p:cNvSpPr>
+          <p:nvPr>
+            <p:ph type="title"/>
+          </p:nvPr>
+        </p:nvSpPr>
+        <p:spPr/>
+        <p:txBody>
+          <a:bodyPr/>
+          <a:lstStyle/>
+          <a:p>
+            <a:pPr algn="ctr"/>
+            <a:r>
+              <a:rPr lang="nb-NO" dirty="0" err="1"/>
+              <a:t>What</a:t>
+            </a:r>
+            <a:r>
+              <a:rPr lang="nb-NO" dirty="0"/>
+              <a:t> is not?</a:t>
+            </a:r>
+          </a:p>
+        </p:txBody>
+      </p:sp>
+      <p:sp>
+        <p:nvSpPr>
+          <p:cNvPr id="3" name="Content Placeholder 2">
+            <a:extLst>
+              <a:ext uri="{FF2B5EF4-FFF2-40B4-BE49-F238E27FC236}">
+                <a16:creationId xmlns:a16="http://schemas.microsoft.com/office/drawing/2014/main" id="{BC48574D-236C-40BA-AB9B-2BFEF0FE443B}"/>
+              </a:ext>
+            </a:extLst>
+          </p:cNvPr>
+          <p:cNvSpPr>
+            <a:spLocks noGrp="1"/>
+          </p:cNvSpPr>
+          <p:nvPr>
+            <p:ph sz="quarter" idx="10"/>
+          </p:nvPr>
+        </p:nvSpPr>
+        <p:spPr>
+          <a:xfrm>
+            <a:off x="357600" y="822692"/>
+            <a:ext cx="11476800" cy="5500835"/>
+          </a:xfrm>
+        </p:spPr>
+        <p:txBody>
+          <a:bodyPr anchor="t"/>
+          <a:lstStyle/>
+          <a:p>
+            <a:pPr marL="122" indent="0">
+              <a:buNone/>
+            </a:pPr>
+            <a:endParaRPr lang="en-US" sz="2000" dirty="0"/>
+          </a:p>
+          <a:p>
+            <a:r>
+              <a:rPr lang="no-NO" sz="2000" dirty="0"/>
+              <a:t>SD-WAN og </a:t>
+            </a:r>
+            <a:r>
+              <a:rPr lang="nb-NO" sz="2000" dirty="0"/>
+              <a:t>DNA Center er så mangt</a:t>
+            </a:r>
+            <a:endParaRPr lang="no-NO" sz="2000" dirty="0"/>
+          </a:p>
+          <a:p>
+            <a:pPr lvl="1"/>
+            <a:r>
+              <a:rPr lang="no-NO" sz="1800" dirty="0"/>
+              <a:t>Cisco CloudOps (AI, vAnalytics, DNA Spaces, etc)</a:t>
+            </a:r>
+          </a:p>
+          <a:p>
+            <a:pPr lvl="1"/>
+            <a:r>
+              <a:rPr lang="nb-NO" sz="1800" dirty="0"/>
+              <a:t>Smart </a:t>
+            </a:r>
+            <a:r>
+              <a:rPr lang="nb-NO" sz="1800" dirty="0" err="1"/>
+              <a:t>Licensing</a:t>
+            </a:r>
+            <a:endParaRPr lang="no-NO" sz="1800" dirty="0"/>
+          </a:p>
+          <a:p>
+            <a:pPr lvl="1"/>
+            <a:r>
+              <a:rPr lang="nb-NO" dirty="0" err="1"/>
+              <a:t>Assurance</a:t>
+            </a:r>
+            <a:endParaRPr lang="nb-NO" dirty="0"/>
+          </a:p>
+          <a:p>
+            <a:pPr lvl="2"/>
+            <a:r>
+              <a:rPr lang="nb-NO" dirty="0"/>
+              <a:t>Client360</a:t>
+            </a:r>
+            <a:r>
+              <a:rPr lang="no-NO" dirty="0"/>
+              <a:t> (DNAC)</a:t>
+            </a:r>
+            <a:endParaRPr lang="nb-NO" dirty="0"/>
+          </a:p>
+          <a:p>
+            <a:pPr lvl="2"/>
+            <a:r>
+              <a:rPr lang="nb-NO" dirty="0"/>
+              <a:t>Device360</a:t>
+            </a:r>
+            <a:r>
+              <a:rPr lang="no-NO" dirty="0"/>
+              <a:t> (DNAC)</a:t>
+            </a:r>
+            <a:endParaRPr lang="nb-NO" dirty="0"/>
+          </a:p>
+          <a:p>
+            <a:pPr lvl="2"/>
+            <a:r>
+              <a:rPr lang="nb-NO" dirty="0"/>
+              <a:t>Application360</a:t>
+            </a:r>
+            <a:r>
+              <a:rPr lang="no-NO" dirty="0"/>
+              <a:t> (DNAC)</a:t>
+            </a:r>
+          </a:p>
+          <a:p>
+            <a:pPr lvl="2"/>
+            <a:r>
+              <a:rPr lang="no-NO" dirty="0"/>
+              <a:t>vAnalytics (SD-WAN)</a:t>
+            </a:r>
+          </a:p>
+          <a:p>
+            <a:pPr lvl="1"/>
+            <a:r>
+              <a:rPr lang="nb-NO" sz="2000" dirty="0"/>
+              <a:t>Er ikke tid til å dekke alt</a:t>
+            </a:r>
+            <a:endParaRPr lang="nb-NO" dirty="0"/>
+          </a:p>
+          <a:p>
+            <a:pPr marL="277200" lvl="1" indent="0">
+              <a:buNone/>
+            </a:pPr>
+            <a:endParaRPr lang="nb-NO" dirty="0"/>
+          </a:p>
+          <a:p>
+            <a:r>
+              <a:rPr lang="nb-NO" dirty="0"/>
+              <a:t>Hvorfor ikke ZTP/</a:t>
+            </a:r>
+            <a:r>
+              <a:rPr lang="nb-NO" dirty="0" err="1"/>
+              <a:t>PnP</a:t>
+            </a:r>
+            <a:r>
+              <a:rPr lang="nb-NO" dirty="0"/>
+              <a:t> av </a:t>
+            </a:r>
+            <a:r>
+              <a:rPr lang="no-NO" dirty="0"/>
+              <a:t>SD-WAN og SDA-</a:t>
+            </a:r>
+            <a:r>
+              <a:rPr lang="nb-NO" dirty="0"/>
+              <a:t>border?</a:t>
+            </a:r>
+          </a:p>
+          <a:p>
+            <a:pPr lvl="1"/>
+            <a:r>
+              <a:rPr lang="nb-NO" dirty="0"/>
+              <a:t>Tid for å rigge</a:t>
+            </a:r>
+            <a:r>
+              <a:rPr lang="no-NO" dirty="0"/>
+              <a:t>...</a:t>
+            </a:r>
+            <a:endParaRPr lang="nb-NO" dirty="0"/>
+          </a:p>
+          <a:p>
+            <a:pPr lvl="2"/>
+            <a:r>
+              <a:rPr lang="no-NO"/>
+              <a:t>PnP Portal</a:t>
+            </a:r>
+            <a:endParaRPr lang="no-NO" dirty="0"/>
+          </a:p>
+          <a:p>
+            <a:pPr lvl="2"/>
+            <a:r>
+              <a:rPr lang="nb-NO" dirty="0"/>
+              <a:t>DHCP </a:t>
+            </a:r>
+            <a:r>
+              <a:rPr lang="nb-NO" dirty="0" err="1"/>
+              <a:t>scope</a:t>
+            </a:r>
+            <a:r>
+              <a:rPr lang="nb-NO" dirty="0"/>
+              <a:t> med option43</a:t>
+            </a:r>
+          </a:p>
+          <a:p>
+            <a:pPr lvl="2"/>
+            <a:r>
+              <a:rPr lang="nb-NO" dirty="0"/>
+              <a:t>Day0 </a:t>
+            </a:r>
+            <a:r>
+              <a:rPr lang="nb-NO" dirty="0" err="1"/>
+              <a:t>Template</a:t>
+            </a:r>
+            <a:r>
+              <a:rPr lang="nb-NO" dirty="0"/>
+              <a:t> på DNAC</a:t>
+            </a:r>
+          </a:p>
+          <a:p>
+            <a:pPr lvl="1"/>
+            <a:endParaRPr lang="nb-NO" dirty="0"/>
+          </a:p>
+          <a:p>
+            <a:endParaRPr lang="nb-NO" dirty="0"/>
+          </a:p>
+        </p:txBody>
+      </p:sp>
+      <p:sp>
+        <p:nvSpPr>
+          <p:cNvPr id="4" name="Footer Placeholder 3">
+            <a:extLst>
+              <a:ext uri="{FF2B5EF4-FFF2-40B4-BE49-F238E27FC236}">
+                <a16:creationId xmlns:a16="http://schemas.microsoft.com/office/drawing/2014/main" id="{7731CFEB-8014-4FCB-ACB4-EA6E7426C381}"/>
+              </a:ext>
+            </a:extLst>
+          </p:cNvPr>
+          <p:cNvSpPr>
+            <a:spLocks noGrp="1"/>
+          </p:cNvSpPr>
+          <p:nvPr>
+            <p:ph type="ftr" sz="quarter" idx="12"/>
+          </p:nvPr>
+        </p:nvSpPr>
+        <p:spPr/>
+        <p:txBody>
+          <a:bodyPr/>
+          <a:lstStyle/>
+          <a:p>
+            <a:endParaRPr lang="da-DK"/>
+          </a:p>
+        </p:txBody>
+      </p:sp>
+    </p:spTree>
+    <p:extLst>
+      <p:ext uri="{BB962C8B-B14F-4D97-AF65-F5344CB8AC3E}">
+        <p14:creationId xmlns:p14="http://schemas.microsoft.com/office/powerpoint/2010/main" val="2813591103"/>
+      </p:ext>
+    </p:extLst>
+  </p:cSld>
+  <p:clrMapOvr>
+    <a:masterClrMapping/>
+  </p:clrMapOvr>
+</p:sld>
+</file>
+
+<file path=ppt/slides/slide8.xml><?xml version="1.0" encoding="utf-8"?>
+<p:sld xmlns:a="http://schemas.openxmlformats.org/drawingml/2006/main" xmlns:r="http://schemas.openxmlformats.org/officeDocument/2006/relationships" xmlns:p="http://schemas.openxmlformats.org/presentationml/2006/main">
+  <p:cSld>
+    <p:spTree>
+      <p:nvGrpSpPr>
+        <p:cNvPr id="1" name=""/>
+        <p:cNvGrpSpPr/>
+        <p:nvPr/>
+      </p:nvGrpSpPr>
+      <p:grpSpPr>
+        <a:xfrm>
+          <a:off x="0" y="0"/>
+          <a:ext cx="0" cy="0"/>
+          <a:chOff x="0" y="0"/>
+          <a:chExt cx="0" cy="0"/>
+        </a:xfrm>
+      </p:grpSpPr>
+      <p:sp>
+        <p:nvSpPr>
+          <p:cNvPr id="2" name="Title 1">
+            <a:extLst>
+              <a:ext uri="{FF2B5EF4-FFF2-40B4-BE49-F238E27FC236}">
+                <a16:creationId xmlns:a16="http://schemas.microsoft.com/office/drawing/2014/main" id="{E930D958-96C8-44C0-926C-3021A53D08A3}"/>
+              </a:ext>
+            </a:extLst>
+          </p:cNvPr>
+          <p:cNvSpPr>
+            <a:spLocks noGrp="1"/>
+          </p:cNvSpPr>
+          <p:nvPr>
+            <p:ph type="title"/>
+          </p:nvPr>
+        </p:nvSpPr>
+        <p:spPr/>
+        <p:txBody>
+          <a:bodyPr/>
+          <a:lstStyle/>
+          <a:p>
+            <a:pPr algn="ctr"/>
+            <a:r>
+              <a:rPr lang="no-NO" sz="3600" dirty="0"/>
+              <a:t>Cisco Live!</a:t>
+            </a:r>
+            <a:endParaRPr lang="nb-NO" dirty="0"/>
+          </a:p>
+        </p:txBody>
+      </p:sp>
+      <p:sp>
+        <p:nvSpPr>
+          <p:cNvPr id="3" name="Content Placeholder 2">
+            <a:extLst>
+              <a:ext uri="{FF2B5EF4-FFF2-40B4-BE49-F238E27FC236}">
+                <a16:creationId xmlns:a16="http://schemas.microsoft.com/office/drawing/2014/main" id="{BC48574D-236C-40BA-AB9B-2BFEF0FE443B}"/>
+              </a:ext>
+            </a:extLst>
+          </p:cNvPr>
+          <p:cNvSpPr>
+            <a:spLocks noGrp="1"/>
+          </p:cNvSpPr>
+          <p:nvPr>
+            <p:ph sz="quarter" idx="10"/>
+          </p:nvPr>
+        </p:nvSpPr>
+        <p:spPr>
+          <a:xfrm>
+            <a:off x="357600" y="822692"/>
+            <a:ext cx="11476800" cy="5500835"/>
+          </a:xfrm>
+        </p:spPr>
+        <p:txBody>
+          <a:bodyPr anchor="t"/>
+          <a:lstStyle/>
+          <a:p>
+            <a:pPr marL="122" indent="0">
+              <a:buNone/>
+            </a:pPr>
+            <a:endParaRPr lang="en-US" sz="2000" dirty="0"/>
+          </a:p>
+          <a:p>
+            <a:pPr marL="457322" indent="-457200">
+              <a:buFont typeface="+mj-lt"/>
+              <a:buAutoNum type="arabicPeriod"/>
+            </a:pPr>
+            <a:endParaRPr lang="en-US" sz="2000" dirty="0"/>
+          </a:p>
+          <a:p>
+            <a:endParaRPr lang="en-US" sz="2000" dirty="0"/>
+          </a:p>
+        </p:txBody>
+      </p:sp>
+      <p:sp>
+        <p:nvSpPr>
+          <p:cNvPr id="4" name="Footer Placeholder 3">
+            <a:extLst>
+              <a:ext uri="{FF2B5EF4-FFF2-40B4-BE49-F238E27FC236}">
+                <a16:creationId xmlns:a16="http://schemas.microsoft.com/office/drawing/2014/main" id="{7731CFEB-8014-4FCB-ACB4-EA6E7426C381}"/>
+              </a:ext>
+            </a:extLst>
+          </p:cNvPr>
+          <p:cNvSpPr>
+            <a:spLocks noGrp="1"/>
+          </p:cNvSpPr>
+          <p:nvPr>
+            <p:ph type="ftr" sz="quarter" idx="12"/>
+          </p:nvPr>
+        </p:nvSpPr>
+        <p:spPr/>
+        <p:txBody>
+          <a:bodyPr/>
+          <a:lstStyle/>
+          <a:p>
+            <a:endParaRPr lang="da-DK"/>
+          </a:p>
+        </p:txBody>
+      </p:sp>
+      <p:pic>
+        <p:nvPicPr>
+          <p:cNvPr id="8" name="Picture 7">
+            <a:extLst>
+              <a:ext uri="{FF2B5EF4-FFF2-40B4-BE49-F238E27FC236}">
+                <a16:creationId xmlns:a16="http://schemas.microsoft.com/office/drawing/2014/main" id="{8EACA43B-EF7A-4A6E-A0FE-D6EF409C27D6}"/>
+              </a:ext>
+            </a:extLst>
+          </p:cNvPr>
+          <p:cNvPicPr>
+            <a:picLocks noChangeAspect="1"/>
+          </p:cNvPicPr>
+          <p:nvPr/>
+        </p:nvPicPr>
+        <p:blipFill>
+          <a:blip r:embed="rId2"/>
+          <a:stretch>
+            <a:fillRect/>
+          </a:stretch>
+        </p:blipFill>
+        <p:spPr>
+          <a:xfrm>
+            <a:off x="1997783" y="849670"/>
+            <a:ext cx="8371640" cy="5980621"/>
+          </a:xfrm>
+          <a:prstGeom prst="rect">
+            <a:avLst/>
+          </a:prstGeom>
+        </p:spPr>
+      </p:pic>
+    </p:spTree>
+    <p:extLst>
+      <p:ext uri="{BB962C8B-B14F-4D97-AF65-F5344CB8AC3E}">
+        <p14:creationId xmlns:p14="http://schemas.microsoft.com/office/powerpoint/2010/main" val="2488545798"/>
+      </p:ext>
+    </p:extLst>
+  </p:cSld>
+  <p:clrMapOvr>
+    <a:masterClrMapping/>
+  </p:clrMapOvr>
+</p:sld>
+</file>
+
+<file path=ppt/slides/slide9.xml><?xml version="1.0" encoding="utf-8"?>
+<p:sld xmlns:a="http://schemas.openxmlformats.org/drawingml/2006/main" xmlns:r="http://schemas.openxmlformats.org/officeDocument/2006/relationships" xmlns:p="http://schemas.openxmlformats.org/presentationml/2006/main">
+  <p:cSld>
+    <p:spTree>
+      <p:nvGrpSpPr>
+        <p:cNvPr id="1" name=""/>
+        <p:cNvGrpSpPr/>
+        <p:nvPr/>
+      </p:nvGrpSpPr>
+      <p:grpSpPr>
+        <a:xfrm>
+          <a:off x="0" y="0"/>
+          <a:ext cx="0" cy="0"/>
+          <a:chOff x="0" y="0"/>
+          <a:chExt cx="0" cy="0"/>
+        </a:xfrm>
+      </p:grpSpPr>
+      <p:sp>
+        <p:nvSpPr>
+          <p:cNvPr id="6" name="Subtitle 5">
+            <a:extLst>
+              <a:ext uri="{FF2B5EF4-FFF2-40B4-BE49-F238E27FC236}">
+                <a16:creationId xmlns:a16="http://schemas.microsoft.com/office/drawing/2014/main" id="{17E14BFF-5B9F-46CB-BF91-F297AF182324}"/>
+              </a:ext>
+            </a:extLst>
+          </p:cNvPr>
+          <p:cNvSpPr>
+            <a:spLocks noGrp="1"/>
+          </p:cNvSpPr>
+          <p:nvPr>
+            <p:ph type="subTitle" idx="1"/>
+          </p:nvPr>
+        </p:nvSpPr>
+        <p:spPr/>
+        <p:txBody>
+          <a:bodyPr/>
+          <a:lstStyle/>
+          <a:p>
+            <a:r>
+              <a:rPr lang="nb-NO" dirty="0"/>
+              <a:t>SD-WAN</a:t>
+            </a:r>
+            <a:endParaRPr lang="en-US" dirty="0"/>
+          </a:p>
+        </p:txBody>
+      </p:sp>
+    </p:spTree>
+    <p:extLst>
+      <p:ext uri="{BB962C8B-B14F-4D97-AF65-F5344CB8AC3E}">
+        <p14:creationId xmlns:p14="http://schemas.microsoft.com/office/powerpoint/2010/main" val="3350800201"/>
       </p:ext>
     </p:extLst>
   </p:cSld>
@@ -15946,23 +16218,6 @@
 </file>
 
 <file path=customXml/item1.xml><?xml version="1.0" encoding="utf-8"?>
-<?mso-contentType ?>
-<FormTemplates xmlns="http://schemas.microsoft.com/sharepoint/v3/contenttype/forms">
-  <Display>DocumentLibraryForm</Display>
-  <Edit>DocumentLibraryForm</Edit>
-  <New>DocumentLibraryForm</New>
-</FormTemplates>
-</file>
-
-<file path=customXml/item2.xml><?xml version="1.0" encoding="utf-8"?>
-<p:properties xmlns:p="http://schemas.microsoft.com/office/2006/metadata/properties" xmlns:xsi="http://www.w3.org/2001/XMLSchema-instance" xmlns:pc="http://schemas.microsoft.com/office/infopath/2007/PartnerControls">
-  <documentManagement>
-    <arDocumentType xmlns="62b5b812-113d-4ff2-8b14-f86608aed96b">Documentation</arDocumentType>
-  </documentManagement>
-</p:properties>
-</file>
-
-<file path=customXml/item3.xml><?xml version="1.0" encoding="utf-8"?>
 <ct:contentTypeSchema xmlns:ct="http://schemas.microsoft.com/office/2006/metadata/contentType" xmlns:ma="http://schemas.microsoft.com/office/2006/metadata/properties/metaAttributes" ct:_="" ma:_="" ma:contentTypeName="Document" ma:contentTypeID="0x010100F9D6E70A7761D14196DA26F4523DEE99" ma:contentTypeVersion="7" ma:contentTypeDescription="Create a new document." ma:contentTypeScope="" ma:versionID="03d7bc432b7f5205a77c3cbb62778e56">
   <xsd:schema xmlns:xsd="http://www.w3.org/2001/XMLSchema" xmlns:xs="http://www.w3.org/2001/XMLSchema" xmlns:p="http://schemas.microsoft.com/office/2006/metadata/properties" xmlns:ns2="62b5b812-113d-4ff2-8b14-f86608aed96b" xmlns:ns3="61a25f54-02d4-4ed8-bf25-02d338318ebf" targetNamespace="http://schemas.microsoft.com/office/2006/metadata/properties" ma:root="true" ma:fieldsID="58c67a4f19fb962da411f8881a437cf0" ns2:_="" ns3:_="">
     <xsd:import namespace="62b5b812-113d-4ff2-8b14-f86608aed96b"/>
@@ -16157,10 +16412,38 @@
 </ct:contentTypeSchema>
 </file>
 
+<file path=customXml/item2.xml><?xml version="1.0" encoding="utf-8"?>
+<p:properties xmlns:p="http://schemas.microsoft.com/office/2006/metadata/properties" xmlns:xsi="http://www.w3.org/2001/XMLSchema-instance" xmlns:pc="http://schemas.microsoft.com/office/infopath/2007/PartnerControls">
+  <documentManagement>
+    <arDocumentType xmlns="62b5b812-113d-4ff2-8b14-f86608aed96b">Documentation</arDocumentType>
+  </documentManagement>
+</p:properties>
+</file>
+
+<file path=customXml/item3.xml><?xml version="1.0" encoding="utf-8"?>
+<?mso-contentType ?>
+<FormTemplates xmlns="http://schemas.microsoft.com/sharepoint/v3/contenttype/forms">
+  <Display>DocumentLibraryForm</Display>
+  <Edit>DocumentLibraryForm</Edit>
+  <New>DocumentLibraryForm</New>
+</FormTemplates>
+</file>
+
 <file path=customXml/itemProps1.xml><?xml version="1.0" encoding="utf-8"?>
-<ds:datastoreItem xmlns:ds="http://schemas.openxmlformats.org/officeDocument/2006/customXml" ds:itemID="{FAFE0268-5015-4872-8328-FA4C373266B3}">
+<ds:datastoreItem xmlns:ds="http://schemas.openxmlformats.org/officeDocument/2006/customXml" ds:itemID="{88E25182-9679-47CF-87AA-9D896B17B3A2}">
   <ds:schemaRefs>
-    <ds:schemaRef ds:uri="http://schemas.microsoft.com/sharepoint/v3/contenttype/forms"/>
+    <ds:schemaRef ds:uri="http://schemas.microsoft.com/office/2006/metadata/contentType"/>
+    <ds:schemaRef ds:uri="http://schemas.microsoft.com/office/2006/metadata/properties/metaAttributes"/>
+    <ds:schemaRef ds:uri="http://www.w3.org/2001/XMLSchema"/>
+    <ds:schemaRef ds:uri="http://schemas.microsoft.com/office/2006/metadata/properties"/>
+    <ds:schemaRef ds:uri="62b5b812-113d-4ff2-8b14-f86608aed96b"/>
+    <ds:schemaRef ds:uri="61a25f54-02d4-4ed8-bf25-02d338318ebf"/>
+    <ds:schemaRef ds:uri="http://schemas.microsoft.com/office/2006/documentManagement/types"/>
+    <ds:schemaRef ds:uri="http://schemas.microsoft.com/office/infopath/2007/PartnerControls"/>
+    <ds:schemaRef ds:uri="http://schemas.openxmlformats.org/package/2006/metadata/core-properties"/>
+    <ds:schemaRef ds:uri="http://purl.org/dc/elements/1.1/"/>
+    <ds:schemaRef ds:uri="http://purl.org/dc/terms/"/>
+    <ds:schemaRef ds:uri="http://schemas.microsoft.com/internal/obd"/>
   </ds:schemaRefs>
 </ds:datastoreItem>
 </file>
@@ -16183,20 +16466,9 @@
 </file>
 
 <file path=customXml/itemProps3.xml><?xml version="1.0" encoding="utf-8"?>
-<ds:datastoreItem xmlns:ds="http://schemas.openxmlformats.org/officeDocument/2006/customXml" ds:itemID="{88E25182-9679-47CF-87AA-9D896B17B3A2}">
+<ds:datastoreItem xmlns:ds="http://schemas.openxmlformats.org/officeDocument/2006/customXml" ds:itemID="{FAFE0268-5015-4872-8328-FA4C373266B3}">
   <ds:schemaRefs>
-    <ds:schemaRef ds:uri="http://schemas.microsoft.com/office/2006/metadata/contentType"/>
-    <ds:schemaRef ds:uri="http://schemas.microsoft.com/office/2006/metadata/properties/metaAttributes"/>
-    <ds:schemaRef ds:uri="http://www.w3.org/2001/XMLSchema"/>
-    <ds:schemaRef ds:uri="http://schemas.microsoft.com/office/2006/metadata/properties"/>
-    <ds:schemaRef ds:uri="62b5b812-113d-4ff2-8b14-f86608aed96b"/>
-    <ds:schemaRef ds:uri="61a25f54-02d4-4ed8-bf25-02d338318ebf"/>
-    <ds:schemaRef ds:uri="http://schemas.microsoft.com/office/2006/documentManagement/types"/>
-    <ds:schemaRef ds:uri="http://schemas.microsoft.com/office/infopath/2007/PartnerControls"/>
-    <ds:schemaRef ds:uri="http://schemas.openxmlformats.org/package/2006/metadata/core-properties"/>
-    <ds:schemaRef ds:uri="http://purl.org/dc/elements/1.1/"/>
-    <ds:schemaRef ds:uri="http://purl.org/dc/terms/"/>
-    <ds:schemaRef ds:uri="http://schemas.microsoft.com/internal/obd"/>
+    <ds:schemaRef ds:uri="http://schemas.microsoft.com/sharepoint/v3/contenttype/forms"/>
   </ds:schemaRefs>
 </ds:datastoreItem>
 </file>